--- a/Poster/DF_GPs_v1.0.pptx
+++ b/Poster/DF_GPs_v1.0.pptx
@@ -266,7 +266,7 @@
             <a:fld id="{0158C5BC-9A70-462C-B28D-9600239EAC64}" type="datetimeFigureOut">
               <a:rPr lang="en-US" smtClean="0"/>
               <a:pPr/>
-              <a:t>10/7/19</a:t>
+              <a:t>10/11/19</a:t>
             </a:fld>
             <a:endParaRPr lang="en-US"/>
           </a:p>
@@ -433,7 +433,7 @@
             <a:fld id="{E6CC2317-6751-4CD4-9995-8782DD78E936}" type="datetimeFigureOut">
               <a:rPr lang="en-US" smtClean="0"/>
               <a:pPr/>
-              <a:t>10/7/19</a:t>
+              <a:t>10/11/19</a:t>
             </a:fld>
             <a:endParaRPr lang="en-US" dirty="0"/>
           </a:p>
@@ -2374,7 +2374,7 @@
               <a:graphicData uri="http://schemas.openxmlformats.org/presentationml/2006/ole">
                 <mc:AlternateContent xmlns:mc="http://schemas.openxmlformats.org/markup-compatibility/2006">
                   <mc:Choice xmlns:v="urn:schemas-microsoft-com:vml" Requires="v">
-                    <p:oleObj spid="_x0000_s5526" name="Image" r:id="rId8" imgW="1828440" imgH="1117440" progId="Photoshop.Image.13">
+                    <p:oleObj spid="_x0000_s5690" name="Image" r:id="rId8" imgW="1828440" imgH="1117440" progId="Photoshop.Image.13">
                       <p:embed/>
                     </p:oleObj>
                   </mc:Choice>
@@ -2431,7 +2431,7 @@
               <a:graphicData uri="http://schemas.openxmlformats.org/presentationml/2006/ole">
                 <mc:AlternateContent xmlns:mc="http://schemas.openxmlformats.org/markup-compatibility/2006">
                   <mc:Choice xmlns:v="urn:schemas-microsoft-com:vml" Requires="v">
-                    <p:oleObj spid="_x0000_s5527" name="Image" r:id="rId10" imgW="1828440" imgH="1117440" progId="Photoshop.Image.13">
+                    <p:oleObj spid="_x0000_s5691" name="Image" r:id="rId10" imgW="1828440" imgH="1117440" progId="Photoshop.Image.13">
                       <p:embed/>
                     </p:oleObj>
                   </mc:Choice>
@@ -3566,7 +3566,7 @@
             <a:graphicData uri="http://schemas.openxmlformats.org/presentationml/2006/ole">
               <mc:AlternateContent xmlns:mc="http://schemas.openxmlformats.org/markup-compatibility/2006">
                 <mc:Choice xmlns:v="urn:schemas-microsoft-com:vml" Requires="v">
-                  <p:oleObj spid="_x0000_s5528" name="Image" r:id="rId12" imgW="4571280" imgH="1688760" progId="Photoshop.Image.13">
+                  <p:oleObj spid="_x0000_s5692" name="Image" r:id="rId12" imgW="4571280" imgH="1688760" progId="Photoshop.Image.13">
                     <p:embed/>
                   </p:oleObj>
                 </mc:Choice>
@@ -3650,7 +3650,7 @@
             <a:graphicData uri="http://schemas.openxmlformats.org/presentationml/2006/ole">
               <mc:AlternateContent xmlns:mc="http://schemas.openxmlformats.org/markup-compatibility/2006">
                 <mc:Choice xmlns:v="urn:schemas-microsoft-com:vml" Requires="v">
-                  <p:oleObj spid="_x0000_s5529" name="Image" r:id="rId15" imgW="1574280" imgH="1053720" progId="Photoshop.Image.13">
+                  <p:oleObj spid="_x0000_s5693" name="Image" r:id="rId15" imgW="1574280" imgH="1053720" progId="Photoshop.Image.13">
                     <p:embed/>
                   </p:oleObj>
                 </mc:Choice>
@@ -5713,7 +5713,7 @@
               <a:graphicData uri="http://schemas.openxmlformats.org/presentationml/2006/ole">
                 <mc:AlternateContent xmlns:mc="http://schemas.openxmlformats.org/markup-compatibility/2006">
                   <mc:Choice xmlns:v="urn:schemas-microsoft-com:vml" Requires="v">
-                    <p:oleObj spid="_x0000_s6530" name="Image" r:id="rId7" imgW="1828440" imgH="1117440" progId="Photoshop.Image.13">
+                    <p:oleObj spid="_x0000_s6694" name="Image" r:id="rId7" imgW="1828440" imgH="1117440" progId="Photoshop.Image.13">
                       <p:embed/>
                     </p:oleObj>
                   </mc:Choice>
@@ -5770,7 +5770,7 @@
               <a:graphicData uri="http://schemas.openxmlformats.org/presentationml/2006/ole">
                 <mc:AlternateContent xmlns:mc="http://schemas.openxmlformats.org/markup-compatibility/2006">
                   <mc:Choice xmlns:v="urn:schemas-microsoft-com:vml" Requires="v">
-                    <p:oleObj spid="_x0000_s6531" name="Image" r:id="rId9" imgW="1828440" imgH="1117440" progId="Photoshop.Image.13">
+                    <p:oleObj spid="_x0000_s6695" name="Image" r:id="rId9" imgW="1828440" imgH="1117440" progId="Photoshop.Image.13">
                       <p:embed/>
                     </p:oleObj>
                   </mc:Choice>
@@ -6905,7 +6905,7 @@
             <a:graphicData uri="http://schemas.openxmlformats.org/presentationml/2006/ole">
               <mc:AlternateContent xmlns:mc="http://schemas.openxmlformats.org/markup-compatibility/2006">
                 <mc:Choice xmlns:v="urn:schemas-microsoft-com:vml" Requires="v">
-                  <p:oleObj spid="_x0000_s6532" name="Image" r:id="rId11" imgW="4571280" imgH="1688760" progId="Photoshop.Image.13">
+                  <p:oleObj spid="_x0000_s6696" name="Image" r:id="rId11" imgW="4571280" imgH="1688760" progId="Photoshop.Image.13">
                     <p:embed/>
                   </p:oleObj>
                 </mc:Choice>
@@ -6989,7 +6989,7 @@
             <a:graphicData uri="http://schemas.openxmlformats.org/presentationml/2006/ole">
               <mc:AlternateContent xmlns:mc="http://schemas.openxmlformats.org/markup-compatibility/2006">
                 <mc:Choice xmlns:v="urn:schemas-microsoft-com:vml" Requires="v">
-                  <p:oleObj spid="_x0000_s6533" name="Image" r:id="rId14" imgW="1574280" imgH="1053720" progId="Photoshop.Image.13">
+                  <p:oleObj spid="_x0000_s6697" name="Image" r:id="rId14" imgW="1574280" imgH="1053720" progId="Photoshop.Image.13">
                     <p:embed/>
                   </p:oleObj>
                 </mc:Choice>
@@ -7706,8 +7706,8 @@
           </a:p>
         </p:txBody>
       </p:sp>
-      <mc:AlternateContent xmlns:mc="http://schemas.openxmlformats.org/markup-compatibility/2006">
-        <mc:Choice xmlns:a14="http://schemas.microsoft.com/office/drawing/2010/main" Requires="a14">
+      <mc:AlternateContent xmlns:mc="http://schemas.openxmlformats.org/markup-compatibility/2006" xmlns:a14="http://schemas.microsoft.com/office/drawing/2010/main">
+        <mc:Choice Requires="a14">
           <p:sp>
             <p:nvSpPr>
               <p:cNvPr id="344" name="Text Placeholder 343"/>
@@ -7907,7 +7907,7 @@
             </p:txBody>
           </p:sp>
         </mc:Choice>
-        <mc:Fallback>
+        <mc:Fallback xmlns="">
           <p:sp>
             <p:nvSpPr>
               <p:cNvPr id="344" name="Text Placeholder 343"/>
@@ -7981,7 +7981,7 @@
         </p:nvSpPr>
         <p:spPr>
           <a:xfrm>
-            <a:off x="1913467" y="19134008"/>
+            <a:off x="1871196" y="20216820"/>
             <a:ext cx="12271456" cy="2778917"/>
           </a:xfrm>
           <a:prstGeom prst="rect">
@@ -8144,7 +8144,7 @@
               <a:rPr lang="en-GB" dirty="0">
                 <a:latin typeface="+mn-lt"/>
               </a:rPr>
-              <a:t>All data sources should be thought of as imperfect representations of the truth. Biases can be both systematic and random.</a:t>
+              <a:t>All data sources should be thought of as imperfect representations of the truth. Biases can be both systematic and random</a:t>
             </a:r>
           </a:p>
           <a:p>
@@ -8156,7 +8156,7 @@
               <a:rPr lang="en-GB" dirty="0">
                 <a:latin typeface="+mn-lt"/>
               </a:rPr>
-              <a:t>The data sources can have different spatial support.</a:t>
+              <a:t>The data sources can have different spatial support</a:t>
             </a:r>
           </a:p>
           <a:p>
@@ -8168,192 +8168,7 @@
               <a:rPr lang="en-GB" dirty="0">
                 <a:latin typeface="+mn-lt"/>
               </a:rPr>
-              <a:t>It is important to accurately quantify uncertainty from the different data sources and propagate this to predictions.</a:t>
-            </a:r>
-          </a:p>
-        </p:txBody>
-      </p:sp>
-      <p:sp>
-        <p:nvSpPr>
-          <p:cNvPr id="66" name="Text Placeholder 7"/>
-          <p:cNvSpPr txBox="1">
-            <a:spLocks/>
-          </p:cNvSpPr>
-          <p:nvPr/>
-        </p:nvSpPr>
-        <p:spPr>
-          <a:xfrm>
-            <a:off x="16812235" y="6800740"/>
-            <a:ext cx="15449917" cy="1449323"/>
-          </a:xfrm>
-          <a:prstGeom prst="rect">
-            <a:avLst/>
-          </a:prstGeom>
-        </p:spPr>
-        <p:txBody>
-          <a:bodyPr wrap="square" lIns="223877" tIns="223877" rIns="223877" bIns="223877">
-            <a:spAutoFit/>
-          </a:bodyPr>
-          <a:lstStyle>
-            <a:lvl1pPr marL="0" indent="0" algn="l" defTabSz="4298410" rtl="0" eaLnBrk="1" latinLnBrk="0" hangingPunct="1">
-              <a:spcBef>
-                <a:spcPct val="20000"/>
-              </a:spcBef>
-              <a:buFont typeface="Arial" pitchFamily="34" charset="0"/>
-              <a:buNone/>
-              <a:defRPr sz="2800" kern="1200">
-                <a:solidFill>
-                  <a:schemeClr val="accent5">
-                    <a:lumMod val="50000"/>
-                  </a:schemeClr>
-                </a:solidFill>
-                <a:latin typeface="Trebuchet MS" pitchFamily="34" charset="0"/>
-                <a:ea typeface="+mn-ea"/>
-                <a:cs typeface="+mn-cs"/>
-              </a:defRPr>
-            </a:lvl1pPr>
-            <a:lvl2pPr marL="1455191" indent="-559688" algn="l" defTabSz="4298410" rtl="0" eaLnBrk="1" latinLnBrk="0" hangingPunct="1">
-              <a:spcBef>
-                <a:spcPct val="20000"/>
-              </a:spcBef>
-              <a:buFont typeface="Arial" pitchFamily="34" charset="0"/>
-              <a:buChar char="–"/>
-              <a:defRPr sz="2500" kern="1200">
-                <a:solidFill>
-                  <a:schemeClr val="tx1"/>
-                </a:solidFill>
-                <a:latin typeface="Trebuchet MS" pitchFamily="34" charset="0"/>
-                <a:ea typeface="+mn-ea"/>
-                <a:cs typeface="+mn-cs"/>
-              </a:defRPr>
-            </a:lvl2pPr>
-            <a:lvl3pPr marL="2014879" indent="-559688" algn="l" defTabSz="4298410" rtl="0" eaLnBrk="1" latinLnBrk="0" hangingPunct="1">
-              <a:spcBef>
-                <a:spcPct val="20000"/>
-              </a:spcBef>
-              <a:buFont typeface="Arial" pitchFamily="34" charset="0"/>
-              <a:buChar char="•"/>
-              <a:defRPr sz="2500" kern="1200">
-                <a:solidFill>
-                  <a:schemeClr val="tx1"/>
-                </a:solidFill>
-                <a:latin typeface="Trebuchet MS" pitchFamily="34" charset="0"/>
-                <a:ea typeface="+mn-ea"/>
-                <a:cs typeface="+mn-cs"/>
-              </a:defRPr>
-            </a:lvl3pPr>
-            <a:lvl4pPr marL="2630537" indent="-615658" algn="l" defTabSz="4298410" rtl="0" eaLnBrk="1" latinLnBrk="0" hangingPunct="1">
-              <a:spcBef>
-                <a:spcPct val="20000"/>
-              </a:spcBef>
-              <a:buFont typeface="Arial" pitchFamily="34" charset="0"/>
-              <a:buChar char="–"/>
-              <a:defRPr sz="2500" kern="1200">
-                <a:solidFill>
-                  <a:schemeClr val="tx1"/>
-                </a:solidFill>
-                <a:latin typeface="Trebuchet MS" pitchFamily="34" charset="0"/>
-                <a:ea typeface="+mn-ea"/>
-                <a:cs typeface="+mn-cs"/>
-              </a:defRPr>
-            </a:lvl4pPr>
-            <a:lvl5pPr marL="3078288" indent="-447751" algn="l" defTabSz="4298410" rtl="0" eaLnBrk="1" latinLnBrk="0" hangingPunct="1">
-              <a:spcBef>
-                <a:spcPct val="20000"/>
-              </a:spcBef>
-              <a:buFont typeface="Arial" pitchFamily="34" charset="0"/>
-              <a:buChar char="»"/>
-              <a:defRPr sz="2500" kern="1200">
-                <a:solidFill>
-                  <a:schemeClr val="tx1"/>
-                </a:solidFill>
-                <a:latin typeface="Trebuchet MS" pitchFamily="34" charset="0"/>
-                <a:ea typeface="+mn-ea"/>
-                <a:cs typeface="+mn-cs"/>
-              </a:defRPr>
-            </a:lvl5pPr>
-            <a:lvl6pPr marL="11820625" indent="-1074603" algn="l" defTabSz="4298410" rtl="0" eaLnBrk="1" latinLnBrk="0" hangingPunct="1">
-              <a:spcBef>
-                <a:spcPct val="20000"/>
-              </a:spcBef>
-              <a:buFont typeface="Arial" pitchFamily="34" charset="0"/>
-              <a:buChar char="•"/>
-              <a:defRPr sz="9500" kern="1200">
-                <a:solidFill>
-                  <a:schemeClr val="tx1"/>
-                </a:solidFill>
-                <a:latin typeface="+mn-lt"/>
-                <a:ea typeface="+mn-ea"/>
-                <a:cs typeface="+mn-cs"/>
-              </a:defRPr>
-            </a:lvl6pPr>
-            <a:lvl7pPr marL="13969828" indent="-1074603" algn="l" defTabSz="4298410" rtl="0" eaLnBrk="1" latinLnBrk="0" hangingPunct="1">
-              <a:spcBef>
-                <a:spcPct val="20000"/>
-              </a:spcBef>
-              <a:buFont typeface="Arial" pitchFamily="34" charset="0"/>
-              <a:buChar char="•"/>
-              <a:defRPr sz="9500" kern="1200">
-                <a:solidFill>
-                  <a:schemeClr val="tx1"/>
-                </a:solidFill>
-                <a:latin typeface="+mn-lt"/>
-                <a:ea typeface="+mn-ea"/>
-                <a:cs typeface="+mn-cs"/>
-              </a:defRPr>
-            </a:lvl7pPr>
-            <a:lvl8pPr marL="16119034" indent="-1074603" algn="l" defTabSz="4298410" rtl="0" eaLnBrk="1" latinLnBrk="0" hangingPunct="1">
-              <a:spcBef>
-                <a:spcPct val="20000"/>
-              </a:spcBef>
-              <a:buFont typeface="Arial" pitchFamily="34" charset="0"/>
-              <a:buChar char="•"/>
-              <a:defRPr sz="9500" kern="1200">
-                <a:solidFill>
-                  <a:schemeClr val="tx1"/>
-                </a:solidFill>
-                <a:latin typeface="+mn-lt"/>
-                <a:ea typeface="+mn-ea"/>
-                <a:cs typeface="+mn-cs"/>
-              </a:defRPr>
-            </a:lvl8pPr>
-            <a:lvl9pPr marL="18268238" indent="-1074603" algn="l" defTabSz="4298410" rtl="0" eaLnBrk="1" latinLnBrk="0" hangingPunct="1">
-              <a:spcBef>
-                <a:spcPct val="20000"/>
-              </a:spcBef>
-              <a:buFont typeface="Arial" pitchFamily="34" charset="0"/>
-              <a:buChar char="•"/>
-              <a:defRPr sz="9500" kern="1200">
-                <a:solidFill>
-                  <a:schemeClr val="tx1"/>
-                </a:solidFill>
-                <a:latin typeface="+mn-lt"/>
-                <a:ea typeface="+mn-ea"/>
-                <a:cs typeface="+mn-cs"/>
-              </a:defRPr>
-            </a:lvl9pPr>
-          </a:lstStyle>
-          <a:p>
-            <a:pPr marL="342900" indent="-342900">
-              <a:buFont typeface="Wingdings" panose="05000000000000000000" pitchFamily="2" charset="2"/>
-              <a:buChar char="ü"/>
-            </a:pPr>
-            <a:r>
-              <a:rPr lang="en-US" sz="2400" dirty="0"/>
-              <a:t>IQR: Interquartile Range of the expectation of the norm of the parameters</a:t>
-            </a:r>
-          </a:p>
-          <a:p>
-            <a:pPr marL="342900" indent="-342900">
-              <a:lnSpc>
-                <a:spcPct val="150000"/>
-              </a:lnSpc>
-              <a:buFont typeface="Wingdings" panose="05000000000000000000" pitchFamily="2" charset="2"/>
-              <a:buChar char="ü"/>
-            </a:pPr>
-            <a:r>
-              <a:rPr lang="en-US" sz="2400" dirty="0"/>
-              <a:t>Convergence analysis: IQR against computational costs (number of n^3 operations)</a:t>
+              <a:t>It is important to accurately quantify uncertainty from the different data sources and propagate this to predictions</a:t>
             </a:r>
           </a:p>
         </p:txBody>
@@ -8368,8 +8183,8 @@
         </p:nvSpPr>
         <p:spPr>
           <a:xfrm>
-            <a:off x="16788320" y="8095474"/>
-            <a:ext cx="15045127" cy="821458"/>
+            <a:off x="16441031" y="6752544"/>
+            <a:ext cx="15872319" cy="1264657"/>
           </a:xfrm>
           <a:prstGeom prst="rect">
             <a:avLst/>
@@ -8521,13 +8336,29 @@
           <a:p>
             <a:pPr algn="ctr"/>
             <a:r>
-              <a:rPr lang="en-US" sz="2400" b="1" dirty="0">
+              <a:rPr lang="en-GB" sz="2400" dirty="0">
                 <a:solidFill>
                   <a:schemeClr val="tx1"/>
                 </a:solidFill>
               </a:rPr>
-              <a:t>GP regression - AMIS vs MH, Best of HMC family, slice sampling (SS)</a:t>
+              <a:t>The out-of-sample RMSE, average width of 95% confidence interval and coverage probability</a:t>
             </a:r>
+          </a:p>
+          <a:p>
+            <a:pPr algn="ctr"/>
+            <a:r>
+              <a:rPr lang="en-GB" sz="2400" dirty="0">
+                <a:solidFill>
+                  <a:schemeClr val="tx1"/>
+                </a:solidFill>
+              </a:rPr>
+              <a:t> over 100 simulations for Kriging and the DF approach</a:t>
+            </a:r>
+            <a:endParaRPr lang="en-US" sz="2400" dirty="0">
+              <a:solidFill>
+                <a:schemeClr val="tx1"/>
+              </a:solidFill>
+            </a:endParaRPr>
           </a:p>
         </p:txBody>
       </p:sp>
@@ -8543,7 +8374,7 @@
             </p:nvSpPr>
             <p:spPr>
               <a:xfrm>
-                <a:off x="2263740" y="24115476"/>
+                <a:off x="2236555" y="25313153"/>
                 <a:ext cx="10513761" cy="2741984"/>
               </a:xfrm>
               <a:prstGeom prst="rect">
@@ -8897,6 +8728,7 @@
                   <m:oMath xmlns:m="http://schemas.openxmlformats.org/officeDocument/2006/math">
                     <m:r>
                       <a:rPr lang="en-US" sz="2400" dirty="0">
+                        <a:latin typeface="Cambria Math" panose="02040503050406030204" pitchFamily="18" charset="0"/>
                         <a:ea typeface="Cambria Math"/>
                       </a:rPr>
                       <m:t>~</m:t>
@@ -9031,7 +8863,7 @@
             </p:nvSpPr>
             <p:spPr>
               <a:xfrm>
-                <a:off x="2263740" y="24115476"/>
+                <a:off x="2236555" y="25313153"/>
                 <a:ext cx="10513761" cy="2741984"/>
               </a:xfrm>
               <a:prstGeom prst="rect">
@@ -9656,7 +9488,7 @@
         </p:nvSpPr>
         <p:spPr>
           <a:xfrm>
-            <a:off x="419523" y="23475678"/>
+            <a:off x="392338" y="24673355"/>
             <a:ext cx="15782400" cy="547200"/>
           </a:xfrm>
           <a:prstGeom prst="rect">
@@ -9996,36 +9828,6 @@
           </a:p>
         </p:txBody>
       </p:sp>
-      <p:pic>
-        <p:nvPicPr>
-          <p:cNvPr id="15" name="Picture 14"/>
-          <p:cNvPicPr>
-            <a:picLocks noChangeAspect="1"/>
-          </p:cNvPicPr>
-          <p:nvPr/>
-        </p:nvPicPr>
-        <p:blipFill>
-          <a:blip r:embed="rId5">
-            <a:extLst>
-              <a:ext uri="{28A0092B-C50C-407E-A947-70E740481C1C}">
-                <a14:useLocalDpi xmlns:a14="http://schemas.microsoft.com/office/drawing/2010/main" val="0"/>
-              </a:ext>
-            </a:extLst>
-          </a:blip>
-          <a:stretch>
-            <a:fillRect/>
-          </a:stretch>
-        </p:blipFill>
-        <p:spPr>
-          <a:xfrm>
-            <a:off x="25484863" y="30782625"/>
-            <a:ext cx="6187518" cy="6095602"/>
-          </a:xfrm>
-          <a:prstGeom prst="rect">
-            <a:avLst/>
-          </a:prstGeom>
-        </p:spPr>
-      </p:pic>
       <p:sp>
         <p:nvSpPr>
           <p:cNvPr id="64" name="Text Placeholder 337"/>
@@ -10196,902 +9998,7 @@
                   <a:schemeClr val="bg1"/>
                 </a:solidFill>
               </a:rPr>
-              <a:t>Application of PM-AMIS for GPs: Personality inference from Flickr images </a:t>
-            </a:r>
-          </a:p>
-        </p:txBody>
-      </p:sp>
-      <p:graphicFrame>
-        <p:nvGraphicFramePr>
-          <p:cNvPr id="16" name="Table 15"/>
-          <p:cNvGraphicFramePr>
-            <a:graphicFrameLocks noGrp="1"/>
-          </p:cNvGraphicFramePr>
-          <p:nvPr>
-            <p:extLst>
-              <p:ext uri="{D42A27DB-BD31-4B8C-83A1-F6EECF244321}">
-                <p14:modId xmlns:p14="http://schemas.microsoft.com/office/powerpoint/2010/main" val="486156683"/>
-              </p:ext>
-            </p:extLst>
-          </p:nvPr>
-        </p:nvGraphicFramePr>
-        <p:xfrm>
-          <a:off x="17444685" y="32016438"/>
-          <a:ext cx="6983985" cy="3627976"/>
-        </p:xfrm>
-        <a:graphic>
-          <a:graphicData uri="http://schemas.openxmlformats.org/drawingml/2006/table">
-            <a:tbl>
-              <a:tblPr firstRow="1" bandRow="1">
-                <a:tableStyleId>{5C22544A-7EE6-4342-B048-85BDC9FD1C3A}</a:tableStyleId>
-              </a:tblPr>
-              <a:tblGrid>
-                <a:gridCol w="2476057">
-                  <a:extLst>
-                    <a:ext uri="{9D8B030D-6E8A-4147-A177-3AD203B41FA5}">
-                      <a16:colId xmlns:a16="http://schemas.microsoft.com/office/drawing/2014/main" val="20000"/>
-                    </a:ext>
-                  </a:extLst>
-                </a:gridCol>
-                <a:gridCol w="884441">
-                  <a:extLst>
-                    <a:ext uri="{9D8B030D-6E8A-4147-A177-3AD203B41FA5}">
-                      <a16:colId xmlns:a16="http://schemas.microsoft.com/office/drawing/2014/main" val="20001"/>
-                    </a:ext>
-                  </a:extLst>
-                </a:gridCol>
-                <a:gridCol w="944491">
-                  <a:extLst>
-                    <a:ext uri="{9D8B030D-6E8A-4147-A177-3AD203B41FA5}">
-                      <a16:colId xmlns:a16="http://schemas.microsoft.com/office/drawing/2014/main" val="20002"/>
-                    </a:ext>
-                  </a:extLst>
-                </a:gridCol>
-                <a:gridCol w="875825">
-                  <a:extLst>
-                    <a:ext uri="{9D8B030D-6E8A-4147-A177-3AD203B41FA5}">
-                      <a16:colId xmlns:a16="http://schemas.microsoft.com/office/drawing/2014/main" val="20003"/>
-                    </a:ext>
-                  </a:extLst>
-                </a:gridCol>
-                <a:gridCol w="798548">
-                  <a:extLst>
-                    <a:ext uri="{9D8B030D-6E8A-4147-A177-3AD203B41FA5}">
-                      <a16:colId xmlns:a16="http://schemas.microsoft.com/office/drawing/2014/main" val="20004"/>
-                    </a:ext>
-                  </a:extLst>
-                </a:gridCol>
-                <a:gridCol w="1004623">
-                  <a:extLst>
-                    <a:ext uri="{9D8B030D-6E8A-4147-A177-3AD203B41FA5}">
-                      <a16:colId xmlns:a16="http://schemas.microsoft.com/office/drawing/2014/main" val="20005"/>
-                    </a:ext>
-                  </a:extLst>
-                </a:gridCol>
-              </a:tblGrid>
-              <a:tr h="323414">
-                <a:tc>
-                  <a:txBody>
-                    <a:bodyPr/>
-                    <a:lstStyle/>
-                    <a:p>
-                      <a:pPr algn="ctr"/>
-                      <a:endParaRPr lang="en-GB" sz="2400" dirty="0"/>
-                    </a:p>
-                  </a:txBody>
-                  <a:tcPr marL="69224" marR="69224" marT="64640" marB="64640"/>
-                </a:tc>
-                <a:tc>
-                  <a:txBody>
-                    <a:bodyPr/>
-                    <a:lstStyle/>
-                    <a:p>
-                      <a:pPr algn="ctr"/>
-                      <a:r>
-                        <a:rPr lang="en-GB" sz="2400" dirty="0" err="1"/>
-                        <a:t>Ope</a:t>
-                      </a:r>
-                      <a:endParaRPr lang="en-GB" sz="2400" dirty="0"/>
-                    </a:p>
-                  </a:txBody>
-                  <a:tcPr marL="69224" marR="69224" marT="64640" marB="64640"/>
-                </a:tc>
-                <a:tc>
-                  <a:txBody>
-                    <a:bodyPr/>
-                    <a:lstStyle/>
-                    <a:p>
-                      <a:pPr algn="ctr"/>
-                      <a:r>
-                        <a:rPr lang="en-GB" sz="2400" dirty="0"/>
-                        <a:t>Con</a:t>
-                      </a:r>
-                    </a:p>
-                  </a:txBody>
-                  <a:tcPr marL="69224" marR="69224" marT="64640" marB="64640"/>
-                </a:tc>
-                <a:tc>
-                  <a:txBody>
-                    <a:bodyPr/>
-                    <a:lstStyle/>
-                    <a:p>
-                      <a:pPr algn="ctr"/>
-                      <a:r>
-                        <a:rPr lang="en-GB" sz="2400" dirty="0"/>
-                        <a:t>Ext</a:t>
-                      </a:r>
-                    </a:p>
-                  </a:txBody>
-                  <a:tcPr marL="69224" marR="69224" marT="64640" marB="64640"/>
-                </a:tc>
-                <a:tc>
-                  <a:txBody>
-                    <a:bodyPr/>
-                    <a:lstStyle/>
-                    <a:p>
-                      <a:pPr algn="ctr"/>
-                      <a:r>
-                        <a:rPr lang="en-GB" sz="2400" dirty="0" err="1"/>
-                        <a:t>Agr</a:t>
-                      </a:r>
-                      <a:endParaRPr lang="en-GB" sz="2400" dirty="0"/>
-                    </a:p>
-                  </a:txBody>
-                  <a:tcPr marL="69224" marR="69224" marT="64640" marB="64640"/>
-                </a:tc>
-                <a:tc>
-                  <a:txBody>
-                    <a:bodyPr/>
-                    <a:lstStyle/>
-                    <a:p>
-                      <a:pPr algn="ctr"/>
-                      <a:r>
-                        <a:rPr lang="en-GB" sz="2400" dirty="0" err="1"/>
-                        <a:t>Neu</a:t>
-                      </a:r>
-                      <a:endParaRPr lang="en-GB" sz="2400" dirty="0"/>
-                    </a:p>
-                  </a:txBody>
-                  <a:tcPr marL="69224" marR="69224" marT="64640" marB="64640"/>
-                </a:tc>
-                <a:extLst>
-                  <a:ext uri="{0D108BD9-81ED-4DB2-BD59-A6C34878D82A}">
-                    <a16:rowId xmlns:a16="http://schemas.microsoft.com/office/drawing/2014/main" val="10000"/>
-                  </a:ext>
-                </a:extLst>
-              </a:tr>
-              <a:tr h="705668">
-                <a:tc>
-                  <a:txBody>
-                    <a:bodyPr/>
-                    <a:lstStyle/>
-                    <a:p>
-                      <a:pPr marL="0" marR="0" indent="0" algn="ctr" defTabSz="4298410" rtl="0" eaLnBrk="1" fontAlgn="auto" latinLnBrk="0" hangingPunct="1">
-                        <a:lnSpc>
-                          <a:spcPct val="100000"/>
-                        </a:lnSpc>
-                        <a:spcBef>
-                          <a:spcPts val="0"/>
-                        </a:spcBef>
-                        <a:spcAft>
-                          <a:spcPts val="0"/>
-                        </a:spcAft>
-                        <a:buClrTx/>
-                        <a:buSzTx/>
-                        <a:buFontTx/>
-                        <a:buNone/>
-                        <a:tabLst/>
-                        <a:defRPr/>
-                      </a:pPr>
-                      <a:r>
-                        <a:rPr lang="en-GB" sz="2400" dirty="0"/>
-                        <a:t>PM-AMIS </a:t>
-                      </a:r>
-                      <a:r>
-                        <a:rPr lang="en-GB" sz="2400" baseline="0" dirty="0"/>
-                        <a:t>for </a:t>
-                      </a:r>
-                      <a:r>
-                        <a:rPr lang="en-GB" sz="2400" dirty="0"/>
-                        <a:t>GPs (UK)</a:t>
-                      </a:r>
-                    </a:p>
-                  </a:txBody>
-                  <a:tcPr marL="69224" marR="69224" marT="64640" marB="64640"/>
-                </a:tc>
-                <a:tc>
-                  <a:txBody>
-                    <a:bodyPr/>
-                    <a:lstStyle/>
-                    <a:p>
-                      <a:pPr algn="ctr"/>
-                      <a:r>
-                        <a:rPr lang="en-GB" sz="2400" dirty="0"/>
-                        <a:t>65%</a:t>
-                      </a:r>
-                    </a:p>
-                  </a:txBody>
-                  <a:tcPr marL="69224" marR="69224" marT="64640" marB="64640"/>
-                </a:tc>
-                <a:tc>
-                  <a:txBody>
-                    <a:bodyPr/>
-                    <a:lstStyle/>
-                    <a:p>
-                      <a:pPr algn="ctr"/>
-                      <a:r>
-                        <a:rPr lang="en-GB" sz="2400" dirty="0"/>
-                        <a:t>58%</a:t>
-                      </a:r>
-                    </a:p>
-                  </a:txBody>
-                  <a:tcPr marL="69224" marR="69224" marT="64640" marB="64640"/>
-                </a:tc>
-                <a:tc>
-                  <a:txBody>
-                    <a:bodyPr/>
-                    <a:lstStyle/>
-                    <a:p>
-                      <a:pPr algn="ctr"/>
-                      <a:r>
-                        <a:rPr lang="en-GB" sz="2400" dirty="0"/>
-                        <a:t>71%</a:t>
-                      </a:r>
-                    </a:p>
-                  </a:txBody>
-                  <a:tcPr marL="69224" marR="69224" marT="64640" marB="64640"/>
-                </a:tc>
-                <a:tc>
-                  <a:txBody>
-                    <a:bodyPr/>
-                    <a:lstStyle/>
-                    <a:p>
-                      <a:pPr algn="ctr"/>
-                      <a:r>
-                        <a:rPr lang="en-GB" sz="2400" dirty="0"/>
-                        <a:t>73%</a:t>
-                      </a:r>
-                    </a:p>
-                  </a:txBody>
-                  <a:tcPr marL="69224" marR="69224" marT="64640" marB="64640"/>
-                </a:tc>
-                <a:tc>
-                  <a:txBody>
-                    <a:bodyPr/>
-                    <a:lstStyle/>
-                    <a:p>
-                      <a:pPr algn="ctr"/>
-                      <a:r>
-                        <a:rPr lang="en-GB" sz="2400" dirty="0"/>
-                        <a:t>79%</a:t>
-                      </a:r>
-                    </a:p>
-                  </a:txBody>
-                  <a:tcPr marL="69224" marR="69224" marT="64640" marB="64640"/>
-                </a:tc>
-                <a:extLst>
-                  <a:ext uri="{0D108BD9-81ED-4DB2-BD59-A6C34878D82A}">
-                    <a16:rowId xmlns:a16="http://schemas.microsoft.com/office/drawing/2014/main" val="10001"/>
-                  </a:ext>
-                </a:extLst>
-              </a:tr>
-              <a:tr h="705668">
-                <a:tc>
-                  <a:txBody>
-                    <a:bodyPr/>
-                    <a:lstStyle/>
-                    <a:p>
-                      <a:pPr algn="ctr"/>
-                      <a:r>
-                        <a:rPr lang="en-GB" sz="2400" dirty="0"/>
-                        <a:t>SVM(UK)</a:t>
-                      </a:r>
-                    </a:p>
-                  </a:txBody>
-                  <a:tcPr marL="69224" marR="69224" marT="64640" marB="64640"/>
-                </a:tc>
-                <a:tc>
-                  <a:txBody>
-                    <a:bodyPr/>
-                    <a:lstStyle/>
-                    <a:p>
-                      <a:pPr algn="ctr"/>
-                      <a:r>
-                        <a:rPr lang="en-GB" sz="2400" dirty="0"/>
-                        <a:t>59%</a:t>
-                      </a:r>
-                    </a:p>
-                  </a:txBody>
-                  <a:tcPr marL="69224" marR="69224" marT="64640" marB="64640"/>
-                </a:tc>
-                <a:tc>
-                  <a:txBody>
-                    <a:bodyPr/>
-                    <a:lstStyle/>
-                    <a:p>
-                      <a:pPr algn="ctr"/>
-                      <a:r>
-                        <a:rPr lang="en-GB" sz="2400" dirty="0"/>
-                        <a:t>62%</a:t>
-                      </a:r>
-                    </a:p>
-                  </a:txBody>
-                  <a:tcPr marL="69224" marR="69224" marT="64640" marB="64640"/>
-                </a:tc>
-                <a:tc>
-                  <a:txBody>
-                    <a:bodyPr/>
-                    <a:lstStyle/>
-                    <a:p>
-                      <a:pPr algn="ctr"/>
-                      <a:r>
-                        <a:rPr lang="en-GB" sz="2400" dirty="0"/>
-                        <a:t>71%</a:t>
-                      </a:r>
-                    </a:p>
-                  </a:txBody>
-                  <a:tcPr marL="69224" marR="69224" marT="64640" marB="64640"/>
-                </a:tc>
-                <a:tc>
-                  <a:txBody>
-                    <a:bodyPr/>
-                    <a:lstStyle/>
-                    <a:p>
-                      <a:pPr algn="ctr"/>
-                      <a:r>
-                        <a:rPr lang="en-GB" sz="2400" dirty="0"/>
-                        <a:t>74%</a:t>
-                      </a:r>
-                    </a:p>
-                  </a:txBody>
-                  <a:tcPr marL="69224" marR="69224" marT="64640" marB="64640"/>
-                </a:tc>
-                <a:tc>
-                  <a:txBody>
-                    <a:bodyPr/>
-                    <a:lstStyle/>
-                    <a:p>
-                      <a:pPr algn="ctr"/>
-                      <a:r>
-                        <a:rPr lang="en-GB" sz="2400" dirty="0"/>
-                        <a:t>77%</a:t>
-                      </a:r>
-                    </a:p>
-                  </a:txBody>
-                  <a:tcPr marL="69224" marR="69224" marT="64640" marB="64640"/>
-                </a:tc>
-                <a:extLst>
-                  <a:ext uri="{0D108BD9-81ED-4DB2-BD59-A6C34878D82A}">
-                    <a16:rowId xmlns:a16="http://schemas.microsoft.com/office/drawing/2014/main" val="10002"/>
-                  </a:ext>
-                </a:extLst>
-              </a:tr>
-              <a:tr h="705668">
-                <a:tc>
-                  <a:txBody>
-                    <a:bodyPr/>
-                    <a:lstStyle/>
-                    <a:p>
-                      <a:pPr algn="ctr"/>
-                      <a:r>
-                        <a:rPr lang="en-GB" sz="2400" dirty="0"/>
-                        <a:t>PM-AMIS for GPs (Asia)</a:t>
-                      </a:r>
-                    </a:p>
-                  </a:txBody>
-                  <a:tcPr marL="69224" marR="69224" marT="64640" marB="64640"/>
-                </a:tc>
-                <a:tc>
-                  <a:txBody>
-                    <a:bodyPr/>
-                    <a:lstStyle/>
-                    <a:p>
-                      <a:pPr algn="ctr"/>
-                      <a:r>
-                        <a:rPr lang="en-GB" sz="2400" dirty="0"/>
-                        <a:t>68%</a:t>
-                      </a:r>
-                    </a:p>
-                  </a:txBody>
-                  <a:tcPr marL="69224" marR="69224" marT="64640" marB="64640"/>
-                </a:tc>
-                <a:tc>
-                  <a:txBody>
-                    <a:bodyPr/>
-                    <a:lstStyle/>
-                    <a:p>
-                      <a:pPr algn="ctr"/>
-                      <a:r>
-                        <a:rPr lang="en-GB" sz="2400" dirty="0"/>
-                        <a:t>52%</a:t>
-                      </a:r>
-                    </a:p>
-                  </a:txBody>
-                  <a:tcPr marL="69224" marR="69224" marT="64640" marB="64640"/>
-                </a:tc>
-                <a:tc>
-                  <a:txBody>
-                    <a:bodyPr/>
-                    <a:lstStyle/>
-                    <a:p>
-                      <a:pPr algn="ctr"/>
-                      <a:r>
-                        <a:rPr lang="en-GB" sz="2400" dirty="0"/>
-                        <a:t>74%</a:t>
-                      </a:r>
-                    </a:p>
-                  </a:txBody>
-                  <a:tcPr marL="69224" marR="69224" marT="64640" marB="64640"/>
-                </a:tc>
-                <a:tc>
-                  <a:txBody>
-                    <a:bodyPr/>
-                    <a:lstStyle/>
-                    <a:p>
-                      <a:pPr algn="ctr"/>
-                      <a:r>
-                        <a:rPr lang="en-GB" sz="2400" dirty="0"/>
-                        <a:t>68%</a:t>
-                      </a:r>
-                    </a:p>
-                  </a:txBody>
-                  <a:tcPr marL="69224" marR="69224" marT="64640" marB="64640"/>
-                </a:tc>
-                <a:tc>
-                  <a:txBody>
-                    <a:bodyPr/>
-                    <a:lstStyle/>
-                    <a:p>
-                      <a:pPr algn="ctr"/>
-                      <a:r>
-                        <a:rPr lang="en-GB" sz="2400" dirty="0"/>
-                        <a:t>69%</a:t>
-                      </a:r>
-                    </a:p>
-                  </a:txBody>
-                  <a:tcPr marL="69224" marR="69224" marT="64640" marB="64640"/>
-                </a:tc>
-                <a:extLst>
-                  <a:ext uri="{0D108BD9-81ED-4DB2-BD59-A6C34878D82A}">
-                    <a16:rowId xmlns:a16="http://schemas.microsoft.com/office/drawing/2014/main" val="10003"/>
-                  </a:ext>
-                </a:extLst>
-              </a:tr>
-              <a:tr h="705668">
-                <a:tc>
-                  <a:txBody>
-                    <a:bodyPr/>
-                    <a:lstStyle/>
-                    <a:p>
-                      <a:pPr algn="ctr"/>
-                      <a:r>
-                        <a:rPr lang="en-GB" sz="2400" dirty="0"/>
-                        <a:t>SVM(Asia)</a:t>
-                      </a:r>
-                    </a:p>
-                  </a:txBody>
-                  <a:tcPr marL="69224" marR="69224" marT="64640" marB="64640"/>
-                </a:tc>
-                <a:tc>
-                  <a:txBody>
-                    <a:bodyPr/>
-                    <a:lstStyle/>
-                    <a:p>
-                      <a:pPr algn="ctr"/>
-                      <a:r>
-                        <a:rPr lang="en-GB" sz="2400" dirty="0"/>
-                        <a:t>68%</a:t>
-                      </a:r>
-                    </a:p>
-                  </a:txBody>
-                  <a:tcPr marL="69224" marR="69224" marT="64640" marB="64640"/>
-                </a:tc>
-                <a:tc>
-                  <a:txBody>
-                    <a:bodyPr/>
-                    <a:lstStyle/>
-                    <a:p>
-                      <a:pPr algn="ctr"/>
-                      <a:r>
-                        <a:rPr lang="en-GB" sz="2400" dirty="0"/>
-                        <a:t>47%</a:t>
-                      </a:r>
-                    </a:p>
-                  </a:txBody>
-                  <a:tcPr marL="69224" marR="69224" marT="64640" marB="64640"/>
-                </a:tc>
-                <a:tc>
-                  <a:txBody>
-                    <a:bodyPr/>
-                    <a:lstStyle/>
-                    <a:p>
-                      <a:pPr algn="ctr"/>
-                      <a:r>
-                        <a:rPr lang="en-GB" sz="2400" dirty="0"/>
-                        <a:t>68%</a:t>
-                      </a:r>
-                    </a:p>
-                  </a:txBody>
-                  <a:tcPr marL="69224" marR="69224" marT="64640" marB="64640"/>
-                </a:tc>
-                <a:tc>
-                  <a:txBody>
-                    <a:bodyPr/>
-                    <a:lstStyle/>
-                    <a:p>
-                      <a:pPr algn="ctr"/>
-                      <a:r>
-                        <a:rPr lang="en-GB" sz="2400" dirty="0"/>
-                        <a:t>69%</a:t>
-                      </a:r>
-                    </a:p>
-                  </a:txBody>
-                  <a:tcPr marL="69224" marR="69224" marT="64640" marB="64640"/>
-                </a:tc>
-                <a:tc>
-                  <a:txBody>
-                    <a:bodyPr/>
-                    <a:lstStyle/>
-                    <a:p>
-                      <a:pPr algn="ctr"/>
-                      <a:r>
-                        <a:rPr lang="en-GB" sz="2400" dirty="0"/>
-                        <a:t>70%</a:t>
-                      </a:r>
-                    </a:p>
-                  </a:txBody>
-                  <a:tcPr marL="69224" marR="69224" marT="64640" marB="64640"/>
-                </a:tc>
-                <a:extLst>
-                  <a:ext uri="{0D108BD9-81ED-4DB2-BD59-A6C34878D82A}">
-                    <a16:rowId xmlns:a16="http://schemas.microsoft.com/office/drawing/2014/main" val="10004"/>
-                  </a:ext>
-                </a:extLst>
-              </a:tr>
-            </a:tbl>
-          </a:graphicData>
-        </a:graphic>
-      </p:graphicFrame>
-      <p:sp>
-        <p:nvSpPr>
-          <p:cNvPr id="65" name="Text Placeholder 345"/>
-          <p:cNvSpPr txBox="1">
-            <a:spLocks/>
-          </p:cNvSpPr>
-          <p:nvPr/>
-        </p:nvSpPr>
-        <p:spPr>
-          <a:xfrm>
-            <a:off x="17971860" y="31088657"/>
-            <a:ext cx="4942672" cy="821458"/>
-          </a:xfrm>
-          <a:prstGeom prst="rect">
-            <a:avLst/>
-          </a:prstGeom>
-        </p:spPr>
-        <p:txBody>
-          <a:bodyPr wrap="square" lIns="223877" tIns="223877" rIns="223877" bIns="223877">
-            <a:spAutoFit/>
-          </a:bodyPr>
-          <a:lstStyle>
-            <a:lvl1pPr marL="0" indent="0" algn="l" defTabSz="4298410" rtl="0" eaLnBrk="1" latinLnBrk="0" hangingPunct="1">
-              <a:spcBef>
-                <a:spcPct val="20000"/>
-              </a:spcBef>
-              <a:buFont typeface="Arial" pitchFamily="34" charset="0"/>
-              <a:buNone/>
-              <a:defRPr sz="2800" kern="1200">
-                <a:solidFill>
-                  <a:schemeClr val="accent5">
-                    <a:lumMod val="50000"/>
-                  </a:schemeClr>
-                </a:solidFill>
-                <a:latin typeface="Trebuchet MS" pitchFamily="34" charset="0"/>
-                <a:ea typeface="+mn-ea"/>
-                <a:cs typeface="+mn-cs"/>
-              </a:defRPr>
-            </a:lvl1pPr>
-            <a:lvl2pPr marL="1455191" indent="-559688" algn="l" defTabSz="4298410" rtl="0" eaLnBrk="1" latinLnBrk="0" hangingPunct="1">
-              <a:spcBef>
-                <a:spcPct val="20000"/>
-              </a:spcBef>
-              <a:buFont typeface="Arial" pitchFamily="34" charset="0"/>
-              <a:buChar char="–"/>
-              <a:defRPr sz="2500" kern="1200">
-                <a:solidFill>
-                  <a:schemeClr val="tx1"/>
-                </a:solidFill>
-                <a:latin typeface="Trebuchet MS" pitchFamily="34" charset="0"/>
-                <a:ea typeface="+mn-ea"/>
-                <a:cs typeface="+mn-cs"/>
-              </a:defRPr>
-            </a:lvl2pPr>
-            <a:lvl3pPr marL="2014879" indent="-559688" algn="l" defTabSz="4298410" rtl="0" eaLnBrk="1" latinLnBrk="0" hangingPunct="1">
-              <a:spcBef>
-                <a:spcPct val="20000"/>
-              </a:spcBef>
-              <a:buFont typeface="Arial" pitchFamily="34" charset="0"/>
-              <a:buChar char="•"/>
-              <a:defRPr sz="2500" kern="1200">
-                <a:solidFill>
-                  <a:schemeClr val="tx1"/>
-                </a:solidFill>
-                <a:latin typeface="Trebuchet MS" pitchFamily="34" charset="0"/>
-                <a:ea typeface="+mn-ea"/>
-                <a:cs typeface="+mn-cs"/>
-              </a:defRPr>
-            </a:lvl3pPr>
-            <a:lvl4pPr marL="2630537" indent="-615658" algn="l" defTabSz="4298410" rtl="0" eaLnBrk="1" latinLnBrk="0" hangingPunct="1">
-              <a:spcBef>
-                <a:spcPct val="20000"/>
-              </a:spcBef>
-              <a:buFont typeface="Arial" pitchFamily="34" charset="0"/>
-              <a:buChar char="–"/>
-              <a:defRPr sz="2500" kern="1200">
-                <a:solidFill>
-                  <a:schemeClr val="tx1"/>
-                </a:solidFill>
-                <a:latin typeface="Trebuchet MS" pitchFamily="34" charset="0"/>
-                <a:ea typeface="+mn-ea"/>
-                <a:cs typeface="+mn-cs"/>
-              </a:defRPr>
-            </a:lvl4pPr>
-            <a:lvl5pPr marL="3078288" indent="-447751" algn="l" defTabSz="4298410" rtl="0" eaLnBrk="1" latinLnBrk="0" hangingPunct="1">
-              <a:spcBef>
-                <a:spcPct val="20000"/>
-              </a:spcBef>
-              <a:buFont typeface="Arial" pitchFamily="34" charset="0"/>
-              <a:buChar char="»"/>
-              <a:defRPr sz="2500" kern="1200">
-                <a:solidFill>
-                  <a:schemeClr val="tx1"/>
-                </a:solidFill>
-                <a:latin typeface="Trebuchet MS" pitchFamily="34" charset="0"/>
-                <a:ea typeface="+mn-ea"/>
-                <a:cs typeface="+mn-cs"/>
-              </a:defRPr>
-            </a:lvl5pPr>
-            <a:lvl6pPr marL="11820625" indent="-1074603" algn="l" defTabSz="4298410" rtl="0" eaLnBrk="1" latinLnBrk="0" hangingPunct="1">
-              <a:spcBef>
-                <a:spcPct val="20000"/>
-              </a:spcBef>
-              <a:buFont typeface="Arial" pitchFamily="34" charset="0"/>
-              <a:buChar char="•"/>
-              <a:defRPr sz="9500" kern="1200">
-                <a:solidFill>
-                  <a:schemeClr val="tx1"/>
-                </a:solidFill>
-                <a:latin typeface="+mn-lt"/>
-                <a:ea typeface="+mn-ea"/>
-                <a:cs typeface="+mn-cs"/>
-              </a:defRPr>
-            </a:lvl6pPr>
-            <a:lvl7pPr marL="13969828" indent="-1074603" algn="l" defTabSz="4298410" rtl="0" eaLnBrk="1" latinLnBrk="0" hangingPunct="1">
-              <a:spcBef>
-                <a:spcPct val="20000"/>
-              </a:spcBef>
-              <a:buFont typeface="Arial" pitchFamily="34" charset="0"/>
-              <a:buChar char="•"/>
-              <a:defRPr sz="9500" kern="1200">
-                <a:solidFill>
-                  <a:schemeClr val="tx1"/>
-                </a:solidFill>
-                <a:latin typeface="+mn-lt"/>
-                <a:ea typeface="+mn-ea"/>
-                <a:cs typeface="+mn-cs"/>
-              </a:defRPr>
-            </a:lvl7pPr>
-            <a:lvl8pPr marL="16119034" indent="-1074603" algn="l" defTabSz="4298410" rtl="0" eaLnBrk="1" latinLnBrk="0" hangingPunct="1">
-              <a:spcBef>
-                <a:spcPct val="20000"/>
-              </a:spcBef>
-              <a:buFont typeface="Arial" pitchFamily="34" charset="0"/>
-              <a:buChar char="•"/>
-              <a:defRPr sz="9500" kern="1200">
-                <a:solidFill>
-                  <a:schemeClr val="tx1"/>
-                </a:solidFill>
-                <a:latin typeface="+mn-lt"/>
-                <a:ea typeface="+mn-ea"/>
-                <a:cs typeface="+mn-cs"/>
-              </a:defRPr>
-            </a:lvl8pPr>
-            <a:lvl9pPr marL="18268238" indent="-1074603" algn="l" defTabSz="4298410" rtl="0" eaLnBrk="1" latinLnBrk="0" hangingPunct="1">
-              <a:spcBef>
-                <a:spcPct val="20000"/>
-              </a:spcBef>
-              <a:buFont typeface="Arial" pitchFamily="34" charset="0"/>
-              <a:buChar char="•"/>
-              <a:defRPr sz="9500" kern="1200">
-                <a:solidFill>
-                  <a:schemeClr val="tx1"/>
-                </a:solidFill>
-                <a:latin typeface="+mn-lt"/>
-                <a:ea typeface="+mn-ea"/>
-                <a:cs typeface="+mn-cs"/>
-              </a:defRPr>
-            </a:lvl9pPr>
-          </a:lstStyle>
-          <a:p>
-            <a:r>
-              <a:rPr lang="en-US" sz="2400" b="1" dirty="0">
-                <a:solidFill>
-                  <a:schemeClr val="tx1"/>
-                </a:solidFill>
-              </a:rPr>
-              <a:t>Table 2: Prediction Accuracy</a:t>
-            </a:r>
-          </a:p>
-        </p:txBody>
-      </p:sp>
-      <p:sp>
-        <p:nvSpPr>
-          <p:cNvPr id="67" name="Text Placeholder 7"/>
-          <p:cNvSpPr txBox="1">
-            <a:spLocks/>
-          </p:cNvSpPr>
-          <p:nvPr/>
-        </p:nvSpPr>
-        <p:spPr>
-          <a:xfrm>
-            <a:off x="25674603" y="29392136"/>
-            <a:ext cx="6151588" cy="1560122"/>
-          </a:xfrm>
-          <a:prstGeom prst="rect">
-            <a:avLst/>
-          </a:prstGeom>
-        </p:spPr>
-        <p:txBody>
-          <a:bodyPr wrap="square" lIns="223877" tIns="223877" rIns="223877" bIns="223877">
-            <a:spAutoFit/>
-          </a:bodyPr>
-          <a:lstStyle>
-            <a:lvl1pPr marL="0" indent="0" algn="l" defTabSz="4298410" rtl="0" eaLnBrk="1" latinLnBrk="0" hangingPunct="1">
-              <a:spcBef>
-                <a:spcPct val="20000"/>
-              </a:spcBef>
-              <a:buFont typeface="Arial" pitchFamily="34" charset="0"/>
-              <a:buNone/>
-              <a:defRPr sz="2800" kern="1200">
-                <a:solidFill>
-                  <a:schemeClr val="accent5">
-                    <a:lumMod val="50000"/>
-                  </a:schemeClr>
-                </a:solidFill>
-                <a:latin typeface="Trebuchet MS" pitchFamily="34" charset="0"/>
-                <a:ea typeface="+mn-ea"/>
-                <a:cs typeface="+mn-cs"/>
-              </a:defRPr>
-            </a:lvl1pPr>
-            <a:lvl2pPr marL="1455191" indent="-559688" algn="l" defTabSz="4298410" rtl="0" eaLnBrk="1" latinLnBrk="0" hangingPunct="1">
-              <a:spcBef>
-                <a:spcPct val="20000"/>
-              </a:spcBef>
-              <a:buFont typeface="Arial" pitchFamily="34" charset="0"/>
-              <a:buChar char="–"/>
-              <a:defRPr sz="2500" kern="1200">
-                <a:solidFill>
-                  <a:schemeClr val="tx1"/>
-                </a:solidFill>
-                <a:latin typeface="Trebuchet MS" pitchFamily="34" charset="0"/>
-                <a:ea typeface="+mn-ea"/>
-                <a:cs typeface="+mn-cs"/>
-              </a:defRPr>
-            </a:lvl2pPr>
-            <a:lvl3pPr marL="2014879" indent="-559688" algn="l" defTabSz="4298410" rtl="0" eaLnBrk="1" latinLnBrk="0" hangingPunct="1">
-              <a:spcBef>
-                <a:spcPct val="20000"/>
-              </a:spcBef>
-              <a:buFont typeface="Arial" pitchFamily="34" charset="0"/>
-              <a:buChar char="•"/>
-              <a:defRPr sz="2500" kern="1200">
-                <a:solidFill>
-                  <a:schemeClr val="tx1"/>
-                </a:solidFill>
-                <a:latin typeface="Trebuchet MS" pitchFamily="34" charset="0"/>
-                <a:ea typeface="+mn-ea"/>
-                <a:cs typeface="+mn-cs"/>
-              </a:defRPr>
-            </a:lvl3pPr>
-            <a:lvl4pPr marL="2630537" indent="-615658" algn="l" defTabSz="4298410" rtl="0" eaLnBrk="1" latinLnBrk="0" hangingPunct="1">
-              <a:spcBef>
-                <a:spcPct val="20000"/>
-              </a:spcBef>
-              <a:buFont typeface="Arial" pitchFamily="34" charset="0"/>
-              <a:buChar char="–"/>
-              <a:defRPr sz="2500" kern="1200">
-                <a:solidFill>
-                  <a:schemeClr val="tx1"/>
-                </a:solidFill>
-                <a:latin typeface="Trebuchet MS" pitchFamily="34" charset="0"/>
-                <a:ea typeface="+mn-ea"/>
-                <a:cs typeface="+mn-cs"/>
-              </a:defRPr>
-            </a:lvl4pPr>
-            <a:lvl5pPr marL="3078288" indent="-447751" algn="l" defTabSz="4298410" rtl="0" eaLnBrk="1" latinLnBrk="0" hangingPunct="1">
-              <a:spcBef>
-                <a:spcPct val="20000"/>
-              </a:spcBef>
-              <a:buFont typeface="Arial" pitchFamily="34" charset="0"/>
-              <a:buChar char="»"/>
-              <a:defRPr sz="2500" kern="1200">
-                <a:solidFill>
-                  <a:schemeClr val="tx1"/>
-                </a:solidFill>
-                <a:latin typeface="Trebuchet MS" pitchFamily="34" charset="0"/>
-                <a:ea typeface="+mn-ea"/>
-                <a:cs typeface="+mn-cs"/>
-              </a:defRPr>
-            </a:lvl5pPr>
-            <a:lvl6pPr marL="11820625" indent="-1074603" algn="l" defTabSz="4298410" rtl="0" eaLnBrk="1" latinLnBrk="0" hangingPunct="1">
-              <a:spcBef>
-                <a:spcPct val="20000"/>
-              </a:spcBef>
-              <a:buFont typeface="Arial" pitchFamily="34" charset="0"/>
-              <a:buChar char="•"/>
-              <a:defRPr sz="9500" kern="1200">
-                <a:solidFill>
-                  <a:schemeClr val="tx1"/>
-                </a:solidFill>
-                <a:latin typeface="+mn-lt"/>
-                <a:ea typeface="+mn-ea"/>
-                <a:cs typeface="+mn-cs"/>
-              </a:defRPr>
-            </a:lvl6pPr>
-            <a:lvl7pPr marL="13969828" indent="-1074603" algn="l" defTabSz="4298410" rtl="0" eaLnBrk="1" latinLnBrk="0" hangingPunct="1">
-              <a:spcBef>
-                <a:spcPct val="20000"/>
-              </a:spcBef>
-              <a:buFont typeface="Arial" pitchFamily="34" charset="0"/>
-              <a:buChar char="•"/>
-              <a:defRPr sz="9500" kern="1200">
-                <a:solidFill>
-                  <a:schemeClr val="tx1"/>
-                </a:solidFill>
-                <a:latin typeface="+mn-lt"/>
-                <a:ea typeface="+mn-ea"/>
-                <a:cs typeface="+mn-cs"/>
-              </a:defRPr>
-            </a:lvl7pPr>
-            <a:lvl8pPr marL="16119034" indent="-1074603" algn="l" defTabSz="4298410" rtl="0" eaLnBrk="1" latinLnBrk="0" hangingPunct="1">
-              <a:spcBef>
-                <a:spcPct val="20000"/>
-              </a:spcBef>
-              <a:buFont typeface="Arial" pitchFamily="34" charset="0"/>
-              <a:buChar char="•"/>
-              <a:defRPr sz="9500" kern="1200">
-                <a:solidFill>
-                  <a:schemeClr val="tx1"/>
-                </a:solidFill>
-                <a:latin typeface="+mn-lt"/>
-                <a:ea typeface="+mn-ea"/>
-                <a:cs typeface="+mn-cs"/>
-              </a:defRPr>
-            </a:lvl8pPr>
-            <a:lvl9pPr marL="18268238" indent="-1074603" algn="l" defTabSz="4298410" rtl="0" eaLnBrk="1" latinLnBrk="0" hangingPunct="1">
-              <a:spcBef>
-                <a:spcPct val="20000"/>
-              </a:spcBef>
-              <a:buFont typeface="Arial" pitchFamily="34" charset="0"/>
-              <a:buChar char="•"/>
-              <a:defRPr sz="9500" kern="1200">
-                <a:solidFill>
-                  <a:schemeClr val="tx1"/>
-                </a:solidFill>
-                <a:latin typeface="+mn-lt"/>
-                <a:ea typeface="+mn-ea"/>
-                <a:cs typeface="+mn-cs"/>
-              </a:defRPr>
-            </a:lvl9pPr>
-          </a:lstStyle>
-          <a:p>
-            <a:r>
-              <a:rPr lang="en-GB" sz="2400" b="1" dirty="0">
-                <a:solidFill>
-                  <a:schemeClr val="tx1"/>
-                </a:solidFill>
-              </a:rPr>
-              <a:t>Figure 1: Coefficients of the G-ARD for the five traits (O, C, E, A, N) and two cultures Asian (A) and UK</a:t>
+              <a:t>Application of Imogen Windstorm data</a:t>
             </a:r>
           </a:p>
         </p:txBody>
@@ -11271,96 +10178,6 @@
           </a:p>
         </p:txBody>
       </p:sp>
-      <p:pic>
-        <p:nvPicPr>
-          <p:cNvPr id="21" name="Picture 20"/>
-          <p:cNvPicPr>
-            <a:picLocks noChangeAspect="1"/>
-          </p:cNvPicPr>
-          <p:nvPr/>
-        </p:nvPicPr>
-        <p:blipFill>
-          <a:blip r:embed="rId6" cstate="print">
-            <a:extLst>
-              <a:ext uri="{28A0092B-C50C-407E-A947-70E740481C1C}">
-                <a14:useLocalDpi xmlns:a14="http://schemas.microsoft.com/office/drawing/2010/main" val="0"/>
-              </a:ext>
-            </a:extLst>
-          </a:blip>
-          <a:stretch>
-            <a:fillRect/>
-          </a:stretch>
-        </p:blipFill>
-        <p:spPr>
-          <a:xfrm>
-            <a:off x="16886865" y="9020481"/>
-            <a:ext cx="5132895" cy="4028768"/>
-          </a:xfrm>
-          <a:prstGeom prst="rect">
-            <a:avLst/>
-          </a:prstGeom>
-        </p:spPr>
-      </p:pic>
-      <p:pic>
-        <p:nvPicPr>
-          <p:cNvPr id="22" name="Picture 21"/>
-          <p:cNvPicPr>
-            <a:picLocks noChangeAspect="1"/>
-          </p:cNvPicPr>
-          <p:nvPr/>
-        </p:nvPicPr>
-        <p:blipFill>
-          <a:blip r:embed="rId7" cstate="print">
-            <a:extLst>
-              <a:ext uri="{28A0092B-C50C-407E-A947-70E740481C1C}">
-                <a14:useLocalDpi xmlns:a14="http://schemas.microsoft.com/office/drawing/2010/main" val="0"/>
-              </a:ext>
-            </a:extLst>
-          </a:blip>
-          <a:stretch>
-            <a:fillRect/>
-          </a:stretch>
-        </p:blipFill>
-        <p:spPr>
-          <a:xfrm>
-            <a:off x="22019761" y="9020481"/>
-            <a:ext cx="5001391" cy="4028768"/>
-          </a:xfrm>
-          <a:prstGeom prst="rect">
-            <a:avLst/>
-          </a:prstGeom>
-        </p:spPr>
-      </p:pic>
-      <p:pic>
-        <p:nvPicPr>
-          <p:cNvPr id="24" name="Picture 23"/>
-          <p:cNvPicPr>
-            <a:picLocks noChangeAspect="1"/>
-          </p:cNvPicPr>
-          <p:nvPr/>
-        </p:nvPicPr>
-        <p:blipFill>
-          <a:blip r:embed="rId8" cstate="print">
-            <a:extLst>
-              <a:ext uri="{28A0092B-C50C-407E-A947-70E740481C1C}">
-                <a14:useLocalDpi xmlns:a14="http://schemas.microsoft.com/office/drawing/2010/main" val="0"/>
-              </a:ext>
-            </a:extLst>
-          </a:blip>
-          <a:stretch>
-            <a:fillRect/>
-          </a:stretch>
-        </p:blipFill>
-        <p:spPr>
-          <a:xfrm>
-            <a:off x="27021152" y="9020481"/>
-            <a:ext cx="4910841" cy="4028768"/>
-          </a:xfrm>
-          <a:prstGeom prst="rect">
-            <a:avLst/>
-          </a:prstGeom>
-        </p:spPr>
-      </p:pic>
       <p:sp>
         <p:nvSpPr>
           <p:cNvPr id="82" name="Text Placeholder 7"/>
@@ -11553,96 +10370,6 @@
           </a:p>
         </p:txBody>
       </p:sp>
-      <p:pic>
-        <p:nvPicPr>
-          <p:cNvPr id="89" name="Picture 88"/>
-          <p:cNvPicPr>
-            <a:picLocks noChangeAspect="1"/>
-          </p:cNvPicPr>
-          <p:nvPr/>
-        </p:nvPicPr>
-        <p:blipFill>
-          <a:blip r:embed="rId9" cstate="print">
-            <a:extLst>
-              <a:ext uri="{28A0092B-C50C-407E-A947-70E740481C1C}">
-                <a14:useLocalDpi xmlns:a14="http://schemas.microsoft.com/office/drawing/2010/main" val="0"/>
-              </a:ext>
-            </a:extLst>
-          </a:blip>
-          <a:stretch>
-            <a:fillRect/>
-          </a:stretch>
-        </p:blipFill>
-        <p:spPr>
-          <a:xfrm>
-            <a:off x="16886864" y="13738895"/>
-            <a:ext cx="5132896" cy="4157559"/>
-          </a:xfrm>
-          <a:prstGeom prst="rect">
-            <a:avLst/>
-          </a:prstGeom>
-        </p:spPr>
-      </p:pic>
-      <p:pic>
-        <p:nvPicPr>
-          <p:cNvPr id="90" name="Picture 89"/>
-          <p:cNvPicPr>
-            <a:picLocks noChangeAspect="1"/>
-          </p:cNvPicPr>
-          <p:nvPr/>
-        </p:nvPicPr>
-        <p:blipFill>
-          <a:blip r:embed="rId10" cstate="print">
-            <a:extLst>
-              <a:ext uri="{28A0092B-C50C-407E-A947-70E740481C1C}">
-                <a14:useLocalDpi xmlns:a14="http://schemas.microsoft.com/office/drawing/2010/main" val="0"/>
-              </a:ext>
-            </a:extLst>
-          </a:blip>
-          <a:stretch>
-            <a:fillRect/>
-          </a:stretch>
-        </p:blipFill>
-        <p:spPr>
-          <a:xfrm>
-            <a:off x="22054359" y="13738895"/>
-            <a:ext cx="5001392" cy="4157559"/>
-          </a:xfrm>
-          <a:prstGeom prst="rect">
-            <a:avLst/>
-          </a:prstGeom>
-        </p:spPr>
-      </p:pic>
-      <p:pic>
-        <p:nvPicPr>
-          <p:cNvPr id="91" name="Picture 90"/>
-          <p:cNvPicPr>
-            <a:picLocks noChangeAspect="1"/>
-          </p:cNvPicPr>
-          <p:nvPr/>
-        </p:nvPicPr>
-        <p:blipFill>
-          <a:blip r:embed="rId11" cstate="print">
-            <a:extLst>
-              <a:ext uri="{28A0092B-C50C-407E-A947-70E740481C1C}">
-                <a14:useLocalDpi xmlns:a14="http://schemas.microsoft.com/office/drawing/2010/main" val="0"/>
-              </a:ext>
-            </a:extLst>
-          </a:blip>
-          <a:stretch>
-            <a:fillRect/>
-          </a:stretch>
-        </p:blipFill>
-        <p:spPr>
-          <a:xfrm>
-            <a:off x="27033463" y="13738896"/>
-            <a:ext cx="4942260" cy="4157558"/>
-          </a:xfrm>
-          <a:prstGeom prst="rect">
-            <a:avLst/>
-          </a:prstGeom>
-        </p:spPr>
-      </p:pic>
       <p:sp>
         <p:nvSpPr>
           <p:cNvPr id="43" name="TextBox 42"/>
@@ -11669,1332 +10396,6 @@
           </a:p>
         </p:txBody>
       </p:sp>
-      <mc:AlternateContent xmlns:mc="http://schemas.openxmlformats.org/markup-compatibility/2006">
-        <mc:Choice xmlns:a14="http://schemas.microsoft.com/office/drawing/2010/main" Requires="a14">
-          <p:sp>
-            <p:nvSpPr>
-              <p:cNvPr id="70" name="Text Placeholder 7"/>
-              <p:cNvSpPr txBox="1">
-                <a:spLocks/>
-              </p:cNvSpPr>
-              <p:nvPr/>
-            </p:nvSpPr>
-            <p:spPr>
-              <a:xfrm>
-                <a:off x="16618005" y="18769184"/>
-                <a:ext cx="15514537" cy="5267099"/>
-              </a:xfrm>
-              <a:prstGeom prst="rect">
-                <a:avLst/>
-              </a:prstGeom>
-            </p:spPr>
-            <p:txBody>
-              <a:bodyPr wrap="square" lIns="223877" tIns="223877" rIns="223877" bIns="223877">
-                <a:spAutoFit/>
-              </a:bodyPr>
-              <a:lstStyle>
-                <a:lvl1pPr marL="0" indent="0" algn="l" defTabSz="4298410" rtl="0" eaLnBrk="1" latinLnBrk="0" hangingPunct="1">
-                  <a:spcBef>
-                    <a:spcPct val="20000"/>
-                  </a:spcBef>
-                  <a:buFont typeface="Arial" pitchFamily="34" charset="0"/>
-                  <a:buNone/>
-                  <a:defRPr sz="2800" kern="1200">
-                    <a:solidFill>
-                      <a:schemeClr val="accent5">
-                        <a:lumMod val="50000"/>
-                      </a:schemeClr>
-                    </a:solidFill>
-                    <a:latin typeface="Trebuchet MS" pitchFamily="34" charset="0"/>
-                    <a:ea typeface="+mn-ea"/>
-                    <a:cs typeface="+mn-cs"/>
-                  </a:defRPr>
-                </a:lvl1pPr>
-                <a:lvl2pPr marL="1455191" indent="-559688" algn="l" defTabSz="4298410" rtl="0" eaLnBrk="1" latinLnBrk="0" hangingPunct="1">
-                  <a:spcBef>
-                    <a:spcPct val="20000"/>
-                  </a:spcBef>
-                  <a:buFont typeface="Arial" pitchFamily="34" charset="0"/>
-                  <a:buChar char="–"/>
-                  <a:defRPr sz="2500" kern="1200">
-                    <a:solidFill>
-                      <a:schemeClr val="tx1"/>
-                    </a:solidFill>
-                    <a:latin typeface="Trebuchet MS" pitchFamily="34" charset="0"/>
-                    <a:ea typeface="+mn-ea"/>
-                    <a:cs typeface="+mn-cs"/>
-                  </a:defRPr>
-                </a:lvl2pPr>
-                <a:lvl3pPr marL="2014879" indent="-559688" algn="l" defTabSz="4298410" rtl="0" eaLnBrk="1" latinLnBrk="0" hangingPunct="1">
-                  <a:spcBef>
-                    <a:spcPct val="20000"/>
-                  </a:spcBef>
-                  <a:buFont typeface="Arial" pitchFamily="34" charset="0"/>
-                  <a:buChar char="•"/>
-                  <a:defRPr sz="2500" kern="1200">
-                    <a:solidFill>
-                      <a:schemeClr val="tx1"/>
-                    </a:solidFill>
-                    <a:latin typeface="Trebuchet MS" pitchFamily="34" charset="0"/>
-                    <a:ea typeface="+mn-ea"/>
-                    <a:cs typeface="+mn-cs"/>
-                  </a:defRPr>
-                </a:lvl3pPr>
-                <a:lvl4pPr marL="2630537" indent="-615658" algn="l" defTabSz="4298410" rtl="0" eaLnBrk="1" latinLnBrk="0" hangingPunct="1">
-                  <a:spcBef>
-                    <a:spcPct val="20000"/>
-                  </a:spcBef>
-                  <a:buFont typeface="Arial" pitchFamily="34" charset="0"/>
-                  <a:buChar char="–"/>
-                  <a:defRPr sz="2500" kern="1200">
-                    <a:solidFill>
-                      <a:schemeClr val="tx1"/>
-                    </a:solidFill>
-                    <a:latin typeface="Trebuchet MS" pitchFamily="34" charset="0"/>
-                    <a:ea typeface="+mn-ea"/>
-                    <a:cs typeface="+mn-cs"/>
-                  </a:defRPr>
-                </a:lvl4pPr>
-                <a:lvl5pPr marL="3078288" indent="-447751" algn="l" defTabSz="4298410" rtl="0" eaLnBrk="1" latinLnBrk="0" hangingPunct="1">
-                  <a:spcBef>
-                    <a:spcPct val="20000"/>
-                  </a:spcBef>
-                  <a:buFont typeface="Arial" pitchFamily="34" charset="0"/>
-                  <a:buChar char="»"/>
-                  <a:defRPr sz="2500" kern="1200">
-                    <a:solidFill>
-                      <a:schemeClr val="tx1"/>
-                    </a:solidFill>
-                    <a:latin typeface="Trebuchet MS" pitchFamily="34" charset="0"/>
-                    <a:ea typeface="+mn-ea"/>
-                    <a:cs typeface="+mn-cs"/>
-                  </a:defRPr>
-                </a:lvl5pPr>
-                <a:lvl6pPr marL="11820625" indent="-1074603" algn="l" defTabSz="4298410" rtl="0" eaLnBrk="1" latinLnBrk="0" hangingPunct="1">
-                  <a:spcBef>
-                    <a:spcPct val="20000"/>
-                  </a:spcBef>
-                  <a:buFont typeface="Arial" pitchFamily="34" charset="0"/>
-                  <a:buChar char="•"/>
-                  <a:defRPr sz="9500" kern="1200">
-                    <a:solidFill>
-                      <a:schemeClr val="tx1"/>
-                    </a:solidFill>
-                    <a:latin typeface="+mn-lt"/>
-                    <a:ea typeface="+mn-ea"/>
-                    <a:cs typeface="+mn-cs"/>
-                  </a:defRPr>
-                </a:lvl6pPr>
-                <a:lvl7pPr marL="13969828" indent="-1074603" algn="l" defTabSz="4298410" rtl="0" eaLnBrk="1" latinLnBrk="0" hangingPunct="1">
-                  <a:spcBef>
-                    <a:spcPct val="20000"/>
-                  </a:spcBef>
-                  <a:buFont typeface="Arial" pitchFamily="34" charset="0"/>
-                  <a:buChar char="•"/>
-                  <a:defRPr sz="9500" kern="1200">
-                    <a:solidFill>
-                      <a:schemeClr val="tx1"/>
-                    </a:solidFill>
-                    <a:latin typeface="+mn-lt"/>
-                    <a:ea typeface="+mn-ea"/>
-                    <a:cs typeface="+mn-cs"/>
-                  </a:defRPr>
-                </a:lvl7pPr>
-                <a:lvl8pPr marL="16119034" indent="-1074603" algn="l" defTabSz="4298410" rtl="0" eaLnBrk="1" latinLnBrk="0" hangingPunct="1">
-                  <a:spcBef>
-                    <a:spcPct val="20000"/>
-                  </a:spcBef>
-                  <a:buFont typeface="Arial" pitchFamily="34" charset="0"/>
-                  <a:buChar char="•"/>
-                  <a:defRPr sz="9500" kern="1200">
-                    <a:solidFill>
-                      <a:schemeClr val="tx1"/>
-                    </a:solidFill>
-                    <a:latin typeface="+mn-lt"/>
-                    <a:ea typeface="+mn-ea"/>
-                    <a:cs typeface="+mn-cs"/>
-                  </a:defRPr>
-                </a:lvl8pPr>
-                <a:lvl9pPr marL="18268238" indent="-1074603" algn="l" defTabSz="4298410" rtl="0" eaLnBrk="1" latinLnBrk="0" hangingPunct="1">
-                  <a:spcBef>
-                    <a:spcPct val="20000"/>
-                  </a:spcBef>
-                  <a:buFont typeface="Arial" pitchFamily="34" charset="0"/>
-                  <a:buChar char="•"/>
-                  <a:defRPr sz="9500" kern="1200">
-                    <a:solidFill>
-                      <a:schemeClr val="tx1"/>
-                    </a:solidFill>
-                    <a:latin typeface="+mn-lt"/>
-                    <a:ea typeface="+mn-ea"/>
-                    <a:cs typeface="+mn-cs"/>
-                  </a:defRPr>
-                </a:lvl9pPr>
-              </a:lstStyle>
-              <a:p>
-                <a:pPr marL="342900" indent="-342900">
-                  <a:lnSpc>
-                    <a:spcPct val="150000"/>
-                  </a:lnSpc>
-                  <a:buFont typeface="Wingdings" panose="05000000000000000000" pitchFamily="2" charset="2"/>
-                  <a:buChar char="ü"/>
-                </a:pPr>
-                <a:r>
-                  <a:rPr lang="en-GB" b="1" dirty="0">
-                    <a:latin typeface="+mn-lt"/>
-                  </a:rPr>
-                  <a:t>Data: </a:t>
-                </a:r>
-                <a:r>
-                  <a:rPr lang="en-GB" sz="2400" dirty="0">
-                    <a:latin typeface="+mn-lt"/>
-                  </a:rPr>
-                  <a:t>”</a:t>
-                </a:r>
-                <a:r>
-                  <a:rPr lang="en-GB" sz="2400" dirty="0" err="1">
-                    <a:latin typeface="+mn-lt"/>
-                  </a:rPr>
-                  <a:t>fave</a:t>
-                </a:r>
-                <a:r>
-                  <a:rPr lang="en-GB" sz="2400" dirty="0">
-                    <a:latin typeface="+mn-lt"/>
-                  </a:rPr>
-                  <a:t>”, i.e., pictures that Flickr users have tagged as favourite, with personality traits attributed by Asian and UK assessors</a:t>
-                </a:r>
-              </a:p>
-              <a:p>
-                <a:pPr marL="342900" indent="-342900">
-                  <a:lnSpc>
-                    <a:spcPct val="150000"/>
-                  </a:lnSpc>
-                  <a:buFont typeface="Wingdings" panose="05000000000000000000" pitchFamily="2" charset="2"/>
-                  <a:buChar char="ü"/>
-                </a:pPr>
-                <a:r>
-                  <a:rPr lang="en-GB" b="1" dirty="0">
-                    <a:latin typeface="+mn-lt"/>
-                  </a:rPr>
-                  <a:t>Task:</a:t>
-                </a:r>
-                <a:r>
-                  <a:rPr lang="en-GB" sz="2400" dirty="0">
-                    <a:latin typeface="+mn-lt"/>
-                  </a:rPr>
-                  <a:t> predicting whether a Flickr user is perceived to be above median with respect to the Big-Five traits – Openness (</a:t>
-                </a:r>
-                <a:r>
-                  <a:rPr lang="en-GB" sz="2400" dirty="0" err="1">
-                    <a:latin typeface="+mn-lt"/>
-                  </a:rPr>
-                  <a:t>Ope</a:t>
-                </a:r>
-                <a:r>
-                  <a:rPr lang="en-GB" sz="2400" dirty="0">
-                    <a:latin typeface="+mn-lt"/>
-                  </a:rPr>
-                  <a:t>), Conscientiousness (Con), Extraversion (Ext), Agreeableness (</a:t>
-                </a:r>
-                <a:r>
-                  <a:rPr lang="en-GB" sz="2400" dirty="0" err="1">
-                    <a:latin typeface="+mn-lt"/>
-                  </a:rPr>
-                  <a:t>Agr</a:t>
-                </a:r>
-                <a:r>
-                  <a:rPr lang="en-GB" sz="2400" dirty="0">
-                    <a:latin typeface="+mn-lt"/>
-                  </a:rPr>
-                  <a:t>), Neuroticism (</a:t>
-                </a:r>
-                <a:r>
-                  <a:rPr lang="en-GB" sz="2400" dirty="0" err="1">
-                    <a:latin typeface="+mn-lt"/>
-                  </a:rPr>
-                  <a:t>Neu</a:t>
-                </a:r>
-                <a:r>
-                  <a:rPr lang="en-GB" sz="2400" dirty="0">
-                    <a:latin typeface="+mn-lt"/>
-                  </a:rPr>
-                  <a:t>)</a:t>
-                </a:r>
-              </a:p>
-              <a:p>
-                <a:pPr marL="342900" indent="-342900">
-                  <a:lnSpc>
-                    <a:spcPct val="150000"/>
-                  </a:lnSpc>
-                  <a:buFont typeface="Wingdings" panose="05000000000000000000" pitchFamily="2" charset="2"/>
-                  <a:buChar char="ü"/>
-                </a:pPr>
-                <a:r>
-                  <a:rPr lang="en-GB" b="1" dirty="0">
-                    <a:latin typeface="+mn-lt"/>
-                  </a:rPr>
-                  <a:t>Approaches</a:t>
-                </a:r>
-                <a:r>
-                  <a:rPr lang="en-GB" sz="2400" dirty="0">
-                    <a:latin typeface="+mn-lt"/>
-                  </a:rPr>
-                  <a:t>: Support Vector Machine (SVM)  and PM-AMIS for GPs  </a:t>
-                </a:r>
-                <a:r>
-                  <a:rPr lang="en-GB" sz="2400" dirty="0">
-                    <a:solidFill>
-                      <a:srgbClr val="1F1A84"/>
-                    </a:solidFill>
-                    <a:latin typeface="+mn-lt"/>
-                  </a:rPr>
-                  <a:t>with G-ARD kernel:  </a:t>
-                </a:r>
-              </a:p>
-              <a:p>
-                <a:pPr marL="723900" lvl="1" indent="266700" algn="just">
-                  <a:buFont typeface="Trebuchet MS" panose="020B0603020202020204" pitchFamily="34" charset="0"/>
-                  <a:buChar char="•"/>
-                </a:pPr>
-                <a:r>
-                  <a:rPr lang="en-GB" sz="2800" dirty="0">
-                    <a:latin typeface="+mn-lt"/>
-                  </a:rPr>
-                  <a:t>k(</a:t>
-                </a:r>
-                <a14:m>
-                  <m:oMath xmlns:m="http://schemas.openxmlformats.org/officeDocument/2006/math">
-                    <m:sSub>
-                      <m:sSubPr>
-                        <m:ctrlPr>
-                          <a:rPr lang="en-GB" sz="2800" i="1">
-                            <a:latin typeface="Cambria Math" panose="02040503050406030204" pitchFamily="18" charset="0"/>
-                          </a:rPr>
-                        </m:ctrlPr>
-                      </m:sSubPr>
-                      <m:e>
-                        <m:r>
-                          <a:rPr lang="en-GB" sz="2800" b="1" i="1">
-                            <a:latin typeface="Cambria Math"/>
-                          </a:rPr>
-                          <m:t>𝒙</m:t>
-                        </m:r>
-                      </m:e>
-                      <m:sub>
-                        <m:r>
-                          <a:rPr lang="en-GB" sz="2800" i="1">
-                            <a:latin typeface="Cambria Math"/>
-                          </a:rPr>
-                          <m:t>𝑖</m:t>
-                        </m:r>
-                      </m:sub>
-                    </m:sSub>
-                  </m:oMath>
-                </a14:m>
-                <a:r>
-                  <a:rPr lang="en-GB" sz="2800" dirty="0">
-                    <a:latin typeface="+mn-lt"/>
-                  </a:rPr>
-                  <a:t>,</a:t>
-                </a:r>
-                <a14:m>
-                  <m:oMath xmlns:m="http://schemas.openxmlformats.org/officeDocument/2006/math">
-                    <m:sSub>
-                      <m:sSubPr>
-                        <m:ctrlPr>
-                          <a:rPr lang="en-GB" sz="2800" i="1" dirty="0">
-                            <a:latin typeface="Cambria Math" panose="02040503050406030204" pitchFamily="18" charset="0"/>
-                          </a:rPr>
-                        </m:ctrlPr>
-                      </m:sSubPr>
-                      <m:e>
-                        <m:r>
-                          <a:rPr lang="en-GB" sz="2800" b="1" i="1" dirty="0">
-                            <a:latin typeface="Cambria Math"/>
-                          </a:rPr>
-                          <m:t>𝒙</m:t>
-                        </m:r>
-                      </m:e>
-                      <m:sub>
-                        <m:r>
-                          <a:rPr lang="en-GB" sz="2800" i="1" dirty="0">
-                            <a:latin typeface="Cambria Math"/>
-                          </a:rPr>
-                          <m:t>𝑗</m:t>
-                        </m:r>
-                      </m:sub>
-                    </m:sSub>
-                  </m:oMath>
-                </a14:m>
-                <a:r>
-                  <a:rPr lang="en-GB" sz="2800" dirty="0">
-                    <a:latin typeface="+mn-lt"/>
-                  </a:rPr>
-                  <a:t>) = </a:t>
-                </a:r>
-                <a14:m>
-                  <m:oMath xmlns:m="http://schemas.openxmlformats.org/officeDocument/2006/math">
-                    <m:r>
-                      <a:rPr lang="en-GB" sz="2400">
-                        <a:solidFill>
-                          <a:schemeClr val="accent5">
-                            <a:lumMod val="50000"/>
-                          </a:schemeClr>
-                        </a:solidFill>
-                        <a:latin typeface="Cambria Math"/>
-                      </a:rPr>
-                      <m:t>𝜎</m:t>
-                    </m:r>
-                    <m:sSup>
-                      <m:sSupPr>
-                        <m:ctrlPr>
-                          <a:rPr lang="en-GB" sz="2400" i="1">
-                            <a:solidFill>
-                              <a:schemeClr val="accent5">
-                                <a:lumMod val="50000"/>
-                              </a:schemeClr>
-                            </a:solidFill>
-                            <a:latin typeface="Cambria Math" panose="02040503050406030204" pitchFamily="18" charset="0"/>
-                          </a:rPr>
-                        </m:ctrlPr>
-                      </m:sSupPr>
-                      <m:e>
-                        <m:r>
-                          <a:rPr lang="en-GB" sz="2400">
-                            <a:solidFill>
-                              <a:schemeClr val="accent5">
-                                <a:lumMod val="50000"/>
-                              </a:schemeClr>
-                            </a:solidFill>
-                            <a:latin typeface="Cambria Math"/>
-                          </a:rPr>
-                          <m:t>𝑒</m:t>
-                        </m:r>
-                      </m:e>
-                      <m:sup>
-                        <m:r>
-                          <a:rPr lang="en-GB" sz="2400">
-                            <a:solidFill>
-                              <a:schemeClr val="accent5">
-                                <a:lumMod val="50000"/>
-                              </a:schemeClr>
-                            </a:solidFill>
-                            <a:latin typeface="Cambria Math"/>
-                          </a:rPr>
-                          <m:t>−</m:t>
-                        </m:r>
-                        <m:nary>
-                          <m:naryPr>
-                            <m:chr m:val="∑"/>
-                            <m:ctrlPr>
-                              <a:rPr lang="en-GB" sz="2400" i="1">
-                                <a:solidFill>
-                                  <a:schemeClr val="accent5">
-                                    <a:lumMod val="50000"/>
-                                  </a:schemeClr>
-                                </a:solidFill>
-                                <a:latin typeface="Cambria Math" panose="02040503050406030204" pitchFamily="18" charset="0"/>
-                              </a:rPr>
-                            </m:ctrlPr>
-                          </m:naryPr>
-                          <m:sub>
-                            <m:r>
-                              <m:rPr>
-                                <m:brk m:alnAt="23"/>
-                              </m:rPr>
-                              <a:rPr lang="en-GB" sz="2400">
-                                <a:solidFill>
-                                  <a:schemeClr val="accent5">
-                                    <a:lumMod val="50000"/>
-                                  </a:schemeClr>
-                                </a:solidFill>
-                                <a:latin typeface="Cambria Math"/>
-                              </a:rPr>
-                              <m:t>𝑟</m:t>
-                            </m:r>
-                            <m:r>
-                              <a:rPr lang="en-GB" sz="2400">
-                                <a:solidFill>
-                                  <a:schemeClr val="accent5">
-                                    <a:lumMod val="50000"/>
-                                  </a:schemeClr>
-                                </a:solidFill>
-                                <a:latin typeface="Cambria Math"/>
-                              </a:rPr>
-                              <m:t>=1</m:t>
-                            </m:r>
-                          </m:sub>
-                          <m:sup>
-                            <m:sSub>
-                              <m:sSubPr>
-                                <m:ctrlPr>
-                                  <a:rPr lang="en-GB" sz="2400" i="1">
-                                    <a:solidFill>
-                                      <a:schemeClr val="accent5">
-                                        <a:lumMod val="50000"/>
-                                      </a:schemeClr>
-                                    </a:solidFill>
-                                    <a:latin typeface="Cambria Math" panose="02040503050406030204" pitchFamily="18" charset="0"/>
-                                  </a:rPr>
-                                </m:ctrlPr>
-                              </m:sSubPr>
-                              <m:e>
-                                <m:r>
-                                  <a:rPr lang="en-GB" sz="2400">
-                                    <a:solidFill>
-                                      <a:schemeClr val="accent5">
-                                        <a:lumMod val="50000"/>
-                                      </a:schemeClr>
-                                    </a:solidFill>
-                                    <a:latin typeface="Cambria Math"/>
-                                  </a:rPr>
-                                  <m:t>𝑁</m:t>
-                                </m:r>
-                              </m:e>
-                              <m:sub>
-                                <m:r>
-                                  <a:rPr lang="en-GB" sz="2400">
-                                    <a:solidFill>
-                                      <a:schemeClr val="accent5">
-                                        <a:lumMod val="50000"/>
-                                      </a:schemeClr>
-                                    </a:solidFill>
-                                    <a:latin typeface="Cambria Math"/>
-                                  </a:rPr>
-                                  <m:t>𝑔</m:t>
-                                </m:r>
-                              </m:sub>
-                            </m:sSub>
-                          </m:sup>
-                          <m:e>
-                            <m:f>
-                              <m:fPr>
-                                <m:ctrlPr>
-                                  <a:rPr lang="en-GB" sz="2400" i="1">
-                                    <a:solidFill>
-                                      <a:schemeClr val="accent5">
-                                        <a:lumMod val="50000"/>
-                                      </a:schemeClr>
-                                    </a:solidFill>
-                                    <a:latin typeface="Cambria Math" panose="02040503050406030204" pitchFamily="18" charset="0"/>
-                                  </a:rPr>
-                                </m:ctrlPr>
-                              </m:fPr>
-                              <m:num>
-                                <m:r>
-                                  <a:rPr lang="en-GB" sz="2400">
-                                    <a:solidFill>
-                                      <a:schemeClr val="accent5">
-                                        <a:lumMod val="50000"/>
-                                      </a:schemeClr>
-                                    </a:solidFill>
-                                    <a:latin typeface="Cambria Math"/>
-                                  </a:rPr>
-                                  <m:t>1</m:t>
-                                </m:r>
-                              </m:num>
-                              <m:den>
-                                <m:sSup>
-                                  <m:sSupPr>
-                                    <m:ctrlPr>
-                                      <a:rPr lang="en-GB" sz="2400" i="1">
-                                        <a:solidFill>
-                                          <a:schemeClr val="accent5">
-                                            <a:lumMod val="50000"/>
-                                          </a:schemeClr>
-                                        </a:solidFill>
-                                        <a:latin typeface="Cambria Math" panose="02040503050406030204" pitchFamily="18" charset="0"/>
-                                      </a:rPr>
-                                    </m:ctrlPr>
-                                  </m:sSupPr>
-                                  <m:e>
-                                    <m:sSub>
-                                      <m:sSubPr>
-                                        <m:ctrlPr>
-                                          <a:rPr lang="en-GB" sz="2400" i="1">
-                                            <a:solidFill>
-                                              <a:schemeClr val="accent5">
-                                                <a:lumMod val="50000"/>
-                                              </a:schemeClr>
-                                            </a:solidFill>
-                                            <a:latin typeface="Cambria Math" panose="02040503050406030204" pitchFamily="18" charset="0"/>
-                                          </a:rPr>
-                                        </m:ctrlPr>
-                                      </m:sSubPr>
-                                      <m:e>
-                                        <m:r>
-                                          <a:rPr lang="en-GB" sz="2400">
-                                            <a:solidFill>
-                                              <a:schemeClr val="accent5">
-                                                <a:lumMod val="50000"/>
-                                              </a:schemeClr>
-                                            </a:solidFill>
-                                            <a:latin typeface="Cambria Math"/>
-                                          </a:rPr>
-                                          <m:t>𝑁</m:t>
-                                        </m:r>
-                                      </m:e>
-                                      <m:sub>
-                                        <m:r>
-                                          <a:rPr lang="en-GB" sz="2400">
-                                            <a:solidFill>
-                                              <a:schemeClr val="accent5">
-                                                <a:lumMod val="50000"/>
-                                              </a:schemeClr>
-                                            </a:solidFill>
-                                            <a:latin typeface="Cambria Math"/>
-                                          </a:rPr>
-                                          <m:t>𝑟</m:t>
-                                        </m:r>
-                                      </m:sub>
-                                    </m:sSub>
-                                    <m:sSub>
-                                      <m:sSubPr>
-                                        <m:ctrlPr>
-                                          <a:rPr lang="en-GB" sz="2400" i="1">
-                                            <a:solidFill>
-                                              <a:schemeClr val="accent5">
-                                                <a:lumMod val="50000"/>
-                                              </a:schemeClr>
-                                            </a:solidFill>
-                                            <a:latin typeface="Cambria Math" panose="02040503050406030204" pitchFamily="18" charset="0"/>
-                                          </a:rPr>
-                                        </m:ctrlPr>
-                                      </m:sSubPr>
-                                      <m:e>
-                                        <m:r>
-                                          <a:rPr lang="en-GB" sz="2400">
-                                            <a:solidFill>
-                                              <a:schemeClr val="accent5">
-                                                <a:lumMod val="50000"/>
-                                              </a:schemeClr>
-                                            </a:solidFill>
-                                            <a:latin typeface="Cambria Math"/>
-                                          </a:rPr>
-                                          <m:t>𝜏</m:t>
-                                        </m:r>
-                                      </m:e>
-                                      <m:sub>
-                                        <m:r>
-                                          <a:rPr lang="en-GB" sz="2400">
-                                            <a:solidFill>
-                                              <a:schemeClr val="accent5">
-                                                <a:lumMod val="50000"/>
-                                              </a:schemeClr>
-                                            </a:solidFill>
-                                            <a:latin typeface="Cambria Math"/>
-                                          </a:rPr>
-                                          <m:t>𝑟</m:t>
-                                        </m:r>
-                                      </m:sub>
-                                    </m:sSub>
-                                  </m:e>
-                                  <m:sup>
-                                    <m:r>
-                                      <a:rPr lang="en-GB" sz="2400">
-                                        <a:solidFill>
-                                          <a:schemeClr val="accent5">
-                                            <a:lumMod val="50000"/>
-                                          </a:schemeClr>
-                                        </a:solidFill>
-                                        <a:latin typeface="Cambria Math"/>
-                                      </a:rPr>
-                                      <m:t>2</m:t>
-                                    </m:r>
-                                  </m:sup>
-                                </m:sSup>
-                              </m:den>
-                            </m:f>
-                          </m:e>
-                        </m:nary>
-                        <m:r>
-                          <a:rPr lang="en-GB" sz="2400">
-                            <a:solidFill>
-                              <a:schemeClr val="accent5">
-                                <a:lumMod val="50000"/>
-                              </a:schemeClr>
-                            </a:solidFill>
-                            <a:latin typeface="Cambria Math"/>
-                          </a:rPr>
-                          <m:t>{</m:t>
-                        </m:r>
-                        <m:nary>
-                          <m:naryPr>
-                            <m:chr m:val="∑"/>
-                            <m:supHide m:val="on"/>
-                            <m:ctrlPr>
-                              <a:rPr lang="en-GB" sz="2400" i="1">
-                                <a:solidFill>
-                                  <a:schemeClr val="accent5">
-                                    <a:lumMod val="50000"/>
-                                  </a:schemeClr>
-                                </a:solidFill>
-                                <a:latin typeface="Cambria Math" panose="02040503050406030204" pitchFamily="18" charset="0"/>
-                              </a:rPr>
-                            </m:ctrlPr>
-                          </m:naryPr>
-                          <m:sub>
-                            <m:r>
-                              <m:rPr>
-                                <m:brk m:alnAt="7"/>
-                              </m:rPr>
-                              <a:rPr lang="en-GB" sz="2400">
-                                <a:solidFill>
-                                  <a:schemeClr val="accent5">
-                                    <a:lumMod val="50000"/>
-                                  </a:schemeClr>
-                                </a:solidFill>
-                                <a:latin typeface="Cambria Math"/>
-                              </a:rPr>
-                              <m:t>𝑠</m:t>
-                            </m:r>
-                            <m:r>
-                              <a:rPr lang="en-GB" sz="2400">
-                                <a:solidFill>
-                                  <a:schemeClr val="accent5">
-                                    <a:lumMod val="50000"/>
-                                  </a:schemeClr>
-                                </a:solidFill>
-                                <a:latin typeface="Cambria Math"/>
-                              </a:rPr>
-                              <m:t>∈</m:t>
-                            </m:r>
-                            <m:sSub>
-                              <m:sSubPr>
-                                <m:ctrlPr>
-                                  <a:rPr lang="en-GB" sz="2400" i="1">
-                                    <a:solidFill>
-                                      <a:schemeClr val="accent5">
-                                        <a:lumMod val="50000"/>
-                                      </a:schemeClr>
-                                    </a:solidFill>
-                                    <a:latin typeface="Cambria Math" panose="02040503050406030204" pitchFamily="18" charset="0"/>
-                                  </a:rPr>
-                                </m:ctrlPr>
-                              </m:sSubPr>
-                              <m:e>
-                                <m:r>
-                                  <a:rPr lang="en-GB" sz="2400">
-                                    <a:solidFill>
-                                      <a:schemeClr val="accent5">
-                                        <a:lumMod val="50000"/>
-                                      </a:schemeClr>
-                                    </a:solidFill>
-                                    <a:latin typeface="Cambria Math"/>
-                                  </a:rPr>
-                                  <m:t>𝒢</m:t>
-                                </m:r>
-                              </m:e>
-                              <m:sub>
-                                <m:r>
-                                  <a:rPr lang="en-GB" sz="2400">
-                                    <a:solidFill>
-                                      <a:schemeClr val="accent5">
-                                        <a:lumMod val="50000"/>
-                                      </a:schemeClr>
-                                    </a:solidFill>
-                                    <a:latin typeface="Cambria Math"/>
-                                  </a:rPr>
-                                  <m:t>𝑟</m:t>
-                                </m:r>
-                              </m:sub>
-                            </m:sSub>
-                          </m:sub>
-                          <m:sup/>
-                          <m:e>
-                            <m:sSup>
-                              <m:sSupPr>
-                                <m:ctrlPr>
-                                  <a:rPr lang="en-GB" sz="2400" i="1">
-                                    <a:solidFill>
-                                      <a:schemeClr val="accent5">
-                                        <a:lumMod val="50000"/>
-                                      </a:schemeClr>
-                                    </a:solidFill>
-                                    <a:latin typeface="Cambria Math" panose="02040503050406030204" pitchFamily="18" charset="0"/>
-                                  </a:rPr>
-                                </m:ctrlPr>
-                              </m:sSupPr>
-                              <m:e>
-                                <m:sSub>
-                                  <m:sSubPr>
-                                    <m:ctrlPr>
-                                      <a:rPr lang="en-GB" sz="2400" i="1">
-                                        <a:solidFill>
-                                          <a:schemeClr val="accent5">
-                                            <a:lumMod val="50000"/>
-                                          </a:schemeClr>
-                                        </a:solidFill>
-                                        <a:latin typeface="Cambria Math" panose="02040503050406030204" pitchFamily="18" charset="0"/>
-                                      </a:rPr>
-                                    </m:ctrlPr>
-                                  </m:sSubPr>
-                                  <m:e>
-                                    <m:r>
-                                      <a:rPr lang="en-GB" sz="2400">
-                                        <a:solidFill>
-                                          <a:schemeClr val="accent5">
-                                            <a:lumMod val="50000"/>
-                                          </a:schemeClr>
-                                        </a:solidFill>
-                                        <a:latin typeface="Cambria Math"/>
-                                      </a:rPr>
-                                      <m:t>[</m:t>
-                                    </m:r>
-                                    <m:r>
-                                      <a:rPr lang="en-GB" sz="2400">
-                                        <a:solidFill>
-                                          <a:schemeClr val="accent5">
-                                            <a:lumMod val="50000"/>
-                                          </a:schemeClr>
-                                        </a:solidFill>
-                                        <a:latin typeface="Cambria Math"/>
-                                      </a:rPr>
-                                      <m:t>𝒙</m:t>
-                                    </m:r>
-                                  </m:e>
-                                  <m:sub>
-                                    <m:r>
-                                      <a:rPr lang="en-GB" sz="2400">
-                                        <a:solidFill>
-                                          <a:schemeClr val="accent5">
-                                            <a:lumMod val="50000"/>
-                                          </a:schemeClr>
-                                        </a:solidFill>
-                                        <a:latin typeface="Cambria Math"/>
-                                      </a:rPr>
-                                      <m:t>𝑖</m:t>
-                                    </m:r>
-                                    <m:d>
-                                      <m:dPr>
-                                        <m:ctrlPr>
-                                          <a:rPr lang="en-GB" sz="2400" i="1">
-                                            <a:solidFill>
-                                              <a:schemeClr val="accent5">
-                                                <a:lumMod val="50000"/>
-                                              </a:schemeClr>
-                                            </a:solidFill>
-                                            <a:latin typeface="Cambria Math" panose="02040503050406030204" pitchFamily="18" charset="0"/>
-                                          </a:rPr>
-                                        </m:ctrlPr>
-                                      </m:dPr>
-                                      <m:e>
-                                        <m:r>
-                                          <a:rPr lang="en-GB" sz="2400">
-                                            <a:solidFill>
-                                              <a:schemeClr val="accent5">
-                                                <a:lumMod val="50000"/>
-                                              </a:schemeClr>
-                                            </a:solidFill>
-                                            <a:latin typeface="Cambria Math"/>
-                                          </a:rPr>
-                                          <m:t>𝑠</m:t>
-                                        </m:r>
-                                      </m:e>
-                                    </m:d>
-                                  </m:sub>
-                                </m:sSub>
-                                <m:r>
-                                  <a:rPr lang="en-GB" sz="2400">
-                                    <a:solidFill>
-                                      <a:schemeClr val="accent5">
-                                        <a:lumMod val="50000"/>
-                                      </a:schemeClr>
-                                    </a:solidFill>
-                                    <a:latin typeface="Cambria Math"/>
-                                  </a:rPr>
-                                  <m:t>−</m:t>
-                                </m:r>
-                                <m:sSub>
-                                  <m:sSubPr>
-                                    <m:ctrlPr>
-                                      <a:rPr lang="en-GB" sz="2400" i="1">
-                                        <a:solidFill>
-                                          <a:schemeClr val="accent5">
-                                            <a:lumMod val="50000"/>
-                                          </a:schemeClr>
-                                        </a:solidFill>
-                                        <a:latin typeface="Cambria Math" panose="02040503050406030204" pitchFamily="18" charset="0"/>
-                                      </a:rPr>
-                                    </m:ctrlPr>
-                                  </m:sSubPr>
-                                  <m:e>
-                                    <m:r>
-                                      <a:rPr lang="en-GB" sz="2400">
-                                        <a:solidFill>
-                                          <a:schemeClr val="accent5">
-                                            <a:lumMod val="50000"/>
-                                          </a:schemeClr>
-                                        </a:solidFill>
-                                        <a:latin typeface="Cambria Math"/>
-                                      </a:rPr>
-                                      <m:t>𝒙</m:t>
-                                    </m:r>
-                                  </m:e>
-                                  <m:sub>
-                                    <m:r>
-                                      <a:rPr lang="en-GB" sz="2400">
-                                        <a:solidFill>
-                                          <a:schemeClr val="accent5">
-                                            <a:lumMod val="50000"/>
-                                          </a:schemeClr>
-                                        </a:solidFill>
-                                        <a:latin typeface="Cambria Math"/>
-                                      </a:rPr>
-                                      <m:t>𝑗</m:t>
-                                    </m:r>
-                                    <m:d>
-                                      <m:dPr>
-                                        <m:ctrlPr>
-                                          <a:rPr lang="en-GB" sz="2400" i="1">
-                                            <a:solidFill>
-                                              <a:schemeClr val="accent5">
-                                                <a:lumMod val="50000"/>
-                                              </a:schemeClr>
-                                            </a:solidFill>
-                                            <a:latin typeface="Cambria Math" panose="02040503050406030204" pitchFamily="18" charset="0"/>
-                                          </a:rPr>
-                                        </m:ctrlPr>
-                                      </m:dPr>
-                                      <m:e>
-                                        <m:r>
-                                          <a:rPr lang="en-GB" sz="2400">
-                                            <a:solidFill>
-                                              <a:schemeClr val="accent5">
-                                                <a:lumMod val="50000"/>
-                                              </a:schemeClr>
-                                            </a:solidFill>
-                                            <a:latin typeface="Cambria Math"/>
-                                          </a:rPr>
-                                          <m:t>𝑠</m:t>
-                                        </m:r>
-                                      </m:e>
-                                    </m:d>
-                                  </m:sub>
-                                </m:sSub>
-                                <m:r>
-                                  <a:rPr lang="en-GB" sz="2400">
-                                    <a:solidFill>
-                                      <a:schemeClr val="accent5">
-                                        <a:lumMod val="50000"/>
-                                      </a:schemeClr>
-                                    </a:solidFill>
-                                    <a:latin typeface="Cambria Math"/>
-                                  </a:rPr>
-                                  <m:t>]</m:t>
-                                </m:r>
-                              </m:e>
-                              <m:sup>
-                                <m:r>
-                                  <a:rPr lang="en-GB" sz="2400">
-                                    <a:solidFill>
-                                      <a:schemeClr val="accent5">
-                                        <a:lumMod val="50000"/>
-                                      </a:schemeClr>
-                                    </a:solidFill>
-                                    <a:latin typeface="Cambria Math"/>
-                                  </a:rPr>
-                                  <m:t>2</m:t>
-                                </m:r>
-                              </m:sup>
-                            </m:sSup>
-                            <m:r>
-                              <a:rPr lang="en-GB" sz="2400">
-                                <a:solidFill>
-                                  <a:schemeClr val="accent5">
-                                    <a:lumMod val="50000"/>
-                                  </a:schemeClr>
-                                </a:solidFill>
-                                <a:latin typeface="Cambria Math"/>
-                              </a:rPr>
-                              <m:t>}</m:t>
-                            </m:r>
-                          </m:e>
-                        </m:nary>
-                      </m:sup>
-                    </m:sSup>
-                    <m:r>
-                      <a:rPr lang="en-GB" sz="2400">
-                        <a:solidFill>
-                          <a:schemeClr val="accent5">
-                            <a:lumMod val="50000"/>
-                          </a:schemeClr>
-                        </a:solidFill>
-                        <a:latin typeface="Cambria Math"/>
-                      </a:rPr>
-                      <m:t> </m:t>
-                    </m:r>
-                  </m:oMath>
-                </a14:m>
-                <a:endParaRPr lang="en-GB" sz="2400" dirty="0">
-                  <a:solidFill>
-                    <a:schemeClr val="accent5">
-                      <a:lumMod val="50000"/>
-                    </a:schemeClr>
-                  </a:solidFill>
-                  <a:latin typeface="+mn-lt"/>
-                </a:endParaRPr>
-              </a:p>
-              <a:p>
-                <a:pPr marL="723900" lvl="1" indent="266700" algn="just">
-                  <a:buFont typeface="Trebuchet MS" panose="020B0603020202020204" pitchFamily="34" charset="0"/>
-                  <a:buChar char="•"/>
-                </a:pPr>
-                <a14:m>
-                  <m:oMath xmlns:m="http://schemas.openxmlformats.org/officeDocument/2006/math">
-                    <m:r>
-                      <a:rPr lang="en-GB" sz="2400">
-                        <a:solidFill>
-                          <a:schemeClr val="accent5">
-                            <a:lumMod val="50000"/>
-                          </a:schemeClr>
-                        </a:solidFill>
-                        <a:latin typeface="Cambria Math"/>
-                      </a:rPr>
-                      <m:t> </m:t>
-                    </m:r>
-                    <m:sSub>
-                      <m:sSubPr>
-                        <m:ctrlPr>
-                          <a:rPr lang="en-GB" sz="2400" i="1">
-                            <a:solidFill>
-                              <a:schemeClr val="accent5">
-                                <a:lumMod val="50000"/>
-                              </a:schemeClr>
-                            </a:solidFill>
-                            <a:latin typeface="Cambria Math" panose="02040503050406030204" pitchFamily="18" charset="0"/>
-                          </a:rPr>
-                        </m:ctrlPr>
-                      </m:sSubPr>
-                      <m:e>
-                        <m:r>
-                          <a:rPr lang="en-GB" sz="2400">
-                            <a:solidFill>
-                              <a:schemeClr val="accent5">
-                                <a:lumMod val="50000"/>
-                              </a:schemeClr>
-                            </a:solidFill>
-                            <a:latin typeface="Cambria Math"/>
-                          </a:rPr>
-                          <m:t> </m:t>
-                        </m:r>
-                        <m:r>
-                          <a:rPr lang="en-GB" sz="2400">
-                            <a:solidFill>
-                              <a:schemeClr val="accent5">
-                                <a:lumMod val="50000"/>
-                              </a:schemeClr>
-                            </a:solidFill>
-                            <a:latin typeface="Cambria Math"/>
-                          </a:rPr>
-                          <m:t>𝜏</m:t>
-                        </m:r>
-                      </m:e>
-                      <m:sub>
-                        <m:r>
-                          <a:rPr lang="en-GB" sz="2400">
-                            <a:solidFill>
-                              <a:schemeClr val="accent5">
-                                <a:lumMod val="50000"/>
-                              </a:schemeClr>
-                            </a:solidFill>
-                            <a:latin typeface="Cambria Math"/>
-                          </a:rPr>
-                          <m:t>𝑟</m:t>
-                        </m:r>
-                      </m:sub>
-                    </m:sSub>
-                  </m:oMath>
-                </a14:m>
-                <a:r>
-                  <a:rPr lang="en-GB" sz="2400" dirty="0">
-                    <a:solidFill>
-                      <a:schemeClr val="accent5">
-                        <a:lumMod val="50000"/>
-                      </a:schemeClr>
-                    </a:solidFill>
-                    <a:latin typeface="+mn-lt"/>
-                  </a:rPr>
-                  <a:t> is the length-scale parameter for group </a:t>
-                </a:r>
-                <a14:m>
-                  <m:oMath xmlns:m="http://schemas.openxmlformats.org/officeDocument/2006/math">
-                    <m:r>
-                      <a:rPr lang="en-GB" sz="2400">
-                        <a:solidFill>
-                          <a:schemeClr val="accent5">
-                            <a:lumMod val="50000"/>
-                          </a:schemeClr>
-                        </a:solidFill>
-                        <a:latin typeface="Cambria Math"/>
-                      </a:rPr>
-                      <m:t>𝑟</m:t>
-                    </m:r>
-                  </m:oMath>
-                </a14:m>
-                <a:r>
-                  <a:rPr lang="en-GB" sz="2400" dirty="0">
-                    <a:solidFill>
-                      <a:schemeClr val="accent5">
-                        <a:lumMod val="50000"/>
-                      </a:schemeClr>
-                    </a:solidFill>
-                    <a:latin typeface="+mn-lt"/>
-                  </a:rPr>
-                  <a:t>, </a:t>
-                </a:r>
-                <a14:m>
-                  <m:oMath xmlns:m="http://schemas.openxmlformats.org/officeDocument/2006/math">
-                    <m:sSub>
-                      <m:sSubPr>
-                        <m:ctrlPr>
-                          <a:rPr lang="en-GB" sz="2400" i="1">
-                            <a:solidFill>
-                              <a:schemeClr val="accent5">
-                                <a:lumMod val="50000"/>
-                              </a:schemeClr>
-                            </a:solidFill>
-                            <a:latin typeface="Cambria Math" panose="02040503050406030204" pitchFamily="18" charset="0"/>
-                          </a:rPr>
-                        </m:ctrlPr>
-                      </m:sSubPr>
-                      <m:e>
-                        <m:r>
-                          <a:rPr lang="en-GB" sz="2400">
-                            <a:solidFill>
-                              <a:schemeClr val="accent5">
-                                <a:lumMod val="50000"/>
-                              </a:schemeClr>
-                            </a:solidFill>
-                            <a:latin typeface="Cambria Math"/>
-                          </a:rPr>
-                          <m:t>𝑁</m:t>
-                        </m:r>
-                      </m:e>
-                      <m:sub>
-                        <m:r>
-                          <a:rPr lang="en-GB" sz="2400">
-                            <a:solidFill>
-                              <a:schemeClr val="accent5">
-                                <a:lumMod val="50000"/>
-                              </a:schemeClr>
-                            </a:solidFill>
-                            <a:latin typeface="Cambria Math"/>
-                          </a:rPr>
-                          <m:t>𝑟</m:t>
-                        </m:r>
-                      </m:sub>
-                    </m:sSub>
-                  </m:oMath>
-                </a14:m>
-                <a:r>
-                  <a:rPr lang="en-GB" sz="2400" dirty="0">
-                    <a:solidFill>
-                      <a:schemeClr val="accent5">
-                        <a:lumMod val="50000"/>
-                      </a:schemeClr>
-                    </a:solidFill>
-                    <a:latin typeface="+mn-lt"/>
-                  </a:rPr>
-                  <a:t> is the number of features in group </a:t>
-                </a:r>
-                <a14:m>
-                  <m:oMath xmlns:m="http://schemas.openxmlformats.org/officeDocument/2006/math">
-                    <m:r>
-                      <a:rPr lang="en-GB" sz="2400">
-                        <a:solidFill>
-                          <a:schemeClr val="accent5">
-                            <a:lumMod val="50000"/>
-                          </a:schemeClr>
-                        </a:solidFill>
-                        <a:latin typeface="Cambria Math"/>
-                      </a:rPr>
-                      <m:t>𝑟</m:t>
-                    </m:r>
-                  </m:oMath>
-                </a14:m>
-                <a:r>
-                  <a:rPr lang="en-GB" sz="2400" dirty="0">
-                    <a:solidFill>
-                      <a:schemeClr val="accent5">
-                        <a:lumMod val="50000"/>
-                      </a:schemeClr>
-                    </a:solidFill>
-                    <a:latin typeface="+mn-lt"/>
-                  </a:rPr>
-                  <a:t>,  </a:t>
-                </a:r>
-                <a14:m>
-                  <m:oMath xmlns:m="http://schemas.openxmlformats.org/officeDocument/2006/math">
-                    <m:sSub>
-                      <m:sSubPr>
-                        <m:ctrlPr>
-                          <a:rPr lang="en-GB" sz="2400" i="1">
-                            <a:solidFill>
-                              <a:schemeClr val="accent5">
-                                <a:lumMod val="50000"/>
-                              </a:schemeClr>
-                            </a:solidFill>
-                            <a:latin typeface="Cambria Math" panose="02040503050406030204" pitchFamily="18" charset="0"/>
-                          </a:rPr>
-                        </m:ctrlPr>
-                      </m:sSubPr>
-                      <m:e>
-                        <m:r>
-                          <a:rPr lang="en-GB" sz="2400">
-                            <a:solidFill>
-                              <a:schemeClr val="accent5">
-                                <a:lumMod val="50000"/>
-                              </a:schemeClr>
-                            </a:solidFill>
-                            <a:latin typeface="Cambria Math"/>
-                          </a:rPr>
-                          <m:t>𝑁</m:t>
-                        </m:r>
-                      </m:e>
-                      <m:sub>
-                        <m:r>
-                          <a:rPr lang="en-GB" sz="2400">
-                            <a:solidFill>
-                              <a:schemeClr val="accent5">
-                                <a:lumMod val="50000"/>
-                              </a:schemeClr>
-                            </a:solidFill>
-                            <a:latin typeface="Cambria Math"/>
-                          </a:rPr>
-                          <m:t>𝑔</m:t>
-                        </m:r>
-                      </m:sub>
-                    </m:sSub>
-                  </m:oMath>
-                </a14:m>
-                <a:r>
-                  <a:rPr lang="en-GB" sz="2400" dirty="0">
-                    <a:solidFill>
-                      <a:schemeClr val="accent5">
-                        <a:lumMod val="50000"/>
-                      </a:schemeClr>
-                    </a:solidFill>
-                    <a:latin typeface="+mn-lt"/>
-                  </a:rPr>
-                  <a:t> is the number of groups, </a:t>
-                </a:r>
-                <a14:m>
-                  <m:oMath xmlns:m="http://schemas.openxmlformats.org/officeDocument/2006/math">
-                    <m:sSub>
-                      <m:sSubPr>
-                        <m:ctrlPr>
-                          <a:rPr lang="en-GB" sz="2400" i="1">
-                            <a:solidFill>
-                              <a:schemeClr val="accent5">
-                                <a:lumMod val="50000"/>
-                              </a:schemeClr>
-                            </a:solidFill>
-                            <a:latin typeface="Cambria Math" panose="02040503050406030204" pitchFamily="18" charset="0"/>
-                          </a:rPr>
-                        </m:ctrlPr>
-                      </m:sSubPr>
-                      <m:e>
-                        <m:r>
-                          <a:rPr lang="en-GB" sz="2400">
-                            <a:solidFill>
-                              <a:schemeClr val="accent5">
-                                <a:lumMod val="50000"/>
-                              </a:schemeClr>
-                            </a:solidFill>
-                            <a:latin typeface="Cambria Math"/>
-                          </a:rPr>
-                          <m:t>𝒢</m:t>
-                        </m:r>
-                      </m:e>
-                      <m:sub>
-                        <m:r>
-                          <a:rPr lang="en-GB" sz="2400">
-                            <a:solidFill>
-                              <a:schemeClr val="accent5">
-                                <a:lumMod val="50000"/>
-                              </a:schemeClr>
-                            </a:solidFill>
-                            <a:latin typeface="Cambria Math"/>
-                          </a:rPr>
-                          <m:t>𝑟</m:t>
-                        </m:r>
-                      </m:sub>
-                    </m:sSub>
-                  </m:oMath>
-                </a14:m>
-                <a:r>
-                  <a:rPr lang="en-GB" sz="2400" dirty="0">
-                    <a:solidFill>
-                      <a:schemeClr val="accent5">
-                        <a:lumMod val="50000"/>
-                      </a:schemeClr>
-                    </a:solidFill>
-                    <a:latin typeface="+mn-lt"/>
-                  </a:rPr>
-                  <a:t> is the set of indexes of the features that belong to group </a:t>
-                </a:r>
-                <a14:m>
-                  <m:oMath xmlns:m="http://schemas.openxmlformats.org/officeDocument/2006/math">
-                    <m:r>
-                      <a:rPr lang="en-GB" sz="2400">
-                        <a:solidFill>
-                          <a:schemeClr val="accent5">
-                            <a:lumMod val="50000"/>
-                          </a:schemeClr>
-                        </a:solidFill>
-                        <a:latin typeface="Cambria Math"/>
-                      </a:rPr>
-                      <m:t>𝑟</m:t>
-                    </m:r>
-                  </m:oMath>
-                </a14:m>
-                <a:endParaRPr lang="en-GB" sz="2400" dirty="0">
-                  <a:latin typeface="+mn-lt"/>
-                </a:endParaRPr>
-              </a:p>
-            </p:txBody>
-          </p:sp>
-        </mc:Choice>
-        <mc:Fallback>
-          <p:sp>
-            <p:nvSpPr>
-              <p:cNvPr id="70" name="Text Placeholder 7"/>
-              <p:cNvSpPr txBox="1">
-                <a:spLocks noRot="1" noChangeAspect="1" noMove="1" noResize="1" noEditPoints="1" noAdjustHandles="1" noChangeArrowheads="1" noChangeShapeType="1" noTextEdit="1"/>
-              </p:cNvSpPr>
-              <p:nvPr/>
-            </p:nvSpPr>
-            <p:spPr>
-              <a:xfrm>
-                <a:off x="16618005" y="18769184"/>
-                <a:ext cx="15514537" cy="5267099"/>
-              </a:xfrm>
-              <a:prstGeom prst="rect">
-                <a:avLst/>
-              </a:prstGeom>
-              <a:blipFill>
-                <a:blip r:embed="rId12"/>
-                <a:stretch>
-                  <a:fillRect/>
-                </a:stretch>
-              </a:blipFill>
-            </p:spPr>
-            <p:txBody>
-              <a:bodyPr/>
-              <a:lstStyle/>
-              <a:p>
-                <a:r>
-                  <a:rPr lang="en-US">
-                    <a:noFill/>
-                  </a:rPr>
-                  <a:t> </a:t>
-                </a:r>
-              </a:p>
-            </p:txBody>
-          </p:sp>
-        </mc:Fallback>
-      </mc:AlternateContent>
       <p:sp>
         <p:nvSpPr>
           <p:cNvPr id="71" name="Text Placeholder 7"/>
@@ -13005,8 +10406,8 @@
         </p:nvSpPr>
         <p:spPr>
           <a:xfrm>
-            <a:off x="16812235" y="26600987"/>
-            <a:ext cx="15255533" cy="3536048"/>
+            <a:off x="16828327" y="29407725"/>
+            <a:ext cx="15255533" cy="2296927"/>
           </a:xfrm>
           <a:prstGeom prst="rect">
             <a:avLst/>
@@ -13156,12 +10557,10 @@
             </a:lvl9pPr>
           </a:lstStyle>
           <a:p>
-            <a:pPr marL="342900" indent="-342900">
+            <a:pPr>
               <a:lnSpc>
                 <a:spcPct val="150000"/>
               </a:lnSpc>
-              <a:buFont typeface="Wingdings" panose="05000000000000000000" pitchFamily="2" charset="2"/>
-              <a:buChar char="ü"/>
             </a:pPr>
             <a:r>
               <a:rPr lang="en-GB" b="1" dirty="0">
@@ -13182,7 +10581,7 @@
               <a:rPr lang="en-GB" sz="2400" dirty="0">
                 <a:latin typeface="+mn-lt"/>
               </a:rPr>
-              <a:t>PM-AMIS for GPs achieves comparable accuracies with SVM (see Table 2)</a:t>
+              <a:t>High prediction accuracy</a:t>
             </a:r>
           </a:p>
           <a:p>
@@ -13197,583 +10596,7 @@
               <a:rPr lang="en-GB" sz="2400" dirty="0">
                 <a:latin typeface="+mn-lt"/>
               </a:rPr>
-              <a:t> G-ARD is able to identify the groups of features (G1, G5, G9, G4) that mostly influence personality impression</a:t>
-            </a:r>
-          </a:p>
-          <a:p>
-            <a:pPr marL="723900" lvl="1" indent="266700" algn="just">
-              <a:lnSpc>
-                <a:spcPct val="150000"/>
-              </a:lnSpc>
-              <a:buFont typeface="Trebuchet MS" panose="020B0603020202020204" pitchFamily="34" charset="0"/>
-              <a:buChar char="•"/>
-            </a:pPr>
-            <a:r>
-              <a:rPr lang="en-GB" sz="2400" dirty="0">
-                <a:latin typeface="+mn-lt"/>
-              </a:rPr>
-              <a:t>Weights difference (Figure 1) across Asian and UK personality assessors suggests cultural difference on personality perception</a:t>
-            </a:r>
-          </a:p>
-        </p:txBody>
-      </p:sp>
-      <p:graphicFrame>
-        <p:nvGraphicFramePr>
-          <p:cNvPr id="6" name="Table 5"/>
-          <p:cNvGraphicFramePr>
-            <a:graphicFrameLocks noGrp="1"/>
-          </p:cNvGraphicFramePr>
-          <p:nvPr>
-            <p:extLst>
-              <p:ext uri="{D42A27DB-BD31-4B8C-83A1-F6EECF244321}">
-                <p14:modId xmlns:p14="http://schemas.microsoft.com/office/powerpoint/2010/main" val="3034768731"/>
-              </p:ext>
-            </p:extLst>
-          </p:nvPr>
-        </p:nvGraphicFramePr>
-        <p:xfrm>
-          <a:off x="17016815" y="24936934"/>
-          <a:ext cx="14826254" cy="1737659"/>
-        </p:xfrm>
-        <a:graphic>
-          <a:graphicData uri="http://schemas.openxmlformats.org/drawingml/2006/table">
-            <a:tbl>
-              <a:tblPr firstRow="1" bandRow="1">
-                <a:tableStyleId>{69012ECD-51FC-41F1-AA8D-1B2483CD663E}</a:tableStyleId>
-              </a:tblPr>
-              <a:tblGrid>
-                <a:gridCol w="1034377">
-                  <a:extLst>
-                    <a:ext uri="{9D8B030D-6E8A-4147-A177-3AD203B41FA5}">
-                      <a16:colId xmlns:a16="http://schemas.microsoft.com/office/drawing/2014/main" val="20000"/>
-                    </a:ext>
-                  </a:extLst>
-                </a:gridCol>
-                <a:gridCol w="1762961">
-                  <a:extLst>
-                    <a:ext uri="{9D8B030D-6E8A-4147-A177-3AD203B41FA5}">
-                      <a16:colId xmlns:a16="http://schemas.microsoft.com/office/drawing/2014/main" val="20001"/>
-                    </a:ext>
-                  </a:extLst>
-                </a:gridCol>
-                <a:gridCol w="1985654">
-                  <a:extLst>
-                    <a:ext uri="{9D8B030D-6E8A-4147-A177-3AD203B41FA5}">
-                      <a16:colId xmlns:a16="http://schemas.microsoft.com/office/drawing/2014/main" val="20002"/>
-                    </a:ext>
-                  </a:extLst>
-                </a:gridCol>
-                <a:gridCol w="2393915">
-                  <a:extLst>
-                    <a:ext uri="{9D8B030D-6E8A-4147-A177-3AD203B41FA5}">
-                      <a16:colId xmlns:a16="http://schemas.microsoft.com/office/drawing/2014/main" val="20003"/>
-                    </a:ext>
-                  </a:extLst>
-                </a:gridCol>
-                <a:gridCol w="2059881">
-                  <a:extLst>
-                    <a:ext uri="{9D8B030D-6E8A-4147-A177-3AD203B41FA5}">
-                      <a16:colId xmlns:a16="http://schemas.microsoft.com/office/drawing/2014/main" val="20004"/>
-                    </a:ext>
-                  </a:extLst>
-                </a:gridCol>
-                <a:gridCol w="1595944">
-                  <a:extLst>
-                    <a:ext uri="{9D8B030D-6E8A-4147-A177-3AD203B41FA5}">
-                      <a16:colId xmlns:a16="http://schemas.microsoft.com/office/drawing/2014/main" val="20005"/>
-                    </a:ext>
-                  </a:extLst>
-                </a:gridCol>
-                <a:gridCol w="1317581">
-                  <a:extLst>
-                    <a:ext uri="{9D8B030D-6E8A-4147-A177-3AD203B41FA5}">
-                      <a16:colId xmlns:a16="http://schemas.microsoft.com/office/drawing/2014/main" val="20006"/>
-                    </a:ext>
-                  </a:extLst>
-                </a:gridCol>
-                <a:gridCol w="1132006">
-                  <a:extLst>
-                    <a:ext uri="{9D8B030D-6E8A-4147-A177-3AD203B41FA5}">
-                      <a16:colId xmlns:a16="http://schemas.microsoft.com/office/drawing/2014/main" val="20007"/>
-                    </a:ext>
-                  </a:extLst>
-                </a:gridCol>
-                <a:gridCol w="1543935">
-                  <a:extLst>
-                    <a:ext uri="{9D8B030D-6E8A-4147-A177-3AD203B41FA5}">
-                      <a16:colId xmlns:a16="http://schemas.microsoft.com/office/drawing/2014/main" val="20008"/>
-                    </a:ext>
-                  </a:extLst>
-                </a:gridCol>
-              </a:tblGrid>
-              <a:tr h="511099">
-                <a:tc>
-                  <a:txBody>
-                    <a:bodyPr/>
-                    <a:lstStyle/>
-                    <a:p>
-                      <a:pPr algn="ctr"/>
-                      <a:r>
-                        <a:rPr lang="en-GB" sz="2400" dirty="0"/>
-                        <a:t>G1</a:t>
-                      </a:r>
-                    </a:p>
-                  </a:txBody>
-                  <a:tcPr marL="69224" marR="69224" marT="64640" marB="64640"/>
-                </a:tc>
-                <a:tc>
-                  <a:txBody>
-                    <a:bodyPr/>
-                    <a:lstStyle/>
-                    <a:p>
-                      <a:pPr algn="ctr"/>
-                      <a:r>
-                        <a:rPr lang="en-GB" sz="2400" dirty="0"/>
-                        <a:t>G2</a:t>
-                      </a:r>
-                    </a:p>
-                  </a:txBody>
-                  <a:tcPr marL="69224" marR="69224" marT="64640" marB="64640"/>
-                </a:tc>
-                <a:tc>
-                  <a:txBody>
-                    <a:bodyPr/>
-                    <a:lstStyle/>
-                    <a:p>
-                      <a:pPr algn="ctr"/>
-                      <a:r>
-                        <a:rPr lang="en-GB" sz="2400" dirty="0"/>
-                        <a:t>G3</a:t>
-                      </a:r>
-                    </a:p>
-                  </a:txBody>
-                  <a:tcPr marL="69224" marR="69224" marT="64640" marB="64640"/>
-                </a:tc>
-                <a:tc>
-                  <a:txBody>
-                    <a:bodyPr/>
-                    <a:lstStyle/>
-                    <a:p>
-                      <a:pPr algn="ctr"/>
-                      <a:r>
-                        <a:rPr lang="en-GB" sz="2400" dirty="0"/>
-                        <a:t>G4</a:t>
-                      </a:r>
-                    </a:p>
-                  </a:txBody>
-                  <a:tcPr marL="69224" marR="69224" marT="64640" marB="64640"/>
-                </a:tc>
-                <a:tc>
-                  <a:txBody>
-                    <a:bodyPr/>
-                    <a:lstStyle/>
-                    <a:p>
-                      <a:pPr algn="ctr"/>
-                      <a:r>
-                        <a:rPr lang="en-GB" sz="2400" dirty="0"/>
-                        <a:t>G5</a:t>
-                      </a:r>
-                    </a:p>
-                  </a:txBody>
-                  <a:tcPr marL="69224" marR="69224" marT="64640" marB="64640"/>
-                </a:tc>
-                <a:tc>
-                  <a:txBody>
-                    <a:bodyPr/>
-                    <a:lstStyle/>
-                    <a:p>
-                      <a:pPr algn="ctr"/>
-                      <a:r>
-                        <a:rPr lang="en-GB" sz="2400" dirty="0"/>
-                        <a:t>G6</a:t>
-                      </a:r>
-                    </a:p>
-                  </a:txBody>
-                  <a:tcPr marL="69224" marR="69224" marT="64640" marB="64640"/>
-                </a:tc>
-                <a:tc>
-                  <a:txBody>
-                    <a:bodyPr/>
-                    <a:lstStyle/>
-                    <a:p>
-                      <a:pPr algn="ctr"/>
-                      <a:r>
-                        <a:rPr lang="en-GB" sz="2400" dirty="0"/>
-                        <a:t>G7</a:t>
-                      </a:r>
-                    </a:p>
-                  </a:txBody>
-                  <a:tcPr marL="69224" marR="69224" marT="64640" marB="64640"/>
-                </a:tc>
-                <a:tc>
-                  <a:txBody>
-                    <a:bodyPr/>
-                    <a:lstStyle/>
-                    <a:p>
-                      <a:pPr algn="ctr"/>
-                      <a:r>
-                        <a:rPr lang="en-GB" sz="2400" dirty="0"/>
-                        <a:t>G8</a:t>
-                      </a:r>
-                    </a:p>
-                  </a:txBody>
-                  <a:tcPr marL="69224" marR="69224" marT="64640" marB="64640"/>
-                </a:tc>
-                <a:tc>
-                  <a:txBody>
-                    <a:bodyPr/>
-                    <a:lstStyle/>
-                    <a:p>
-                      <a:pPr algn="ctr"/>
-                      <a:r>
-                        <a:rPr lang="en-GB" sz="2400" dirty="0"/>
-                        <a:t>G9</a:t>
-                      </a:r>
-                    </a:p>
-                  </a:txBody>
-                  <a:tcPr marL="69224" marR="69224" marT="64640" marB="64640"/>
-                </a:tc>
-                <a:extLst>
-                  <a:ext uri="{0D108BD9-81ED-4DB2-BD59-A6C34878D82A}">
-                    <a16:rowId xmlns:a16="http://schemas.microsoft.com/office/drawing/2014/main" val="10000"/>
-                  </a:ext>
-                </a:extLst>
-              </a:tr>
-              <a:tr h="1202331">
-                <a:tc>
-                  <a:txBody>
-                    <a:bodyPr/>
-                    <a:lstStyle/>
-                    <a:p>
-                      <a:pPr algn="ctr"/>
-                      <a:r>
-                        <a:rPr lang="en-GB" sz="2400" dirty="0"/>
-                        <a:t>Faces</a:t>
-                      </a:r>
-                    </a:p>
-                    <a:p>
-                      <a:pPr algn="ctr"/>
-                      <a:r>
-                        <a:rPr lang="en-GB" sz="2400" dirty="0"/>
-                        <a:t>(1)</a:t>
-                      </a:r>
-                    </a:p>
-                  </a:txBody>
-                  <a:tcPr marL="69224" marR="69224" marT="64640" marB="64640"/>
-                </a:tc>
-                <a:tc>
-                  <a:txBody>
-                    <a:bodyPr/>
-                    <a:lstStyle/>
-                    <a:p>
-                      <a:pPr algn="ctr"/>
-                      <a:r>
-                        <a:rPr lang="en-GB" sz="2400" dirty="0"/>
-                        <a:t>Colour</a:t>
-                      </a:r>
-                      <a:r>
-                        <a:rPr lang="en-GB" sz="2400" baseline="0" dirty="0"/>
-                        <a:t> Properties(3)</a:t>
-                      </a:r>
-                      <a:endParaRPr lang="en-GB" sz="2400" dirty="0"/>
-                    </a:p>
-                  </a:txBody>
-                  <a:tcPr marL="69224" marR="69224" marT="64640" marB="64640"/>
-                </a:tc>
-                <a:tc>
-                  <a:txBody>
-                    <a:bodyPr/>
-                    <a:lstStyle/>
-                    <a:p>
-                      <a:pPr algn="ctr"/>
-                      <a:r>
-                        <a:rPr lang="en-GB" sz="2400" dirty="0"/>
-                        <a:t>Colour</a:t>
-                      </a:r>
-                      <a:r>
-                        <a:rPr lang="en-GB" sz="2400" baseline="0" dirty="0"/>
-                        <a:t> Distribution(1)</a:t>
-                      </a:r>
-                      <a:endParaRPr lang="en-GB" sz="2400" dirty="0"/>
-                    </a:p>
-                  </a:txBody>
-                  <a:tcPr marL="69224" marR="69224" marT="64640" marB="64640"/>
-                </a:tc>
-                <a:tc>
-                  <a:txBody>
-                    <a:bodyPr/>
-                    <a:lstStyle/>
-                    <a:p>
-                      <a:pPr algn="ctr"/>
-                      <a:r>
-                        <a:rPr lang="en-GB" sz="2400" dirty="0"/>
-                        <a:t>Homogeneous Regions (4)</a:t>
-                      </a:r>
-                    </a:p>
-                  </a:txBody>
-                  <a:tcPr marL="69224" marR="69224" marT="64640" marB="64640"/>
-                </a:tc>
-                <a:tc>
-                  <a:txBody>
-                    <a:bodyPr/>
-                    <a:lstStyle/>
-                    <a:p>
-                      <a:pPr algn="ctr"/>
-                      <a:r>
-                        <a:rPr lang="en-GB" sz="2400" dirty="0"/>
-                        <a:t>Composition</a:t>
-                      </a:r>
-                      <a:r>
-                        <a:rPr lang="en-GB" sz="2400" baseline="0" dirty="0"/>
-                        <a:t> (2)</a:t>
-                      </a:r>
-                      <a:endParaRPr lang="en-GB" sz="2400" dirty="0"/>
-                    </a:p>
-                  </a:txBody>
-                  <a:tcPr marL="69224" marR="69224" marT="64640" marB="64640"/>
-                </a:tc>
-                <a:tc>
-                  <a:txBody>
-                    <a:bodyPr/>
-                    <a:lstStyle/>
-                    <a:p>
-                      <a:pPr algn="ctr"/>
-                      <a:r>
-                        <a:rPr lang="en-GB" sz="2400" dirty="0"/>
-                        <a:t>Texture Wavelets (12)</a:t>
-                      </a:r>
-                    </a:p>
-                  </a:txBody>
-                  <a:tcPr marL="69224" marR="69224" marT="64640" marB="64640"/>
-                </a:tc>
-                <a:tc>
-                  <a:txBody>
-                    <a:bodyPr/>
-                    <a:lstStyle/>
-                    <a:p>
-                      <a:pPr algn="ctr"/>
-                      <a:r>
-                        <a:rPr lang="en-GB" sz="2400" dirty="0"/>
-                        <a:t>GIST filters (24)</a:t>
-                      </a:r>
-                    </a:p>
-                  </a:txBody>
-                  <a:tcPr marL="69224" marR="69224" marT="64640" marB="64640"/>
-                </a:tc>
-                <a:tc>
-                  <a:txBody>
-                    <a:bodyPr/>
-                    <a:lstStyle/>
-                    <a:p>
-                      <a:pPr algn="ctr"/>
-                      <a:r>
-                        <a:rPr lang="en-GB" sz="2400" dirty="0"/>
-                        <a:t>GLCM (24)</a:t>
-                      </a:r>
-                    </a:p>
-                  </a:txBody>
-                  <a:tcPr marL="69224" marR="69224" marT="64640" marB="64640"/>
-                </a:tc>
-                <a:tc>
-                  <a:txBody>
-                    <a:bodyPr/>
-                    <a:lstStyle/>
-                    <a:p>
-                      <a:pPr algn="ctr"/>
-                      <a:r>
-                        <a:rPr lang="en-GB" sz="2400" dirty="0"/>
-                        <a:t>Texture Statistics (4)</a:t>
-                      </a:r>
-                    </a:p>
-                  </a:txBody>
-                  <a:tcPr marL="69224" marR="69224" marT="64640" marB="64640"/>
-                </a:tc>
-                <a:extLst>
-                  <a:ext uri="{0D108BD9-81ED-4DB2-BD59-A6C34878D82A}">
-                    <a16:rowId xmlns:a16="http://schemas.microsoft.com/office/drawing/2014/main" val="10001"/>
-                  </a:ext>
-                </a:extLst>
-              </a:tr>
-            </a:tbl>
-          </a:graphicData>
-        </a:graphic>
-      </p:graphicFrame>
-      <p:sp>
-        <p:nvSpPr>
-          <p:cNvPr id="72" name="Text Placeholder 345"/>
-          <p:cNvSpPr txBox="1">
-            <a:spLocks/>
-          </p:cNvSpPr>
-          <p:nvPr/>
-        </p:nvSpPr>
-        <p:spPr>
-          <a:xfrm>
-            <a:off x="17231317" y="24115476"/>
-            <a:ext cx="14611752" cy="821458"/>
-          </a:xfrm>
-          <a:prstGeom prst="rect">
-            <a:avLst/>
-          </a:prstGeom>
-        </p:spPr>
-        <p:txBody>
-          <a:bodyPr wrap="square" lIns="223877" tIns="223877" rIns="223877" bIns="223877">
-            <a:spAutoFit/>
-          </a:bodyPr>
-          <a:lstStyle>
-            <a:lvl1pPr marL="0" indent="0" algn="l" defTabSz="4298410" rtl="0" eaLnBrk="1" latinLnBrk="0" hangingPunct="1">
-              <a:spcBef>
-                <a:spcPct val="20000"/>
-              </a:spcBef>
-              <a:buFont typeface="Arial" pitchFamily="34" charset="0"/>
-              <a:buNone/>
-              <a:defRPr sz="2800" kern="1200">
-                <a:solidFill>
-                  <a:schemeClr val="accent5">
-                    <a:lumMod val="50000"/>
-                  </a:schemeClr>
-                </a:solidFill>
-                <a:latin typeface="Trebuchet MS" pitchFamily="34" charset="0"/>
-                <a:ea typeface="+mn-ea"/>
-                <a:cs typeface="+mn-cs"/>
-              </a:defRPr>
-            </a:lvl1pPr>
-            <a:lvl2pPr marL="1455191" indent="-559688" algn="l" defTabSz="4298410" rtl="0" eaLnBrk="1" latinLnBrk="0" hangingPunct="1">
-              <a:spcBef>
-                <a:spcPct val="20000"/>
-              </a:spcBef>
-              <a:buFont typeface="Arial" pitchFamily="34" charset="0"/>
-              <a:buChar char="–"/>
-              <a:defRPr sz="2500" kern="1200">
-                <a:solidFill>
-                  <a:schemeClr val="tx1"/>
-                </a:solidFill>
-                <a:latin typeface="Trebuchet MS" pitchFamily="34" charset="0"/>
-                <a:ea typeface="+mn-ea"/>
-                <a:cs typeface="+mn-cs"/>
-              </a:defRPr>
-            </a:lvl2pPr>
-            <a:lvl3pPr marL="2014879" indent="-559688" algn="l" defTabSz="4298410" rtl="0" eaLnBrk="1" latinLnBrk="0" hangingPunct="1">
-              <a:spcBef>
-                <a:spcPct val="20000"/>
-              </a:spcBef>
-              <a:buFont typeface="Arial" pitchFamily="34" charset="0"/>
-              <a:buChar char="•"/>
-              <a:defRPr sz="2500" kern="1200">
-                <a:solidFill>
-                  <a:schemeClr val="tx1"/>
-                </a:solidFill>
-                <a:latin typeface="Trebuchet MS" pitchFamily="34" charset="0"/>
-                <a:ea typeface="+mn-ea"/>
-                <a:cs typeface="+mn-cs"/>
-              </a:defRPr>
-            </a:lvl3pPr>
-            <a:lvl4pPr marL="2630537" indent="-615658" algn="l" defTabSz="4298410" rtl="0" eaLnBrk="1" latinLnBrk="0" hangingPunct="1">
-              <a:spcBef>
-                <a:spcPct val="20000"/>
-              </a:spcBef>
-              <a:buFont typeface="Arial" pitchFamily="34" charset="0"/>
-              <a:buChar char="–"/>
-              <a:defRPr sz="2500" kern="1200">
-                <a:solidFill>
-                  <a:schemeClr val="tx1"/>
-                </a:solidFill>
-                <a:latin typeface="Trebuchet MS" pitchFamily="34" charset="0"/>
-                <a:ea typeface="+mn-ea"/>
-                <a:cs typeface="+mn-cs"/>
-              </a:defRPr>
-            </a:lvl4pPr>
-            <a:lvl5pPr marL="3078288" indent="-447751" algn="l" defTabSz="4298410" rtl="0" eaLnBrk="1" latinLnBrk="0" hangingPunct="1">
-              <a:spcBef>
-                <a:spcPct val="20000"/>
-              </a:spcBef>
-              <a:buFont typeface="Arial" pitchFamily="34" charset="0"/>
-              <a:buChar char="»"/>
-              <a:defRPr sz="2500" kern="1200">
-                <a:solidFill>
-                  <a:schemeClr val="tx1"/>
-                </a:solidFill>
-                <a:latin typeface="Trebuchet MS" pitchFamily="34" charset="0"/>
-                <a:ea typeface="+mn-ea"/>
-                <a:cs typeface="+mn-cs"/>
-              </a:defRPr>
-            </a:lvl5pPr>
-            <a:lvl6pPr marL="11820625" indent="-1074603" algn="l" defTabSz="4298410" rtl="0" eaLnBrk="1" latinLnBrk="0" hangingPunct="1">
-              <a:spcBef>
-                <a:spcPct val="20000"/>
-              </a:spcBef>
-              <a:buFont typeface="Arial" pitchFamily="34" charset="0"/>
-              <a:buChar char="•"/>
-              <a:defRPr sz="9500" kern="1200">
-                <a:solidFill>
-                  <a:schemeClr val="tx1"/>
-                </a:solidFill>
-                <a:latin typeface="+mn-lt"/>
-                <a:ea typeface="+mn-ea"/>
-                <a:cs typeface="+mn-cs"/>
-              </a:defRPr>
-            </a:lvl6pPr>
-            <a:lvl7pPr marL="13969828" indent="-1074603" algn="l" defTabSz="4298410" rtl="0" eaLnBrk="1" latinLnBrk="0" hangingPunct="1">
-              <a:spcBef>
-                <a:spcPct val="20000"/>
-              </a:spcBef>
-              <a:buFont typeface="Arial" pitchFamily="34" charset="0"/>
-              <a:buChar char="•"/>
-              <a:defRPr sz="9500" kern="1200">
-                <a:solidFill>
-                  <a:schemeClr val="tx1"/>
-                </a:solidFill>
-                <a:latin typeface="+mn-lt"/>
-                <a:ea typeface="+mn-ea"/>
-                <a:cs typeface="+mn-cs"/>
-              </a:defRPr>
-            </a:lvl7pPr>
-            <a:lvl8pPr marL="16119034" indent="-1074603" algn="l" defTabSz="4298410" rtl="0" eaLnBrk="1" latinLnBrk="0" hangingPunct="1">
-              <a:spcBef>
-                <a:spcPct val="20000"/>
-              </a:spcBef>
-              <a:buFont typeface="Arial" pitchFamily="34" charset="0"/>
-              <a:buChar char="•"/>
-              <a:defRPr sz="9500" kern="1200">
-                <a:solidFill>
-                  <a:schemeClr val="tx1"/>
-                </a:solidFill>
-                <a:latin typeface="+mn-lt"/>
-                <a:ea typeface="+mn-ea"/>
-                <a:cs typeface="+mn-cs"/>
-              </a:defRPr>
-            </a:lvl8pPr>
-            <a:lvl9pPr marL="18268238" indent="-1074603" algn="l" defTabSz="4298410" rtl="0" eaLnBrk="1" latinLnBrk="0" hangingPunct="1">
-              <a:spcBef>
-                <a:spcPct val="20000"/>
-              </a:spcBef>
-              <a:buFont typeface="Arial" pitchFamily="34" charset="0"/>
-              <a:buChar char="•"/>
-              <a:defRPr sz="9500" kern="1200">
-                <a:solidFill>
-                  <a:schemeClr val="tx1"/>
-                </a:solidFill>
-                <a:latin typeface="+mn-lt"/>
-                <a:ea typeface="+mn-ea"/>
-                <a:cs typeface="+mn-cs"/>
-              </a:defRPr>
-            </a:lvl9pPr>
-          </a:lstStyle>
-          <a:p>
-            <a:r>
-              <a:rPr lang="en-US" sz="2400" b="1" dirty="0">
-                <a:solidFill>
-                  <a:schemeClr val="tx1"/>
-                </a:solidFill>
-              </a:rPr>
-              <a:t>Table 1: Groups of features (number in brackets denotes the number of features for each group </a:t>
-            </a:r>
-            <a:r>
-              <a:rPr lang="en-US" sz="2000" b="1" dirty="0">
-                <a:solidFill>
-                  <a:schemeClr val="tx1"/>
-                </a:solidFill>
-              </a:rPr>
-              <a:t>)</a:t>
+              <a:t>Two abnormal ones situates  at the boundary where higher uncertainty expected</a:t>
             </a:r>
           </a:p>
         </p:txBody>
@@ -13788,7 +10611,7 @@
         </p:nvSpPr>
         <p:spPr>
           <a:xfrm>
-            <a:off x="342619" y="6496139"/>
+            <a:off x="492240" y="6735822"/>
             <a:ext cx="15637169" cy="4020128"/>
           </a:xfrm>
           <a:prstGeom prst="rect">
@@ -13937,12 +10760,12 @@
             </a:lvl9pPr>
           </a:lstStyle>
           <a:p>
-            <a:pPr marL="361950" indent="-361950">
+            <a:pPr marL="0" indent="423903">
               <a:lnSpc>
                 <a:spcPct val="150000"/>
               </a:lnSpc>
-              <a:buFont typeface="Wingdings" panose="05000000000000000000" pitchFamily="2" charset="2"/>
-              <a:buChar char="ü"/>
+              <a:buFont typeface="Wingdings" pitchFamily="2" charset="2"/>
+              <a:buChar char="Ø"/>
             </a:pPr>
             <a:r>
               <a:rPr lang="en-GB" sz="2400" dirty="0">
@@ -13953,16 +10776,16 @@
                 </a:solidFill>
                 <a:latin typeface="Trebuchet MS" panose="020B0603020202020204" pitchFamily="34" charset="0"/>
               </a:rPr>
-              <a:t>The hazard footprints are conventionally estimated using measurements from observing stations and/or gridded analyses produced by numerical climate  simulation models</a:t>
+              <a:t>Windstorms are normally quantified by the windstorm footprint, a spatial area describing potential damage</a:t>
             </a:r>
           </a:p>
           <a:p>
-            <a:pPr marL="361950" indent="-361950">
+            <a:pPr marL="0" indent="423903">
               <a:lnSpc>
                 <a:spcPct val="150000"/>
               </a:lnSpc>
-              <a:buFont typeface="Wingdings" panose="05000000000000000000" pitchFamily="2" charset="2"/>
-              <a:buChar char="ü"/>
+              <a:buFont typeface="Wingdings" pitchFamily="2" charset="2"/>
+              <a:buChar char="Ø"/>
             </a:pPr>
             <a:r>
               <a:rPr lang="en-GB" sz="2400" dirty="0">
@@ -13973,16 +10796,36 @@
                 </a:solidFill>
                 <a:latin typeface="Trebuchet MS" panose="020B0603020202020204" pitchFamily="34" charset="0"/>
               </a:rPr>
-              <a:t> ground monitoring stations lack spatial coverage but can be thought to measure true wind speed fairly accurately</a:t>
+              <a:t>Windstorm footprints are conventionally estimated using measurements from observing stations and/or gridded analyses produced by numerical climate  simulation models</a:t>
             </a:r>
           </a:p>
           <a:p>
-            <a:pPr marL="361950" indent="-361950">
+            <a:pPr marL="0" indent="423903">
               <a:lnSpc>
                 <a:spcPct val="150000"/>
               </a:lnSpc>
-              <a:buFont typeface="Wingdings" panose="05000000000000000000" pitchFamily="2" charset="2"/>
-              <a:buChar char="ü"/>
+              <a:buFont typeface="Wingdings" pitchFamily="2" charset="2"/>
+              <a:buChar char="Ø"/>
+            </a:pPr>
+            <a:r>
+              <a:rPr lang="en-GB" sz="2400" dirty="0">
+                <a:solidFill>
+                  <a:schemeClr val="accent5">
+                    <a:lumMod val="50000"/>
+                  </a:schemeClr>
+                </a:solidFill>
+                <a:latin typeface="Trebuchet MS" panose="020B0603020202020204" pitchFamily="34" charset="0"/>
+              </a:rPr>
+              <a:t> Ground monitoring stations lack spatial coverage but can be thought to measure true wind speed fairly accurately</a:t>
+            </a:r>
+          </a:p>
+          <a:p>
+            <a:pPr marL="0" indent="423903">
+              <a:lnSpc>
+                <a:spcPct val="150000"/>
+              </a:lnSpc>
+              <a:buFont typeface="Wingdings" pitchFamily="2" charset="2"/>
+              <a:buChar char="Ø"/>
             </a:pPr>
             <a:r>
               <a:rPr lang="en-GB" sz="2400" dirty="0">
@@ -14015,184 +10858,6 @@
           </a:p>
         </p:txBody>
       </p:sp>
-      <p:sp>
-        <p:nvSpPr>
-          <p:cNvPr id="75" name="Text Placeholder 345"/>
-          <p:cNvSpPr txBox="1">
-            <a:spLocks/>
-          </p:cNvSpPr>
-          <p:nvPr/>
-        </p:nvSpPr>
-        <p:spPr>
-          <a:xfrm>
-            <a:off x="17278693" y="12950584"/>
-            <a:ext cx="14611752" cy="821458"/>
-          </a:xfrm>
-          <a:prstGeom prst="rect">
-            <a:avLst/>
-          </a:prstGeom>
-        </p:spPr>
-        <p:txBody>
-          <a:bodyPr wrap="square" lIns="223877" tIns="223877" rIns="223877" bIns="223877">
-            <a:spAutoFit/>
-          </a:bodyPr>
-          <a:lstStyle>
-            <a:lvl1pPr marL="0" indent="0" algn="l" defTabSz="4298410" rtl="0" eaLnBrk="1" latinLnBrk="0" hangingPunct="1">
-              <a:spcBef>
-                <a:spcPct val="20000"/>
-              </a:spcBef>
-              <a:buFont typeface="Arial" pitchFamily="34" charset="0"/>
-              <a:buNone/>
-              <a:defRPr sz="2800" kern="1200">
-                <a:solidFill>
-                  <a:schemeClr val="accent5">
-                    <a:lumMod val="50000"/>
-                  </a:schemeClr>
-                </a:solidFill>
-                <a:latin typeface="Trebuchet MS" pitchFamily="34" charset="0"/>
-                <a:ea typeface="+mn-ea"/>
-                <a:cs typeface="+mn-cs"/>
-              </a:defRPr>
-            </a:lvl1pPr>
-            <a:lvl2pPr marL="1455191" indent="-559688" algn="l" defTabSz="4298410" rtl="0" eaLnBrk="1" latinLnBrk="0" hangingPunct="1">
-              <a:spcBef>
-                <a:spcPct val="20000"/>
-              </a:spcBef>
-              <a:buFont typeface="Arial" pitchFamily="34" charset="0"/>
-              <a:buChar char="–"/>
-              <a:defRPr sz="2500" kern="1200">
-                <a:solidFill>
-                  <a:schemeClr val="tx1"/>
-                </a:solidFill>
-                <a:latin typeface="Trebuchet MS" pitchFamily="34" charset="0"/>
-                <a:ea typeface="+mn-ea"/>
-                <a:cs typeface="+mn-cs"/>
-              </a:defRPr>
-            </a:lvl2pPr>
-            <a:lvl3pPr marL="2014879" indent="-559688" algn="l" defTabSz="4298410" rtl="0" eaLnBrk="1" latinLnBrk="0" hangingPunct="1">
-              <a:spcBef>
-                <a:spcPct val="20000"/>
-              </a:spcBef>
-              <a:buFont typeface="Arial" pitchFamily="34" charset="0"/>
-              <a:buChar char="•"/>
-              <a:defRPr sz="2500" kern="1200">
-                <a:solidFill>
-                  <a:schemeClr val="tx1"/>
-                </a:solidFill>
-                <a:latin typeface="Trebuchet MS" pitchFamily="34" charset="0"/>
-                <a:ea typeface="+mn-ea"/>
-                <a:cs typeface="+mn-cs"/>
-              </a:defRPr>
-            </a:lvl3pPr>
-            <a:lvl4pPr marL="2630537" indent="-615658" algn="l" defTabSz="4298410" rtl="0" eaLnBrk="1" latinLnBrk="0" hangingPunct="1">
-              <a:spcBef>
-                <a:spcPct val="20000"/>
-              </a:spcBef>
-              <a:buFont typeface="Arial" pitchFamily="34" charset="0"/>
-              <a:buChar char="–"/>
-              <a:defRPr sz="2500" kern="1200">
-                <a:solidFill>
-                  <a:schemeClr val="tx1"/>
-                </a:solidFill>
-                <a:latin typeface="Trebuchet MS" pitchFamily="34" charset="0"/>
-                <a:ea typeface="+mn-ea"/>
-                <a:cs typeface="+mn-cs"/>
-              </a:defRPr>
-            </a:lvl4pPr>
-            <a:lvl5pPr marL="3078288" indent="-447751" algn="l" defTabSz="4298410" rtl="0" eaLnBrk="1" latinLnBrk="0" hangingPunct="1">
-              <a:spcBef>
-                <a:spcPct val="20000"/>
-              </a:spcBef>
-              <a:buFont typeface="Arial" pitchFamily="34" charset="0"/>
-              <a:buChar char="»"/>
-              <a:defRPr sz="2500" kern="1200">
-                <a:solidFill>
-                  <a:schemeClr val="tx1"/>
-                </a:solidFill>
-                <a:latin typeface="Trebuchet MS" pitchFamily="34" charset="0"/>
-                <a:ea typeface="+mn-ea"/>
-                <a:cs typeface="+mn-cs"/>
-              </a:defRPr>
-            </a:lvl5pPr>
-            <a:lvl6pPr marL="11820625" indent="-1074603" algn="l" defTabSz="4298410" rtl="0" eaLnBrk="1" latinLnBrk="0" hangingPunct="1">
-              <a:spcBef>
-                <a:spcPct val="20000"/>
-              </a:spcBef>
-              <a:buFont typeface="Arial" pitchFamily="34" charset="0"/>
-              <a:buChar char="•"/>
-              <a:defRPr sz="9500" kern="1200">
-                <a:solidFill>
-                  <a:schemeClr val="tx1"/>
-                </a:solidFill>
-                <a:latin typeface="+mn-lt"/>
-                <a:ea typeface="+mn-ea"/>
-                <a:cs typeface="+mn-cs"/>
-              </a:defRPr>
-            </a:lvl6pPr>
-            <a:lvl7pPr marL="13969828" indent="-1074603" algn="l" defTabSz="4298410" rtl="0" eaLnBrk="1" latinLnBrk="0" hangingPunct="1">
-              <a:spcBef>
-                <a:spcPct val="20000"/>
-              </a:spcBef>
-              <a:buFont typeface="Arial" pitchFamily="34" charset="0"/>
-              <a:buChar char="•"/>
-              <a:defRPr sz="9500" kern="1200">
-                <a:solidFill>
-                  <a:schemeClr val="tx1"/>
-                </a:solidFill>
-                <a:latin typeface="+mn-lt"/>
-                <a:ea typeface="+mn-ea"/>
-                <a:cs typeface="+mn-cs"/>
-              </a:defRPr>
-            </a:lvl7pPr>
-            <a:lvl8pPr marL="16119034" indent="-1074603" algn="l" defTabSz="4298410" rtl="0" eaLnBrk="1" latinLnBrk="0" hangingPunct="1">
-              <a:spcBef>
-                <a:spcPct val="20000"/>
-              </a:spcBef>
-              <a:buFont typeface="Arial" pitchFamily="34" charset="0"/>
-              <a:buChar char="•"/>
-              <a:defRPr sz="9500" kern="1200">
-                <a:solidFill>
-                  <a:schemeClr val="tx1"/>
-                </a:solidFill>
-                <a:latin typeface="+mn-lt"/>
-                <a:ea typeface="+mn-ea"/>
-                <a:cs typeface="+mn-cs"/>
-              </a:defRPr>
-            </a:lvl8pPr>
-            <a:lvl9pPr marL="18268238" indent="-1074603" algn="l" defTabSz="4298410" rtl="0" eaLnBrk="1" latinLnBrk="0" hangingPunct="1">
-              <a:spcBef>
-                <a:spcPct val="20000"/>
-              </a:spcBef>
-              <a:buFont typeface="Arial" pitchFamily="34" charset="0"/>
-              <a:buChar char="•"/>
-              <a:defRPr sz="9500" kern="1200">
-                <a:solidFill>
-                  <a:schemeClr val="tx1"/>
-                </a:solidFill>
-                <a:latin typeface="+mn-lt"/>
-                <a:ea typeface="+mn-ea"/>
-                <a:cs typeface="+mn-cs"/>
-              </a:defRPr>
-            </a:lvl9pPr>
-          </a:lstStyle>
-          <a:p>
-            <a:pPr algn="ctr"/>
-            <a:r>
-              <a:rPr lang="fr-FR" sz="2400" b="1" dirty="0">
-                <a:solidFill>
-                  <a:schemeClr val="tx1"/>
-                </a:solidFill>
-              </a:rPr>
-              <a:t>GP classification - PM-AMIS vs PM-MH</a:t>
-            </a:r>
-            <a:endParaRPr lang="en-US" sz="2000" b="1" dirty="0">
-              <a:solidFill>
-                <a:schemeClr val="tx1"/>
-              </a:solidFill>
-            </a:endParaRPr>
-          </a:p>
-        </p:txBody>
-      </p:sp>
       <p:pic>
         <p:nvPicPr>
           <p:cNvPr id="9" name="Picture 8">
@@ -14208,7 +10873,7 @@
           <p:nvPr/>
         </p:nvPicPr>
         <p:blipFill>
-          <a:blip r:embed="rId13">
+          <a:blip r:embed="rId5">
             <a:extLst>
               <a:ext uri="{28A0092B-C50C-407E-A947-70E740481C1C}">
                 <a14:useLocalDpi xmlns:a14="http://schemas.microsoft.com/office/drawing/2010/main" val="0"/>
@@ -14244,7 +10909,7 @@
           <p:nvPr/>
         </p:nvPicPr>
         <p:blipFill>
-          <a:blip r:embed="rId14">
+          <a:blip r:embed="rId6">
             <a:extLst>
               <a:ext uri="{28A0092B-C50C-407E-A947-70E740481C1C}">
                 <a14:useLocalDpi xmlns:a14="http://schemas.microsoft.com/office/drawing/2010/main" val="0"/>
@@ -14257,7 +10922,7 @@
         </p:blipFill>
         <p:spPr>
           <a:xfrm>
-            <a:off x="3579321" y="9989076"/>
+            <a:off x="3661591" y="11051006"/>
             <a:ext cx="8140233" cy="6091931"/>
           </a:xfrm>
           <a:prstGeom prst="rect">
@@ -14281,7 +10946,7 @@
         </p:nvSpPr>
         <p:spPr>
           <a:xfrm>
-            <a:off x="342619" y="16081007"/>
+            <a:off x="392337" y="17437993"/>
             <a:ext cx="15637169" cy="3027608"/>
           </a:xfrm>
           <a:prstGeom prst="rect">
@@ -14430,12 +11095,12 @@
             </a:lvl9pPr>
           </a:lstStyle>
           <a:p>
-            <a:pPr marL="361950" indent="-361950">
+            <a:pPr marL="0" indent="423903">
               <a:lnSpc>
                 <a:spcPct val="150000"/>
               </a:lnSpc>
               <a:buFont typeface="Wingdings" pitchFamily="2" charset="2"/>
-              <a:buChar char="ü"/>
+              <a:buChar char="Ø"/>
             </a:pPr>
             <a:r>
               <a:rPr lang="en-GB" sz="2400" dirty="0">
@@ -14450,12 +11115,12 @@
             </a:r>
           </a:p>
           <a:p>
-            <a:pPr marL="361950" indent="-361950">
+            <a:pPr marL="0" indent="423903">
               <a:lnSpc>
                 <a:spcPct val="150000"/>
               </a:lnSpc>
               <a:buFont typeface="Wingdings" pitchFamily="2" charset="2"/>
-              <a:buChar char="ü"/>
+              <a:buChar char="Ø"/>
             </a:pPr>
             <a:r>
               <a:rPr lang="en-GB" sz="2400" dirty="0">
@@ -14506,7 +11171,7 @@
         </p:nvSpPr>
         <p:spPr>
           <a:xfrm>
-            <a:off x="419523" y="22213569"/>
+            <a:off x="385163" y="22958899"/>
             <a:ext cx="15637169" cy="1483756"/>
           </a:xfrm>
           <a:prstGeom prst="rect">
@@ -14655,12 +11320,12 @@
             </a:lvl9pPr>
           </a:lstStyle>
           <a:p>
-            <a:pPr marL="361950" indent="-361950">
+            <a:pPr marL="0" indent="423903">
               <a:lnSpc>
                 <a:spcPct val="150000"/>
               </a:lnSpc>
-              <a:buFont typeface="Wingdings" panose="05000000000000000000" pitchFamily="2" charset="2"/>
-              <a:buChar char="ü"/>
+              <a:buFont typeface="Wingdings" pitchFamily="2" charset="2"/>
+              <a:buChar char="Ø"/>
             </a:pPr>
             <a:r>
               <a:rPr lang="en-GB" sz="2400" dirty="0">
@@ -14671,7 +11336,29 @@
                 </a:solidFill>
                 <a:latin typeface="Trebuchet MS" panose="020B0603020202020204" pitchFamily="34" charset="0"/>
               </a:rPr>
-              <a:t>we present a general modelling framework that is able to tackle these challenges and provide footprint estimates (predictions) that reliably integrate information across all available data sources        </a:t>
+              <a:t>W</a:t>
+            </a:r>
+            <a:r>
+              <a:rPr lang="en-GB" sz="2400">
+                <a:solidFill>
+                  <a:schemeClr val="accent5">
+                    <a:lumMod val="50000"/>
+                  </a:schemeClr>
+                </a:solidFill>
+                <a:latin typeface="Trebuchet MS" panose="020B0603020202020204" pitchFamily="34" charset="0"/>
+              </a:rPr>
+              <a:t>e </a:t>
+            </a:r>
+            <a:r>
+              <a:rPr lang="en-GB" sz="2400" dirty="0">
+                <a:solidFill>
+                  <a:schemeClr val="accent5">
+                    <a:lumMod val="50000"/>
+                  </a:schemeClr>
+                </a:solidFill>
+                <a:latin typeface="Trebuchet MS" panose="020B0603020202020204" pitchFamily="34" charset="0"/>
+              </a:rPr>
+              <a:t>present a general modelling framework that is able to tackle these challenges and provide footprint estimates (predictions) that reliably integrate information across all available data sources        </a:t>
             </a:r>
           </a:p>
         </p:txBody>
@@ -14692,7 +11379,7 @@
         </p:nvSpPr>
         <p:spPr>
           <a:xfrm>
-            <a:off x="419522" y="26694464"/>
+            <a:off x="392337" y="27892141"/>
             <a:ext cx="15637170" cy="1924309"/>
           </a:xfrm>
           <a:prstGeom prst="rect">
@@ -14925,7 +11612,7 @@
         </p:nvSpPr>
         <p:spPr>
           <a:xfrm>
-            <a:off x="392338" y="32148812"/>
+            <a:off x="419625" y="34968781"/>
             <a:ext cx="15782400" cy="547200"/>
           </a:xfrm>
           <a:prstGeom prst="rect">
@@ -15105,7 +11792,7 @@
           <p:nvPr/>
         </p:nvPicPr>
         <p:blipFill>
-          <a:blip r:embed="rId15">
+          <a:blip r:embed="rId7">
             <a:extLst>
               <a:ext uri="{28A0092B-C50C-407E-A947-70E740481C1C}">
                 <a14:useLocalDpi xmlns:a14="http://schemas.microsoft.com/office/drawing/2010/main" val="0"/>
@@ -15118,7 +11805,7 @@
         </p:blipFill>
         <p:spPr>
           <a:xfrm>
-            <a:off x="11479712" y="32728909"/>
+            <a:off x="11479712" y="35674273"/>
             <a:ext cx="4695026" cy="3513631"/>
           </a:xfrm>
           <a:prstGeom prst="rect">
@@ -15141,7 +11828,7 @@
           <p:nvPr/>
         </p:nvPicPr>
         <p:blipFill>
-          <a:blip r:embed="rId16">
+          <a:blip r:embed="rId8">
             <a:extLst>
               <a:ext uri="{28A0092B-C50C-407E-A947-70E740481C1C}">
                 <a14:useLocalDpi xmlns:a14="http://schemas.microsoft.com/office/drawing/2010/main" val="0"/>
@@ -15154,7 +11841,7 @@
         </p:blipFill>
         <p:spPr>
           <a:xfrm>
-            <a:off x="430341" y="32730222"/>
+            <a:off x="430341" y="35675586"/>
             <a:ext cx="11281034" cy="3512318"/>
           </a:xfrm>
           <a:prstGeom prst="rect">
@@ -15178,8 +11865,8 @@
         </p:nvSpPr>
         <p:spPr>
           <a:xfrm>
-            <a:off x="392338" y="36242540"/>
-            <a:ext cx="15637169" cy="1483756"/>
+            <a:off x="458422" y="40591473"/>
+            <a:ext cx="15637169" cy="868058"/>
           </a:xfrm>
           <a:prstGeom prst="rect">
             <a:avLst/>
@@ -15327,11 +12014,54 @@
             </a:lvl9pPr>
           </a:lstStyle>
           <a:p>
-            <a:pPr marL="0" indent="0">
+            <a:pPr marL="0" indent="423903">
               <a:lnSpc>
                 <a:spcPct val="150000"/>
               </a:lnSpc>
-              <a:buNone/>
+              <a:buFont typeface="Wingdings" pitchFamily="2" charset="2"/>
+              <a:buChar char="Ø"/>
+            </a:pPr>
+            <a:r>
+              <a:rPr lang="en-GB" sz="2400" dirty="0">
+                <a:solidFill>
+                  <a:schemeClr val="accent5">
+                    <a:lumMod val="50000"/>
+                  </a:schemeClr>
+                </a:solidFill>
+                <a:latin typeface="Trebuchet MS" panose="020B0603020202020204" pitchFamily="34" charset="0"/>
+              </a:rPr>
+              <a:t>Figure (d) shows averaging Z(s) to get X(A</a:t>
+            </a:r>
+            <a:r>
+              <a:rPr lang="en-GB" sz="2400" baseline="-25000" dirty="0">
+                <a:solidFill>
+                  <a:schemeClr val="accent5">
+                    <a:lumMod val="50000"/>
+                  </a:schemeClr>
+                </a:solidFill>
+                <a:latin typeface="Trebuchet MS" panose="020B0603020202020204" pitchFamily="34" charset="0"/>
+              </a:rPr>
+              <a:t>i</a:t>
+            </a:r>
+            <a:r>
+              <a:rPr lang="en-GB" sz="2400" dirty="0">
+                <a:solidFill>
+                  <a:schemeClr val="accent5">
+                    <a:lumMod val="50000"/>
+                  </a:schemeClr>
+                </a:solidFill>
+                <a:latin typeface="Trebuchet MS" panose="020B0603020202020204" pitchFamily="34" charset="0"/>
+              </a:rPr>
+              <a:t>) has clearly induced bias</a:t>
+            </a:r>
+          </a:p>
+          <a:p>
+            <a:pPr marL="0" indent="423903">
+              <a:lnSpc>
+                <a:spcPct val="150000"/>
+              </a:lnSpc>
+              <a:buFont typeface="Wingdings" pitchFamily="2" charset="2"/>
+              <a:buChar char="Ø"/>
             </a:pPr>
             <a:r>
               <a:rPr lang="en-GB" sz="2400" dirty="0">
@@ -15362,7 +12092,7 @@
           <p:nvPr/>
         </p:nvPicPr>
         <p:blipFill>
-          <a:blip r:embed="rId17"/>
+          <a:blip r:embed="rId9"/>
           <a:stretch>
             <a:fillRect/>
           </a:stretch>
@@ -15395,8 +12125,8 @@
             </p:nvSpPr>
             <p:spPr>
               <a:xfrm>
-                <a:off x="419522" y="28553646"/>
-                <a:ext cx="12650147" cy="3434738"/>
+                <a:off x="372063" y="29816450"/>
+                <a:ext cx="12650147" cy="5170213"/>
               </a:xfrm>
               <a:prstGeom prst="rect">
                 <a:avLst/>
@@ -15547,19 +12277,27 @@
                 </a:lvl9pPr>
               </a:lstStyle>
               <a:p>
-                <a:pPr algn="just"/>
+                <a:pPr algn="just">
+                  <a:lnSpc>
+                    <a:spcPct val="150000"/>
+                  </a:lnSpc>
+                </a:pPr>
                 <a:r>
-                  <a:rPr lang="en-US" sz="2400" b="0" dirty="0">
+                  <a:rPr lang="en-US" sz="2400" b="1" dirty="0">
                     <a:latin typeface="Cambria Math" panose="02040503050406030204" pitchFamily="18" charset="0"/>
                   </a:rPr>
                   <a:t>Change of support:</a:t>
                 </a:r>
-                <a:endParaRPr lang="en-US" sz="2400" b="0" i="1" dirty="0">
+                <a:endParaRPr lang="en-US" sz="2400" b="1" i="1" dirty="0">
                   <a:latin typeface="Cambria Math" panose="02040503050406030204" pitchFamily="18" charset="0"/>
                 </a:endParaRPr>
               </a:p>
               <a:p>
-                <a:pPr algn="just"/>
+                <a:pPr algn="just">
+                  <a:lnSpc>
+                    <a:spcPct val="150000"/>
+                  </a:lnSpc>
+                </a:pPr>
                 <a14:m>
                   <m:oMathPara xmlns:m="http://schemas.openxmlformats.org/officeDocument/2006/math">
                     <m:oMathParaPr>
@@ -15881,16 +12619,24 @@
                 </a:endParaRPr>
               </a:p>
               <a:p>
-                <a:pPr algn="just"/>
+                <a:pPr algn="just">
+                  <a:lnSpc>
+                    <a:spcPct val="150000"/>
+                  </a:lnSpc>
+                </a:pPr>
                 <a:r>
-                  <a:rPr lang="en-US" sz="2400" dirty="0">
+                  <a:rPr lang="en-US" sz="2400" b="1" dirty="0">
                     <a:latin typeface="+mn-lt"/>
                   </a:rPr>
                   <a:t>The joint distribution:</a:t>
                 </a:r>
               </a:p>
               <a:p>
-                <a:pPr algn="just"/>
+                <a:pPr algn="just">
+                  <a:lnSpc>
+                    <a:spcPct val="150000"/>
+                  </a:lnSpc>
+                </a:pPr>
                 <a14:m>
                   <m:oMath xmlns:m="http://schemas.openxmlformats.org/officeDocument/2006/math">
                     <m:r>
@@ -16091,14 +12837,7 @@
                               <a:latin typeface="Cambria Math" panose="02040503050406030204" pitchFamily="18" charset="0"/>
                               <a:ea typeface="Cambria Math"/>
                             </a:rPr>
-                            <m:t>𝑌</m:t>
-                          </m:r>
-                          <m:r>
-                            <a:rPr lang="en-US" sz="2400" i="1" baseline="-25000" dirty="0">
-                              <a:latin typeface="Cambria Math" panose="02040503050406030204" pitchFamily="18" charset="0"/>
-                              <a:ea typeface="Cambria Math"/>
-                            </a:rPr>
-                            <m:t>𝑋</m:t>
+                            <m:t>𝑌𝑋</m:t>
                           </m:r>
                         </m:e>
                       </m:mr>
@@ -16154,354 +12893,329 @@
                 </a14:m>
                 <a:r>
                   <a:rPr lang="en-GB" sz="2400" dirty="0"/>
-                  <a:t>))  where </a:t>
+                  <a:t>))  with</a:t>
                 </a:r>
               </a:p>
               <a:p>
-                <a:pPr algn="just"/>
+                <a:pPr algn="just">
+                  <a:lnSpc>
+                    <a:spcPct val="150000"/>
+                  </a:lnSpc>
+                </a:pPr>
                 <a14:m>
-                  <m:oMath xmlns:m="http://schemas.openxmlformats.org/officeDocument/2006/math">
-                    <m:r>
-                      <a:rPr lang="en-US" sz="2400" i="1" dirty="0">
-                        <a:latin typeface="Cambria Math" panose="02040503050406030204" pitchFamily="18" charset="0"/>
-                      </a:rPr>
-                      <m:t>𝛍</m:t>
-                    </m:r>
-                  </m:oMath>
+                  <m:oMathPara xmlns:m="http://schemas.openxmlformats.org/officeDocument/2006/math">
+                    <m:oMathParaPr>
+                      <m:jc m:val="left"/>
+                    </m:oMathParaPr>
+                    <m:oMath xmlns:m="http://schemas.openxmlformats.org/officeDocument/2006/math">
+                      <m:r>
+                        <a:rPr lang="en-US" sz="2400" i="1" dirty="0">
+                          <a:latin typeface="Cambria Math" panose="02040503050406030204" pitchFamily="18" charset="0"/>
+                        </a:rPr>
+                        <m:t>𝛍</m:t>
+                      </m:r>
+                      <m:r>
+                        <m:rPr>
+                          <m:nor/>
+                        </m:rPr>
+                        <a:rPr lang="en-GB" sz="2400" dirty="0"/>
+                        <m:t>= </m:t>
+                      </m:r>
+                      <m:sSup>
+                        <m:sSupPr>
+                          <m:ctrlPr>
+                            <a:rPr lang="en-GB" sz="2400" i="1">
+                              <a:latin typeface="Cambria Math" panose="02040503050406030204" pitchFamily="18" charset="0"/>
+                            </a:rPr>
+                          </m:ctrlPr>
+                        </m:sSupPr>
+                        <m:e>
+                          <m:r>
+                            <a:rPr lang="en-US" sz="2400" i="1">
+                              <a:latin typeface="Cambria Math" panose="02040503050406030204" pitchFamily="18" charset="0"/>
+                            </a:rPr>
+                            <m:t>(</m:t>
+                          </m:r>
+                          <m:r>
+                            <m:rPr>
+                              <m:nor/>
+                            </m:rPr>
+                            <a:rPr lang="en-US" sz="2400" dirty="0">
+                              <a:ea typeface="Cambria Math"/>
+                            </a:rPr>
+                            <m:t>𝜇</m:t>
+                          </m:r>
+                          <m:r>
+                            <m:rPr>
+                              <m:nor/>
+                            </m:rPr>
+                            <a:rPr lang="en-US" sz="2400" dirty="0">
+                              <a:ea typeface="Cambria Math"/>
+                            </a:rPr>
+                            <m:t>(</m:t>
+                          </m:r>
+                          <m:r>
+                            <m:rPr>
+                              <m:nor/>
+                            </m:rPr>
+                            <a:rPr lang="en-US" sz="2400" dirty="0">
+                              <a:ea typeface="Cambria Math"/>
+                            </a:rPr>
+                            <m:t>s</m:t>
+                          </m:r>
+                          <m:r>
+                            <m:rPr>
+                              <m:nor/>
+                            </m:rPr>
+                            <a:rPr lang="en-US" sz="2400" baseline="-25000" dirty="0">
+                              <a:ea typeface="Cambria Math"/>
+                            </a:rPr>
+                            <m:t>1</m:t>
+                          </m:r>
+                          <m:r>
+                            <m:rPr>
+                              <m:nor/>
+                            </m:rPr>
+                            <a:rPr lang="en-US" sz="2400" dirty="0">
+                              <a:ea typeface="Cambria Math"/>
+                            </a:rPr>
+                            <m:t>)</m:t>
+                          </m:r>
+                          <m:r>
+                            <a:rPr lang="en-US" sz="2400" i="1" dirty="0">
+                              <a:latin typeface="Cambria Math" panose="02040503050406030204" pitchFamily="18" charset="0"/>
+                              <a:ea typeface="Cambria Math"/>
+                            </a:rPr>
+                            <m:t>, …,</m:t>
+                          </m:r>
+                          <m:r>
+                            <m:rPr>
+                              <m:nor/>
+                            </m:rPr>
+                            <a:rPr lang="en-US" sz="2400" dirty="0">
+                              <a:ea typeface="Cambria Math"/>
+                            </a:rPr>
+                            <m:t>𝜇</m:t>
+                          </m:r>
+                          <m:r>
+                            <m:rPr>
+                              <m:nor/>
+                            </m:rPr>
+                            <a:rPr lang="en-US" sz="2400" dirty="0">
+                              <a:ea typeface="Cambria Math"/>
+                            </a:rPr>
+                            <m:t>(</m:t>
+                          </m:r>
+                          <m:r>
+                            <m:rPr>
+                              <m:nor/>
+                            </m:rPr>
+                            <a:rPr lang="en-US" sz="2400" dirty="0">
+                              <a:ea typeface="Cambria Math"/>
+                            </a:rPr>
+                            <m:t>sn</m:t>
+                          </m:r>
+                          <m:r>
+                            <m:rPr>
+                              <m:nor/>
+                            </m:rPr>
+                            <a:rPr lang="en-US" sz="2400" dirty="0">
+                              <a:ea typeface="Cambria Math"/>
+                            </a:rPr>
+                            <m:t>)</m:t>
+                          </m:r>
+                          <m:r>
+                            <a:rPr lang="en-US" sz="2400" i="1">
+                              <a:latin typeface="Cambria Math" panose="02040503050406030204" pitchFamily="18" charset="0"/>
+                            </a:rPr>
+                            <m:t>)</m:t>
+                          </m:r>
+                        </m:e>
+                        <m:sup>
+                          <m:r>
+                            <a:rPr lang="en-US" sz="2400" i="1">
+                              <a:latin typeface="Cambria Math" panose="02040503050406030204" pitchFamily="18" charset="0"/>
+                            </a:rPr>
+                            <m:t>𝑇</m:t>
+                          </m:r>
+                        </m:sup>
+                      </m:sSup>
+                      <m:r>
+                        <a:rPr lang="en-US" sz="2400" b="0" i="1" smtClean="0">
+                          <a:latin typeface="Cambria Math" panose="02040503050406030204" pitchFamily="18" charset="0"/>
+                        </a:rPr>
+                        <m:t>      </m:t>
+                      </m:r>
+                      <m:r>
+                        <a:rPr lang="en-US" sz="2400" i="1" dirty="0">
+                          <a:latin typeface="Cambria Math" panose="02040503050406030204" pitchFamily="18" charset="0"/>
+                        </a:rPr>
+                        <m:t>𝞪</m:t>
+                      </m:r>
+                      <m:r>
+                        <a:rPr lang="en-US" sz="2400" i="1">
+                          <a:latin typeface="Cambria Math" panose="02040503050406030204" pitchFamily="18" charset="0"/>
+                        </a:rPr>
+                        <m:t>=(</m:t>
+                      </m:r>
+                      <m:nary>
+                        <m:naryPr>
+                          <m:ctrlPr>
+                            <a:rPr lang="en-US" sz="2400" i="1">
+                              <a:latin typeface="Cambria Math" panose="02040503050406030204" pitchFamily="18" charset="0"/>
+                            </a:rPr>
+                          </m:ctrlPr>
+                        </m:naryPr>
+                        <m:sub>
+                          <m:r>
+                            <a:rPr lang="en-US" sz="2400" i="1">
+                              <a:latin typeface="Cambria Math" panose="02040503050406030204" pitchFamily="18" charset="0"/>
+                            </a:rPr>
+                            <m:t>0</m:t>
+                          </m:r>
+                        </m:sub>
+                        <m:sup>
+                          <m:r>
+                            <a:rPr lang="en-US" sz="2400" i="1">
+                              <a:latin typeface="Cambria Math" panose="02040503050406030204" pitchFamily="18" charset="0"/>
+                            </a:rPr>
+                            <m:t>𝐴</m:t>
+                          </m:r>
+                          <m:r>
+                            <a:rPr lang="en-US" sz="2400" i="1" baseline="-25000">
+                              <a:latin typeface="Cambria Math" panose="02040503050406030204" pitchFamily="18" charset="0"/>
+                            </a:rPr>
+                            <m:t>1</m:t>
+                          </m:r>
+                        </m:sup>
+                        <m:e>
+                          <m:r>
+                            <m:rPr>
+                              <m:nor/>
+                            </m:rPr>
+                            <a:rPr lang="en-US" sz="2400" dirty="0"/>
+                            <m:t>𝛼</m:t>
+                          </m:r>
+                          <m:r>
+                            <m:rPr>
+                              <m:nor/>
+                            </m:rPr>
+                            <a:rPr lang="en-US" sz="2400" dirty="0"/>
+                            <m:t>(</m:t>
+                          </m:r>
+                          <m:r>
+                            <m:rPr>
+                              <m:nor/>
+                            </m:rPr>
+                            <a:rPr lang="en-US" sz="2400" dirty="0"/>
+                            <m:t>s</m:t>
+                          </m:r>
+                          <m:r>
+                            <m:rPr>
+                              <m:nor/>
+                            </m:rPr>
+                            <a:rPr lang="en-US" sz="2400" baseline="-25000" dirty="0"/>
+                            <m:t>1</m:t>
+                          </m:r>
+                          <m:r>
+                            <m:rPr>
+                              <m:nor/>
+                            </m:rPr>
+                            <a:rPr lang="en-US" sz="2400" dirty="0"/>
+                            <m:t>)</m:t>
+                          </m:r>
+                        </m:e>
+                      </m:nary>
+                      <m:r>
+                        <a:rPr lang="en-US" sz="2400" i="1">
+                          <a:latin typeface="Cambria Math" panose="02040503050406030204" pitchFamily="18" charset="0"/>
+                        </a:rPr>
+                        <m:t>𝑑𝑠</m:t>
+                      </m:r>
+                      <m:r>
+                        <a:rPr lang="en-US" sz="2400" i="1" dirty="0">
+                          <a:latin typeface="Cambria Math" panose="02040503050406030204" pitchFamily="18" charset="0"/>
+                          <a:ea typeface="Cambria Math"/>
+                        </a:rPr>
+                        <m:t>, …,</m:t>
+                      </m:r>
+                      <m:nary>
+                        <m:naryPr>
+                          <m:ctrlPr>
+                            <a:rPr lang="en-US" sz="2400" i="1">
+                              <a:latin typeface="Cambria Math" panose="02040503050406030204" pitchFamily="18" charset="0"/>
+                            </a:rPr>
+                          </m:ctrlPr>
+                        </m:naryPr>
+                        <m:sub>
+                          <m:r>
+                            <a:rPr lang="en-US" sz="2400" i="1">
+                              <a:latin typeface="Cambria Math" panose="02040503050406030204" pitchFamily="18" charset="0"/>
+                            </a:rPr>
+                            <m:t>0</m:t>
+                          </m:r>
+                        </m:sub>
+                        <m:sup>
+                          <m:r>
+                            <a:rPr lang="en-US" sz="2400" i="1">
+                              <a:latin typeface="Cambria Math" panose="02040503050406030204" pitchFamily="18" charset="0"/>
+                            </a:rPr>
+                            <m:t>𝐴</m:t>
+                          </m:r>
+                          <m:r>
+                            <a:rPr lang="en-US" sz="2400" i="1" baseline="-25000">
+                              <a:latin typeface="Cambria Math" panose="02040503050406030204" pitchFamily="18" charset="0"/>
+                            </a:rPr>
+                            <m:t>𝑚</m:t>
+                          </m:r>
+                        </m:sup>
+                        <m:e>
+                          <m:r>
+                            <m:rPr>
+                              <m:nor/>
+                            </m:rPr>
+                            <a:rPr lang="en-US" sz="2400" dirty="0"/>
+                            <m:t>𝛼</m:t>
+                          </m:r>
+                          <m:r>
+                            <m:rPr>
+                              <m:nor/>
+                            </m:rPr>
+                            <a:rPr lang="en-US" sz="2400" dirty="0"/>
+                            <m:t>(</m:t>
+                          </m:r>
+                          <m:r>
+                            <m:rPr>
+                              <m:nor/>
+                            </m:rPr>
+                            <a:rPr lang="en-US" sz="2400" dirty="0"/>
+                            <m:t>sn</m:t>
+                          </m:r>
+                          <m:r>
+                            <m:rPr>
+                              <m:nor/>
+                            </m:rPr>
+                            <a:rPr lang="en-US" sz="2400" dirty="0"/>
+                            <m:t>)</m:t>
+                          </m:r>
+                        </m:e>
+                      </m:nary>
+                      <m:r>
+                        <a:rPr lang="en-US" sz="2400" i="1" dirty="0">
+                          <a:latin typeface="Cambria Math" panose="02040503050406030204" pitchFamily="18" charset="0"/>
+                        </a:rPr>
+                        <m:t>)</m:t>
+                      </m:r>
+                      <m:r>
+                        <a:rPr lang="en-US" sz="2400" i="1" baseline="30000">
+                          <a:latin typeface="Cambria Math" panose="02040503050406030204" pitchFamily="18" charset="0"/>
+                        </a:rPr>
+                        <m:t>𝑇</m:t>
+                      </m:r>
+                    </m:oMath>
+                  </m:oMathPara>
                 </a14:m>
-                <a:r>
-                  <a:rPr lang="en-GB" sz="2400" dirty="0"/>
-                  <a:t>= </a:t>
-                </a:r>
-                <a14:m>
-                  <m:oMath xmlns:m="http://schemas.openxmlformats.org/officeDocument/2006/math">
-                    <m:sSup>
-                      <m:sSupPr>
-                        <m:ctrlPr>
-                          <a:rPr lang="en-GB" sz="2400" i="1" smtClean="0">
-                            <a:latin typeface="Cambria Math" panose="02040503050406030204" pitchFamily="18" charset="0"/>
-                          </a:rPr>
-                        </m:ctrlPr>
-                      </m:sSupPr>
-                      <m:e>
-                        <m:r>
-                          <a:rPr lang="en-US" sz="2400" b="0" i="1" smtClean="0">
-                            <a:latin typeface="Cambria Math" panose="02040503050406030204" pitchFamily="18" charset="0"/>
-                          </a:rPr>
-                          <m:t>(</m:t>
-                        </m:r>
-                        <m:r>
-                          <m:rPr>
-                            <m:nor/>
-                          </m:rPr>
-                          <a:rPr lang="en-US" sz="2400" dirty="0">
-                            <a:ea typeface="Cambria Math"/>
-                          </a:rPr>
-                          <m:t>𝜇</m:t>
-                        </m:r>
-                        <m:r>
-                          <m:rPr>
-                            <m:nor/>
-                          </m:rPr>
-                          <a:rPr lang="en-US" sz="2400" dirty="0">
-                            <a:ea typeface="Cambria Math"/>
-                          </a:rPr>
-                          <m:t>(</m:t>
-                        </m:r>
-                        <m:r>
-                          <m:rPr>
-                            <m:nor/>
-                          </m:rPr>
-                          <a:rPr lang="en-US" sz="2400" dirty="0">
-                            <a:ea typeface="Cambria Math"/>
-                          </a:rPr>
-                          <m:t>s</m:t>
-                        </m:r>
-                        <m:r>
-                          <m:rPr>
-                            <m:nor/>
-                          </m:rPr>
-                          <a:rPr lang="en-US" sz="2400" b="0" i="0" baseline="-25000" dirty="0" smtClean="0">
-                            <a:ea typeface="Cambria Math"/>
-                          </a:rPr>
-                          <m:t>1</m:t>
-                        </m:r>
-                        <m:r>
-                          <m:rPr>
-                            <m:nor/>
-                          </m:rPr>
-                          <a:rPr lang="en-US" sz="2400" dirty="0">
-                            <a:ea typeface="Cambria Math"/>
-                          </a:rPr>
-                          <m:t>)</m:t>
-                        </m:r>
-                        <m:r>
-                          <a:rPr lang="en-US" sz="2400" b="0" i="1" dirty="0" smtClean="0">
-                            <a:latin typeface="Cambria Math" panose="02040503050406030204" pitchFamily="18" charset="0"/>
-                            <a:ea typeface="Cambria Math"/>
-                          </a:rPr>
-                          <m:t>, …,</m:t>
-                        </m:r>
-                        <m:r>
-                          <m:rPr>
-                            <m:nor/>
-                          </m:rPr>
-                          <a:rPr lang="en-US" sz="2400" dirty="0">
-                            <a:ea typeface="Cambria Math"/>
-                          </a:rPr>
-                          <m:t>𝜇</m:t>
-                        </m:r>
-                        <m:r>
-                          <m:rPr>
-                            <m:nor/>
-                          </m:rPr>
-                          <a:rPr lang="en-US" sz="2400" dirty="0">
-                            <a:ea typeface="Cambria Math"/>
-                          </a:rPr>
-                          <m:t>(</m:t>
-                        </m:r>
-                        <m:r>
-                          <m:rPr>
-                            <m:nor/>
-                          </m:rPr>
-                          <a:rPr lang="en-US" sz="2400" dirty="0">
-                            <a:ea typeface="Cambria Math"/>
-                          </a:rPr>
-                          <m:t>sn</m:t>
-                        </m:r>
-                        <m:r>
-                          <m:rPr>
-                            <m:nor/>
-                          </m:rPr>
-                          <a:rPr lang="en-US" sz="2400" dirty="0">
-                            <a:ea typeface="Cambria Math"/>
-                          </a:rPr>
-                          <m:t>)</m:t>
-                        </m:r>
-                        <m:r>
-                          <a:rPr lang="en-US" sz="2400" b="0" i="1" smtClean="0">
-                            <a:latin typeface="Cambria Math" panose="02040503050406030204" pitchFamily="18" charset="0"/>
-                          </a:rPr>
-                          <m:t>)</m:t>
-                        </m:r>
-                      </m:e>
-                      <m:sup>
-                        <m:r>
-                          <a:rPr lang="en-US" sz="2400" b="0" i="1" smtClean="0">
-                            <a:latin typeface="Cambria Math" panose="02040503050406030204" pitchFamily="18" charset="0"/>
-                          </a:rPr>
-                          <m:t>𝑇</m:t>
-                        </m:r>
-                      </m:sup>
-                    </m:sSup>
-                  </m:oMath>
-                </a14:m>
-                <a:r>
-                  <a:rPr lang="en-GB" sz="2400" dirty="0"/>
-                  <a:t>   and   </a:t>
-                </a:r>
-                <a14:m>
-                  <m:oMath xmlns:m="http://schemas.openxmlformats.org/officeDocument/2006/math">
-                    <m:r>
-                      <a:rPr lang="en-US" sz="2400" i="1" dirty="0">
-                        <a:latin typeface="Cambria Math" panose="02040503050406030204" pitchFamily="18" charset="0"/>
-                      </a:rPr>
-                      <m:t>𝞪</m:t>
-                    </m:r>
-                  </m:oMath>
-                </a14:m>
-                <a:r>
-                  <a:rPr lang="en-GB" sz="2400" dirty="0"/>
-                  <a:t>= </a:t>
-                </a:r>
-                <a14:m>
-                  <m:oMath xmlns:m="http://schemas.openxmlformats.org/officeDocument/2006/math">
-                    <m:sSup>
-                      <m:sSupPr>
-                        <m:ctrlPr>
-                          <a:rPr lang="en-GB" sz="2400" i="1">
-                            <a:latin typeface="Cambria Math" panose="02040503050406030204" pitchFamily="18" charset="0"/>
-                          </a:rPr>
-                        </m:ctrlPr>
-                      </m:sSupPr>
-                      <m:e>
-                        <m:r>
-                          <a:rPr lang="en-US" sz="2400" i="1">
-                            <a:latin typeface="Cambria Math" panose="02040503050406030204" pitchFamily="18" charset="0"/>
-                          </a:rPr>
-                          <m:t>(</m:t>
-                        </m:r>
-                        <m:nary>
-                          <m:naryPr>
-                            <m:ctrlPr>
-                              <a:rPr lang="en-US" sz="2400" i="1">
-                                <a:latin typeface="Cambria Math" panose="02040503050406030204" pitchFamily="18" charset="0"/>
-                              </a:rPr>
-                            </m:ctrlPr>
-                          </m:naryPr>
-                          <m:sub>
-                            <m:r>
-                              <a:rPr lang="en-US" sz="2400" i="1">
-                                <a:latin typeface="Cambria Math" panose="02040503050406030204" pitchFamily="18" charset="0"/>
-                              </a:rPr>
-                              <m:t>0</m:t>
-                            </m:r>
-                          </m:sub>
-                          <m:sup>
-                            <m:r>
-                              <a:rPr lang="en-US" sz="2400" i="1">
-                                <a:latin typeface="Cambria Math" panose="02040503050406030204" pitchFamily="18" charset="0"/>
-                              </a:rPr>
-                              <m:t>𝐴</m:t>
-                            </m:r>
-                            <m:r>
-                              <a:rPr lang="en-US" sz="2400" b="0" i="1" baseline="-25000" smtClean="0">
-                                <a:latin typeface="Cambria Math" panose="02040503050406030204" pitchFamily="18" charset="0"/>
-                              </a:rPr>
-                              <m:t>1</m:t>
-                            </m:r>
-                          </m:sup>
-                          <m:e>
-                            <m:r>
-                              <m:rPr>
-                                <m:nor/>
-                              </m:rPr>
-                              <a:rPr lang="en-US" sz="2400" dirty="0"/>
-                              <m:t>𝛼</m:t>
-                            </m:r>
-                            <m:r>
-                              <m:rPr>
-                                <m:nor/>
-                              </m:rPr>
-                              <a:rPr lang="en-US" sz="2400" dirty="0"/>
-                              <m:t>(</m:t>
-                            </m:r>
-                            <m:r>
-                              <m:rPr>
-                                <m:nor/>
-                              </m:rPr>
-                              <a:rPr lang="en-US" sz="2400" b="0" i="0" dirty="0" smtClean="0"/>
-                              <m:t>s</m:t>
-                            </m:r>
-                            <m:r>
-                              <m:rPr>
-                                <m:nor/>
-                              </m:rPr>
-                              <a:rPr lang="en-US" sz="2400" b="0" i="0" baseline="-25000" dirty="0" smtClean="0"/>
-                              <m:t>1</m:t>
-                            </m:r>
-                            <m:r>
-                              <m:rPr>
-                                <m:nor/>
-                              </m:rPr>
-                              <a:rPr lang="en-US" sz="2400" dirty="0"/>
-                              <m:t>)</m:t>
-                            </m:r>
-                          </m:e>
-                        </m:nary>
-                        <m:r>
-                          <a:rPr lang="en-US" sz="2400" i="1">
-                            <a:latin typeface="Cambria Math" panose="02040503050406030204" pitchFamily="18" charset="0"/>
-                          </a:rPr>
-                          <m:t>𝑑𝑠</m:t>
-                        </m:r>
-                        <m:r>
-                          <a:rPr lang="en-US" sz="2400" i="1" dirty="0">
-                            <a:latin typeface="Cambria Math" panose="02040503050406030204" pitchFamily="18" charset="0"/>
-                            <a:ea typeface="Cambria Math"/>
-                          </a:rPr>
-                          <m:t>, …,</m:t>
-                        </m:r>
-                        <m:nary>
-                          <m:naryPr>
-                            <m:ctrlPr>
-                              <a:rPr lang="en-US" sz="2400" i="1">
-                                <a:latin typeface="Cambria Math" panose="02040503050406030204" pitchFamily="18" charset="0"/>
-                              </a:rPr>
-                            </m:ctrlPr>
-                          </m:naryPr>
-                          <m:sub>
-                            <m:r>
-                              <a:rPr lang="en-US" sz="2400" i="1">
-                                <a:latin typeface="Cambria Math" panose="02040503050406030204" pitchFamily="18" charset="0"/>
-                              </a:rPr>
-                              <m:t>0</m:t>
-                            </m:r>
-                          </m:sub>
-                          <m:sup>
-                            <m:r>
-                              <a:rPr lang="en-US" sz="2400" i="1">
-                                <a:latin typeface="Cambria Math" panose="02040503050406030204" pitchFamily="18" charset="0"/>
-                              </a:rPr>
-                              <m:t>𝐴</m:t>
-                            </m:r>
-                            <m:r>
-                              <a:rPr lang="en-US" sz="2400" b="0" i="1" baseline="-25000" smtClean="0">
-                                <a:latin typeface="Cambria Math" panose="02040503050406030204" pitchFamily="18" charset="0"/>
-                              </a:rPr>
-                              <m:t>𝑚</m:t>
-                            </m:r>
-                          </m:sup>
-                          <m:e>
-                            <m:r>
-                              <m:rPr>
-                                <m:nor/>
-                              </m:rPr>
-                              <a:rPr lang="en-US" sz="2400" dirty="0"/>
-                              <m:t>𝛼</m:t>
-                            </m:r>
-                            <m:r>
-                              <m:rPr>
-                                <m:nor/>
-                              </m:rPr>
-                              <a:rPr lang="en-US" sz="2400" dirty="0"/>
-                              <m:t>(</m:t>
-                            </m:r>
-                            <m:r>
-                              <m:rPr>
-                                <m:nor/>
-                              </m:rPr>
-                              <a:rPr lang="en-US" sz="2400" dirty="0"/>
-                              <m:t>s</m:t>
-                            </m:r>
-                            <m:r>
-                              <m:rPr>
-                                <m:nor/>
-                              </m:rPr>
-                              <a:rPr lang="en-US" sz="2400" b="0" i="0" baseline="-25000" dirty="0" smtClean="0"/>
-                              <m:t>n</m:t>
-                            </m:r>
-                            <m:r>
-                              <m:rPr>
-                                <m:nor/>
-                              </m:rPr>
-                              <a:rPr lang="en-US" sz="2400" dirty="0"/>
-                              <m:t>)</m:t>
-                            </m:r>
-                          </m:e>
-                        </m:nary>
-                        <m:r>
-                          <a:rPr lang="en-US" sz="2400" b="0" i="1" dirty="0" smtClean="0">
-                            <a:latin typeface="Cambria Math" panose="02040503050406030204" pitchFamily="18" charset="0"/>
-                          </a:rPr>
-                          <m:t>)</m:t>
-                        </m:r>
-                      </m:e>
-                      <m:sup>
-                        <m:r>
-                          <a:rPr lang="en-US" sz="2400" i="1">
-                            <a:latin typeface="Cambria Math" panose="02040503050406030204" pitchFamily="18" charset="0"/>
-                          </a:rPr>
-                          <m:t>𝑇</m:t>
-                        </m:r>
-                      </m:sup>
-                    </m:sSup>
-                  </m:oMath>
-                </a14:m>
-                <a:r>
-                  <a:rPr lang="en-GB" sz="2400" dirty="0"/>
-                  <a:t> </a:t>
-                </a:r>
+                <a:endParaRPr lang="en-GB" sz="2400" dirty="0"/>
               </a:p>
             </p:txBody>
           </p:sp>
@@ -16523,16 +13237,959 @@
             </p:nvSpPr>
             <p:spPr>
               <a:xfrm>
-                <a:off x="419522" y="28553646"/>
-                <a:ext cx="12650147" cy="3434738"/>
+                <a:off x="372063" y="29816450"/>
+                <a:ext cx="12650147" cy="5170213"/>
               </a:xfrm>
               <a:prstGeom prst="rect">
                 <a:avLst/>
               </a:prstGeom>
               <a:blipFill>
-                <a:blip r:embed="rId18"/>
+                <a:blip r:embed="rId10"/>
                 <a:stretch>
-                  <a:fillRect t="-27206" b="-24632"/>
+                  <a:fillRect t="-8578" b="-36275"/>
+                </a:stretch>
+              </a:blipFill>
+            </p:spPr>
+            <p:txBody>
+              <a:bodyPr/>
+              <a:lstStyle/>
+              <a:p>
+                <a:r>
+                  <a:rPr lang="en-US">
+                    <a:noFill/>
+                  </a:rPr>
+                  <a:t> </a:t>
+                </a:r>
+              </a:p>
+            </p:txBody>
+          </p:sp>
+        </mc:Fallback>
+      </mc:AlternateContent>
+      <p:pic>
+        <p:nvPicPr>
+          <p:cNvPr id="4" name="Picture 3">
+            <a:extLst>
+              <a:ext uri="{FF2B5EF4-FFF2-40B4-BE49-F238E27FC236}">
+                <a16:creationId xmlns:a16="http://schemas.microsoft.com/office/drawing/2014/main" id="{5A8C8FE8-D51D-6F40-94BD-72C19F688EDA}"/>
+              </a:ext>
+            </a:extLst>
+          </p:cNvPr>
+          <p:cNvPicPr>
+            <a:picLocks noChangeAspect="1"/>
+          </p:cNvPicPr>
+          <p:nvPr/>
+        </p:nvPicPr>
+        <p:blipFill>
+          <a:blip r:embed="rId11">
+            <a:extLst>
+              <a:ext uri="{28A0092B-C50C-407E-A947-70E740481C1C}">
+                <a14:useLocalDpi xmlns:a14="http://schemas.microsoft.com/office/drawing/2010/main" val="0"/>
+              </a:ext>
+            </a:extLst>
+          </a:blip>
+          <a:stretch>
+            <a:fillRect/>
+          </a:stretch>
+        </p:blipFill>
+        <p:spPr>
+          <a:xfrm>
+            <a:off x="16782689" y="8117449"/>
+            <a:ext cx="4966157" cy="3894221"/>
+          </a:xfrm>
+          <a:prstGeom prst="rect">
+            <a:avLst/>
+          </a:prstGeom>
+        </p:spPr>
+      </p:pic>
+      <p:pic>
+        <p:nvPicPr>
+          <p:cNvPr id="8" name="Picture 7">
+            <a:extLst>
+              <a:ext uri="{FF2B5EF4-FFF2-40B4-BE49-F238E27FC236}">
+                <a16:creationId xmlns:a16="http://schemas.microsoft.com/office/drawing/2014/main" id="{CBB98240-C75C-BC44-A977-1E7985771FE8}"/>
+              </a:ext>
+            </a:extLst>
+          </p:cNvPr>
+          <p:cNvPicPr>
+            <a:picLocks noChangeAspect="1"/>
+          </p:cNvPicPr>
+          <p:nvPr/>
+        </p:nvPicPr>
+        <p:blipFill>
+          <a:blip r:embed="rId12">
+            <a:extLst>
+              <a:ext uri="{28A0092B-C50C-407E-A947-70E740481C1C}">
+                <a14:useLocalDpi xmlns:a14="http://schemas.microsoft.com/office/drawing/2010/main" val="0"/>
+              </a:ext>
+            </a:extLst>
+          </a:blip>
+          <a:stretch>
+            <a:fillRect/>
+          </a:stretch>
+        </p:blipFill>
+        <p:spPr>
+          <a:xfrm>
+            <a:off x="27016727" y="8113756"/>
+            <a:ext cx="4958996" cy="3920346"/>
+          </a:xfrm>
+          <a:prstGeom prst="rect">
+            <a:avLst/>
+          </a:prstGeom>
+        </p:spPr>
+      </p:pic>
+      <p:pic>
+        <p:nvPicPr>
+          <p:cNvPr id="11" name="Picture 10">
+            <a:extLst>
+              <a:ext uri="{FF2B5EF4-FFF2-40B4-BE49-F238E27FC236}">
+                <a16:creationId xmlns:a16="http://schemas.microsoft.com/office/drawing/2014/main" id="{41F61C7E-8C0C-D74D-BAE2-DDDF6D062890}"/>
+              </a:ext>
+            </a:extLst>
+          </p:cNvPr>
+          <p:cNvPicPr>
+            <a:picLocks noChangeAspect="1"/>
+          </p:cNvPicPr>
+          <p:nvPr/>
+        </p:nvPicPr>
+        <p:blipFill>
+          <a:blip r:embed="rId13">
+            <a:extLst>
+              <a:ext uri="{28A0092B-C50C-407E-A947-70E740481C1C}">
+                <a14:useLocalDpi xmlns:a14="http://schemas.microsoft.com/office/drawing/2010/main" val="0"/>
+              </a:ext>
+            </a:extLst>
+          </a:blip>
+          <a:stretch>
+            <a:fillRect/>
+          </a:stretch>
+        </p:blipFill>
+        <p:spPr>
+          <a:xfrm>
+            <a:off x="21748846" y="8129662"/>
+            <a:ext cx="5269578" cy="3882008"/>
+          </a:xfrm>
+          <a:prstGeom prst="rect">
+            <a:avLst/>
+          </a:prstGeom>
+        </p:spPr>
+      </p:pic>
+      <p:pic>
+        <p:nvPicPr>
+          <p:cNvPr id="18" name="Picture 17">
+            <a:extLst>
+              <a:ext uri="{FF2B5EF4-FFF2-40B4-BE49-F238E27FC236}">
+                <a16:creationId xmlns:a16="http://schemas.microsoft.com/office/drawing/2014/main" id="{79051DA4-37E1-AB46-AC87-2BDFFFB705A6}"/>
+              </a:ext>
+            </a:extLst>
+          </p:cNvPr>
+          <p:cNvPicPr>
+            <a:picLocks noChangeAspect="1"/>
+          </p:cNvPicPr>
+          <p:nvPr/>
+        </p:nvPicPr>
+        <p:blipFill>
+          <a:blip r:embed="rId14">
+            <a:extLst>
+              <a:ext uri="{28A0092B-C50C-407E-A947-70E740481C1C}">
+                <a14:useLocalDpi xmlns:a14="http://schemas.microsoft.com/office/drawing/2010/main" val="0"/>
+              </a:ext>
+            </a:extLst>
+          </a:blip>
+          <a:stretch>
+            <a:fillRect/>
+          </a:stretch>
+        </p:blipFill>
+        <p:spPr>
+          <a:xfrm>
+            <a:off x="21899299" y="12606916"/>
+            <a:ext cx="4391236" cy="3286283"/>
+          </a:xfrm>
+          <a:prstGeom prst="rect">
+            <a:avLst/>
+          </a:prstGeom>
+        </p:spPr>
+      </p:pic>
+      <p:pic>
+        <p:nvPicPr>
+          <p:cNvPr id="23" name="Picture 22">
+            <a:extLst>
+              <a:ext uri="{FF2B5EF4-FFF2-40B4-BE49-F238E27FC236}">
+                <a16:creationId xmlns:a16="http://schemas.microsoft.com/office/drawing/2014/main" id="{B33E902E-9CCC-294C-8617-6452899FB2E2}"/>
+              </a:ext>
+            </a:extLst>
+          </p:cNvPr>
+          <p:cNvPicPr>
+            <a:picLocks noChangeAspect="1"/>
+          </p:cNvPicPr>
+          <p:nvPr/>
+        </p:nvPicPr>
+        <p:blipFill>
+          <a:blip r:embed="rId15">
+            <a:extLst>
+              <a:ext uri="{28A0092B-C50C-407E-A947-70E740481C1C}">
+                <a14:useLocalDpi xmlns:a14="http://schemas.microsoft.com/office/drawing/2010/main" val="0"/>
+              </a:ext>
+            </a:extLst>
+          </a:blip>
+          <a:stretch>
+            <a:fillRect/>
+          </a:stretch>
+        </p:blipFill>
+        <p:spPr>
+          <a:xfrm>
+            <a:off x="27182789" y="12469697"/>
+            <a:ext cx="4792934" cy="3586903"/>
+          </a:xfrm>
+          <a:prstGeom prst="rect">
+            <a:avLst/>
+          </a:prstGeom>
+        </p:spPr>
+      </p:pic>
+      <p:pic>
+        <p:nvPicPr>
+          <p:cNvPr id="28" name="Picture 27">
+            <a:extLst>
+              <a:ext uri="{FF2B5EF4-FFF2-40B4-BE49-F238E27FC236}">
+                <a16:creationId xmlns:a16="http://schemas.microsoft.com/office/drawing/2014/main" id="{1F7879A2-BE38-ED46-88D7-35B5271F5D50}"/>
+              </a:ext>
+            </a:extLst>
+          </p:cNvPr>
+          <p:cNvPicPr>
+            <a:picLocks noChangeAspect="1"/>
+          </p:cNvPicPr>
+          <p:nvPr/>
+        </p:nvPicPr>
+        <p:blipFill>
+          <a:blip r:embed="rId16">
+            <a:extLst>
+              <a:ext uri="{28A0092B-C50C-407E-A947-70E740481C1C}">
+                <a14:useLocalDpi xmlns:a14="http://schemas.microsoft.com/office/drawing/2010/main" val="0"/>
+              </a:ext>
+            </a:extLst>
+          </a:blip>
+          <a:stretch>
+            <a:fillRect/>
+          </a:stretch>
+        </p:blipFill>
+        <p:spPr>
+          <a:xfrm>
+            <a:off x="17089049" y="12423330"/>
+            <a:ext cx="4353435" cy="3257994"/>
+          </a:xfrm>
+          <a:prstGeom prst="rect">
+            <a:avLst/>
+          </a:prstGeom>
+        </p:spPr>
+      </p:pic>
+      <p:pic>
+        <p:nvPicPr>
+          <p:cNvPr id="30" name="Picture 29">
+            <a:extLst>
+              <a:ext uri="{FF2B5EF4-FFF2-40B4-BE49-F238E27FC236}">
+                <a16:creationId xmlns:a16="http://schemas.microsoft.com/office/drawing/2014/main" id="{45CE724C-C329-6645-A2E5-EC32E841E06D}"/>
+              </a:ext>
+            </a:extLst>
+          </p:cNvPr>
+          <p:cNvPicPr>
+            <a:picLocks noChangeAspect="1"/>
+          </p:cNvPicPr>
+          <p:nvPr/>
+        </p:nvPicPr>
+        <p:blipFill>
+          <a:blip r:embed="rId17">
+            <a:extLst>
+              <a:ext uri="{28A0092B-C50C-407E-A947-70E740481C1C}">
+                <a14:useLocalDpi xmlns:a14="http://schemas.microsoft.com/office/drawing/2010/main" val="0"/>
+              </a:ext>
+            </a:extLst>
+          </a:blip>
+          <a:stretch>
+            <a:fillRect/>
+          </a:stretch>
+        </p:blipFill>
+        <p:spPr>
+          <a:xfrm>
+            <a:off x="16828327" y="18919864"/>
+            <a:ext cx="10972800" cy="4572000"/>
+          </a:xfrm>
+          <a:prstGeom prst="rect">
+            <a:avLst/>
+          </a:prstGeom>
+        </p:spPr>
+      </p:pic>
+      <p:pic>
+        <p:nvPicPr>
+          <p:cNvPr id="32" name="Picture 31">
+            <a:extLst>
+              <a:ext uri="{FF2B5EF4-FFF2-40B4-BE49-F238E27FC236}">
+                <a16:creationId xmlns:a16="http://schemas.microsoft.com/office/drawing/2014/main" id="{AF476F3B-2A32-AD4F-8B26-89CE7391B894}"/>
+              </a:ext>
+            </a:extLst>
+          </p:cNvPr>
+          <p:cNvPicPr>
+            <a:picLocks noChangeAspect="1"/>
+          </p:cNvPicPr>
+          <p:nvPr/>
+        </p:nvPicPr>
+        <p:blipFill>
+          <a:blip r:embed="rId18">
+            <a:extLst>
+              <a:ext uri="{28A0092B-C50C-407E-A947-70E740481C1C}">
+                <a14:useLocalDpi xmlns:a14="http://schemas.microsoft.com/office/drawing/2010/main" val="0"/>
+              </a:ext>
+            </a:extLst>
+          </a:blip>
+          <a:stretch>
+            <a:fillRect/>
+          </a:stretch>
+        </p:blipFill>
+        <p:spPr>
+          <a:xfrm>
+            <a:off x="17256663" y="24912312"/>
+            <a:ext cx="5854700" cy="4381500"/>
+          </a:xfrm>
+          <a:prstGeom prst="rect">
+            <a:avLst/>
+          </a:prstGeom>
+        </p:spPr>
+      </p:pic>
+      <p:pic>
+        <p:nvPicPr>
+          <p:cNvPr id="34" name="Picture 33">
+            <a:extLst>
+              <a:ext uri="{FF2B5EF4-FFF2-40B4-BE49-F238E27FC236}">
+                <a16:creationId xmlns:a16="http://schemas.microsoft.com/office/drawing/2014/main" id="{5EF6EE85-C456-DE48-A298-D032139990BD}"/>
+              </a:ext>
+            </a:extLst>
+          </p:cNvPr>
+          <p:cNvPicPr>
+            <a:picLocks noChangeAspect="1"/>
+          </p:cNvPicPr>
+          <p:nvPr/>
+        </p:nvPicPr>
+        <p:blipFill>
+          <a:blip r:embed="rId19">
+            <a:extLst>
+              <a:ext uri="{28A0092B-C50C-407E-A947-70E740481C1C}">
+                <a14:useLocalDpi xmlns:a14="http://schemas.microsoft.com/office/drawing/2010/main" val="0"/>
+              </a:ext>
+            </a:extLst>
+          </a:blip>
+          <a:stretch>
+            <a:fillRect/>
+          </a:stretch>
+        </p:blipFill>
+        <p:spPr>
+          <a:xfrm>
+            <a:off x="23539698" y="24892170"/>
+            <a:ext cx="5854700" cy="4381500"/>
+          </a:xfrm>
+          <a:prstGeom prst="rect">
+            <a:avLst/>
+          </a:prstGeom>
+        </p:spPr>
+      </p:pic>
+      <p:sp>
+        <p:nvSpPr>
+          <p:cNvPr id="69" name="Text Placeholder 382">
+            <a:extLst>
+              <a:ext uri="{FF2B5EF4-FFF2-40B4-BE49-F238E27FC236}">
+                <a16:creationId xmlns:a16="http://schemas.microsoft.com/office/drawing/2014/main" id="{1FEA9B37-6A00-1A47-8E89-1C0469E8F169}"/>
+              </a:ext>
+            </a:extLst>
+          </p:cNvPr>
+          <p:cNvSpPr txBox="1">
+            <a:spLocks/>
+          </p:cNvSpPr>
+          <p:nvPr/>
+        </p:nvSpPr>
+        <p:spPr>
+          <a:xfrm>
+            <a:off x="16828327" y="23564570"/>
+            <a:ext cx="15637169" cy="868058"/>
+          </a:xfrm>
+          <a:prstGeom prst="rect">
+            <a:avLst/>
+          </a:prstGeom>
+        </p:spPr>
+        <p:txBody>
+          <a:bodyPr>
+            <a:noAutofit/>
+          </a:bodyPr>
+          <a:lstStyle>
+            <a:lvl1pPr marL="1611903" indent="-1611903" algn="l" defTabSz="4298410" rtl="0" eaLnBrk="1" latinLnBrk="0" hangingPunct="1">
+              <a:spcBef>
+                <a:spcPct val="20000"/>
+              </a:spcBef>
+              <a:buFont typeface="Arial" pitchFamily="34" charset="0"/>
+              <a:buChar char="•"/>
+              <a:defRPr sz="15100" kern="1200">
+                <a:solidFill>
+                  <a:schemeClr val="tx1"/>
+                </a:solidFill>
+                <a:latin typeface="+mn-lt"/>
+                <a:ea typeface="+mn-ea"/>
+                <a:cs typeface="+mn-cs"/>
+              </a:defRPr>
+            </a:lvl1pPr>
+            <a:lvl2pPr marL="3492457" indent="-1343252" algn="l" defTabSz="4298410" rtl="0" eaLnBrk="1" latinLnBrk="0" hangingPunct="1">
+              <a:spcBef>
+                <a:spcPct val="20000"/>
+              </a:spcBef>
+              <a:buFont typeface="Arial" pitchFamily="34" charset="0"/>
+              <a:buChar char="–"/>
+              <a:defRPr sz="13300" kern="1200">
+                <a:solidFill>
+                  <a:schemeClr val="tx1"/>
+                </a:solidFill>
+                <a:latin typeface="+mn-lt"/>
+                <a:ea typeface="+mn-ea"/>
+                <a:cs typeface="+mn-cs"/>
+              </a:defRPr>
+            </a:lvl2pPr>
+            <a:lvl3pPr marL="5373012" indent="-1074603" algn="l" defTabSz="4298410" rtl="0" eaLnBrk="1" latinLnBrk="0" hangingPunct="1">
+              <a:spcBef>
+                <a:spcPct val="20000"/>
+              </a:spcBef>
+              <a:buFont typeface="Arial" pitchFamily="34" charset="0"/>
+              <a:buChar char="•"/>
+              <a:defRPr sz="11300" kern="1200">
+                <a:solidFill>
+                  <a:schemeClr val="tx1"/>
+                </a:solidFill>
+                <a:latin typeface="+mn-lt"/>
+                <a:ea typeface="+mn-ea"/>
+                <a:cs typeface="+mn-cs"/>
+              </a:defRPr>
+            </a:lvl3pPr>
+            <a:lvl4pPr marL="7522217" indent="-1074603" algn="l" defTabSz="4298410" rtl="0" eaLnBrk="1" latinLnBrk="0" hangingPunct="1">
+              <a:spcBef>
+                <a:spcPct val="20000"/>
+              </a:spcBef>
+              <a:buFont typeface="Arial" pitchFamily="34" charset="0"/>
+              <a:buChar char="–"/>
+              <a:defRPr sz="9500" kern="1200">
+                <a:solidFill>
+                  <a:schemeClr val="tx1"/>
+                </a:solidFill>
+                <a:latin typeface="+mn-lt"/>
+                <a:ea typeface="+mn-ea"/>
+                <a:cs typeface="+mn-cs"/>
+              </a:defRPr>
+            </a:lvl4pPr>
+            <a:lvl5pPr marL="9671420" indent="-1074603" algn="l" defTabSz="4298410" rtl="0" eaLnBrk="1" latinLnBrk="0" hangingPunct="1">
+              <a:spcBef>
+                <a:spcPct val="20000"/>
+              </a:spcBef>
+              <a:buFont typeface="Arial" pitchFamily="34" charset="0"/>
+              <a:buChar char="»"/>
+              <a:defRPr sz="9500" kern="1200">
+                <a:solidFill>
+                  <a:schemeClr val="tx1"/>
+                </a:solidFill>
+                <a:latin typeface="+mn-lt"/>
+                <a:ea typeface="+mn-ea"/>
+                <a:cs typeface="+mn-cs"/>
+              </a:defRPr>
+            </a:lvl5pPr>
+            <a:lvl6pPr marL="11820625" indent="-1074603" algn="l" defTabSz="4298410" rtl="0" eaLnBrk="1" latinLnBrk="0" hangingPunct="1">
+              <a:spcBef>
+                <a:spcPct val="20000"/>
+              </a:spcBef>
+              <a:buFont typeface="Arial" pitchFamily="34" charset="0"/>
+              <a:buChar char="•"/>
+              <a:defRPr sz="9500" kern="1200">
+                <a:solidFill>
+                  <a:schemeClr val="tx1"/>
+                </a:solidFill>
+                <a:latin typeface="+mn-lt"/>
+                <a:ea typeface="+mn-ea"/>
+                <a:cs typeface="+mn-cs"/>
+              </a:defRPr>
+            </a:lvl6pPr>
+            <a:lvl7pPr marL="13969828" indent="-1074603" algn="l" defTabSz="4298410" rtl="0" eaLnBrk="1" latinLnBrk="0" hangingPunct="1">
+              <a:spcBef>
+                <a:spcPct val="20000"/>
+              </a:spcBef>
+              <a:buFont typeface="Arial" pitchFamily="34" charset="0"/>
+              <a:buChar char="•"/>
+              <a:defRPr sz="9500" kern="1200">
+                <a:solidFill>
+                  <a:schemeClr val="tx1"/>
+                </a:solidFill>
+                <a:latin typeface="+mn-lt"/>
+                <a:ea typeface="+mn-ea"/>
+                <a:cs typeface="+mn-cs"/>
+              </a:defRPr>
+            </a:lvl7pPr>
+            <a:lvl8pPr marL="16119034" indent="-1074603" algn="l" defTabSz="4298410" rtl="0" eaLnBrk="1" latinLnBrk="0" hangingPunct="1">
+              <a:spcBef>
+                <a:spcPct val="20000"/>
+              </a:spcBef>
+              <a:buFont typeface="Arial" pitchFamily="34" charset="0"/>
+              <a:buChar char="•"/>
+              <a:defRPr sz="9500" kern="1200">
+                <a:solidFill>
+                  <a:schemeClr val="tx1"/>
+                </a:solidFill>
+                <a:latin typeface="+mn-lt"/>
+                <a:ea typeface="+mn-ea"/>
+                <a:cs typeface="+mn-cs"/>
+              </a:defRPr>
+            </a:lvl8pPr>
+            <a:lvl9pPr marL="18268238" indent="-1074603" algn="l" defTabSz="4298410" rtl="0" eaLnBrk="1" latinLnBrk="0" hangingPunct="1">
+              <a:spcBef>
+                <a:spcPct val="20000"/>
+              </a:spcBef>
+              <a:buFont typeface="Arial" pitchFamily="34" charset="0"/>
+              <a:buChar char="•"/>
+              <a:defRPr sz="9500" kern="1200">
+                <a:solidFill>
+                  <a:schemeClr val="tx1"/>
+                </a:solidFill>
+                <a:latin typeface="+mn-lt"/>
+                <a:ea typeface="+mn-ea"/>
+                <a:cs typeface="+mn-cs"/>
+              </a:defRPr>
+            </a:lvl9pPr>
+          </a:lstStyle>
+          <a:p>
+            <a:pPr marL="0" indent="423903">
+              <a:spcBef>
+                <a:spcPts val="0"/>
+              </a:spcBef>
+              <a:buFont typeface="Wingdings" pitchFamily="2" charset="2"/>
+              <a:buChar char="Ø"/>
+            </a:pPr>
+            <a:r>
+              <a:rPr lang="en-GB" sz="2400" dirty="0">
+                <a:solidFill>
+                  <a:schemeClr val="accent5">
+                    <a:lumMod val="50000"/>
+                  </a:schemeClr>
+                </a:solidFill>
+                <a:latin typeface="Trebuchet MS" panose="020B0603020202020204" pitchFamily="34" charset="0"/>
+              </a:rPr>
+              <a:t>Improved spatial interpolation at small scale</a:t>
+            </a:r>
+          </a:p>
+          <a:p>
+            <a:pPr marL="0" indent="423903">
+              <a:lnSpc>
+                <a:spcPct val="150000"/>
+              </a:lnSpc>
+              <a:buFont typeface="Wingdings" pitchFamily="2" charset="2"/>
+              <a:buChar char="Ø"/>
+            </a:pPr>
+            <a:r>
+              <a:rPr lang="en-GB" sz="2400" dirty="0">
+                <a:solidFill>
+                  <a:schemeClr val="accent5">
+                    <a:lumMod val="50000"/>
+                  </a:schemeClr>
+                </a:solidFill>
+                <a:latin typeface="Trebuchet MS" panose="020B0603020202020204" pitchFamily="34" charset="0"/>
+              </a:rPr>
+              <a:t>Could work as a way of validating numerical simulator outputs</a:t>
+            </a:r>
+          </a:p>
+          <a:p>
+            <a:pPr>
+              <a:lnSpc>
+                <a:spcPct val="150000"/>
+              </a:lnSpc>
+              <a:buFont typeface="Wingdings" pitchFamily="2" charset="2"/>
+              <a:buChar char="v"/>
+            </a:pPr>
+            <a:endParaRPr lang="en-GB" sz="2400" dirty="0">
+              <a:solidFill>
+                <a:schemeClr val="accent5">
+                  <a:lumMod val="50000"/>
+                </a:schemeClr>
+              </a:solidFill>
+              <a:latin typeface="Trebuchet MS" panose="020B0603020202020204" pitchFamily="34" charset="0"/>
+            </a:endParaRPr>
+          </a:p>
+        </p:txBody>
+      </p:sp>
+      <mc:AlternateContent xmlns:mc="http://schemas.openxmlformats.org/markup-compatibility/2006">
+        <mc:Choice xmlns:a14="http://schemas.microsoft.com/office/drawing/2010/main" Requires="a14">
+          <p:sp>
+            <p:nvSpPr>
+              <p:cNvPr id="41" name="Text Placeholder 345">
+                <a:extLst>
+                  <a:ext uri="{FF2B5EF4-FFF2-40B4-BE49-F238E27FC236}">
+                    <a16:creationId xmlns:a16="http://schemas.microsoft.com/office/drawing/2014/main" id="{F0686F4B-0475-C547-9DB7-19687F7B3053}"/>
+                  </a:ext>
+                </a:extLst>
+              </p:cNvPr>
+              <p:cNvSpPr txBox="1">
+                <a:spLocks/>
+              </p:cNvSpPr>
+              <p:nvPr/>
+            </p:nvSpPr>
+            <p:spPr>
+              <a:xfrm>
+                <a:off x="358411" y="39257360"/>
+                <a:ext cx="15705024" cy="1264657"/>
+              </a:xfrm>
+              <a:prstGeom prst="rect">
+                <a:avLst/>
+              </a:prstGeom>
+            </p:spPr>
+            <p:txBody>
+              <a:bodyPr wrap="square" lIns="223877" tIns="223877" rIns="223877" bIns="223877">
+                <a:spAutoFit/>
+              </a:bodyPr>
+              <a:lstStyle>
+                <a:lvl1pPr marL="0" indent="0" algn="l" defTabSz="4298410" rtl="0" eaLnBrk="1" latinLnBrk="0" hangingPunct="1">
+                  <a:spcBef>
+                    <a:spcPct val="20000"/>
+                  </a:spcBef>
+                  <a:buFont typeface="Arial" pitchFamily="34" charset="0"/>
+                  <a:buNone/>
+                  <a:defRPr sz="2800" kern="1200">
+                    <a:solidFill>
+                      <a:schemeClr val="accent5">
+                        <a:lumMod val="50000"/>
+                      </a:schemeClr>
+                    </a:solidFill>
+                    <a:latin typeface="Trebuchet MS" pitchFamily="34" charset="0"/>
+                    <a:ea typeface="+mn-ea"/>
+                    <a:cs typeface="+mn-cs"/>
+                  </a:defRPr>
+                </a:lvl1pPr>
+                <a:lvl2pPr marL="1455191" indent="-559688" algn="l" defTabSz="4298410" rtl="0" eaLnBrk="1" latinLnBrk="0" hangingPunct="1">
+                  <a:spcBef>
+                    <a:spcPct val="20000"/>
+                  </a:spcBef>
+                  <a:buFont typeface="Arial" pitchFamily="34" charset="0"/>
+                  <a:buChar char="–"/>
+                  <a:defRPr sz="2500" kern="1200">
+                    <a:solidFill>
+                      <a:schemeClr val="tx1"/>
+                    </a:solidFill>
+                    <a:latin typeface="Trebuchet MS" pitchFamily="34" charset="0"/>
+                    <a:ea typeface="+mn-ea"/>
+                    <a:cs typeface="+mn-cs"/>
+                  </a:defRPr>
+                </a:lvl2pPr>
+                <a:lvl3pPr marL="2014879" indent="-559688" algn="l" defTabSz="4298410" rtl="0" eaLnBrk="1" latinLnBrk="0" hangingPunct="1">
+                  <a:spcBef>
+                    <a:spcPct val="20000"/>
+                  </a:spcBef>
+                  <a:buFont typeface="Arial" pitchFamily="34" charset="0"/>
+                  <a:buChar char="•"/>
+                  <a:defRPr sz="2500" kern="1200">
+                    <a:solidFill>
+                      <a:schemeClr val="tx1"/>
+                    </a:solidFill>
+                    <a:latin typeface="Trebuchet MS" pitchFamily="34" charset="0"/>
+                    <a:ea typeface="+mn-ea"/>
+                    <a:cs typeface="+mn-cs"/>
+                  </a:defRPr>
+                </a:lvl3pPr>
+                <a:lvl4pPr marL="2630537" indent="-615658" algn="l" defTabSz="4298410" rtl="0" eaLnBrk="1" latinLnBrk="0" hangingPunct="1">
+                  <a:spcBef>
+                    <a:spcPct val="20000"/>
+                  </a:spcBef>
+                  <a:buFont typeface="Arial" pitchFamily="34" charset="0"/>
+                  <a:buChar char="–"/>
+                  <a:defRPr sz="2500" kern="1200">
+                    <a:solidFill>
+                      <a:schemeClr val="tx1"/>
+                    </a:solidFill>
+                    <a:latin typeface="Trebuchet MS" pitchFamily="34" charset="0"/>
+                    <a:ea typeface="+mn-ea"/>
+                    <a:cs typeface="+mn-cs"/>
+                  </a:defRPr>
+                </a:lvl4pPr>
+                <a:lvl5pPr marL="3078288" indent="-447751" algn="l" defTabSz="4298410" rtl="0" eaLnBrk="1" latinLnBrk="0" hangingPunct="1">
+                  <a:spcBef>
+                    <a:spcPct val="20000"/>
+                  </a:spcBef>
+                  <a:buFont typeface="Arial" pitchFamily="34" charset="0"/>
+                  <a:buChar char="»"/>
+                  <a:defRPr sz="2500" kern="1200">
+                    <a:solidFill>
+                      <a:schemeClr val="tx1"/>
+                    </a:solidFill>
+                    <a:latin typeface="Trebuchet MS" pitchFamily="34" charset="0"/>
+                    <a:ea typeface="+mn-ea"/>
+                    <a:cs typeface="+mn-cs"/>
+                  </a:defRPr>
+                </a:lvl5pPr>
+                <a:lvl6pPr marL="11820625" indent="-1074603" algn="l" defTabSz="4298410" rtl="0" eaLnBrk="1" latinLnBrk="0" hangingPunct="1">
+                  <a:spcBef>
+                    <a:spcPct val="20000"/>
+                  </a:spcBef>
+                  <a:buFont typeface="Arial" pitchFamily="34" charset="0"/>
+                  <a:buChar char="•"/>
+                  <a:defRPr sz="9500" kern="1200">
+                    <a:solidFill>
+                      <a:schemeClr val="tx1"/>
+                    </a:solidFill>
+                    <a:latin typeface="+mn-lt"/>
+                    <a:ea typeface="+mn-ea"/>
+                    <a:cs typeface="+mn-cs"/>
+                  </a:defRPr>
+                </a:lvl6pPr>
+                <a:lvl7pPr marL="13969828" indent="-1074603" algn="l" defTabSz="4298410" rtl="0" eaLnBrk="1" latinLnBrk="0" hangingPunct="1">
+                  <a:spcBef>
+                    <a:spcPct val="20000"/>
+                  </a:spcBef>
+                  <a:buFont typeface="Arial" pitchFamily="34" charset="0"/>
+                  <a:buChar char="•"/>
+                  <a:defRPr sz="9500" kern="1200">
+                    <a:solidFill>
+                      <a:schemeClr val="tx1"/>
+                    </a:solidFill>
+                    <a:latin typeface="+mn-lt"/>
+                    <a:ea typeface="+mn-ea"/>
+                    <a:cs typeface="+mn-cs"/>
+                  </a:defRPr>
+                </a:lvl7pPr>
+                <a:lvl8pPr marL="16119034" indent="-1074603" algn="l" defTabSz="4298410" rtl="0" eaLnBrk="1" latinLnBrk="0" hangingPunct="1">
+                  <a:spcBef>
+                    <a:spcPct val="20000"/>
+                  </a:spcBef>
+                  <a:buFont typeface="Arial" pitchFamily="34" charset="0"/>
+                  <a:buChar char="•"/>
+                  <a:defRPr sz="9500" kern="1200">
+                    <a:solidFill>
+                      <a:schemeClr val="tx1"/>
+                    </a:solidFill>
+                    <a:latin typeface="+mn-lt"/>
+                    <a:ea typeface="+mn-ea"/>
+                    <a:cs typeface="+mn-cs"/>
+                  </a:defRPr>
+                </a:lvl8pPr>
+                <a:lvl9pPr marL="18268238" indent="-1074603" algn="l" defTabSz="4298410" rtl="0" eaLnBrk="1" latinLnBrk="0" hangingPunct="1">
+                  <a:spcBef>
+                    <a:spcPct val="20000"/>
+                  </a:spcBef>
+                  <a:buFont typeface="Arial" pitchFamily="34" charset="0"/>
+                  <a:buChar char="•"/>
+                  <a:defRPr sz="9500" kern="1200">
+                    <a:solidFill>
+                      <a:schemeClr val="tx1"/>
+                    </a:solidFill>
+                    <a:latin typeface="+mn-lt"/>
+                    <a:ea typeface="+mn-ea"/>
+                    <a:cs typeface="+mn-cs"/>
+                  </a:defRPr>
+                </a:lvl9pPr>
+              </a:lstStyle>
+              <a:p>
+                <a:pPr marL="457200" indent="-457200" algn="ctr">
+                  <a:buAutoNum type="alphaLcParenBoth"/>
+                </a:pPr>
+                <a:r>
+                  <a:rPr lang="en-GB" sz="2400" dirty="0">
+                    <a:solidFill>
+                      <a:schemeClr val="tx1"/>
+                    </a:solidFill>
+                  </a:rPr>
+                  <a:t>Simulated Z(s) over a 1000 </a:t>
+                </a:r>
+                <a14:m>
+                  <m:oMath xmlns:m="http://schemas.openxmlformats.org/officeDocument/2006/math">
+                    <m:r>
+                      <a:rPr lang="en-GB" sz="2400" i="1" smtClean="0">
+                        <a:solidFill>
+                          <a:schemeClr val="tx1"/>
+                        </a:solidFill>
+                        <a:latin typeface="Cambria Math" panose="02040503050406030204" pitchFamily="18" charset="0"/>
+                        <a:ea typeface="Cambria Math" panose="02040503050406030204" pitchFamily="18" charset="0"/>
+                      </a:rPr>
+                      <m:t>×</m:t>
+                    </m:r>
+                  </m:oMath>
+                </a14:m>
+                <a:r>
+                  <a:rPr lang="en-GB" sz="2400" dirty="0">
+                    <a:solidFill>
+                      <a:schemeClr val="tx1"/>
+                    </a:solidFill>
+                  </a:rPr>
+                  <a:t> 1000 grid (b) Simulated </a:t>
+                </a:r>
+                <a14:m>
+                  <m:oMath xmlns:m="http://schemas.openxmlformats.org/officeDocument/2006/math">
+                    <m:r>
+                      <m:rPr>
+                        <m:sty m:val="p"/>
+                      </m:rPr>
+                      <a:rPr lang="en-US" sz="2400" dirty="0">
+                        <a:solidFill>
+                          <a:schemeClr val="tx1"/>
+                        </a:solidFill>
+                        <a:latin typeface="Cambria Math" panose="02040503050406030204" pitchFamily="18" charset="0"/>
+                      </a:rPr>
+                      <m:t>X</m:t>
+                    </m:r>
+                    <m:r>
+                      <a:rPr lang="en-US" sz="2400" dirty="0">
+                        <a:solidFill>
+                          <a:schemeClr val="tx1"/>
+                        </a:solidFill>
+                        <a:latin typeface="Cambria Math" panose="02040503050406030204" pitchFamily="18" charset="0"/>
+                      </a:rPr>
+                      <m:t>(</m:t>
+                    </m:r>
+                    <m:r>
+                      <m:rPr>
+                        <m:sty m:val="p"/>
+                      </m:rPr>
+                      <a:rPr lang="en-US" sz="2400" dirty="0">
+                        <a:solidFill>
+                          <a:schemeClr val="tx1"/>
+                        </a:solidFill>
+                        <a:latin typeface="Cambria Math" panose="02040503050406030204" pitchFamily="18" charset="0"/>
+                      </a:rPr>
+                      <m:t>Ai</m:t>
+                    </m:r>
+                    <m:r>
+                      <a:rPr lang="en-US" sz="2400" dirty="0">
+                        <a:solidFill>
+                          <a:schemeClr val="tx1"/>
+                        </a:solidFill>
+                        <a:latin typeface="Cambria Math" panose="02040503050406030204" pitchFamily="18" charset="0"/>
+                      </a:rPr>
+                      <m:t>)</m:t>
+                    </m:r>
+                    <m:r>
+                      <a:rPr lang="en-US" sz="2400" i="1" dirty="0">
+                        <a:solidFill>
+                          <a:schemeClr val="tx1"/>
+                        </a:solidFill>
+                        <a:latin typeface="Cambria Math" panose="02040503050406030204" pitchFamily="18" charset="0"/>
+                      </a:rPr>
+                      <m:t> </m:t>
+                    </m:r>
+                  </m:oMath>
+                </a14:m>
+                <a:r>
+                  <a:rPr lang="en-GB" sz="2400" dirty="0">
+                    <a:solidFill>
+                      <a:schemeClr val="tx1"/>
+                    </a:solidFill>
+                  </a:rPr>
+                  <a:t>over a 25 </a:t>
+                </a:r>
+                <a14:m>
+                  <m:oMath xmlns:m="http://schemas.openxmlformats.org/officeDocument/2006/math">
+                    <m:r>
+                      <a:rPr lang="en-GB" sz="2400">
+                        <a:solidFill>
+                          <a:schemeClr val="tx1"/>
+                        </a:solidFill>
+                      </a:rPr>
+                      <m:t>×</m:t>
+                    </m:r>
+                  </m:oMath>
+                </a14:m>
+                <a:r>
+                  <a:rPr lang="en-GB" sz="2400" dirty="0">
+                    <a:solidFill>
+                      <a:schemeClr val="tx1"/>
+                    </a:solidFill>
+                  </a:rPr>
+                  <a:t> 25 block</a:t>
+                </a:r>
+              </a:p>
+              <a:p>
+                <a:pPr algn="ctr"/>
+                <a:r>
+                  <a:rPr lang="en-GB" sz="2400" dirty="0">
+                    <a:solidFill>
+                      <a:schemeClr val="tx1"/>
+                    </a:solidFill>
+                  </a:rPr>
+                  <a:t> (c) Predicted Z(s) (d) Simulated  Z(s) versus Y(s) and </a:t>
+                </a:r>
+                <a14:m>
+                  <m:oMath xmlns:m="http://schemas.openxmlformats.org/officeDocument/2006/math">
+                    <m:r>
+                      <m:rPr>
+                        <m:sty m:val="p"/>
+                      </m:rPr>
+                      <a:rPr lang="en-US" sz="2400" b="0" i="0" dirty="0" smtClean="0">
+                        <a:solidFill>
+                          <a:schemeClr val="tx1"/>
+                        </a:solidFill>
+                        <a:latin typeface="Cambria Math" panose="02040503050406030204" pitchFamily="18" charset="0"/>
+                      </a:rPr>
+                      <m:t>X</m:t>
+                    </m:r>
+                    <m:r>
+                      <a:rPr lang="en-US" sz="2400" b="0" i="0" dirty="0" smtClean="0">
+                        <a:solidFill>
+                          <a:schemeClr val="tx1"/>
+                        </a:solidFill>
+                        <a:latin typeface="Cambria Math" panose="02040503050406030204" pitchFamily="18" charset="0"/>
+                      </a:rPr>
+                      <m:t>(</m:t>
+                    </m:r>
+                    <m:r>
+                      <m:rPr>
+                        <m:sty m:val="p"/>
+                      </m:rPr>
+                      <a:rPr lang="en-US" sz="2400" b="0" i="0" dirty="0" smtClean="0">
+                        <a:solidFill>
+                          <a:schemeClr val="tx1"/>
+                        </a:solidFill>
+                        <a:latin typeface="Cambria Math" panose="02040503050406030204" pitchFamily="18" charset="0"/>
+                      </a:rPr>
+                      <m:t>Ai</m:t>
+                    </m:r>
+                    <m:r>
+                      <a:rPr lang="en-US" sz="2400" b="0" i="0" dirty="0" smtClean="0">
+                        <a:solidFill>
+                          <a:schemeClr val="tx1"/>
+                        </a:solidFill>
+                        <a:latin typeface="Cambria Math" panose="02040503050406030204" pitchFamily="18" charset="0"/>
+                      </a:rPr>
+                      <m:t>)</m:t>
+                    </m:r>
+                  </m:oMath>
+                </a14:m>
+                <a:endParaRPr lang="en-US" sz="2400" baseline="-25000" dirty="0">
+                  <a:solidFill>
+                    <a:schemeClr val="tx1"/>
+                  </a:solidFill>
+                </a:endParaRPr>
+              </a:p>
+            </p:txBody>
+          </p:sp>
+        </mc:Choice>
+        <mc:Fallback>
+          <p:sp>
+            <p:nvSpPr>
+              <p:cNvPr id="41" name="Text Placeholder 345">
+                <a:extLst>
+                  <a:ext uri="{FF2B5EF4-FFF2-40B4-BE49-F238E27FC236}">
+                    <a16:creationId xmlns:a16="http://schemas.microsoft.com/office/drawing/2014/main" id="{F0686F4B-0475-C547-9DB7-19687F7B3053}"/>
+                  </a:ext>
+                </a:extLst>
+              </p:cNvPr>
+              <p:cNvSpPr txBox="1">
+                <a:spLocks noRot="1" noChangeAspect="1" noMove="1" noResize="1" noEditPoints="1" noAdjustHandles="1" noChangeArrowheads="1" noChangeShapeType="1" noTextEdit="1"/>
+              </p:cNvSpPr>
+              <p:nvPr/>
+            </p:nvSpPr>
+            <p:spPr>
+              <a:xfrm>
+                <a:off x="358411" y="39257360"/>
+                <a:ext cx="15705024" cy="1264657"/>
+              </a:xfrm>
+              <a:prstGeom prst="rect">
+                <a:avLst/>
+              </a:prstGeom>
+              <a:blipFill>
+                <a:blip r:embed="rId20"/>
+                <a:stretch>
+                  <a:fillRect/>
                 </a:stretch>
               </a:blipFill>
             </p:spPr>

--- a/Poster/DF_GPs_v1.0.pptx
+++ b/Poster/DF_GPs_v1.0.pptx
@@ -266,7 +266,7 @@
             <a:fld id="{0158C5BC-9A70-462C-B28D-9600239EAC64}" type="datetimeFigureOut">
               <a:rPr lang="en-US" smtClean="0"/>
               <a:pPr/>
-              <a:t>10/11/19</a:t>
+              <a:t>10/15/19</a:t>
             </a:fld>
             <a:endParaRPr lang="en-US"/>
           </a:p>
@@ -433,7 +433,7 @@
             <a:fld id="{E6CC2317-6751-4CD4-9995-8782DD78E936}" type="datetimeFigureOut">
               <a:rPr lang="en-US" smtClean="0"/>
               <a:pPr/>
-              <a:t>10/11/19</a:t>
+              <a:t>10/15/19</a:t>
             </a:fld>
             <a:endParaRPr lang="en-US" dirty="0"/>
           </a:p>
@@ -2374,7 +2374,7 @@
               <a:graphicData uri="http://schemas.openxmlformats.org/presentationml/2006/ole">
                 <mc:AlternateContent xmlns:mc="http://schemas.openxmlformats.org/markup-compatibility/2006">
                   <mc:Choice xmlns:v="urn:schemas-microsoft-com:vml" Requires="v">
-                    <p:oleObj spid="_x0000_s5690" name="Image" r:id="rId8" imgW="1828440" imgH="1117440" progId="Photoshop.Image.13">
+                    <p:oleObj spid="_x0000_s7210" name="Image" r:id="rId8" imgW="1828440" imgH="1117440" progId="Photoshop.Image.13">
                       <p:embed/>
                     </p:oleObj>
                   </mc:Choice>
@@ -2431,7 +2431,7 @@
               <a:graphicData uri="http://schemas.openxmlformats.org/presentationml/2006/ole">
                 <mc:AlternateContent xmlns:mc="http://schemas.openxmlformats.org/markup-compatibility/2006">
                   <mc:Choice xmlns:v="urn:schemas-microsoft-com:vml" Requires="v">
-                    <p:oleObj spid="_x0000_s5691" name="Image" r:id="rId10" imgW="1828440" imgH="1117440" progId="Photoshop.Image.13">
+                    <p:oleObj spid="_x0000_s7211" name="Image" r:id="rId10" imgW="1828440" imgH="1117440" progId="Photoshop.Image.13">
                       <p:embed/>
                     </p:oleObj>
                   </mc:Choice>
@@ -3566,7 +3566,7 @@
             <a:graphicData uri="http://schemas.openxmlformats.org/presentationml/2006/ole">
               <mc:AlternateContent xmlns:mc="http://schemas.openxmlformats.org/markup-compatibility/2006">
                 <mc:Choice xmlns:v="urn:schemas-microsoft-com:vml" Requires="v">
-                  <p:oleObj spid="_x0000_s5692" name="Image" r:id="rId12" imgW="4571280" imgH="1688760" progId="Photoshop.Image.13">
+                  <p:oleObj spid="_x0000_s7212" name="Image" r:id="rId12" imgW="4571280" imgH="1688760" progId="Photoshop.Image.13">
                     <p:embed/>
                   </p:oleObj>
                 </mc:Choice>
@@ -3650,7 +3650,7 @@
             <a:graphicData uri="http://schemas.openxmlformats.org/presentationml/2006/ole">
               <mc:AlternateContent xmlns:mc="http://schemas.openxmlformats.org/markup-compatibility/2006">
                 <mc:Choice xmlns:v="urn:schemas-microsoft-com:vml" Requires="v">
-                  <p:oleObj spid="_x0000_s5693" name="Image" r:id="rId15" imgW="1574280" imgH="1053720" progId="Photoshop.Image.13">
+                  <p:oleObj spid="_x0000_s7213" name="Image" r:id="rId15" imgW="1574280" imgH="1053720" progId="Photoshop.Image.13">
                     <p:embed/>
                   </p:oleObj>
                 </mc:Choice>
@@ -5713,7 +5713,7 @@
               <a:graphicData uri="http://schemas.openxmlformats.org/presentationml/2006/ole">
                 <mc:AlternateContent xmlns:mc="http://schemas.openxmlformats.org/markup-compatibility/2006">
                   <mc:Choice xmlns:v="urn:schemas-microsoft-com:vml" Requires="v">
-                    <p:oleObj spid="_x0000_s6694" name="Image" r:id="rId7" imgW="1828440" imgH="1117440" progId="Photoshop.Image.13">
+                    <p:oleObj spid="_x0000_s8214" name="Image" r:id="rId7" imgW="1828440" imgH="1117440" progId="Photoshop.Image.13">
                       <p:embed/>
                     </p:oleObj>
                   </mc:Choice>
@@ -5770,7 +5770,7 @@
               <a:graphicData uri="http://schemas.openxmlformats.org/presentationml/2006/ole">
                 <mc:AlternateContent xmlns:mc="http://schemas.openxmlformats.org/markup-compatibility/2006">
                   <mc:Choice xmlns:v="urn:schemas-microsoft-com:vml" Requires="v">
-                    <p:oleObj spid="_x0000_s6695" name="Image" r:id="rId9" imgW="1828440" imgH="1117440" progId="Photoshop.Image.13">
+                    <p:oleObj spid="_x0000_s8215" name="Image" r:id="rId9" imgW="1828440" imgH="1117440" progId="Photoshop.Image.13">
                       <p:embed/>
                     </p:oleObj>
                   </mc:Choice>
@@ -6905,7 +6905,7 @@
             <a:graphicData uri="http://schemas.openxmlformats.org/presentationml/2006/ole">
               <mc:AlternateContent xmlns:mc="http://schemas.openxmlformats.org/markup-compatibility/2006">
                 <mc:Choice xmlns:v="urn:schemas-microsoft-com:vml" Requires="v">
-                  <p:oleObj spid="_x0000_s6696" name="Image" r:id="rId11" imgW="4571280" imgH="1688760" progId="Photoshop.Image.13">
+                  <p:oleObj spid="_x0000_s8216" name="Image" r:id="rId11" imgW="4571280" imgH="1688760" progId="Photoshop.Image.13">
                     <p:embed/>
                   </p:oleObj>
                 </mc:Choice>
@@ -6989,7 +6989,7 @@
             <a:graphicData uri="http://schemas.openxmlformats.org/presentationml/2006/ole">
               <mc:AlternateContent xmlns:mc="http://schemas.openxmlformats.org/markup-compatibility/2006">
                 <mc:Choice xmlns:v="urn:schemas-microsoft-com:vml" Requires="v">
-                  <p:oleObj spid="_x0000_s6697" name="Image" r:id="rId14" imgW="1574280" imgH="1053720" progId="Photoshop.Image.13">
+                  <p:oleObj spid="_x0000_s8217" name="Image" r:id="rId14" imgW="1574280" imgH="1053720" progId="Photoshop.Image.13">
                     <p:embed/>
                   </p:oleObj>
                 </mc:Choice>
@@ -7643,7 +7643,7 @@
         </p:nvSpPr>
         <p:spPr>
           <a:xfrm>
-            <a:off x="16747206" y="37011577"/>
+            <a:off x="16744504" y="33024753"/>
             <a:ext cx="15264000" cy="547200"/>
           </a:xfrm>
           <a:prstGeom prst="rect">
@@ -7683,7 +7683,7 @@
         </p:nvSpPr>
         <p:spPr>
           <a:xfrm>
-            <a:off x="16711723" y="39746763"/>
+            <a:off x="16747205" y="37617462"/>
             <a:ext cx="15264000" cy="547200"/>
           </a:xfrm>
           <a:solidFill>
@@ -7706,245 +7706,111 @@
           </a:p>
         </p:txBody>
       </p:sp>
-      <mc:AlternateContent xmlns:mc="http://schemas.openxmlformats.org/markup-compatibility/2006" xmlns:a14="http://schemas.microsoft.com/office/drawing/2010/main">
-        <mc:Choice Requires="a14">
-          <p:sp>
-            <p:nvSpPr>
-              <p:cNvPr id="344" name="Text Placeholder 343"/>
-              <p:cNvSpPr>
-                <a:spLocks noGrp="1"/>
-              </p:cNvSpPr>
-              <p:nvPr>
-                <p:ph type="body" sz="quarter" idx="30"/>
-              </p:nvPr>
-            </p:nvSpPr>
-            <p:spPr>
-              <a:xfrm>
-                <a:off x="16636642" y="40083531"/>
-                <a:ext cx="15584055" cy="2461074"/>
-              </a:xfrm>
-            </p:spPr>
-            <p:txBody>
-              <a:bodyPr/>
-              <a:lstStyle/>
-              <a:p>
-                <a:pPr>
-                  <a:lnSpc>
-                    <a:spcPct val="150000"/>
-                  </a:lnSpc>
-                </a:pPr>
-                <a:r>
-                  <a:rPr lang="it-IT" sz="1600" dirty="0"/>
-                  <a:t>[1]</a:t>
-                </a:r>
-                <a:r>
-                  <a:rPr lang="en-GB" sz="1600" dirty="0"/>
-                  <a:t> </a:t>
-                </a:r>
-                <a:r>
-                  <a:rPr lang="en-GB" sz="1600" dirty="0" err="1"/>
-                  <a:t>Xiong</a:t>
-                </a:r>
-                <a:r>
-                  <a:rPr lang="en-GB" sz="1600" dirty="0"/>
-                  <a:t>, X.,</a:t>
-                </a:r>
-                <a14:m>
-                  <m:oMath xmlns:m="http://schemas.openxmlformats.org/officeDocument/2006/math">
-                    <m:r>
-                      <a:rPr lang="en-GB" sz="1600" b="0" i="0" smtClean="0">
-                        <a:latin typeface="Cambria Math"/>
-                      </a:rPr>
-                      <m:t>   </m:t>
-                    </m:r>
-                    <m:acc>
-                      <m:accPr>
-                        <m:chr m:val="̌"/>
-                        <m:ctrlPr>
-                          <a:rPr lang="en-GB" sz="1600" i="1" smtClean="0">
-                            <a:latin typeface="Cambria Math" panose="02040503050406030204" pitchFamily="18" charset="0"/>
-                          </a:rPr>
-                        </m:ctrlPr>
-                      </m:accPr>
-                      <m:e>
-                        <m:r>
-                          <m:rPr>
-                            <m:sty m:val="p"/>
-                          </m:rPr>
-                          <a:rPr lang="en-GB" sz="1600" b="0" i="0" smtClean="0">
-                            <a:latin typeface="Cambria Math"/>
-                          </a:rPr>
-                          <m:t>S</m:t>
-                        </m:r>
-                      </m:e>
-                    </m:acc>
-                  </m:oMath>
-                </a14:m>
-                <a:r>
-                  <a:rPr lang="en-GB" sz="1600" dirty="0"/>
-                  <a:t>m</a:t>
-                </a:r>
-                <a14:m>
-                  <m:oMath xmlns:m="http://schemas.openxmlformats.org/officeDocument/2006/math">
-                    <m:acc>
-                      <m:accPr>
-                        <m:chr m:val="́"/>
-                        <m:ctrlPr>
-                          <a:rPr lang="en-GB" sz="1600" i="1" dirty="0" smtClean="0">
-                            <a:latin typeface="Cambria Math" panose="02040503050406030204" pitchFamily="18" charset="0"/>
-                          </a:rPr>
-                        </m:ctrlPr>
-                      </m:accPr>
-                      <m:e>
-                        <m:r>
-                          <m:rPr>
-                            <m:sty m:val="p"/>
-                          </m:rPr>
-                          <a:rPr lang="en-GB" sz="1600" b="0" i="0" dirty="0" smtClean="0">
-                            <a:latin typeface="Cambria Math"/>
-                          </a:rPr>
-                          <m:t>i</m:t>
-                        </m:r>
-                      </m:e>
-                    </m:acc>
-                  </m:oMath>
-                </a14:m>
-                <a:r>
-                  <a:rPr lang="en-GB" sz="1600" dirty="0"/>
-                  <a:t>dl, V. and </a:t>
-                </a:r>
-                <a:r>
-                  <a:rPr lang="en-GB" sz="1600" dirty="0" err="1"/>
-                  <a:t>Filippone</a:t>
-                </a:r>
-                <a:r>
-                  <a:rPr lang="en-GB" sz="1600" dirty="0"/>
-                  <a:t>, M. Adaptive Multiple Importance Sampling for Gaussian Processes, </a:t>
-                </a:r>
-                <a:r>
-                  <a:rPr lang="en-GB" sz="1600" dirty="0" err="1"/>
-                  <a:t>eprint</a:t>
-                </a:r>
-                <a:r>
-                  <a:rPr lang="en-GB" sz="1600" dirty="0"/>
-                  <a:t> arXiv:1508.01050v2, 2016.</a:t>
-                </a:r>
-              </a:p>
-              <a:p>
-                <a:pPr>
-                  <a:lnSpc>
-                    <a:spcPct val="150000"/>
-                  </a:lnSpc>
-                </a:pPr>
-                <a:r>
-                  <a:rPr lang="en-GB" sz="1600" dirty="0"/>
-                  <a:t>[2] </a:t>
-                </a:r>
-                <a:r>
-                  <a:rPr lang="en-GB" sz="1600" dirty="0" err="1"/>
-                  <a:t>Segalin</a:t>
-                </a:r>
-                <a:r>
-                  <a:rPr lang="en-GB" sz="1600" dirty="0"/>
-                  <a:t>, C., </a:t>
-                </a:r>
-                <a:r>
-                  <a:rPr lang="it-IT" sz="1600" dirty="0"/>
-                  <a:t>Perina, A., Cristani, M. and Vinciarelli, A. </a:t>
-                </a:r>
-                <a:r>
-                  <a:rPr lang="en-GB" sz="1600" dirty="0"/>
-                  <a:t>The pictures we like are our image: continuous mapping of favourite pictures into self-assessed and attributed personality traits. IEEE Transactions on Affective Computing (to appear), 2016.</a:t>
-                </a:r>
-                <a:endParaRPr lang="it-IT" sz="1600" dirty="0"/>
-              </a:p>
-              <a:p>
-                <a:pPr>
-                  <a:lnSpc>
-                    <a:spcPct val="150000"/>
-                  </a:lnSpc>
-                </a:pPr>
-                <a:r>
-                  <a:rPr lang="it-IT" sz="1600" dirty="0"/>
-                  <a:t>[3] Filippone, M., Girolami, M. Pseudo-marginal Bayesian inference </a:t>
-                </a:r>
-                <a:r>
-                  <a:rPr lang="en-GB" sz="1600" dirty="0"/>
-                  <a:t>for Gaussian processes. IEEE Transactions on Pattern Analysis and Machine Intelligence, </a:t>
-                </a:r>
-                <a:r>
-                  <a:rPr lang="it-IT" sz="1600" dirty="0"/>
-                  <a:t>2014</a:t>
-                </a:r>
-                <a:r>
-                  <a:rPr lang="en-GB" sz="1600" dirty="0"/>
-                  <a:t>.</a:t>
-                </a:r>
-              </a:p>
-              <a:p>
-                <a:pPr>
-                  <a:lnSpc>
-                    <a:spcPct val="150000"/>
-                  </a:lnSpc>
-                </a:pPr>
-                <a:r>
-                  <a:rPr lang="en-GB" sz="1600" dirty="0"/>
-                  <a:t>[4] </a:t>
-                </a:r>
-                <a:r>
-                  <a:rPr lang="fr-FR" sz="1600" dirty="0" err="1"/>
-                  <a:t>Cornuet</a:t>
-                </a:r>
-                <a:r>
-                  <a:rPr lang="fr-FR" sz="1600" dirty="0"/>
-                  <a:t>, J.-M., Marin, J.-M., Mira, A., Robert, C. P. Adaptive </a:t>
-                </a:r>
-                <a:r>
-                  <a:rPr lang="en-GB" sz="1600" dirty="0"/>
-                  <a:t>multiple importance sampling. Scandinavian Journal of Statistics 39, 798–812, 2012.</a:t>
-                </a:r>
-              </a:p>
-            </p:txBody>
-          </p:sp>
-        </mc:Choice>
-        <mc:Fallback xmlns="">
-          <p:sp>
-            <p:nvSpPr>
-              <p:cNvPr id="344" name="Text Placeholder 343"/>
-              <p:cNvSpPr>
-                <a:spLocks noGrp="1" noRot="1" noChangeAspect="1" noMove="1" noResize="1" noEditPoints="1" noAdjustHandles="1" noChangeArrowheads="1" noChangeShapeType="1" noTextEdit="1"/>
-              </p:cNvSpPr>
-              <p:nvPr>
-                <p:ph type="body" sz="quarter" idx="30"/>
-              </p:nvPr>
-            </p:nvSpPr>
-            <p:spPr>
-              <a:xfrm>
-                <a:off x="16636642" y="40083531"/>
-                <a:ext cx="15584055" cy="2461074"/>
-              </a:xfrm>
-              <a:blipFill>
-                <a:blip r:embed="rId3"/>
-                <a:stretch>
-                  <a:fillRect/>
-                </a:stretch>
-              </a:blipFill>
-            </p:spPr>
-            <p:txBody>
-              <a:bodyPr/>
-              <a:lstStyle/>
-              <a:p>
-                <a:r>
-                  <a:rPr lang="en-US">
-                    <a:noFill/>
-                  </a:rPr>
-                  <a:t> </a:t>
-                </a:r>
-              </a:p>
-            </p:txBody>
-          </p:sp>
-        </mc:Fallback>
-      </mc:AlternateContent>
+      <p:sp>
+        <p:nvSpPr>
+          <p:cNvPr id="344" name="Text Placeholder 343"/>
+          <p:cNvSpPr>
+            <a:spLocks noGrp="1"/>
+          </p:cNvSpPr>
+          <p:nvPr>
+            <p:ph type="body" sz="quarter" idx="30"/>
+          </p:nvPr>
+        </p:nvSpPr>
+        <p:spPr>
+          <a:xfrm>
+            <a:off x="16728156" y="38092033"/>
+            <a:ext cx="15584055" cy="5072750"/>
+          </a:xfrm>
+        </p:spPr>
+        <p:txBody>
+          <a:bodyPr/>
+          <a:lstStyle/>
+          <a:p>
+            <a:pPr>
+              <a:lnSpc>
+                <a:spcPct val="150000"/>
+              </a:lnSpc>
+            </a:pPr>
+            <a:r>
+              <a:rPr lang="it-IT" sz="2000" dirty="0"/>
+              <a:t>[1]</a:t>
+            </a:r>
+            <a:r>
+              <a:rPr lang="en-GB" sz="2000" dirty="0"/>
+              <a:t> Kennedy, M. C., and  O’Hagan, A. (2001). Bayesian calibration of computer models. Journal of the Royal Statistical Society: Series B (Statistical Methodology), 63(3), 425–464.</a:t>
+            </a:r>
+          </a:p>
+          <a:p>
+            <a:pPr>
+              <a:lnSpc>
+                <a:spcPct val="150000"/>
+              </a:lnSpc>
+            </a:pPr>
+            <a:r>
+              <a:rPr lang="en-GB" sz="2000" dirty="0"/>
+              <a:t>[2] Fuentes, M., and Raftery, A. E. (2005). Model evaluation and spatial interpolation by Bayesian combination of observations with outputs from numerical models. Biometrics, 61(1), 36–45.</a:t>
+            </a:r>
+          </a:p>
+          <a:p>
+            <a:pPr>
+              <a:lnSpc>
+                <a:spcPct val="150000"/>
+              </a:lnSpc>
+            </a:pPr>
+            <a:r>
+              <a:rPr lang="it-IT" sz="2000" dirty="0"/>
+              <a:t>[3] </a:t>
+            </a:r>
+            <a:r>
+              <a:rPr lang="en-GB" sz="2000" dirty="0" err="1"/>
+              <a:t>Brynjarsdóttir</a:t>
+            </a:r>
+            <a:r>
+              <a:rPr lang="en-GB" sz="2000" dirty="0"/>
+              <a:t>, J., and O’Hagan, A. (2014). Learning about physical parameters: The importance of model discrepancy. Inverse Problems, 30(11), 114007.</a:t>
+            </a:r>
+          </a:p>
+          <a:p>
+            <a:pPr>
+              <a:lnSpc>
+                <a:spcPct val="150000"/>
+              </a:lnSpc>
+            </a:pPr>
+            <a:r>
+              <a:rPr lang="en-GB" sz="2000" dirty="0"/>
+              <a:t>[4] Xiong, X., </a:t>
+            </a:r>
+            <a:r>
+              <a:rPr lang="en-GB" sz="2000" dirty="0" err="1"/>
+              <a:t>Šmídl</a:t>
+            </a:r>
+            <a:r>
+              <a:rPr lang="en-GB" sz="2000" dirty="0"/>
+              <a:t>, V., and </a:t>
+            </a:r>
+            <a:r>
+              <a:rPr lang="en-GB" sz="2000" dirty="0" err="1"/>
+              <a:t>Filippone</a:t>
+            </a:r>
+            <a:r>
+              <a:rPr lang="en-GB" sz="2000" dirty="0"/>
+              <a:t>, M. (2017). Adaptive multiple importance sampling for Gaussian processes. Journal of Statistical Computation and Simulation, 87(8), 1644-1665.</a:t>
+            </a:r>
+            <a:br>
+              <a:rPr lang="en-GB" dirty="0"/>
+            </a:br>
+            <a:endParaRPr lang="en-GB" sz="1600" dirty="0"/>
+          </a:p>
+          <a:p>
+            <a:pPr>
+              <a:lnSpc>
+                <a:spcPct val="150000"/>
+              </a:lnSpc>
+            </a:pPr>
+            <a:endParaRPr lang="en-GB" sz="1600" dirty="0"/>
+          </a:p>
+        </p:txBody>
+      </p:sp>
       <p:sp>
         <p:nvSpPr>
           <p:cNvPr id="7" name="TextBox 6"/>
@@ -7981,7 +7847,7 @@
         </p:nvSpPr>
         <p:spPr>
           <a:xfrm>
-            <a:off x="1871196" y="20216820"/>
+            <a:off x="1871197" y="21183953"/>
             <a:ext cx="12271456" cy="2778917"/>
           </a:xfrm>
           <a:prstGeom prst="rect">
@@ -8183,8 +8049,8 @@
         </p:nvSpPr>
         <p:spPr>
           <a:xfrm>
-            <a:off x="16441031" y="6752544"/>
-            <a:ext cx="15872319" cy="1264657"/>
+            <a:off x="16440344" y="6611108"/>
+            <a:ext cx="15872319" cy="2224920"/>
           </a:xfrm>
           <a:prstGeom prst="rect">
             <a:avLst/>
@@ -8341,7 +8207,7 @@
                   <a:schemeClr val="tx1"/>
                 </a:solidFill>
               </a:rPr>
-              <a:t>The out-of-sample RMSE, average width of 95% confidence interval and coverage probability</a:t>
+              <a:t>Out-of-sample RMSE, average width of 95% confidence interval and coverage probability </a:t>
             </a:r>
           </a:p>
           <a:p>
@@ -8352,7 +8218,26 @@
                   <a:schemeClr val="tx1"/>
                 </a:solidFill>
               </a:rPr>
-              <a:t> over 100 simulations for Kriging and the DF approach</a:t>
+              <a:t>  over 100 simulations for Kriging and the DF approach </a:t>
+            </a:r>
+          </a:p>
+          <a:p>
+            <a:pPr algn="ctr"/>
+            <a:endParaRPr lang="en-GB" sz="2400" dirty="0">
+              <a:solidFill>
+                <a:schemeClr val="tx1"/>
+              </a:solidFill>
+            </a:endParaRPr>
+          </a:p>
+          <a:p>
+            <a:pPr algn="ctr"/>
+            <a:r>
+              <a:rPr lang="en-GB" sz="2400" dirty="0">
+                <a:solidFill>
+                  <a:schemeClr val="tx1"/>
+                </a:solidFill>
+              </a:rPr>
+              <a:t> for Kriging and the DF approach</a:t>
             </a:r>
             <a:endParaRPr lang="en-US" sz="2400" dirty="0">
               <a:solidFill>
@@ -8374,7 +8259,7 @@
             </p:nvSpPr>
             <p:spPr>
               <a:xfrm>
-                <a:off x="2236555" y="25313153"/>
+                <a:off x="2171375" y="25913918"/>
                 <a:ext cx="10513761" cy="2741984"/>
               </a:xfrm>
               <a:prstGeom prst="rect">
@@ -8574,7 +8459,7 @@
                 </a:r>
                 <a:r>
                   <a:rPr lang="en-GB" sz="2400" dirty="0"/>
-                  <a:t>(s, s´))             True process</a:t>
+                  <a:t>(s, s´))             True process                      (1)</a:t>
                 </a:r>
               </a:p>
               <a:p>
@@ -8589,7 +8474,7 @@
                 </a:r>
                 <a:r>
                   <a:rPr lang="en-GB" sz="2400" dirty="0"/>
-                  <a:t>(s)                         Data (observations)</a:t>
+                  <a:t>(s)                        Data (observations)            (2)   </a:t>
                 </a:r>
               </a:p>
               <a:p>
@@ -8708,14 +8593,14 @@
                 </a14:m>
                 <a:r>
                   <a:rPr lang="en-US" sz="2400" dirty="0"/>
-                  <a:t>                         Measurement error</a:t>
+                  <a:t>                         Measurement error            (3)</a:t>
                 </a:r>
               </a:p>
               <a:p>
                 <a:pPr algn="just"/>
                 <a:r>
                   <a:rPr lang="en-US" sz="2400" dirty="0"/>
-                  <a:t>X(s) = 𝛼(s) + 𝛽(s)Z(s) + 𝛿(s)         Numerical model output</a:t>
+                  <a:t>X(s) = 𝛼(s) + 𝛽(s)Z(s) + 𝛿(s)         Numerical model output     (4)</a:t>
                 </a:r>
               </a:p>
               <a:p>
@@ -8845,7 +8730,7 @@
                 </a14:m>
                 <a:r>
                   <a:rPr lang="en-US" sz="2400" dirty="0"/>
-                  <a:t>             Discrepancy term</a:t>
+                  <a:t>             Discrepancy term               (5)</a:t>
                 </a:r>
                 <a:endParaRPr lang="en-GB" sz="2400" dirty="0"/>
               </a:p>
@@ -8863,14 +8748,14 @@
             </p:nvSpPr>
             <p:spPr>
               <a:xfrm>
-                <a:off x="2236555" y="25313153"/>
+                <a:off x="2171375" y="25913918"/>
                 <a:ext cx="10513761" cy="2741984"/>
               </a:xfrm>
               <a:prstGeom prst="rect">
                 <a:avLst/>
               </a:prstGeom>
               <a:blipFill>
-                <a:blip r:embed="rId4"/>
+                <a:blip r:embed="rId3"/>
                 <a:stretch>
                   <a:fillRect/>
                 </a:stretch>
@@ -8901,7 +8786,7 @@
         </p:nvSpPr>
         <p:spPr>
           <a:xfrm>
-            <a:off x="9743065" y="3966567"/>
+            <a:off x="9930618" y="3721495"/>
             <a:ext cx="15975926" cy="1087559"/>
           </a:xfrm>
           <a:prstGeom prst="rect">
@@ -9137,7 +9022,7 @@
         </p:nvSpPr>
         <p:spPr>
           <a:xfrm>
-            <a:off x="5688311" y="2707220"/>
+            <a:off x="5875864" y="2615287"/>
             <a:ext cx="23646939" cy="1262156"/>
           </a:xfrm>
           <a:prstGeom prst="rect">
@@ -9315,7 +9200,7 @@
         </p:nvSpPr>
         <p:spPr>
           <a:xfrm>
-            <a:off x="1720279" y="-152675"/>
+            <a:off x="1333291" y="407404"/>
             <a:ext cx="30593071" cy="2230518"/>
           </a:xfrm>
           <a:prstGeom prst="rect">
@@ -9488,7 +9373,7 @@
         </p:nvSpPr>
         <p:spPr>
           <a:xfrm>
-            <a:off x="392338" y="24673355"/>
+            <a:off x="392338" y="25344877"/>
             <a:ext cx="15782400" cy="547200"/>
           </a:xfrm>
           <a:prstGeom prst="rect">
@@ -9648,7 +9533,7 @@
                   <a:schemeClr val="bg1"/>
                 </a:solidFill>
               </a:rPr>
-              <a:t>Data Fusion with  Gaussian processes</a:t>
+              <a:t>Data fusion (DF) with  Gaussian processes (GPs)</a:t>
             </a:r>
           </a:p>
         </p:txBody>
@@ -9838,7 +9723,7 @@
         </p:nvSpPr>
         <p:spPr>
           <a:xfrm>
-            <a:off x="16743273" y="18206078"/>
+            <a:off x="16728156" y="20340699"/>
             <a:ext cx="15264000" cy="547200"/>
           </a:xfrm>
           <a:prstGeom prst="rect">
@@ -9998,7 +9883,7 @@
                   <a:schemeClr val="bg1"/>
                 </a:solidFill>
               </a:rPr>
-              <a:t>Application of Imogen Windstorm data</a:t>
+              <a:t>Application to Imogen windstorm data</a:t>
             </a:r>
           </a:p>
         </p:txBody>
@@ -10173,199 +10058,7 @@
                   <a:schemeClr val="bg1"/>
                 </a:solidFill>
               </a:rPr>
-              <a:t>Experiments</a:t>
-            </a:r>
-          </a:p>
-        </p:txBody>
-      </p:sp>
-      <p:sp>
-        <p:nvSpPr>
-          <p:cNvPr id="82" name="Text Placeholder 7"/>
-          <p:cNvSpPr txBox="1">
-            <a:spLocks/>
-          </p:cNvSpPr>
-          <p:nvPr/>
-        </p:nvSpPr>
-        <p:spPr>
-          <a:xfrm>
-            <a:off x="16782689" y="37558777"/>
-            <a:ext cx="15143673" cy="2187986"/>
-          </a:xfrm>
-          <a:prstGeom prst="rect">
-            <a:avLst/>
-          </a:prstGeom>
-        </p:spPr>
-        <p:txBody>
-          <a:bodyPr wrap="square" lIns="223877" tIns="223877" rIns="223877" bIns="223877">
-            <a:spAutoFit/>
-          </a:bodyPr>
-          <a:lstStyle>
-            <a:lvl1pPr marL="0" indent="0" algn="l" defTabSz="4298410" rtl="0" eaLnBrk="1" latinLnBrk="0" hangingPunct="1">
-              <a:spcBef>
-                <a:spcPct val="20000"/>
-              </a:spcBef>
-              <a:buFont typeface="Arial" pitchFamily="34" charset="0"/>
-              <a:buNone/>
-              <a:defRPr sz="2800" kern="1200">
-                <a:solidFill>
-                  <a:schemeClr val="accent5">
-                    <a:lumMod val="50000"/>
-                  </a:schemeClr>
-                </a:solidFill>
-                <a:latin typeface="Trebuchet MS" pitchFamily="34" charset="0"/>
-                <a:ea typeface="+mn-ea"/>
-                <a:cs typeface="+mn-cs"/>
-              </a:defRPr>
-            </a:lvl1pPr>
-            <a:lvl2pPr marL="1455191" indent="-559688" algn="l" defTabSz="4298410" rtl="0" eaLnBrk="1" latinLnBrk="0" hangingPunct="1">
-              <a:spcBef>
-                <a:spcPct val="20000"/>
-              </a:spcBef>
-              <a:buFont typeface="Arial" pitchFamily="34" charset="0"/>
-              <a:buChar char="–"/>
-              <a:defRPr sz="2500" kern="1200">
-                <a:solidFill>
-                  <a:schemeClr val="tx1"/>
-                </a:solidFill>
-                <a:latin typeface="Trebuchet MS" pitchFamily="34" charset="0"/>
-                <a:ea typeface="+mn-ea"/>
-                <a:cs typeface="+mn-cs"/>
-              </a:defRPr>
-            </a:lvl2pPr>
-            <a:lvl3pPr marL="2014879" indent="-559688" algn="l" defTabSz="4298410" rtl="0" eaLnBrk="1" latinLnBrk="0" hangingPunct="1">
-              <a:spcBef>
-                <a:spcPct val="20000"/>
-              </a:spcBef>
-              <a:buFont typeface="Arial" pitchFamily="34" charset="0"/>
-              <a:buChar char="•"/>
-              <a:defRPr sz="2500" kern="1200">
-                <a:solidFill>
-                  <a:schemeClr val="tx1"/>
-                </a:solidFill>
-                <a:latin typeface="Trebuchet MS" pitchFamily="34" charset="0"/>
-                <a:ea typeface="+mn-ea"/>
-                <a:cs typeface="+mn-cs"/>
-              </a:defRPr>
-            </a:lvl3pPr>
-            <a:lvl4pPr marL="2630537" indent="-615658" algn="l" defTabSz="4298410" rtl="0" eaLnBrk="1" latinLnBrk="0" hangingPunct="1">
-              <a:spcBef>
-                <a:spcPct val="20000"/>
-              </a:spcBef>
-              <a:buFont typeface="Arial" pitchFamily="34" charset="0"/>
-              <a:buChar char="–"/>
-              <a:defRPr sz="2500" kern="1200">
-                <a:solidFill>
-                  <a:schemeClr val="tx1"/>
-                </a:solidFill>
-                <a:latin typeface="Trebuchet MS" pitchFamily="34" charset="0"/>
-                <a:ea typeface="+mn-ea"/>
-                <a:cs typeface="+mn-cs"/>
-              </a:defRPr>
-            </a:lvl4pPr>
-            <a:lvl5pPr marL="3078288" indent="-447751" algn="l" defTabSz="4298410" rtl="0" eaLnBrk="1" latinLnBrk="0" hangingPunct="1">
-              <a:spcBef>
-                <a:spcPct val="20000"/>
-              </a:spcBef>
-              <a:buFont typeface="Arial" pitchFamily="34" charset="0"/>
-              <a:buChar char="»"/>
-              <a:defRPr sz="2500" kern="1200">
-                <a:solidFill>
-                  <a:schemeClr val="tx1"/>
-                </a:solidFill>
-                <a:latin typeface="Trebuchet MS" pitchFamily="34" charset="0"/>
-                <a:ea typeface="+mn-ea"/>
-                <a:cs typeface="+mn-cs"/>
-              </a:defRPr>
-            </a:lvl5pPr>
-            <a:lvl6pPr marL="11820625" indent="-1074603" algn="l" defTabSz="4298410" rtl="0" eaLnBrk="1" latinLnBrk="0" hangingPunct="1">
-              <a:spcBef>
-                <a:spcPct val="20000"/>
-              </a:spcBef>
-              <a:buFont typeface="Arial" pitchFamily="34" charset="0"/>
-              <a:buChar char="•"/>
-              <a:defRPr sz="9500" kern="1200">
-                <a:solidFill>
-                  <a:schemeClr val="tx1"/>
-                </a:solidFill>
-                <a:latin typeface="+mn-lt"/>
-                <a:ea typeface="+mn-ea"/>
-                <a:cs typeface="+mn-cs"/>
-              </a:defRPr>
-            </a:lvl6pPr>
-            <a:lvl7pPr marL="13969828" indent="-1074603" algn="l" defTabSz="4298410" rtl="0" eaLnBrk="1" latinLnBrk="0" hangingPunct="1">
-              <a:spcBef>
-                <a:spcPct val="20000"/>
-              </a:spcBef>
-              <a:buFont typeface="Arial" pitchFamily="34" charset="0"/>
-              <a:buChar char="•"/>
-              <a:defRPr sz="9500" kern="1200">
-                <a:solidFill>
-                  <a:schemeClr val="tx1"/>
-                </a:solidFill>
-                <a:latin typeface="+mn-lt"/>
-                <a:ea typeface="+mn-ea"/>
-                <a:cs typeface="+mn-cs"/>
-              </a:defRPr>
-            </a:lvl7pPr>
-            <a:lvl8pPr marL="16119034" indent="-1074603" algn="l" defTabSz="4298410" rtl="0" eaLnBrk="1" latinLnBrk="0" hangingPunct="1">
-              <a:spcBef>
-                <a:spcPct val="20000"/>
-              </a:spcBef>
-              <a:buFont typeface="Arial" pitchFamily="34" charset="0"/>
-              <a:buChar char="•"/>
-              <a:defRPr sz="9500" kern="1200">
-                <a:solidFill>
-                  <a:schemeClr val="tx1"/>
-                </a:solidFill>
-                <a:latin typeface="+mn-lt"/>
-                <a:ea typeface="+mn-ea"/>
-                <a:cs typeface="+mn-cs"/>
-              </a:defRPr>
-            </a:lvl8pPr>
-            <a:lvl9pPr marL="18268238" indent="-1074603" algn="l" defTabSz="4298410" rtl="0" eaLnBrk="1" latinLnBrk="0" hangingPunct="1">
-              <a:spcBef>
-                <a:spcPct val="20000"/>
-              </a:spcBef>
-              <a:buFont typeface="Arial" pitchFamily="34" charset="0"/>
-              <a:buChar char="•"/>
-              <a:defRPr sz="9500" kern="1200">
-                <a:solidFill>
-                  <a:schemeClr val="tx1"/>
-                </a:solidFill>
-                <a:latin typeface="+mn-lt"/>
-                <a:ea typeface="+mn-ea"/>
-                <a:cs typeface="+mn-cs"/>
-              </a:defRPr>
-            </a:lvl9pPr>
-          </a:lstStyle>
-          <a:p>
-            <a:pPr marL="342900" indent="-342900">
-              <a:lnSpc>
-                <a:spcPct val="150000"/>
-              </a:lnSpc>
-              <a:buFont typeface="Wingdings" panose="05000000000000000000" pitchFamily="2" charset="2"/>
-              <a:buChar char="ü"/>
-            </a:pPr>
-            <a:r>
-              <a:rPr lang="en-GB" sz="2400" dirty="0">
-                <a:latin typeface="+mn-lt"/>
-              </a:rPr>
-              <a:t>AMIS achieves faster convergence  than MCMC for GPs  while being easy to tune and implement and facilitating massive parallelization</a:t>
-            </a:r>
-          </a:p>
-          <a:p>
-            <a:pPr marL="342900" indent="-342900">
-              <a:lnSpc>
-                <a:spcPct val="150000"/>
-              </a:lnSpc>
-              <a:buFont typeface="Wingdings" panose="05000000000000000000" pitchFamily="2" charset="2"/>
-              <a:buChar char="ü"/>
-            </a:pPr>
-            <a:r>
-              <a:rPr lang="en-GB" sz="2400" dirty="0">
-                <a:latin typeface="+mn-lt"/>
-              </a:rPr>
-              <a:t>AMIS  for GPs offers an efficient probabilistic framework for SSP</a:t>
+              <a:t>Simulation study – out-of-sample predictions</a:t>
             </a:r>
           </a:p>
         </p:txBody>
@@ -10398,211 +10091,6 @@
       </p:sp>
       <p:sp>
         <p:nvSpPr>
-          <p:cNvPr id="71" name="Text Placeholder 7"/>
-          <p:cNvSpPr txBox="1">
-            <a:spLocks/>
-          </p:cNvSpPr>
-          <p:nvPr/>
-        </p:nvSpPr>
-        <p:spPr>
-          <a:xfrm>
-            <a:off x="16828327" y="29407725"/>
-            <a:ext cx="15255533" cy="2296927"/>
-          </a:xfrm>
-          <a:prstGeom prst="rect">
-            <a:avLst/>
-          </a:prstGeom>
-        </p:spPr>
-        <p:txBody>
-          <a:bodyPr wrap="square" lIns="223877" tIns="223877" rIns="223877" bIns="223877">
-            <a:spAutoFit/>
-          </a:bodyPr>
-          <a:lstStyle>
-            <a:lvl1pPr marL="0" indent="0" algn="l" defTabSz="4298410" rtl="0" eaLnBrk="1" latinLnBrk="0" hangingPunct="1">
-              <a:spcBef>
-                <a:spcPct val="20000"/>
-              </a:spcBef>
-              <a:buFont typeface="Arial" pitchFamily="34" charset="0"/>
-              <a:buNone/>
-              <a:defRPr sz="2800" kern="1200">
-                <a:solidFill>
-                  <a:schemeClr val="accent5">
-                    <a:lumMod val="50000"/>
-                  </a:schemeClr>
-                </a:solidFill>
-                <a:latin typeface="Trebuchet MS" pitchFamily="34" charset="0"/>
-                <a:ea typeface="+mn-ea"/>
-                <a:cs typeface="+mn-cs"/>
-              </a:defRPr>
-            </a:lvl1pPr>
-            <a:lvl2pPr marL="1455191" indent="-559688" algn="l" defTabSz="4298410" rtl="0" eaLnBrk="1" latinLnBrk="0" hangingPunct="1">
-              <a:spcBef>
-                <a:spcPct val="20000"/>
-              </a:spcBef>
-              <a:buFont typeface="Arial" pitchFamily="34" charset="0"/>
-              <a:buChar char="–"/>
-              <a:defRPr sz="2500" kern="1200">
-                <a:solidFill>
-                  <a:schemeClr val="tx1"/>
-                </a:solidFill>
-                <a:latin typeface="Trebuchet MS" pitchFamily="34" charset="0"/>
-                <a:ea typeface="+mn-ea"/>
-                <a:cs typeface="+mn-cs"/>
-              </a:defRPr>
-            </a:lvl2pPr>
-            <a:lvl3pPr marL="2014879" indent="-559688" algn="l" defTabSz="4298410" rtl="0" eaLnBrk="1" latinLnBrk="0" hangingPunct="1">
-              <a:spcBef>
-                <a:spcPct val="20000"/>
-              </a:spcBef>
-              <a:buFont typeface="Arial" pitchFamily="34" charset="0"/>
-              <a:buChar char="•"/>
-              <a:defRPr sz="2500" kern="1200">
-                <a:solidFill>
-                  <a:schemeClr val="tx1"/>
-                </a:solidFill>
-                <a:latin typeface="Trebuchet MS" pitchFamily="34" charset="0"/>
-                <a:ea typeface="+mn-ea"/>
-                <a:cs typeface="+mn-cs"/>
-              </a:defRPr>
-            </a:lvl3pPr>
-            <a:lvl4pPr marL="2630537" indent="-615658" algn="l" defTabSz="4298410" rtl="0" eaLnBrk="1" latinLnBrk="0" hangingPunct="1">
-              <a:spcBef>
-                <a:spcPct val="20000"/>
-              </a:spcBef>
-              <a:buFont typeface="Arial" pitchFamily="34" charset="0"/>
-              <a:buChar char="–"/>
-              <a:defRPr sz="2500" kern="1200">
-                <a:solidFill>
-                  <a:schemeClr val="tx1"/>
-                </a:solidFill>
-                <a:latin typeface="Trebuchet MS" pitchFamily="34" charset="0"/>
-                <a:ea typeface="+mn-ea"/>
-                <a:cs typeface="+mn-cs"/>
-              </a:defRPr>
-            </a:lvl4pPr>
-            <a:lvl5pPr marL="3078288" indent="-447751" algn="l" defTabSz="4298410" rtl="0" eaLnBrk="1" latinLnBrk="0" hangingPunct="1">
-              <a:spcBef>
-                <a:spcPct val="20000"/>
-              </a:spcBef>
-              <a:buFont typeface="Arial" pitchFamily="34" charset="0"/>
-              <a:buChar char="»"/>
-              <a:defRPr sz="2500" kern="1200">
-                <a:solidFill>
-                  <a:schemeClr val="tx1"/>
-                </a:solidFill>
-                <a:latin typeface="Trebuchet MS" pitchFamily="34" charset="0"/>
-                <a:ea typeface="+mn-ea"/>
-                <a:cs typeface="+mn-cs"/>
-              </a:defRPr>
-            </a:lvl5pPr>
-            <a:lvl6pPr marL="11820625" indent="-1074603" algn="l" defTabSz="4298410" rtl="0" eaLnBrk="1" latinLnBrk="0" hangingPunct="1">
-              <a:spcBef>
-                <a:spcPct val="20000"/>
-              </a:spcBef>
-              <a:buFont typeface="Arial" pitchFamily="34" charset="0"/>
-              <a:buChar char="•"/>
-              <a:defRPr sz="9500" kern="1200">
-                <a:solidFill>
-                  <a:schemeClr val="tx1"/>
-                </a:solidFill>
-                <a:latin typeface="+mn-lt"/>
-                <a:ea typeface="+mn-ea"/>
-                <a:cs typeface="+mn-cs"/>
-              </a:defRPr>
-            </a:lvl6pPr>
-            <a:lvl7pPr marL="13969828" indent="-1074603" algn="l" defTabSz="4298410" rtl="0" eaLnBrk="1" latinLnBrk="0" hangingPunct="1">
-              <a:spcBef>
-                <a:spcPct val="20000"/>
-              </a:spcBef>
-              <a:buFont typeface="Arial" pitchFamily="34" charset="0"/>
-              <a:buChar char="•"/>
-              <a:defRPr sz="9500" kern="1200">
-                <a:solidFill>
-                  <a:schemeClr val="tx1"/>
-                </a:solidFill>
-                <a:latin typeface="+mn-lt"/>
-                <a:ea typeface="+mn-ea"/>
-                <a:cs typeface="+mn-cs"/>
-              </a:defRPr>
-            </a:lvl7pPr>
-            <a:lvl8pPr marL="16119034" indent="-1074603" algn="l" defTabSz="4298410" rtl="0" eaLnBrk="1" latinLnBrk="0" hangingPunct="1">
-              <a:spcBef>
-                <a:spcPct val="20000"/>
-              </a:spcBef>
-              <a:buFont typeface="Arial" pitchFamily="34" charset="0"/>
-              <a:buChar char="•"/>
-              <a:defRPr sz="9500" kern="1200">
-                <a:solidFill>
-                  <a:schemeClr val="tx1"/>
-                </a:solidFill>
-                <a:latin typeface="+mn-lt"/>
-                <a:ea typeface="+mn-ea"/>
-                <a:cs typeface="+mn-cs"/>
-              </a:defRPr>
-            </a:lvl8pPr>
-            <a:lvl9pPr marL="18268238" indent="-1074603" algn="l" defTabSz="4298410" rtl="0" eaLnBrk="1" latinLnBrk="0" hangingPunct="1">
-              <a:spcBef>
-                <a:spcPct val="20000"/>
-              </a:spcBef>
-              <a:buFont typeface="Arial" pitchFamily="34" charset="0"/>
-              <a:buChar char="•"/>
-              <a:defRPr sz="9500" kern="1200">
-                <a:solidFill>
-                  <a:schemeClr val="tx1"/>
-                </a:solidFill>
-                <a:latin typeface="+mn-lt"/>
-                <a:ea typeface="+mn-ea"/>
-                <a:cs typeface="+mn-cs"/>
-              </a:defRPr>
-            </a:lvl9pPr>
-          </a:lstStyle>
-          <a:p>
-            <a:pPr>
-              <a:lnSpc>
-                <a:spcPct val="150000"/>
-              </a:lnSpc>
-            </a:pPr>
-            <a:r>
-              <a:rPr lang="en-GB" b="1" dirty="0">
-                <a:latin typeface="+mn-lt"/>
-              </a:rPr>
-              <a:t>Results:   </a:t>
-            </a:r>
-          </a:p>
-          <a:p>
-            <a:pPr marL="723900" lvl="1" indent="266700" algn="just">
-              <a:lnSpc>
-                <a:spcPct val="150000"/>
-              </a:lnSpc>
-              <a:buFont typeface="Trebuchet MS" panose="020B0603020202020204" pitchFamily="34" charset="0"/>
-              <a:buChar char="•"/>
-            </a:pPr>
-            <a:r>
-              <a:rPr lang="en-GB" sz="2400" dirty="0">
-                <a:latin typeface="+mn-lt"/>
-              </a:rPr>
-              <a:t>High prediction accuracy</a:t>
-            </a:r>
-          </a:p>
-          <a:p>
-            <a:pPr marL="723900" lvl="1" indent="266700" algn="just">
-              <a:lnSpc>
-                <a:spcPct val="150000"/>
-              </a:lnSpc>
-              <a:buFont typeface="Trebuchet MS" panose="020B0603020202020204" pitchFamily="34" charset="0"/>
-              <a:buChar char="•"/>
-            </a:pPr>
-            <a:r>
-              <a:rPr lang="en-GB" sz="2400" dirty="0">
-                <a:latin typeface="+mn-lt"/>
-              </a:rPr>
-              <a:t>Two abnormal ones situates  at the boundary where higher uncertainty expected</a:t>
-            </a:r>
-          </a:p>
-        </p:txBody>
-      </p:sp>
-      <p:sp>
-        <p:nvSpPr>
           <p:cNvPr id="53" name="Text Placeholder 382"/>
           <p:cNvSpPr txBox="1">
             <a:spLocks/>
@@ -10776,7 +10264,7 @@
                 </a:solidFill>
                 <a:latin typeface="Trebuchet MS" panose="020B0603020202020204" pitchFamily="34" charset="0"/>
               </a:rPr>
-              <a:t>Windstorms are normally quantified by the windstorm footprint, a spatial area describing potential damage</a:t>
+              <a:t>The windstorm footprint, a spatial area describing quantified wind gust speeds, is commonly used for risk estimation</a:t>
             </a:r>
           </a:p>
           <a:p>
@@ -10796,7 +10284,7 @@
                 </a:solidFill>
                 <a:latin typeface="Trebuchet MS" panose="020B0603020202020204" pitchFamily="34" charset="0"/>
               </a:rPr>
-              <a:t>Windstorm footprints are conventionally estimated using measurements from observing stations and/or gridded analyses produced by numerical climate  simulation models</a:t>
+              <a:t>Windstorm footprints are conventionally estimated using measurements from observing stations and/or gridded analyses produced by numerical climate simulation models</a:t>
             </a:r>
           </a:p>
           <a:p>
@@ -10873,7 +10361,7 @@
           <p:nvPr/>
         </p:nvPicPr>
         <p:blipFill>
-          <a:blip r:embed="rId5">
+          <a:blip r:embed="rId4">
             <a:extLst>
               <a:ext uri="{28A0092B-C50C-407E-A947-70E740481C1C}">
                 <a14:useLocalDpi xmlns:a14="http://schemas.microsoft.com/office/drawing/2010/main" val="0"/>
@@ -10909,7 +10397,7 @@
           <p:nvPr/>
         </p:nvPicPr>
         <p:blipFill>
-          <a:blip r:embed="rId6">
+          <a:blip r:embed="rId5">
             <a:extLst>
               <a:ext uri="{28A0092B-C50C-407E-A947-70E740481C1C}">
                 <a14:useLocalDpi xmlns:a14="http://schemas.microsoft.com/office/drawing/2010/main" val="0"/>
@@ -10922,7 +10410,7 @@
         </p:blipFill>
         <p:spPr>
           <a:xfrm>
-            <a:off x="3661591" y="11051006"/>
+            <a:off x="3537113" y="12071939"/>
             <a:ext cx="8140233" cy="6091931"/>
           </a:xfrm>
           <a:prstGeom prst="rect">
@@ -10946,7 +10434,7 @@
         </p:nvSpPr>
         <p:spPr>
           <a:xfrm>
-            <a:off x="392337" y="17437993"/>
+            <a:off x="392338" y="18405126"/>
             <a:ext cx="15637169" cy="3027608"/>
           </a:xfrm>
           <a:prstGeom prst="rect">
@@ -11111,7 +10599,7 @@
                 </a:solidFill>
                 <a:latin typeface="Trebuchet MS" panose="020B0603020202020204" pitchFamily="34" charset="0"/>
               </a:rPr>
-              <a:t>Knowledge of small scale detail in windstorm footprints is important because of the large spatial heterogeneity in vulnerability, </a:t>
+              <a:t>Knowledge of small scale detail in windstorm footprints is important because of the large spatial heterogeneity in vulnerability and exposure</a:t>
             </a:r>
           </a:p>
           <a:p>
@@ -11171,7 +10659,7 @@
         </p:nvSpPr>
         <p:spPr>
           <a:xfrm>
-            <a:off x="385163" y="22958899"/>
+            <a:off x="385164" y="23926032"/>
             <a:ext cx="15637169" cy="1483756"/>
           </a:xfrm>
           <a:prstGeom prst="rect">
@@ -11336,29 +10824,7 @@
                 </a:solidFill>
                 <a:latin typeface="Trebuchet MS" panose="020B0603020202020204" pitchFamily="34" charset="0"/>
               </a:rPr>
-              <a:t>W</a:t>
-            </a:r>
-            <a:r>
-              <a:rPr lang="en-GB" sz="2400">
-                <a:solidFill>
-                  <a:schemeClr val="accent5">
-                    <a:lumMod val="50000"/>
-                  </a:schemeClr>
-                </a:solidFill>
-                <a:latin typeface="Trebuchet MS" panose="020B0603020202020204" pitchFamily="34" charset="0"/>
-              </a:rPr>
-              <a:t>e </a:t>
-            </a:r>
-            <a:r>
-              <a:rPr lang="en-GB" sz="2400" dirty="0">
-                <a:solidFill>
-                  <a:schemeClr val="accent5">
-                    <a:lumMod val="50000"/>
-                  </a:schemeClr>
-                </a:solidFill>
-                <a:latin typeface="Trebuchet MS" panose="020B0603020202020204" pitchFamily="34" charset="0"/>
-              </a:rPr>
-              <a:t>present a general modelling framework that is able to tackle these challenges and provide footprint estimates (predictions) that reliably integrate information across all available data sources        </a:t>
+              <a:t>We present a general modelling framework that is able to tackle these challenges and provide footprint estimates (predictions) that reliably integrate information across all available data sources        </a:t>
             </a:r>
           </a:p>
         </p:txBody>
@@ -11379,7 +10845,7 @@
         </p:nvSpPr>
         <p:spPr>
           <a:xfrm>
-            <a:off x="392337" y="27892141"/>
+            <a:off x="419522" y="28471427"/>
             <a:ext cx="15637170" cy="1924309"/>
           </a:xfrm>
           <a:prstGeom prst="rect">
@@ -11547,8 +11013,15 @@
               <a:buNone/>
             </a:pPr>
             <a:r>
-              <a:rPr lang="en-US" sz="2400" dirty="0"/>
-              <a:t>while 𝛼(s) , 𝛽(s)</a:t>
+              <a:rPr lang="en-US" sz="2400" dirty="0">
+                <a:solidFill>
+                  <a:schemeClr val="accent5">
+                    <a:lumMod val="50000"/>
+                  </a:schemeClr>
+                </a:solidFill>
+                <a:latin typeface="Trebuchet MS" panose="020B0603020202020204" pitchFamily="34" charset="0"/>
+              </a:rPr>
+              <a:t>While 𝛼(s) , 𝛽(s)</a:t>
             </a:r>
             <a:r>
               <a:rPr lang="en-GB" sz="2400" dirty="0">
@@ -11559,10 +11032,17 @@
                 </a:solidFill>
                 <a:latin typeface="Trebuchet MS" panose="020B0603020202020204" pitchFamily="34" charset="0"/>
               </a:rPr>
-              <a:t> will capture consistent under- or over-estimation of wind speeds,  the GP nonparametric formulation of </a:t>
+              <a:t> will capture consistent under- or over-estimation of wind speeds, the GP nonparametric formulation of </a:t>
             </a:r>
             <a:r>
-              <a:rPr lang="en-US" sz="2400" dirty="0"/>
+              <a:rPr lang="en-US" sz="2400" dirty="0">
+                <a:solidFill>
+                  <a:schemeClr val="accent5">
+                    <a:lumMod val="50000"/>
+                  </a:schemeClr>
+                </a:solidFill>
+                <a:latin typeface="Trebuchet MS" panose="020B0603020202020204" pitchFamily="34" charset="0"/>
+              </a:rPr>
               <a:t>𝛿(s)</a:t>
             </a:r>
             <a:r>
@@ -11612,7 +11092,7 @@
         </p:nvSpPr>
         <p:spPr>
           <a:xfrm>
-            <a:off x="419625" y="34968781"/>
+            <a:off x="385596" y="35078024"/>
             <a:ext cx="15782400" cy="547200"/>
           </a:xfrm>
           <a:prstGeom prst="rect">
@@ -11783,6 +11263,42 @@
             <a:extLst>
               <a:ext uri="{FF2B5EF4-FFF2-40B4-BE49-F238E27FC236}">
                 <a16:creationId xmlns:a16="http://schemas.microsoft.com/office/drawing/2014/main" id="{9A818582-7FE9-7946-88DA-C48261829C8F}"/>
+              </a:ext>
+            </a:extLst>
+          </p:cNvPr>
+          <p:cNvPicPr>
+            <a:picLocks noChangeAspect="1"/>
+          </p:cNvPicPr>
+          <p:nvPr/>
+        </p:nvPicPr>
+        <p:blipFill>
+          <a:blip r:embed="rId6">
+            <a:extLst>
+              <a:ext uri="{28A0092B-C50C-407E-A947-70E740481C1C}">
+                <a14:useLocalDpi xmlns:a14="http://schemas.microsoft.com/office/drawing/2010/main" val="0"/>
+              </a:ext>
+            </a:extLst>
+          </a:blip>
+          <a:stretch>
+            <a:fillRect/>
+          </a:stretch>
+        </p:blipFill>
+        <p:spPr>
+          <a:xfrm>
+            <a:off x="11461522" y="35759675"/>
+            <a:ext cx="4695026" cy="3513631"/>
+          </a:xfrm>
+          <a:prstGeom prst="rect">
+            <a:avLst/>
+          </a:prstGeom>
+        </p:spPr>
+      </p:pic>
+      <p:pic>
+        <p:nvPicPr>
+          <p:cNvPr id="25" name="Picture 24">
+            <a:extLst>
+              <a:ext uri="{FF2B5EF4-FFF2-40B4-BE49-F238E27FC236}">
+                <a16:creationId xmlns:a16="http://schemas.microsoft.com/office/drawing/2014/main" id="{6E5D9599-134A-6D4E-9B9E-9C40CD879E26}"/>
               </a:ext>
             </a:extLst>
           </p:cNvPr>
@@ -11805,43 +11321,7 @@
         </p:blipFill>
         <p:spPr>
           <a:xfrm>
-            <a:off x="11479712" y="35674273"/>
-            <a:ext cx="4695026" cy="3513631"/>
-          </a:xfrm>
-          <a:prstGeom prst="rect">
-            <a:avLst/>
-          </a:prstGeom>
-        </p:spPr>
-      </p:pic>
-      <p:pic>
-        <p:nvPicPr>
-          <p:cNvPr id="25" name="Picture 24">
-            <a:extLst>
-              <a:ext uri="{FF2B5EF4-FFF2-40B4-BE49-F238E27FC236}">
-                <a16:creationId xmlns:a16="http://schemas.microsoft.com/office/drawing/2014/main" id="{6E5D9599-134A-6D4E-9B9E-9C40CD879E26}"/>
-              </a:ext>
-            </a:extLst>
-          </p:cNvPr>
-          <p:cNvPicPr>
-            <a:picLocks noChangeAspect="1"/>
-          </p:cNvPicPr>
-          <p:nvPr/>
-        </p:nvPicPr>
-        <p:blipFill>
-          <a:blip r:embed="rId8">
-            <a:extLst>
-              <a:ext uri="{28A0092B-C50C-407E-A947-70E740481C1C}">
-                <a14:useLocalDpi xmlns:a14="http://schemas.microsoft.com/office/drawing/2010/main" val="0"/>
-              </a:ext>
-            </a:extLst>
-          </a:blip>
-          <a:stretch>
-            <a:fillRect/>
-          </a:stretch>
-        </p:blipFill>
-        <p:spPr>
-          <a:xfrm>
-            <a:off x="430341" y="35675586"/>
+            <a:off x="396312" y="35784829"/>
             <a:ext cx="11281034" cy="3512318"/>
           </a:xfrm>
           <a:prstGeom prst="rect">
@@ -11849,234 +11329,323 @@
           </a:prstGeom>
         </p:spPr>
       </p:pic>
-      <p:sp>
-        <p:nvSpPr>
-          <p:cNvPr id="80" name="Text Placeholder 382">
-            <a:extLst>
-              <a:ext uri="{FF2B5EF4-FFF2-40B4-BE49-F238E27FC236}">
-                <a16:creationId xmlns:a16="http://schemas.microsoft.com/office/drawing/2014/main" id="{6F25E4AF-7B55-F84E-BA76-6D3BAC8400E3}"/>
-              </a:ext>
-            </a:extLst>
-          </p:cNvPr>
-          <p:cNvSpPr txBox="1">
-            <a:spLocks/>
-          </p:cNvSpPr>
-          <p:nvPr/>
-        </p:nvSpPr>
-        <p:spPr>
-          <a:xfrm>
-            <a:off x="458422" y="40591473"/>
-            <a:ext cx="15637169" cy="868058"/>
-          </a:xfrm>
-          <a:prstGeom prst="rect">
-            <a:avLst/>
-          </a:prstGeom>
-        </p:spPr>
-        <p:txBody>
-          <a:bodyPr>
-            <a:noAutofit/>
-          </a:bodyPr>
-          <a:lstStyle>
-            <a:lvl1pPr marL="1611903" indent="-1611903" algn="l" defTabSz="4298410" rtl="0" eaLnBrk="1" latinLnBrk="0" hangingPunct="1">
-              <a:spcBef>
-                <a:spcPct val="20000"/>
-              </a:spcBef>
-              <a:buFont typeface="Arial" pitchFamily="34" charset="0"/>
-              <a:buChar char="•"/>
-              <a:defRPr sz="15100" kern="1200">
-                <a:solidFill>
-                  <a:schemeClr val="tx1"/>
-                </a:solidFill>
-                <a:latin typeface="+mn-lt"/>
-                <a:ea typeface="+mn-ea"/>
-                <a:cs typeface="+mn-cs"/>
-              </a:defRPr>
-            </a:lvl1pPr>
-            <a:lvl2pPr marL="3492457" indent="-1343252" algn="l" defTabSz="4298410" rtl="0" eaLnBrk="1" latinLnBrk="0" hangingPunct="1">
-              <a:spcBef>
-                <a:spcPct val="20000"/>
-              </a:spcBef>
-              <a:buFont typeface="Arial" pitchFamily="34" charset="0"/>
-              <a:buChar char="–"/>
-              <a:defRPr sz="13300" kern="1200">
-                <a:solidFill>
-                  <a:schemeClr val="tx1"/>
-                </a:solidFill>
-                <a:latin typeface="+mn-lt"/>
-                <a:ea typeface="+mn-ea"/>
-                <a:cs typeface="+mn-cs"/>
-              </a:defRPr>
-            </a:lvl2pPr>
-            <a:lvl3pPr marL="5373012" indent="-1074603" algn="l" defTabSz="4298410" rtl="0" eaLnBrk="1" latinLnBrk="0" hangingPunct="1">
-              <a:spcBef>
-                <a:spcPct val="20000"/>
-              </a:spcBef>
-              <a:buFont typeface="Arial" pitchFamily="34" charset="0"/>
-              <a:buChar char="•"/>
-              <a:defRPr sz="11300" kern="1200">
-                <a:solidFill>
-                  <a:schemeClr val="tx1"/>
-                </a:solidFill>
-                <a:latin typeface="+mn-lt"/>
-                <a:ea typeface="+mn-ea"/>
-                <a:cs typeface="+mn-cs"/>
-              </a:defRPr>
-            </a:lvl3pPr>
-            <a:lvl4pPr marL="7522217" indent="-1074603" algn="l" defTabSz="4298410" rtl="0" eaLnBrk="1" latinLnBrk="0" hangingPunct="1">
-              <a:spcBef>
-                <a:spcPct val="20000"/>
-              </a:spcBef>
-              <a:buFont typeface="Arial" pitchFamily="34" charset="0"/>
-              <a:buChar char="–"/>
-              <a:defRPr sz="9500" kern="1200">
-                <a:solidFill>
-                  <a:schemeClr val="tx1"/>
-                </a:solidFill>
-                <a:latin typeface="+mn-lt"/>
-                <a:ea typeface="+mn-ea"/>
-                <a:cs typeface="+mn-cs"/>
-              </a:defRPr>
-            </a:lvl4pPr>
-            <a:lvl5pPr marL="9671420" indent="-1074603" algn="l" defTabSz="4298410" rtl="0" eaLnBrk="1" latinLnBrk="0" hangingPunct="1">
-              <a:spcBef>
-                <a:spcPct val="20000"/>
-              </a:spcBef>
-              <a:buFont typeface="Arial" pitchFamily="34" charset="0"/>
-              <a:buChar char="»"/>
-              <a:defRPr sz="9500" kern="1200">
-                <a:solidFill>
-                  <a:schemeClr val="tx1"/>
-                </a:solidFill>
-                <a:latin typeface="+mn-lt"/>
-                <a:ea typeface="+mn-ea"/>
-                <a:cs typeface="+mn-cs"/>
-              </a:defRPr>
-            </a:lvl5pPr>
-            <a:lvl6pPr marL="11820625" indent="-1074603" algn="l" defTabSz="4298410" rtl="0" eaLnBrk="1" latinLnBrk="0" hangingPunct="1">
-              <a:spcBef>
-                <a:spcPct val="20000"/>
-              </a:spcBef>
-              <a:buFont typeface="Arial" pitchFamily="34" charset="0"/>
-              <a:buChar char="•"/>
-              <a:defRPr sz="9500" kern="1200">
-                <a:solidFill>
-                  <a:schemeClr val="tx1"/>
-                </a:solidFill>
-                <a:latin typeface="+mn-lt"/>
-                <a:ea typeface="+mn-ea"/>
-                <a:cs typeface="+mn-cs"/>
-              </a:defRPr>
-            </a:lvl6pPr>
-            <a:lvl7pPr marL="13969828" indent="-1074603" algn="l" defTabSz="4298410" rtl="0" eaLnBrk="1" latinLnBrk="0" hangingPunct="1">
-              <a:spcBef>
-                <a:spcPct val="20000"/>
-              </a:spcBef>
-              <a:buFont typeface="Arial" pitchFamily="34" charset="0"/>
-              <a:buChar char="•"/>
-              <a:defRPr sz="9500" kern="1200">
-                <a:solidFill>
-                  <a:schemeClr val="tx1"/>
-                </a:solidFill>
-                <a:latin typeface="+mn-lt"/>
-                <a:ea typeface="+mn-ea"/>
-                <a:cs typeface="+mn-cs"/>
-              </a:defRPr>
-            </a:lvl7pPr>
-            <a:lvl8pPr marL="16119034" indent="-1074603" algn="l" defTabSz="4298410" rtl="0" eaLnBrk="1" latinLnBrk="0" hangingPunct="1">
-              <a:spcBef>
-                <a:spcPct val="20000"/>
-              </a:spcBef>
-              <a:buFont typeface="Arial" pitchFamily="34" charset="0"/>
-              <a:buChar char="•"/>
-              <a:defRPr sz="9500" kern="1200">
-                <a:solidFill>
-                  <a:schemeClr val="tx1"/>
-                </a:solidFill>
-                <a:latin typeface="+mn-lt"/>
-                <a:ea typeface="+mn-ea"/>
-                <a:cs typeface="+mn-cs"/>
-              </a:defRPr>
-            </a:lvl8pPr>
-            <a:lvl9pPr marL="18268238" indent="-1074603" algn="l" defTabSz="4298410" rtl="0" eaLnBrk="1" latinLnBrk="0" hangingPunct="1">
-              <a:spcBef>
-                <a:spcPct val="20000"/>
-              </a:spcBef>
-              <a:buFont typeface="Arial" pitchFamily="34" charset="0"/>
-              <a:buChar char="•"/>
-              <a:defRPr sz="9500" kern="1200">
-                <a:solidFill>
-                  <a:schemeClr val="tx1"/>
-                </a:solidFill>
-                <a:latin typeface="+mn-lt"/>
-                <a:ea typeface="+mn-ea"/>
-                <a:cs typeface="+mn-cs"/>
-              </a:defRPr>
-            </a:lvl9pPr>
-          </a:lstStyle>
-          <a:p>
-            <a:pPr marL="0" indent="423903">
-              <a:lnSpc>
-                <a:spcPct val="150000"/>
-              </a:lnSpc>
-              <a:buFont typeface="Wingdings" pitchFamily="2" charset="2"/>
-              <a:buChar char="Ø"/>
-            </a:pPr>
-            <a:r>
-              <a:rPr lang="en-GB" sz="2400" dirty="0">
-                <a:solidFill>
-                  <a:schemeClr val="accent5">
-                    <a:lumMod val="50000"/>
-                  </a:schemeClr>
-                </a:solidFill>
-                <a:latin typeface="Trebuchet MS" panose="020B0603020202020204" pitchFamily="34" charset="0"/>
-              </a:rPr>
-              <a:t>Figure (d) shows averaging Z(s) to get X(A</a:t>
-            </a:r>
-            <a:r>
-              <a:rPr lang="en-GB" sz="2400" baseline="-25000" dirty="0">
-                <a:solidFill>
-                  <a:schemeClr val="accent5">
-                    <a:lumMod val="50000"/>
-                  </a:schemeClr>
-                </a:solidFill>
-                <a:latin typeface="Trebuchet MS" panose="020B0603020202020204" pitchFamily="34" charset="0"/>
-              </a:rPr>
-              <a:t>i</a:t>
-            </a:r>
-            <a:r>
-              <a:rPr lang="en-GB" sz="2400" dirty="0">
-                <a:solidFill>
-                  <a:schemeClr val="accent5">
-                    <a:lumMod val="50000"/>
-                  </a:schemeClr>
-                </a:solidFill>
-                <a:latin typeface="Trebuchet MS" panose="020B0603020202020204" pitchFamily="34" charset="0"/>
-              </a:rPr>
-              <a:t>) has clearly induced bias</a:t>
-            </a:r>
-          </a:p>
-          <a:p>
-            <a:pPr marL="0" indent="423903">
-              <a:lnSpc>
-                <a:spcPct val="150000"/>
-              </a:lnSpc>
-              <a:buFont typeface="Wingdings" pitchFamily="2" charset="2"/>
-              <a:buChar char="Ø"/>
-            </a:pPr>
-            <a:r>
-              <a:rPr lang="en-GB" sz="2400" dirty="0">
-                <a:solidFill>
-                  <a:schemeClr val="accent5">
-                    <a:lumMod val="50000"/>
-                  </a:schemeClr>
-                </a:solidFill>
-                <a:latin typeface="Trebuchet MS" panose="020B0603020202020204" pitchFamily="34" charset="0"/>
-              </a:rPr>
-              <a:t>Figure (c) indicates that the model has captured the true process Z(s) reasonably well</a:t>
-            </a:r>
-          </a:p>
-        </p:txBody>
-      </p:sp>
+      <mc:AlternateContent xmlns:mc="http://schemas.openxmlformats.org/markup-compatibility/2006">
+        <mc:Choice xmlns:a14="http://schemas.microsoft.com/office/drawing/2010/main" Requires="a14">
+          <p:sp>
+            <p:nvSpPr>
+              <p:cNvPr id="80" name="Text Placeholder 382">
+                <a:extLst>
+                  <a:ext uri="{FF2B5EF4-FFF2-40B4-BE49-F238E27FC236}">
+                    <a16:creationId xmlns:a16="http://schemas.microsoft.com/office/drawing/2014/main" id="{6F25E4AF-7B55-F84E-BA76-6D3BAC8400E3}"/>
+                  </a:ext>
+                </a:extLst>
+              </p:cNvPr>
+              <p:cNvSpPr txBox="1">
+                <a:spLocks/>
+              </p:cNvSpPr>
+              <p:nvPr/>
+            </p:nvSpPr>
+            <p:spPr>
+              <a:xfrm>
+                <a:off x="485498" y="40759484"/>
+                <a:ext cx="15637169" cy="868058"/>
+              </a:xfrm>
+              <a:prstGeom prst="rect">
+                <a:avLst/>
+              </a:prstGeom>
+            </p:spPr>
+            <p:txBody>
+              <a:bodyPr>
+                <a:noAutofit/>
+              </a:bodyPr>
+              <a:lstStyle>
+                <a:lvl1pPr marL="1611903" indent="-1611903" algn="l" defTabSz="4298410" rtl="0" eaLnBrk="1" latinLnBrk="0" hangingPunct="1">
+                  <a:spcBef>
+                    <a:spcPct val="20000"/>
+                  </a:spcBef>
+                  <a:buFont typeface="Arial" pitchFamily="34" charset="0"/>
+                  <a:buChar char="•"/>
+                  <a:defRPr sz="15100" kern="1200">
+                    <a:solidFill>
+                      <a:schemeClr val="tx1"/>
+                    </a:solidFill>
+                    <a:latin typeface="+mn-lt"/>
+                    <a:ea typeface="+mn-ea"/>
+                    <a:cs typeface="+mn-cs"/>
+                  </a:defRPr>
+                </a:lvl1pPr>
+                <a:lvl2pPr marL="3492457" indent="-1343252" algn="l" defTabSz="4298410" rtl="0" eaLnBrk="1" latinLnBrk="0" hangingPunct="1">
+                  <a:spcBef>
+                    <a:spcPct val="20000"/>
+                  </a:spcBef>
+                  <a:buFont typeface="Arial" pitchFamily="34" charset="0"/>
+                  <a:buChar char="–"/>
+                  <a:defRPr sz="13300" kern="1200">
+                    <a:solidFill>
+                      <a:schemeClr val="tx1"/>
+                    </a:solidFill>
+                    <a:latin typeface="+mn-lt"/>
+                    <a:ea typeface="+mn-ea"/>
+                    <a:cs typeface="+mn-cs"/>
+                  </a:defRPr>
+                </a:lvl2pPr>
+                <a:lvl3pPr marL="5373012" indent="-1074603" algn="l" defTabSz="4298410" rtl="0" eaLnBrk="1" latinLnBrk="0" hangingPunct="1">
+                  <a:spcBef>
+                    <a:spcPct val="20000"/>
+                  </a:spcBef>
+                  <a:buFont typeface="Arial" pitchFamily="34" charset="0"/>
+                  <a:buChar char="•"/>
+                  <a:defRPr sz="11300" kern="1200">
+                    <a:solidFill>
+                      <a:schemeClr val="tx1"/>
+                    </a:solidFill>
+                    <a:latin typeface="+mn-lt"/>
+                    <a:ea typeface="+mn-ea"/>
+                    <a:cs typeface="+mn-cs"/>
+                  </a:defRPr>
+                </a:lvl3pPr>
+                <a:lvl4pPr marL="7522217" indent="-1074603" algn="l" defTabSz="4298410" rtl="0" eaLnBrk="1" latinLnBrk="0" hangingPunct="1">
+                  <a:spcBef>
+                    <a:spcPct val="20000"/>
+                  </a:spcBef>
+                  <a:buFont typeface="Arial" pitchFamily="34" charset="0"/>
+                  <a:buChar char="–"/>
+                  <a:defRPr sz="9500" kern="1200">
+                    <a:solidFill>
+                      <a:schemeClr val="tx1"/>
+                    </a:solidFill>
+                    <a:latin typeface="+mn-lt"/>
+                    <a:ea typeface="+mn-ea"/>
+                    <a:cs typeface="+mn-cs"/>
+                  </a:defRPr>
+                </a:lvl4pPr>
+                <a:lvl5pPr marL="9671420" indent="-1074603" algn="l" defTabSz="4298410" rtl="0" eaLnBrk="1" latinLnBrk="0" hangingPunct="1">
+                  <a:spcBef>
+                    <a:spcPct val="20000"/>
+                  </a:spcBef>
+                  <a:buFont typeface="Arial" pitchFamily="34" charset="0"/>
+                  <a:buChar char="»"/>
+                  <a:defRPr sz="9500" kern="1200">
+                    <a:solidFill>
+                      <a:schemeClr val="tx1"/>
+                    </a:solidFill>
+                    <a:latin typeface="+mn-lt"/>
+                    <a:ea typeface="+mn-ea"/>
+                    <a:cs typeface="+mn-cs"/>
+                  </a:defRPr>
+                </a:lvl5pPr>
+                <a:lvl6pPr marL="11820625" indent="-1074603" algn="l" defTabSz="4298410" rtl="0" eaLnBrk="1" latinLnBrk="0" hangingPunct="1">
+                  <a:spcBef>
+                    <a:spcPct val="20000"/>
+                  </a:spcBef>
+                  <a:buFont typeface="Arial" pitchFamily="34" charset="0"/>
+                  <a:buChar char="•"/>
+                  <a:defRPr sz="9500" kern="1200">
+                    <a:solidFill>
+                      <a:schemeClr val="tx1"/>
+                    </a:solidFill>
+                    <a:latin typeface="+mn-lt"/>
+                    <a:ea typeface="+mn-ea"/>
+                    <a:cs typeface="+mn-cs"/>
+                  </a:defRPr>
+                </a:lvl6pPr>
+                <a:lvl7pPr marL="13969828" indent="-1074603" algn="l" defTabSz="4298410" rtl="0" eaLnBrk="1" latinLnBrk="0" hangingPunct="1">
+                  <a:spcBef>
+                    <a:spcPct val="20000"/>
+                  </a:spcBef>
+                  <a:buFont typeface="Arial" pitchFamily="34" charset="0"/>
+                  <a:buChar char="•"/>
+                  <a:defRPr sz="9500" kern="1200">
+                    <a:solidFill>
+                      <a:schemeClr val="tx1"/>
+                    </a:solidFill>
+                    <a:latin typeface="+mn-lt"/>
+                    <a:ea typeface="+mn-ea"/>
+                    <a:cs typeface="+mn-cs"/>
+                  </a:defRPr>
+                </a:lvl7pPr>
+                <a:lvl8pPr marL="16119034" indent="-1074603" algn="l" defTabSz="4298410" rtl="0" eaLnBrk="1" latinLnBrk="0" hangingPunct="1">
+                  <a:spcBef>
+                    <a:spcPct val="20000"/>
+                  </a:spcBef>
+                  <a:buFont typeface="Arial" pitchFamily="34" charset="0"/>
+                  <a:buChar char="•"/>
+                  <a:defRPr sz="9500" kern="1200">
+                    <a:solidFill>
+                      <a:schemeClr val="tx1"/>
+                    </a:solidFill>
+                    <a:latin typeface="+mn-lt"/>
+                    <a:ea typeface="+mn-ea"/>
+                    <a:cs typeface="+mn-cs"/>
+                  </a:defRPr>
+                </a:lvl8pPr>
+                <a:lvl9pPr marL="18268238" indent="-1074603" algn="l" defTabSz="4298410" rtl="0" eaLnBrk="1" latinLnBrk="0" hangingPunct="1">
+                  <a:spcBef>
+                    <a:spcPct val="20000"/>
+                  </a:spcBef>
+                  <a:buFont typeface="Arial" pitchFamily="34" charset="0"/>
+                  <a:buChar char="•"/>
+                  <a:defRPr sz="9500" kern="1200">
+                    <a:solidFill>
+                      <a:schemeClr val="tx1"/>
+                    </a:solidFill>
+                    <a:latin typeface="+mn-lt"/>
+                    <a:ea typeface="+mn-ea"/>
+                    <a:cs typeface="+mn-cs"/>
+                  </a:defRPr>
+                </a:lvl9pPr>
+              </a:lstStyle>
+              <a:p>
+                <a:pPr marL="0" indent="423903">
+                  <a:lnSpc>
+                    <a:spcPct val="150000"/>
+                  </a:lnSpc>
+                  <a:buFont typeface="Wingdings" pitchFamily="2" charset="2"/>
+                  <a:buChar char="Ø"/>
+                </a:pPr>
+                <a:r>
+                  <a:rPr lang="en-GB" sz="2400" dirty="0">
+                    <a:solidFill>
+                      <a:schemeClr val="accent5">
+                        <a:lumMod val="50000"/>
+                      </a:schemeClr>
+                    </a:solidFill>
+                    <a:latin typeface="Trebuchet MS" panose="020B0603020202020204" pitchFamily="34" charset="0"/>
+                  </a:rPr>
+                  <a:t>Figure (d) shows averaging Z(s) to get </a:t>
+                </a:r>
+                <a14:m>
+                  <m:oMath xmlns:m="http://schemas.openxmlformats.org/officeDocument/2006/math">
+                    <m:r>
+                      <m:rPr>
+                        <m:sty m:val="p"/>
+                      </m:rPr>
+                      <a:rPr lang="en-US" sz="2400" dirty="0">
+                        <a:latin typeface="Cambria Math" panose="02040503050406030204" pitchFamily="18" charset="0"/>
+                      </a:rPr>
+                      <m:t>X</m:t>
+                    </m:r>
+                  </m:oMath>
+                </a14:m>
+                <a:r>
+                  <a:rPr lang="en-US" sz="2400" dirty="0"/>
+                  <a:t>(</a:t>
+                </a:r>
+                <a14:m>
+                  <m:oMath xmlns:m="http://schemas.openxmlformats.org/officeDocument/2006/math">
+                    <m:sSub>
+                      <m:sSubPr>
+                        <m:ctrlPr>
+                          <a:rPr lang="en-US" sz="2400" i="1" dirty="0">
+                            <a:latin typeface="Cambria Math" panose="02040503050406030204" pitchFamily="18" charset="0"/>
+                          </a:rPr>
+                        </m:ctrlPr>
+                      </m:sSubPr>
+                      <m:e>
+                        <m:r>
+                          <a:rPr lang="en-US" sz="2400" i="1" dirty="0">
+                            <a:latin typeface="Cambria Math" panose="02040503050406030204" pitchFamily="18" charset="0"/>
+                          </a:rPr>
+                          <m:t>𝐴</m:t>
+                        </m:r>
+                      </m:e>
+                      <m:sub>
+                        <m:r>
+                          <a:rPr lang="en-US" sz="2400" i="1" dirty="0">
+                            <a:latin typeface="Cambria Math" panose="02040503050406030204" pitchFamily="18" charset="0"/>
+                          </a:rPr>
+                          <m:t>𝑖</m:t>
+                        </m:r>
+                      </m:sub>
+                    </m:sSub>
+                    <m:r>
+                      <a:rPr lang="en-US" sz="2400" i="1" dirty="0">
+                        <a:latin typeface="Cambria Math" panose="02040503050406030204" pitchFamily="18" charset="0"/>
+                      </a:rPr>
+                      <m:t>) </m:t>
+                    </m:r>
+                  </m:oMath>
+                </a14:m>
+                <a:r>
+                  <a:rPr lang="en-GB" sz="2400" dirty="0">
+                    <a:solidFill>
+                      <a:schemeClr val="accent5">
+                        <a:lumMod val="50000"/>
+                      </a:schemeClr>
+                    </a:solidFill>
+                    <a:latin typeface="Trebuchet MS" panose="020B0603020202020204" pitchFamily="34" charset="0"/>
+                  </a:rPr>
+                  <a:t>has clearly induced bias</a:t>
+                </a:r>
+              </a:p>
+              <a:p>
+                <a:pPr marL="0" indent="423903">
+                  <a:lnSpc>
+                    <a:spcPct val="150000"/>
+                  </a:lnSpc>
+                  <a:buFont typeface="Wingdings" pitchFamily="2" charset="2"/>
+                  <a:buChar char="Ø"/>
+                </a:pPr>
+                <a:r>
+                  <a:rPr lang="en-GB" sz="2400" dirty="0">
+                    <a:solidFill>
+                      <a:schemeClr val="accent5">
+                        <a:lumMod val="50000"/>
+                      </a:schemeClr>
+                    </a:solidFill>
+                    <a:latin typeface="Trebuchet MS" panose="020B0603020202020204" pitchFamily="34" charset="0"/>
+                  </a:rPr>
+                  <a:t>Figure (c) indicates that the model has captured the true process Z(s) reasonably well</a:t>
+                </a:r>
+              </a:p>
+            </p:txBody>
+          </p:sp>
+        </mc:Choice>
+        <mc:Fallback>
+          <p:sp>
+            <p:nvSpPr>
+              <p:cNvPr id="80" name="Text Placeholder 382">
+                <a:extLst>
+                  <a:ext uri="{FF2B5EF4-FFF2-40B4-BE49-F238E27FC236}">
+                    <a16:creationId xmlns:a16="http://schemas.microsoft.com/office/drawing/2014/main" id="{6F25E4AF-7B55-F84E-BA76-6D3BAC8400E3}"/>
+                  </a:ext>
+                </a:extLst>
+              </p:cNvPr>
+              <p:cNvSpPr txBox="1">
+                <a:spLocks noRot="1" noChangeAspect="1" noMove="1" noResize="1" noEditPoints="1" noAdjustHandles="1" noChangeArrowheads="1" noChangeShapeType="1" noTextEdit="1"/>
+              </p:cNvSpPr>
+              <p:nvPr/>
+            </p:nvSpPr>
+            <p:spPr>
+              <a:xfrm>
+                <a:off x="485498" y="40759484"/>
+                <a:ext cx="15637169" cy="868058"/>
+              </a:xfrm>
+              <a:prstGeom prst="rect">
+                <a:avLst/>
+              </a:prstGeom>
+              <a:blipFill>
+                <a:blip r:embed="rId8"/>
+                <a:stretch>
+                  <a:fillRect l="-487" b="-51429"/>
+                </a:stretch>
+              </a:blipFill>
+            </p:spPr>
+            <p:txBody>
+              <a:bodyPr/>
+              <a:lstStyle/>
+              <a:p>
+                <a:r>
+                  <a:rPr lang="en-US">
+                    <a:noFill/>
+                  </a:rPr>
+                  <a:t> </a:t>
+                </a:r>
+              </a:p>
+            </p:txBody>
+          </p:sp>
+        </mc:Fallback>
+      </mc:AlternateContent>
       <p:pic>
         <p:nvPicPr>
           <p:cNvPr id="27" name="Picture 26">
@@ -12125,8 +11694,8 @@
             </p:nvSpPr>
             <p:spPr>
               <a:xfrm>
-                <a:off x="372063" y="29816450"/>
-                <a:ext cx="12650147" cy="5170213"/>
+                <a:off x="385596" y="30371014"/>
+                <a:ext cx="12650147" cy="4452774"/>
               </a:xfrm>
               <a:prstGeom prst="rect">
                 <a:avLst/>
@@ -12277,11 +11846,7 @@
                 </a:lvl9pPr>
               </a:lstStyle>
               <a:p>
-                <a:pPr algn="just">
-                  <a:lnSpc>
-                    <a:spcPct val="150000"/>
-                  </a:lnSpc>
-                </a:pPr>
+                <a:pPr algn="just"/>
                 <a:r>
                   <a:rPr lang="en-US" sz="2400" b="1" dirty="0">
                     <a:latin typeface="Cambria Math" panose="02040503050406030204" pitchFamily="18" charset="0"/>
@@ -12293,11 +11858,7 @@
                 </a:endParaRPr>
               </a:p>
               <a:p>
-                <a:pPr algn="just">
-                  <a:lnSpc>
-                    <a:spcPct val="150000"/>
-                  </a:lnSpc>
-                </a:pPr>
+                <a:pPr algn="just"/>
                 <a14:m>
                   <m:oMathPara xmlns:m="http://schemas.openxmlformats.org/officeDocument/2006/math">
                     <m:oMathParaPr>
@@ -12445,28 +12006,33 @@
                         </m:sup>
                         <m:e>
                           <m:r>
-                            <a:rPr lang="en-US" sz="2400" i="1">
-                              <a:latin typeface="Cambria Math" panose="02040503050406030204" pitchFamily="18" charset="0"/>
-                            </a:rPr>
-                            <m:t>𝑋</m:t>
+                            <m:rPr>
+                              <m:nor/>
+                            </m:rPr>
+                            <a:rPr lang="en-US" sz="2400" dirty="0"/>
+                            <m:t>𝛼</m:t>
                           </m:r>
-                          <m:d>
-                            <m:dPr>
-                              <m:ctrlPr>
-                                <a:rPr lang="en-US" sz="2400" i="1">
-                                  <a:latin typeface="Cambria Math" panose="02040503050406030204" pitchFamily="18" charset="0"/>
-                                </a:rPr>
-                              </m:ctrlPr>
-                            </m:dPr>
-                            <m:e>
-                              <m:r>
-                                <a:rPr lang="en-US" sz="2400" i="1">
-                                  <a:latin typeface="Cambria Math" panose="02040503050406030204" pitchFamily="18" charset="0"/>
-                                </a:rPr>
-                                <m:t>𝑠</m:t>
-                              </m:r>
-                            </m:e>
-                          </m:d>
+                          <m:r>
+                            <m:rPr>
+                              <m:nor/>
+                            </m:rPr>
+                            <a:rPr lang="en-US" sz="2400" dirty="0"/>
+                            <m:t>(</m:t>
+                          </m:r>
+                          <m:r>
+                            <m:rPr>
+                              <m:nor/>
+                            </m:rPr>
+                            <a:rPr lang="en-US" sz="2400" dirty="0"/>
+                            <m:t>s</m:t>
+                          </m:r>
+                          <m:r>
+                            <m:rPr>
+                              <m:nor/>
+                            </m:rPr>
+                            <a:rPr lang="en-US" sz="2400" dirty="0"/>
+                            <m:t>)</m:t>
+                          </m:r>
                         </m:e>
                       </m:nary>
                       <m:r>
@@ -12513,28 +12079,61 @@
                         </m:sup>
                         <m:e>
                           <m:r>
-                            <a:rPr lang="en-US" sz="2400" i="1">
-                              <a:latin typeface="Cambria Math" panose="02040503050406030204" pitchFamily="18" charset="0"/>
-                            </a:rPr>
-                            <m:t>𝑋</m:t>
+                            <m:rPr>
+                              <m:nor/>
+                            </m:rPr>
+                            <a:rPr lang="en-US" sz="2400" dirty="0"/>
+                            <m:t>𝛽</m:t>
                           </m:r>
-                          <m:d>
-                            <m:dPr>
-                              <m:ctrlPr>
-                                <a:rPr lang="en-US" sz="2400" i="1">
-                                  <a:latin typeface="Cambria Math" panose="02040503050406030204" pitchFamily="18" charset="0"/>
-                                </a:rPr>
-                              </m:ctrlPr>
-                            </m:dPr>
-                            <m:e>
-                              <m:r>
-                                <a:rPr lang="en-US" sz="2400" i="1">
-                                  <a:latin typeface="Cambria Math" panose="02040503050406030204" pitchFamily="18" charset="0"/>
-                                </a:rPr>
-                                <m:t>𝑠</m:t>
-                              </m:r>
-                            </m:e>
-                          </m:d>
+                          <m:r>
+                            <m:rPr>
+                              <m:nor/>
+                            </m:rPr>
+                            <a:rPr lang="en-US" sz="2400" dirty="0"/>
+                            <m:t>(</m:t>
+                          </m:r>
+                          <m:r>
+                            <m:rPr>
+                              <m:nor/>
+                            </m:rPr>
+                            <a:rPr lang="en-US" sz="2400" dirty="0"/>
+                            <m:t>s</m:t>
+                          </m:r>
+                          <m:r>
+                            <m:rPr>
+                              <m:nor/>
+                            </m:rPr>
+                            <a:rPr lang="en-US" sz="2400" dirty="0"/>
+                            <m:t>)</m:t>
+                          </m:r>
+                          <m:r>
+                            <m:rPr>
+                              <m:nor/>
+                            </m:rPr>
+                            <a:rPr lang="en-US" sz="2400" dirty="0"/>
+                            <m:t>Z</m:t>
+                          </m:r>
+                          <m:r>
+                            <m:rPr>
+                              <m:nor/>
+                            </m:rPr>
+                            <a:rPr lang="en-US" sz="2400" dirty="0"/>
+                            <m:t>(</m:t>
+                          </m:r>
+                          <m:r>
+                            <m:rPr>
+                              <m:nor/>
+                            </m:rPr>
+                            <a:rPr lang="en-US" sz="2400" dirty="0"/>
+                            <m:t>s</m:t>
+                          </m:r>
+                          <m:r>
+                            <m:rPr>
+                              <m:nor/>
+                            </m:rPr>
+                            <a:rPr lang="en-US" sz="2400" dirty="0"/>
+                            <m:t>)</m:t>
+                          </m:r>
                         </m:e>
                       </m:nary>
                       <m:r>
@@ -12581,28 +12180,33 @@
                         </m:sup>
                         <m:e>
                           <m:r>
-                            <a:rPr lang="en-US" sz="2400" i="1">
-                              <a:latin typeface="Cambria Math" panose="02040503050406030204" pitchFamily="18" charset="0"/>
-                            </a:rPr>
-                            <m:t>𝑋</m:t>
+                            <m:rPr>
+                              <m:nor/>
+                            </m:rPr>
+                            <a:rPr lang="en-US" sz="2400" dirty="0"/>
+                            <m:t>𝛿</m:t>
                           </m:r>
-                          <m:d>
-                            <m:dPr>
-                              <m:ctrlPr>
-                                <a:rPr lang="en-US" sz="2400" i="1">
-                                  <a:latin typeface="Cambria Math" panose="02040503050406030204" pitchFamily="18" charset="0"/>
-                                </a:rPr>
-                              </m:ctrlPr>
-                            </m:dPr>
-                            <m:e>
-                              <m:r>
-                                <a:rPr lang="en-US" sz="2400" i="1">
-                                  <a:latin typeface="Cambria Math" panose="02040503050406030204" pitchFamily="18" charset="0"/>
-                                </a:rPr>
-                                <m:t>𝑠</m:t>
-                              </m:r>
-                            </m:e>
-                          </m:d>
+                          <m:r>
+                            <m:rPr>
+                              <m:nor/>
+                            </m:rPr>
+                            <a:rPr lang="en-US" sz="2400" dirty="0"/>
+                            <m:t>(</m:t>
+                          </m:r>
+                          <m:r>
+                            <m:rPr>
+                              <m:nor/>
+                            </m:rPr>
+                            <a:rPr lang="en-US" sz="2400" dirty="0"/>
+                            <m:t>s</m:t>
+                          </m:r>
+                          <m:r>
+                            <m:rPr>
+                              <m:nor/>
+                            </m:rPr>
+                            <a:rPr lang="en-US" sz="2400" dirty="0"/>
+                            <m:t>)</m:t>
+                          </m:r>
                         </m:e>
                       </m:nary>
                       <m:r>
@@ -12614,16 +12218,18 @@
                     </m:oMath>
                   </m:oMathPara>
                 </a14:m>
-                <a:endParaRPr lang="en-US" sz="2400" dirty="0">
+                <a:endParaRPr lang="en-US" sz="2400" b="1" dirty="0">
                   <a:latin typeface="+mn-lt"/>
                 </a:endParaRPr>
               </a:p>
               <a:p>
-                <a:pPr algn="just">
-                  <a:lnSpc>
-                    <a:spcPct val="150000"/>
-                  </a:lnSpc>
-                </a:pPr>
+                <a:pPr algn="just"/>
+                <a:endParaRPr lang="en-US" sz="2400" b="1" dirty="0">
+                  <a:latin typeface="+mn-lt"/>
+                </a:endParaRPr>
+              </a:p>
+              <a:p>
+                <a:pPr algn="just"/>
                 <a:r>
                   <a:rPr lang="en-US" sz="2400" b="1" dirty="0">
                     <a:latin typeface="+mn-lt"/>
@@ -12632,15 +12238,11 @@
                 </a:r>
               </a:p>
               <a:p>
-                <a:pPr algn="just">
-                  <a:lnSpc>
-                    <a:spcPct val="150000"/>
-                  </a:lnSpc>
-                </a:pPr>
+                <a:pPr algn="just"/>
                 <a14:m>
                   <m:oMath xmlns:m="http://schemas.openxmlformats.org/officeDocument/2006/math">
                     <m:r>
-                      <a:rPr lang="en-GB" sz="2400" i="1" smtClean="0">
+                      <a:rPr lang="en-GB" sz="2400" i="1">
                         <a:latin typeface="Cambria Math"/>
                       </a:rPr>
                       <m:t>𝑝</m:t>
@@ -12648,20 +12250,20 @@
                     <m:d>
                       <m:dPr>
                         <m:ctrlPr>
-                          <a:rPr lang="en-GB" sz="2400" i="1">
+                          <a:rPr lang="en-GB" sz="2400" i="1" smtClean="0">
                             <a:latin typeface="Cambria Math" panose="02040503050406030204" pitchFamily="18" charset="0"/>
                           </a:rPr>
                         </m:ctrlPr>
                       </m:dPr>
                       <m:e>
                         <m:r>
-                          <a:rPr lang="en-US" sz="2400" b="1" i="1" smtClean="0">
+                          <a:rPr lang="en-US" sz="2400" b="1" i="1">
                             <a:latin typeface="Cambria Math" panose="02040503050406030204" pitchFamily="18" charset="0"/>
                           </a:rPr>
                           <m:t>𝒀</m:t>
                         </m:r>
                         <m:r>
-                          <a:rPr lang="en-US" sz="2400" b="1" i="1" smtClean="0">
+                          <a:rPr lang="en-US" sz="2400" b="1" i="1">
                             <a:latin typeface="Cambria Math" panose="02040503050406030204" pitchFamily="18" charset="0"/>
                           </a:rPr>
                           <m:t>,</m:t>
@@ -12683,12 +12285,14 @@
                         </m:r>
                       </m:e>
                     </m:d>
-                    <m:r>
-                      <a:rPr lang="en-GB" sz="2400" i="1">
-                        <a:latin typeface="Cambria Math"/>
-                      </a:rPr>
-                      <m:t> </m:t>
-                    </m:r>
+                  </m:oMath>
+                </a14:m>
+                <a:r>
+                  <a:rPr lang="en-GB" sz="2400" dirty="0"/>
+                  <a:t> </a:t>
+                </a:r>
+                <a14:m>
+                  <m:oMath xmlns:m="http://schemas.openxmlformats.org/officeDocument/2006/math">
                     <m:r>
                       <a:rPr lang="en-US" sz="2400" i="1" dirty="0">
                         <a:latin typeface="Cambria Math"/>
@@ -12703,205 +12307,253 @@
                       </a:rPr>
                       <m:t>𝒩</m:t>
                     </m:r>
-                    <m:r>
-                      <m:rPr>
-                        <m:nor/>
-                      </m:rPr>
-                      <a:rPr lang="en-US" sz="2400" b="0" i="0" dirty="0" smtClean="0">
-                        <a:latin typeface="Cambria Math"/>
-                        <a:ea typeface="Cambria Math"/>
-                      </a:rPr>
-                      <m:t>(</m:t>
-                    </m:r>
-                    <m:r>
-                      <m:rPr>
-                        <m:nor/>
-                      </m:rPr>
-                      <a:rPr lang="en-US" sz="2400" b="0" i="0" dirty="0" smtClean="0"/>
-                      <m:t>(</m:t>
-                    </m:r>
-                    <m:m>
-                      <m:mPr>
-                        <m:mcs>
-                          <m:mc>
-                            <m:mcPr>
-                              <m:count m:val="1"/>
-                              <m:mcJc m:val="center"/>
-                            </m:mcPr>
-                          </m:mc>
-                        </m:mcs>
+                    <m:d>
+                      <m:dPr>
                         <m:ctrlPr>
-                          <a:rPr lang="en-US" sz="2400" i="1" dirty="0" smtClean="0">
-                            <a:latin typeface="Cambria Math" panose="02040503050406030204" pitchFamily="18" charset="0"/>
-                          </a:rPr>
-                        </m:ctrlPr>
-                      </m:mPr>
-                      <m:mr>
-                        <m:e>
-                          <m:r>
-                            <a:rPr lang="en-US" sz="2400" i="1" dirty="0">
-                              <a:latin typeface="Cambria Math" panose="02040503050406030204" pitchFamily="18" charset="0"/>
-                            </a:rPr>
-                            <m:t>𝛍</m:t>
-                          </m:r>
-                        </m:e>
-                      </m:mr>
-                      <m:mr>
-                        <m:e>
-                          <m:r>
-                            <a:rPr lang="en-US" sz="2400" i="1" dirty="0" smtClean="0">
-                              <a:latin typeface="Cambria Math" panose="02040503050406030204" pitchFamily="18" charset="0"/>
-                            </a:rPr>
-                            <m:t>𝞪</m:t>
-                          </m:r>
-                        </m:e>
-                      </m:mr>
-                    </m:m>
-                    <m:r>
-                      <m:rPr>
-                        <m:nor/>
-                      </m:rPr>
-                      <a:rPr lang="en-US" sz="2400" b="0" i="0" dirty="0" smtClean="0">
-                        <a:latin typeface="Cambria Math" panose="02040503050406030204" pitchFamily="18" charset="0"/>
-                      </a:rPr>
-                      <m:t>)</m:t>
-                    </m:r>
-                    <m:r>
-                      <m:rPr>
-                        <m:nor/>
-                      </m:rPr>
-                      <a:rPr lang="en-US" sz="2400" dirty="0">
-                        <a:ea typeface="Cambria Math"/>
-                      </a:rPr>
-                      <m:t>,</m:t>
-                    </m:r>
-                    <m:r>
-                      <m:rPr>
-                        <m:nor/>
-                      </m:rPr>
-                      <a:rPr lang="en-US" sz="2400" b="0" i="0" dirty="0" smtClean="0">
-                        <a:ea typeface="Cambria Math"/>
-                      </a:rPr>
-                      <m:t> (</m:t>
-                    </m:r>
-                    <m:m>
-                      <m:mPr>
-                        <m:mcs>
-                          <m:mc>
-                            <m:mcPr>
-                              <m:count m:val="2"/>
-                              <m:mcJc m:val="center"/>
-                            </m:mcPr>
-                          </m:mc>
-                        </m:mcs>
-                        <m:ctrlPr>
-                          <a:rPr lang="en-US" sz="2400" i="1" dirty="0" smtClean="0">
+                          <a:rPr lang="en-US" sz="2400" b="0" i="1" dirty="0" smtClean="0">
                             <a:latin typeface="Cambria Math" panose="02040503050406030204" pitchFamily="18" charset="0"/>
                             <a:ea typeface="Cambria Math"/>
                           </a:rPr>
                         </m:ctrlPr>
-                      </m:mPr>
-                      <m:mr>
-                        <m:e>
-                          <m:r>
-                            <m:rPr>
-                              <m:brk m:alnAt="7"/>
-                            </m:rPr>
-                            <a:rPr lang="en-US" sz="2400" i="1" dirty="0">
-                              <a:latin typeface="Cambria Math" panose="02040503050406030204" pitchFamily="18" charset="0"/>
-                              <a:ea typeface="Cambria Math"/>
-                            </a:rPr>
-                            <m:t>𝛴</m:t>
-                          </m:r>
-                          <m:r>
-                            <a:rPr lang="en-US" sz="2400" i="1" baseline="-25000" dirty="0">
-                              <a:latin typeface="Cambria Math" panose="02040503050406030204" pitchFamily="18" charset="0"/>
-                              <a:ea typeface="Cambria Math"/>
-                            </a:rPr>
-                            <m:t>𝑌</m:t>
-                          </m:r>
-                        </m:e>
-                        <m:e>
-                          <m:r>
-                            <m:rPr>
-                              <m:brk m:alnAt="7"/>
-                            </m:rPr>
-                            <a:rPr lang="en-US" sz="2400" i="1" dirty="0">
-                              <a:latin typeface="Cambria Math" panose="02040503050406030204" pitchFamily="18" charset="0"/>
-                              <a:ea typeface="Cambria Math"/>
-                            </a:rPr>
-                            <m:t>𝛴</m:t>
-                          </m:r>
-                          <m:r>
-                            <a:rPr lang="en-US" sz="2400" i="1" baseline="-25000" dirty="0">
-                              <a:latin typeface="Cambria Math" panose="02040503050406030204" pitchFamily="18" charset="0"/>
-                              <a:ea typeface="Cambria Math"/>
-                            </a:rPr>
-                            <m:t>𝑌𝑋</m:t>
-                          </m:r>
-                        </m:e>
-                      </m:mr>
-                      <m:mr>
-                        <m:e>
-                          <m:r>
-                            <m:rPr>
-                              <m:brk m:alnAt="7"/>
-                            </m:rPr>
-                            <a:rPr lang="en-US" sz="2400" i="1" dirty="0">
-                              <a:latin typeface="Cambria Math" panose="02040503050406030204" pitchFamily="18" charset="0"/>
-                              <a:ea typeface="Cambria Math"/>
-                            </a:rPr>
-                            <m:t>𝛴</m:t>
-                          </m:r>
-                          <m:r>
-                            <a:rPr lang="en-US" sz="2400" i="1" baseline="-25000" dirty="0">
-                              <a:latin typeface="Cambria Math" panose="02040503050406030204" pitchFamily="18" charset="0"/>
-                              <a:ea typeface="Cambria Math"/>
-                            </a:rPr>
-                            <m:t>𝑋</m:t>
-                          </m:r>
-                          <m:r>
-                            <a:rPr lang="en-US" sz="2400" b="0" i="1" baseline="-25000" dirty="0" smtClean="0">
-                              <a:latin typeface="Cambria Math" panose="02040503050406030204" pitchFamily="18" charset="0"/>
-                              <a:ea typeface="Cambria Math"/>
-                            </a:rPr>
-                            <m:t>𝑌</m:t>
-                          </m:r>
-                        </m:e>
-                        <m:e>
-                          <m:r>
-                            <m:rPr>
-                              <m:brk m:alnAt="7"/>
-                            </m:rPr>
-                            <a:rPr lang="en-US" sz="2400" i="1" dirty="0">
-                              <a:latin typeface="Cambria Math" panose="02040503050406030204" pitchFamily="18" charset="0"/>
-                              <a:ea typeface="Cambria Math"/>
-                            </a:rPr>
-                            <m:t>𝛴</m:t>
-                          </m:r>
-                          <m:r>
-                            <a:rPr lang="en-US" sz="2400" i="1" baseline="-25000" dirty="0">
-                              <a:latin typeface="Cambria Math" panose="02040503050406030204" pitchFamily="18" charset="0"/>
-                              <a:ea typeface="Cambria Math"/>
-                            </a:rPr>
-                            <m:t>𝑋</m:t>
-                          </m:r>
-                        </m:e>
-                      </m:mr>
-                    </m:m>
+                      </m:dPr>
+                      <m:e>
+                        <m:d>
+                          <m:dPr>
+                            <m:ctrlPr>
+                              <a:rPr lang="en-GB" sz="2400" i="1">
+                                <a:latin typeface="Cambria Math" panose="02040503050406030204" pitchFamily="18" charset="0"/>
+                              </a:rPr>
+                            </m:ctrlPr>
+                          </m:dPr>
+                          <m:e>
+                            <m:m>
+                              <m:mPr>
+                                <m:mcs>
+                                  <m:mc>
+                                    <m:mcPr>
+                                      <m:count m:val="1"/>
+                                      <m:mcJc m:val="center"/>
+                                    </m:mcPr>
+                                  </m:mc>
+                                </m:mcs>
+                                <m:ctrlPr>
+                                  <a:rPr lang="en-GB" sz="2400" i="1">
+                                    <a:latin typeface="Cambria Math" panose="02040503050406030204" pitchFamily="18" charset="0"/>
+                                  </a:rPr>
+                                </m:ctrlPr>
+                              </m:mPr>
+                              <m:mr>
+                                <m:e>
+                                  <m:r>
+                                    <a:rPr lang="en-US" sz="2400" i="1" dirty="0">
+                                      <a:latin typeface="Cambria Math" panose="02040503050406030204" pitchFamily="18" charset="0"/>
+                                    </a:rPr>
+                                    <m:t>𝛍</m:t>
+                                  </m:r>
+                                </m:e>
+                              </m:mr>
+                              <m:mr>
+                                <m:e>
+                                  <m:r>
+                                    <a:rPr lang="en-GB" sz="2400" i="1">
+                                      <a:latin typeface="Cambria Math" panose="02040503050406030204" pitchFamily="18" charset="0"/>
+                                    </a:rPr>
+                                    <m:t>𝛂</m:t>
+                                  </m:r>
+                                </m:e>
+                              </m:mr>
+                            </m:m>
+                          </m:e>
+                        </m:d>
+                        <m:r>
+                          <a:rPr lang="en-US" sz="2400" b="0" i="1" dirty="0" smtClean="0">
+                            <a:latin typeface="Cambria Math" panose="02040503050406030204" pitchFamily="18" charset="0"/>
+                            <a:ea typeface="Cambria Math"/>
+                          </a:rPr>
+                          <m:t>,</m:t>
+                        </m:r>
+                        <m:d>
+                          <m:dPr>
+                            <m:ctrlPr>
+                              <a:rPr lang="en-GB" sz="2400" i="1" dirty="0">
+                                <a:latin typeface="Cambria Math" panose="02040503050406030204" pitchFamily="18" charset="0"/>
+                              </a:rPr>
+                            </m:ctrlPr>
+                          </m:dPr>
+                          <m:e>
+                            <m:m>
+                              <m:mPr>
+                                <m:mcs>
+                                  <m:mc>
+                                    <m:mcPr>
+                                      <m:count m:val="2"/>
+                                      <m:mcJc m:val="center"/>
+                                    </m:mcPr>
+                                  </m:mc>
+                                </m:mcs>
+                                <m:ctrlPr>
+                                  <a:rPr lang="en-GB" sz="2400" i="1" dirty="0">
+                                    <a:latin typeface="Cambria Math" panose="02040503050406030204" pitchFamily="18" charset="0"/>
+                                  </a:rPr>
+                                </m:ctrlPr>
+                              </m:mPr>
+                              <m:mr>
+                                <m:e>
+                                  <m:r>
+                                    <m:rPr>
+                                      <m:brk m:alnAt="7"/>
+                                    </m:rPr>
+                                    <a:rPr lang="en-US" sz="2400" i="1" dirty="0">
+                                      <a:latin typeface="Cambria Math" panose="02040503050406030204" pitchFamily="18" charset="0"/>
+                                      <a:ea typeface="Cambria Math"/>
+                                    </a:rPr>
+                                    <m:t>𝛴</m:t>
+                                  </m:r>
+                                  <m:r>
+                                    <a:rPr lang="en-US" sz="2400" i="1" baseline="-25000" dirty="0">
+                                      <a:latin typeface="Cambria Math" panose="02040503050406030204" pitchFamily="18" charset="0"/>
+                                      <a:ea typeface="Cambria Math"/>
+                                    </a:rPr>
+                                    <m:t>𝑌</m:t>
+                                  </m:r>
+                                </m:e>
+                                <m:e>
+                                  <m:r>
+                                    <m:rPr>
+                                      <m:brk m:alnAt="7"/>
+                                    </m:rPr>
+                                    <a:rPr lang="en-US" sz="2400" i="1" dirty="0">
+                                      <a:latin typeface="Cambria Math" panose="02040503050406030204" pitchFamily="18" charset="0"/>
+                                      <a:ea typeface="Cambria Math"/>
+                                    </a:rPr>
+                                    <m:t>𝛴</m:t>
+                                  </m:r>
+                                  <m:r>
+                                    <a:rPr lang="en-US" sz="2400" i="1" baseline="-25000" dirty="0">
+                                      <a:latin typeface="Cambria Math" panose="02040503050406030204" pitchFamily="18" charset="0"/>
+                                      <a:ea typeface="Cambria Math"/>
+                                    </a:rPr>
+                                    <m:t>𝑌</m:t>
+                                  </m:r>
+                                  <m:r>
+                                    <a:rPr lang="en-US" sz="2400" b="0" i="1" baseline="-25000" dirty="0" smtClean="0">
+                                      <a:latin typeface="Cambria Math" panose="02040503050406030204" pitchFamily="18" charset="0"/>
+                                      <a:ea typeface="Cambria Math"/>
+                                    </a:rPr>
+                                    <m:t>𝑋</m:t>
+                                  </m:r>
+                                </m:e>
+                              </m:mr>
+                              <m:mr>
+                                <m:e>
+                                  <m:r>
+                                    <m:rPr>
+                                      <m:brk m:alnAt="7"/>
+                                    </m:rPr>
+                                    <a:rPr lang="en-US" sz="2400" i="1" dirty="0">
+                                      <a:latin typeface="Cambria Math" panose="02040503050406030204" pitchFamily="18" charset="0"/>
+                                      <a:ea typeface="Cambria Math"/>
+                                    </a:rPr>
+                                    <m:t>𝛴</m:t>
+                                  </m:r>
+                                  <m:r>
+                                    <a:rPr lang="en-US" sz="2400" b="0" i="1" baseline="-25000" dirty="0" smtClean="0">
+                                      <a:latin typeface="Cambria Math" panose="02040503050406030204" pitchFamily="18" charset="0"/>
+                                      <a:ea typeface="Cambria Math"/>
+                                    </a:rPr>
+                                    <m:t>𝑋𝑌</m:t>
+                                  </m:r>
+                                </m:e>
+                                <m:e>
+                                  <m:r>
+                                    <m:rPr>
+                                      <m:brk m:alnAt="7"/>
+                                    </m:rPr>
+                                    <a:rPr lang="en-US" sz="2400" i="1" dirty="0">
+                                      <a:latin typeface="Cambria Math" panose="02040503050406030204" pitchFamily="18" charset="0"/>
+                                      <a:ea typeface="Cambria Math"/>
+                                    </a:rPr>
+                                    <m:t>𝛴</m:t>
+                                  </m:r>
+                                  <m:r>
+                                    <a:rPr lang="en-US" sz="2400" b="0" i="1" baseline="-25000" dirty="0" smtClean="0">
+                                      <a:latin typeface="Cambria Math" panose="02040503050406030204" pitchFamily="18" charset="0"/>
+                                      <a:ea typeface="Cambria Math"/>
+                                    </a:rPr>
+                                    <m:t>𝑋</m:t>
+                                  </m:r>
+                                </m:e>
+                              </m:mr>
+                            </m:m>
+                          </m:e>
+                        </m:d>
+                      </m:e>
+                    </m:d>
                   </m:oMath>
                 </a14:m>
                 <a:r>
                   <a:rPr lang="en-GB" sz="2400" dirty="0"/>
-                  <a:t>))  with</a:t>
+                  <a:t> </a:t>
+                </a:r>
+                <a:r>
+                  <a:rPr lang="en-GB" dirty="0"/>
+                  <a:t>where </a:t>
+                </a:r>
+                <a14:m>
+                  <m:oMath xmlns:m="http://schemas.openxmlformats.org/officeDocument/2006/math">
+                    <m:r>
+                      <a:rPr lang="en-US" b="1" i="1">
+                        <a:latin typeface="Cambria Math" panose="02040503050406030204" pitchFamily="18" charset="0"/>
+                      </a:rPr>
+                      <m:t>𝒀</m:t>
+                    </m:r>
+                  </m:oMath>
+                </a14:m>
+                <a:r>
+                  <a:rPr lang="en-GB" b="1" i="1" dirty="0"/>
+                  <a:t> </a:t>
+                </a:r>
+                <a:r>
+                  <a:rPr lang="en-GB" dirty="0"/>
+                  <a:t>is of size 𝚗</a:t>
+                </a:r>
+                <a:r>
+                  <a:rPr lang="en-GB" i="1" dirty="0"/>
+                  <a:t> </a:t>
+                </a:r>
+                <a:r>
+                  <a:rPr lang="en-GB" dirty="0"/>
+                  <a:t>and </a:t>
+                </a:r>
+                <a14:m>
+                  <m:oMath xmlns:m="http://schemas.openxmlformats.org/officeDocument/2006/math">
+                    <m:r>
+                      <a:rPr lang="en-GB" b="1" i="1">
+                        <a:latin typeface="Cambria Math"/>
+                      </a:rPr>
+                      <m:t>𝑿</m:t>
+                    </m:r>
+                  </m:oMath>
+                </a14:m>
+                <a:r>
+                  <a:rPr lang="en-GB" b="1" i="1" dirty="0"/>
+                  <a:t>  </a:t>
+                </a:r>
+                <a:r>
+                  <a:rPr lang="en-GB" dirty="0"/>
+                  <a:t>is of size 𝚖</a:t>
+                </a:r>
+                <a:r>
+                  <a:rPr lang="en-GB" i="1" dirty="0"/>
+                  <a:t> </a:t>
+                </a:r>
+                <a:r>
+                  <a:rPr lang="en-GB" sz="2400" dirty="0"/>
+                  <a:t>with</a:t>
                 </a:r>
               </a:p>
               <a:p>
-                <a:pPr algn="just">
-                  <a:lnSpc>
-                    <a:spcPct val="150000"/>
-                  </a:lnSpc>
-                </a:pPr>
+                <a:pPr algn="just"/>
                 <a14:m>
                   <m:oMathPara xmlns:m="http://schemas.openxmlformats.org/officeDocument/2006/math">
                     <m:oMathParaPr>
@@ -12919,121 +12571,149 @@
                           <m:nor/>
                         </m:rPr>
                         <a:rPr lang="en-GB" sz="2400" dirty="0"/>
-                        <m:t>= </m:t>
+                        <m:t>=</m:t>
                       </m:r>
                       <m:sSup>
                         <m:sSupPr>
                           <m:ctrlPr>
-                            <a:rPr lang="en-GB" sz="2400" i="1">
+                            <a:rPr lang="en-US" sz="2400" i="1" dirty="0" smtClean="0">
                               <a:latin typeface="Cambria Math" panose="02040503050406030204" pitchFamily="18" charset="0"/>
                             </a:rPr>
                           </m:ctrlPr>
                         </m:sSupPr>
                         <m:e>
-                          <m:r>
-                            <a:rPr lang="en-US" sz="2400" i="1">
-                              <a:latin typeface="Cambria Math" panose="02040503050406030204" pitchFamily="18" charset="0"/>
-                            </a:rPr>
-                            <m:t>(</m:t>
-                          </m:r>
-                          <m:r>
-                            <m:rPr>
-                              <m:nor/>
-                            </m:rPr>
-                            <a:rPr lang="en-US" sz="2400" dirty="0">
-                              <a:ea typeface="Cambria Math"/>
-                            </a:rPr>
-                            <m:t>𝜇</m:t>
-                          </m:r>
-                          <m:r>
-                            <m:rPr>
-                              <m:nor/>
-                            </m:rPr>
-                            <a:rPr lang="en-US" sz="2400" dirty="0">
-                              <a:ea typeface="Cambria Math"/>
-                            </a:rPr>
-                            <m:t>(</m:t>
-                          </m:r>
-                          <m:r>
-                            <m:rPr>
-                              <m:nor/>
-                            </m:rPr>
-                            <a:rPr lang="en-US" sz="2400" dirty="0">
-                              <a:ea typeface="Cambria Math"/>
-                            </a:rPr>
-                            <m:t>s</m:t>
-                          </m:r>
-                          <m:r>
-                            <m:rPr>
-                              <m:nor/>
-                            </m:rPr>
-                            <a:rPr lang="en-US" sz="2400" baseline="-25000" dirty="0">
-                              <a:ea typeface="Cambria Math"/>
-                            </a:rPr>
-                            <m:t>1</m:t>
-                          </m:r>
-                          <m:r>
-                            <m:rPr>
-                              <m:nor/>
-                            </m:rPr>
-                            <a:rPr lang="en-US" sz="2400" dirty="0">
-                              <a:ea typeface="Cambria Math"/>
-                            </a:rPr>
-                            <m:t>)</m:t>
-                          </m:r>
-                          <m:r>
-                            <a:rPr lang="en-US" sz="2400" i="1" dirty="0">
-                              <a:latin typeface="Cambria Math" panose="02040503050406030204" pitchFamily="18" charset="0"/>
-                              <a:ea typeface="Cambria Math"/>
-                            </a:rPr>
-                            <m:t>, …,</m:t>
-                          </m:r>
-                          <m:r>
-                            <m:rPr>
-                              <m:nor/>
-                            </m:rPr>
-                            <a:rPr lang="en-US" sz="2400" dirty="0">
-                              <a:ea typeface="Cambria Math"/>
-                            </a:rPr>
-                            <m:t>𝜇</m:t>
-                          </m:r>
-                          <m:r>
-                            <m:rPr>
-                              <m:nor/>
-                            </m:rPr>
-                            <a:rPr lang="en-US" sz="2400" dirty="0">
-                              <a:ea typeface="Cambria Math"/>
-                            </a:rPr>
-                            <m:t>(</m:t>
-                          </m:r>
-                          <m:r>
-                            <m:rPr>
-                              <m:nor/>
-                            </m:rPr>
-                            <a:rPr lang="en-US" sz="2400" dirty="0">
-                              <a:ea typeface="Cambria Math"/>
-                            </a:rPr>
-                            <m:t>sn</m:t>
-                          </m:r>
-                          <m:r>
-                            <m:rPr>
-                              <m:nor/>
-                            </m:rPr>
-                            <a:rPr lang="en-US" sz="2400" dirty="0">
-                              <a:ea typeface="Cambria Math"/>
-                            </a:rPr>
-                            <m:t>)</m:t>
-                          </m:r>
-                          <m:r>
-                            <a:rPr lang="en-US" sz="2400" i="1">
-                              <a:latin typeface="Cambria Math" panose="02040503050406030204" pitchFamily="18" charset="0"/>
-                            </a:rPr>
-                            <m:t>)</m:t>
-                          </m:r>
+                          <m:d>
+                            <m:dPr>
+                              <m:ctrlPr>
+                                <a:rPr lang="en-US" sz="2400" i="1" dirty="0" smtClean="0">
+                                  <a:latin typeface="Cambria Math" panose="02040503050406030204" pitchFamily="18" charset="0"/>
+                                </a:rPr>
+                              </m:ctrlPr>
+                            </m:dPr>
+                            <m:e>
+                              <m:r>
+                                <m:rPr>
+                                  <m:nor/>
+                                </m:rPr>
+                                <a:rPr lang="en-US" sz="2400" dirty="0">
+                                  <a:ea typeface="Cambria Math"/>
+                                </a:rPr>
+                                <m:t>𝜇</m:t>
+                              </m:r>
+                              <m:r>
+                                <m:rPr>
+                                  <m:nor/>
+                                </m:rPr>
+                                <a:rPr lang="en-US" sz="2400" dirty="0">
+                                  <a:ea typeface="Cambria Math"/>
+                                </a:rPr>
+                                <m:t>(</m:t>
+                              </m:r>
+                              <m:sSub>
+                                <m:sSubPr>
+                                  <m:ctrlPr>
+                                    <a:rPr lang="en-US" sz="2400" i="1" dirty="0" smtClean="0">
+                                      <a:latin typeface="Cambria Math" panose="02040503050406030204" pitchFamily="18" charset="0"/>
+                                      <a:ea typeface="Cambria Math"/>
+                                    </a:rPr>
+                                  </m:ctrlPr>
+                                </m:sSubPr>
+                                <m:e>
+                                  <m:r>
+                                    <a:rPr lang="en-US" sz="2400" b="0" i="1" dirty="0" smtClean="0">
+                                      <a:latin typeface="Cambria Math" panose="02040503050406030204" pitchFamily="18" charset="0"/>
+                                      <a:ea typeface="Cambria Math"/>
+                                    </a:rPr>
+                                    <m:t>𝑠</m:t>
+                                  </m:r>
+                                </m:e>
+                                <m:sub>
+                                  <m:r>
+                                    <a:rPr lang="en-US" sz="2400" b="0" i="1" dirty="0" smtClean="0">
+                                      <a:latin typeface="Cambria Math" panose="02040503050406030204" pitchFamily="18" charset="0"/>
+                                      <a:ea typeface="Cambria Math"/>
+                                    </a:rPr>
+                                    <m:t>1</m:t>
+                                  </m:r>
+                                </m:sub>
+                              </m:sSub>
+                              <m:r>
+                                <m:rPr>
+                                  <m:nor/>
+                                </m:rPr>
+                                <a:rPr lang="en-US" sz="2400" dirty="0">
+                                  <a:ea typeface="Cambria Math"/>
+                                </a:rPr>
+                                <m:t>)</m:t>
+                              </m:r>
+                              <m:r>
+                                <a:rPr lang="en-US" sz="2400" i="1" dirty="0">
+                                  <a:latin typeface="Cambria Math" panose="02040503050406030204" pitchFamily="18" charset="0"/>
+                                  <a:ea typeface="Cambria Math"/>
+                                </a:rPr>
+                                <m:t>, …,</m:t>
+                              </m:r>
+                              <m:r>
+                                <m:rPr>
+                                  <m:nor/>
+                                </m:rPr>
+                                <a:rPr lang="en-US" sz="2400" dirty="0">
+                                  <a:ea typeface="Cambria Math"/>
+                                </a:rPr>
+                                <m:t>𝜇</m:t>
+                              </m:r>
+                              <m:r>
+                                <m:rPr>
+                                  <m:nor/>
+                                </m:rPr>
+                                <a:rPr lang="en-US" sz="2400" dirty="0">
+                                  <a:ea typeface="Cambria Math"/>
+                                </a:rPr>
+                                <m:t>(</m:t>
+                              </m:r>
+                              <m:sSub>
+                                <m:sSubPr>
+                                  <m:ctrlPr>
+                                    <a:rPr lang="en-US" sz="2400" i="1" dirty="0" smtClean="0">
+                                      <a:latin typeface="Cambria Math" panose="02040503050406030204" pitchFamily="18" charset="0"/>
+                                      <a:ea typeface="Cambria Math"/>
+                                    </a:rPr>
+                                  </m:ctrlPr>
+                                </m:sSubPr>
+                                <m:e>
+                                  <m:r>
+                                    <a:rPr lang="en-US" sz="2400" b="0" i="1" dirty="0" smtClean="0">
+                                      <a:latin typeface="Cambria Math" panose="02040503050406030204" pitchFamily="18" charset="0"/>
+                                      <a:ea typeface="Cambria Math"/>
+                                    </a:rPr>
+                                    <m:t>𝑠</m:t>
+                                  </m:r>
+                                </m:e>
+                                <m:sub>
+                                  <m:r>
+                                    <a:rPr lang="en-US" sz="2400" b="0" i="1" dirty="0" smtClean="0">
+                                      <a:latin typeface="Cambria Math" panose="02040503050406030204" pitchFamily="18" charset="0"/>
+                                      <a:ea typeface="Cambria Math"/>
+                                    </a:rPr>
+                                    <m:t>𝑛</m:t>
+                                  </m:r>
+                                </m:sub>
+                              </m:sSub>
+                              <m:r>
+                                <m:rPr>
+                                  <m:nor/>
+                                </m:rPr>
+                                <a:rPr lang="en-US" sz="2400" dirty="0">
+                                  <a:ea typeface="Cambria Math"/>
+                                </a:rPr>
+                                <m:t>)</m:t>
+                              </m:r>
+                            </m:e>
+                          </m:d>
                         </m:e>
                         <m:sup>
                           <m:r>
-                            <a:rPr lang="en-US" sz="2400" i="1">
+                            <a:rPr lang="en-US" sz="2400" b="0" i="1" dirty="0" smtClean="0">
                               <a:latin typeface="Cambria Math" panose="02040503050406030204" pitchFamily="18" charset="0"/>
                             </a:rPr>
                             <m:t>𝑇</m:t>
@@ -13044,7 +12724,7 @@
                         <a:rPr lang="en-US" sz="2400" b="0" i="1" smtClean="0">
                           <a:latin typeface="Cambria Math" panose="02040503050406030204" pitchFamily="18" charset="0"/>
                         </a:rPr>
-                        <m:t>      </m:t>
+                        <m:t>     </m:t>
                       </m:r>
                       <m:r>
                         <a:rPr lang="en-US" sz="2400" i="1" dirty="0">
@@ -13056,162 +12736,182 @@
                         <a:rPr lang="en-US" sz="2400" i="1">
                           <a:latin typeface="Cambria Math" panose="02040503050406030204" pitchFamily="18" charset="0"/>
                         </a:rPr>
-                        <m:t>=(</m:t>
+                        <m:t>=</m:t>
                       </m:r>
-                      <m:nary>
-                        <m:naryPr>
+                      <m:sSup>
+                        <m:sSupPr>
                           <m:ctrlPr>
-                            <a:rPr lang="en-US" sz="2400" i="1">
+                            <a:rPr lang="en-GB" sz="2400" i="1" dirty="0" smtClean="0">
                               <a:latin typeface="Cambria Math" panose="02040503050406030204" pitchFamily="18" charset="0"/>
                             </a:rPr>
                           </m:ctrlPr>
-                        </m:naryPr>
-                        <m:sub>
+                        </m:sSupPr>
+                        <m:e>
+                          <m:d>
+                            <m:dPr>
+                              <m:ctrlPr>
+                                <a:rPr lang="en-GB" sz="2400" i="1" dirty="0" smtClean="0">
+                                  <a:latin typeface="Cambria Math" panose="02040503050406030204" pitchFamily="18" charset="0"/>
+                                </a:rPr>
+                              </m:ctrlPr>
+                            </m:dPr>
+                            <m:e>
+                              <m:nary>
+                                <m:naryPr>
+                                  <m:ctrlPr>
+                                    <a:rPr lang="en-GB" sz="2400" i="1" dirty="0" smtClean="0">
+                                      <a:latin typeface="Cambria Math" panose="02040503050406030204" pitchFamily="18" charset="0"/>
+                                    </a:rPr>
+                                  </m:ctrlPr>
+                                </m:naryPr>
+                                <m:sub>
+                                  <m:r>
+                                    <m:rPr>
+                                      <m:brk m:alnAt="23"/>
+                                    </m:rPr>
+                                    <a:rPr lang="en-US" sz="2400" b="0" i="1" dirty="0" smtClean="0">
+                                      <a:latin typeface="Cambria Math" panose="02040503050406030204" pitchFamily="18" charset="0"/>
+                                    </a:rPr>
+                                    <m:t>0</m:t>
+                                  </m:r>
+                                </m:sub>
+                                <m:sup>
+                                  <m:r>
+                                    <a:rPr lang="en-US" sz="2400" i="1">
+                                      <a:latin typeface="Cambria Math" panose="02040503050406030204" pitchFamily="18" charset="0"/>
+                                    </a:rPr>
+                                    <m:t>𝐴</m:t>
+                                  </m:r>
+                                  <m:r>
+                                    <a:rPr lang="en-US" sz="2400" i="1" baseline="-25000">
+                                      <a:latin typeface="Cambria Math" panose="02040503050406030204" pitchFamily="18" charset="0"/>
+                                    </a:rPr>
+                                    <m:t>1</m:t>
+                                  </m:r>
+                                </m:sup>
+                                <m:e>
+                                  <m:r>
+                                    <m:rPr>
+                                      <m:nor/>
+                                    </m:rPr>
+                                    <a:rPr lang="en-US" sz="2400" dirty="0"/>
+                                    <m:t>𝛼</m:t>
+                                  </m:r>
+                                  <m:r>
+                                    <m:rPr>
+                                      <m:nor/>
+                                    </m:rPr>
+                                    <a:rPr lang="en-US" sz="2400" dirty="0"/>
+                                    <m:t>(</m:t>
+                                  </m:r>
+                                  <m:r>
+                                    <m:rPr>
+                                      <m:nor/>
+                                    </m:rPr>
+                                    <a:rPr lang="en-US" sz="2400" dirty="0"/>
+                                    <m:t>s</m:t>
+                                  </m:r>
+                                </m:e>
+                              </m:nary>
+                              <m:r>
+                                <a:rPr lang="en-US" sz="2400" b="0" i="1" dirty="0" smtClean="0">
+                                  <a:latin typeface="Cambria Math" panose="02040503050406030204" pitchFamily="18" charset="0"/>
+                                </a:rPr>
+                                <m:t>)</m:t>
+                              </m:r>
+                              <m:r>
+                                <a:rPr lang="en-US" sz="2400" b="0" i="1" dirty="0" smtClean="0">
+                                  <a:latin typeface="Cambria Math" panose="02040503050406030204" pitchFamily="18" charset="0"/>
+                                </a:rPr>
+                                <m:t>𝑑𝑠</m:t>
+                              </m:r>
+                              <m:r>
+                                <a:rPr lang="en-US" sz="2400" b="0" i="1" dirty="0" smtClean="0">
+                                  <a:latin typeface="Cambria Math" panose="02040503050406030204" pitchFamily="18" charset="0"/>
+                                </a:rPr>
+                                <m:t>, …,</m:t>
+                              </m:r>
+                              <m:nary>
+                                <m:naryPr>
+                                  <m:ctrlPr>
+                                    <a:rPr lang="en-GB" sz="2400" i="1" dirty="0">
+                                      <a:latin typeface="Cambria Math" panose="02040503050406030204" pitchFamily="18" charset="0"/>
+                                    </a:rPr>
+                                  </m:ctrlPr>
+                                </m:naryPr>
+                                <m:sub>
+                                  <m:r>
+                                    <m:rPr>
+                                      <m:brk m:alnAt="23"/>
+                                    </m:rPr>
+                                    <a:rPr lang="en-US" sz="2400" i="1" dirty="0">
+                                      <a:latin typeface="Cambria Math" panose="02040503050406030204" pitchFamily="18" charset="0"/>
+                                    </a:rPr>
+                                    <m:t>0</m:t>
+                                  </m:r>
+                                </m:sub>
+                                <m:sup>
+                                  <m:r>
+                                    <a:rPr lang="en-US" sz="2400" i="1">
+                                      <a:latin typeface="Cambria Math" panose="02040503050406030204" pitchFamily="18" charset="0"/>
+                                    </a:rPr>
+                                    <m:t>𝐴</m:t>
+                                  </m:r>
+                                  <m:r>
+                                    <a:rPr lang="en-US" sz="2400" b="0" i="1" baseline="-25000" smtClean="0">
+                                      <a:latin typeface="Cambria Math" panose="02040503050406030204" pitchFamily="18" charset="0"/>
+                                    </a:rPr>
+                                    <m:t>𝑚</m:t>
+                                  </m:r>
+                                </m:sup>
+                                <m:e>
+                                  <m:r>
+                                    <m:rPr>
+                                      <m:nor/>
+                                    </m:rPr>
+                                    <a:rPr lang="en-US" sz="2400" dirty="0"/>
+                                    <m:t>𝛼</m:t>
+                                  </m:r>
+                                  <m:r>
+                                    <m:rPr>
+                                      <m:nor/>
+                                    </m:rPr>
+                                    <a:rPr lang="en-US" sz="2400" dirty="0"/>
+                                    <m:t>(</m:t>
+                                  </m:r>
+                                  <m:r>
+                                    <m:rPr>
+                                      <m:nor/>
+                                    </m:rPr>
+                                    <a:rPr lang="en-US" sz="2400" dirty="0"/>
+                                    <m:t>s</m:t>
+                                  </m:r>
+                                </m:e>
+                              </m:nary>
+                              <m:r>
+                                <a:rPr lang="en-US" sz="2400" i="1" dirty="0">
+                                  <a:latin typeface="Cambria Math" panose="02040503050406030204" pitchFamily="18" charset="0"/>
+                                </a:rPr>
+                                <m:t>)</m:t>
+                              </m:r>
+                              <m:r>
+                                <a:rPr lang="en-US" sz="2400" i="1" dirty="0">
+                                  <a:latin typeface="Cambria Math" panose="02040503050406030204" pitchFamily="18" charset="0"/>
+                                </a:rPr>
+                                <m:t>𝑑𝑠</m:t>
+                              </m:r>
+                            </m:e>
+                          </m:d>
+                        </m:e>
+                        <m:sup>
                           <m:r>
-                            <a:rPr lang="en-US" sz="2400" i="1">
+                            <a:rPr lang="en-US" sz="2400" b="0" i="1" dirty="0" smtClean="0">
                               <a:latin typeface="Cambria Math" panose="02040503050406030204" pitchFamily="18" charset="0"/>
                             </a:rPr>
-                            <m:t>0</m:t>
-                          </m:r>
-                        </m:sub>
-                        <m:sup>
-                          <m:r>
-                            <a:rPr lang="en-US" sz="2400" i="1">
-                              <a:latin typeface="Cambria Math" panose="02040503050406030204" pitchFamily="18" charset="0"/>
-                            </a:rPr>
-                            <m:t>𝐴</m:t>
-                          </m:r>
-                          <m:r>
-                            <a:rPr lang="en-US" sz="2400" i="1" baseline="-25000">
-                              <a:latin typeface="Cambria Math" panose="02040503050406030204" pitchFamily="18" charset="0"/>
-                            </a:rPr>
-                            <m:t>1</m:t>
+                            <m:t>𝑇</m:t>
                           </m:r>
                         </m:sup>
-                        <m:e>
-                          <m:r>
-                            <m:rPr>
-                              <m:nor/>
-                            </m:rPr>
-                            <a:rPr lang="en-US" sz="2400" dirty="0"/>
-                            <m:t>𝛼</m:t>
-                          </m:r>
-                          <m:r>
-                            <m:rPr>
-                              <m:nor/>
-                            </m:rPr>
-                            <a:rPr lang="en-US" sz="2400" dirty="0"/>
-                            <m:t>(</m:t>
-                          </m:r>
-                          <m:r>
-                            <m:rPr>
-                              <m:nor/>
-                            </m:rPr>
-                            <a:rPr lang="en-US" sz="2400" dirty="0"/>
-                            <m:t>s</m:t>
-                          </m:r>
-                          <m:r>
-                            <m:rPr>
-                              <m:nor/>
-                            </m:rPr>
-                            <a:rPr lang="en-US" sz="2400" baseline="-25000" dirty="0"/>
-                            <m:t>1</m:t>
-                          </m:r>
-                          <m:r>
-                            <m:rPr>
-                              <m:nor/>
-                            </m:rPr>
-                            <a:rPr lang="en-US" sz="2400" dirty="0"/>
-                            <m:t>)</m:t>
-                          </m:r>
-                        </m:e>
-                      </m:nary>
-                      <m:r>
-                        <a:rPr lang="en-US" sz="2400" i="1">
-                          <a:latin typeface="Cambria Math" panose="02040503050406030204" pitchFamily="18" charset="0"/>
-                        </a:rPr>
-                        <m:t>𝑑𝑠</m:t>
-                      </m:r>
-                      <m:r>
-                        <a:rPr lang="en-US" sz="2400" i="1" dirty="0">
-                          <a:latin typeface="Cambria Math" panose="02040503050406030204" pitchFamily="18" charset="0"/>
-                          <a:ea typeface="Cambria Math"/>
-                        </a:rPr>
-                        <m:t>, …,</m:t>
-                      </m:r>
-                      <m:nary>
-                        <m:naryPr>
-                          <m:ctrlPr>
-                            <a:rPr lang="en-US" sz="2400" i="1">
-                              <a:latin typeface="Cambria Math" panose="02040503050406030204" pitchFamily="18" charset="0"/>
-                            </a:rPr>
-                          </m:ctrlPr>
-                        </m:naryPr>
-                        <m:sub>
-                          <m:r>
-                            <a:rPr lang="en-US" sz="2400" i="1">
-                              <a:latin typeface="Cambria Math" panose="02040503050406030204" pitchFamily="18" charset="0"/>
-                            </a:rPr>
-                            <m:t>0</m:t>
-                          </m:r>
-                        </m:sub>
-                        <m:sup>
-                          <m:r>
-                            <a:rPr lang="en-US" sz="2400" i="1">
-                              <a:latin typeface="Cambria Math" panose="02040503050406030204" pitchFamily="18" charset="0"/>
-                            </a:rPr>
-                            <m:t>𝐴</m:t>
-                          </m:r>
-                          <m:r>
-                            <a:rPr lang="en-US" sz="2400" i="1" baseline="-25000">
-                              <a:latin typeface="Cambria Math" panose="02040503050406030204" pitchFamily="18" charset="0"/>
-                            </a:rPr>
-                            <m:t>𝑚</m:t>
-                          </m:r>
-                        </m:sup>
-                        <m:e>
-                          <m:r>
-                            <m:rPr>
-                              <m:nor/>
-                            </m:rPr>
-                            <a:rPr lang="en-US" sz="2400" dirty="0"/>
-                            <m:t>𝛼</m:t>
-                          </m:r>
-                          <m:r>
-                            <m:rPr>
-                              <m:nor/>
-                            </m:rPr>
-                            <a:rPr lang="en-US" sz="2400" dirty="0"/>
-                            <m:t>(</m:t>
-                          </m:r>
-                          <m:r>
-                            <m:rPr>
-                              <m:nor/>
-                            </m:rPr>
-                            <a:rPr lang="en-US" sz="2400" dirty="0"/>
-                            <m:t>sn</m:t>
-                          </m:r>
-                          <m:r>
-                            <m:rPr>
-                              <m:nor/>
-                            </m:rPr>
-                            <a:rPr lang="en-US" sz="2400" dirty="0"/>
-                            <m:t>)</m:t>
-                          </m:r>
-                        </m:e>
-                      </m:nary>
-                      <m:r>
-                        <a:rPr lang="en-US" sz="2400" i="1" dirty="0">
-                          <a:latin typeface="Cambria Math" panose="02040503050406030204" pitchFamily="18" charset="0"/>
-                        </a:rPr>
-                        <m:t>)</m:t>
-                      </m:r>
-                      <m:r>
-                        <a:rPr lang="en-US" sz="2400" i="1" baseline="30000">
-                          <a:latin typeface="Cambria Math" panose="02040503050406030204" pitchFamily="18" charset="0"/>
-                        </a:rPr>
-                        <m:t>𝑇</m:t>
-                      </m:r>
+                      </m:sSup>
                     </m:oMath>
                   </m:oMathPara>
                 </a14:m>
@@ -13237,8 +12937,8 @@
             </p:nvSpPr>
             <p:spPr>
               <a:xfrm>
-                <a:off x="372063" y="29816450"/>
-                <a:ext cx="12650147" cy="5170213"/>
+                <a:off x="385596" y="30371014"/>
+                <a:ext cx="12650147" cy="4452774"/>
               </a:xfrm>
               <a:prstGeom prst="rect">
                 <a:avLst/>
@@ -13246,7 +12946,7 @@
               <a:blipFill>
                 <a:blip r:embed="rId10"/>
                 <a:stretch>
-                  <a:fillRect t="-8578" b="-36275"/>
+                  <a:fillRect t="-21023" b="-44318"/>
                 </a:stretch>
               </a:blipFill>
             </p:spPr>
@@ -13293,7 +12993,7 @@
         </p:blipFill>
         <p:spPr>
           <a:xfrm>
-            <a:off x="16782689" y="8117449"/>
+            <a:off x="16772877" y="7721563"/>
             <a:ext cx="4966157" cy="3894221"/>
           </a:xfrm>
           <a:prstGeom prst="rect">
@@ -13329,8 +13029,8 @@
         </p:blipFill>
         <p:spPr>
           <a:xfrm>
-            <a:off x="27016727" y="8113756"/>
-            <a:ext cx="4958996" cy="3920346"/>
+            <a:off x="26962974" y="7717870"/>
+            <a:ext cx="4907939" cy="3879982"/>
           </a:xfrm>
           <a:prstGeom prst="rect">
             <a:avLst/>
@@ -13365,7 +13065,7 @@
         </p:blipFill>
         <p:spPr>
           <a:xfrm>
-            <a:off x="21748846" y="8129662"/>
+            <a:off x="21739034" y="7733776"/>
             <a:ext cx="5269578" cy="3882008"/>
           </a:xfrm>
           <a:prstGeom prst="rect">
@@ -13401,8 +13101,8 @@
         </p:blipFill>
         <p:spPr>
           <a:xfrm>
-            <a:off x="21899299" y="12606916"/>
-            <a:ext cx="4391236" cy="3286283"/>
+            <a:off x="21767344" y="14658060"/>
+            <a:ext cx="4924860" cy="3785360"/>
           </a:xfrm>
           <a:prstGeom prst="rect">
             <a:avLst/>
@@ -13437,8 +13137,8 @@
         </p:blipFill>
         <p:spPr>
           <a:xfrm>
-            <a:off x="27182789" y="12469697"/>
-            <a:ext cx="4792934" cy="3586903"/>
+            <a:off x="26692204" y="14643593"/>
+            <a:ext cx="4944020" cy="3800087"/>
           </a:xfrm>
           <a:prstGeom prst="rect">
             <a:avLst/>
@@ -13473,8 +13173,8 @@
         </p:blipFill>
         <p:spPr>
           <a:xfrm>
-            <a:off x="17089049" y="12423330"/>
-            <a:ext cx="4353435" cy="3257994"/>
+            <a:off x="16842483" y="14658061"/>
+            <a:ext cx="4924861" cy="3785360"/>
           </a:xfrm>
           <a:prstGeom prst="rect">
             <a:avLst/>
@@ -13509,7 +13209,7 @@
         </p:blipFill>
         <p:spPr>
           <a:xfrm>
-            <a:off x="16828327" y="18919864"/>
+            <a:off x="18284450" y="20890402"/>
             <a:ext cx="10972800" cy="4572000"/>
           </a:xfrm>
           <a:prstGeom prst="rect">
@@ -13545,7 +13245,7 @@
         </p:blipFill>
         <p:spPr>
           <a:xfrm>
-            <a:off x="17256663" y="24912312"/>
+            <a:off x="18113345" y="27358894"/>
             <a:ext cx="5854700" cy="4381500"/>
           </a:xfrm>
           <a:prstGeom prst="rect">
@@ -13581,7 +13281,7 @@
         </p:blipFill>
         <p:spPr>
           <a:xfrm>
-            <a:off x="23539698" y="24892170"/>
+            <a:off x="24958379" y="27355545"/>
             <a:ext cx="5854700" cy="4381500"/>
           </a:xfrm>
           <a:prstGeom prst="rect">
@@ -13605,8 +13305,8 @@
         </p:nvSpPr>
         <p:spPr>
           <a:xfrm>
-            <a:off x="16828327" y="23564570"/>
-            <a:ext cx="15637169" cy="868058"/>
+            <a:off x="16675042" y="25670591"/>
+            <a:ext cx="15637169" cy="1327600"/>
           </a:xfrm>
           <a:prstGeom prst="rect">
             <a:avLst/>
@@ -13770,7 +13470,7 @@
                 </a:solidFill>
                 <a:latin typeface="Trebuchet MS" panose="020B0603020202020204" pitchFamily="34" charset="0"/>
               </a:rPr>
-              <a:t>Improved spatial interpolation at small scale</a:t>
+              <a:t>Improved spatial interpolation at small scales</a:t>
             </a:r>
           </a:p>
           <a:p>
@@ -13792,23 +13492,6 @@
               </a:rPr>
               <a:t>Could work as a way of validating numerical simulator outputs</a:t>
             </a:r>
-          </a:p>
-          <a:p>
-            <a:pPr>
-              <a:lnSpc>
-                <a:spcPct val="150000"/>
-              </a:lnSpc>
-              <a:buFont typeface="Wingdings" pitchFamily="2" charset="2"/>
-              <a:buChar char="v"/>
-            </a:pPr>
-            <a:endParaRPr lang="en-GB" sz="2400" dirty="0">
-              <a:solidFill>
-                <a:schemeClr val="accent5">
-                  <a:lumMod val="50000"/>
-                </a:schemeClr>
-              </a:solidFill>
-              <a:latin typeface="Trebuchet MS" panose="020B0603020202020204" pitchFamily="34" charset="0"/>
-            </a:endParaRPr>
           </a:p>
         </p:txBody>
       </p:sp>
@@ -13830,7 +13513,7 @@
             </p:nvSpPr>
             <p:spPr>
               <a:xfrm>
-                <a:off x="358411" y="39257360"/>
+                <a:off x="324382" y="39286138"/>
                 <a:ext cx="15705024" cy="1264657"/>
               </a:xfrm>
               <a:prstGeom prst="rect">
@@ -14012,7 +13695,7 @@
                       <a:schemeClr val="tx1"/>
                     </a:solidFill>
                   </a:rPr>
-                  <a:t> 1000 grid (b) Simulated </a:t>
+                  <a:t> 1000 grid (b) Simulated  </a:t>
                 </a:r>
                 <a14:m>
                   <m:oMath xmlns:m="http://schemas.openxmlformats.org/officeDocument/2006/math">
@@ -14028,29 +13711,54 @@
                       </a:rPr>
                       <m:t>X</m:t>
                     </m:r>
+                  </m:oMath>
+                </a14:m>
+                <a:r>
+                  <a:rPr lang="en-US" sz="2400" dirty="0">
+                    <a:solidFill>
+                      <a:schemeClr val="tx1"/>
+                    </a:solidFill>
+                  </a:rPr>
+                  <a:t>(</a:t>
+                </a:r>
+                <a14:m>
+                  <m:oMath xmlns:m="http://schemas.openxmlformats.org/officeDocument/2006/math">
+                    <m:sSub>
+                      <m:sSubPr>
+                        <m:ctrlPr>
+                          <a:rPr lang="en-US" sz="2400" i="1" dirty="0" smtClean="0">
+                            <a:solidFill>
+                              <a:schemeClr val="tx1"/>
+                            </a:solidFill>
+                            <a:latin typeface="Cambria Math" panose="02040503050406030204" pitchFamily="18" charset="0"/>
+                          </a:rPr>
+                        </m:ctrlPr>
+                      </m:sSubPr>
+                      <m:e>
+                        <m:r>
+                          <a:rPr lang="en-US" sz="2400" b="0" i="1" dirty="0" smtClean="0">
+                            <a:solidFill>
+                              <a:schemeClr val="tx1"/>
+                            </a:solidFill>
+                            <a:latin typeface="Cambria Math" panose="02040503050406030204" pitchFamily="18" charset="0"/>
+                          </a:rPr>
+                          <m:t>𝐴</m:t>
+                        </m:r>
+                      </m:e>
+                      <m:sub>
+                        <m:r>
+                          <a:rPr lang="en-US" sz="2400" b="0" i="1" dirty="0" smtClean="0">
+                            <a:solidFill>
+                              <a:schemeClr val="tx1"/>
+                            </a:solidFill>
+                            <a:latin typeface="Cambria Math" panose="02040503050406030204" pitchFamily="18" charset="0"/>
+                          </a:rPr>
+                          <m:t>𝑖</m:t>
+                        </m:r>
+                      </m:sub>
+                    </m:sSub>
                     <m:r>
-                      <a:rPr lang="en-US" sz="2400" dirty="0">
-                        <a:solidFill>
-                          <a:schemeClr val="tx1"/>
-                        </a:solidFill>
-                        <a:latin typeface="Cambria Math" panose="02040503050406030204" pitchFamily="18" charset="0"/>
-                      </a:rPr>
-                      <m:t>(</m:t>
-                    </m:r>
-                    <m:r>
-                      <m:rPr>
-                        <m:sty m:val="p"/>
-                      </m:rPr>
-                      <a:rPr lang="en-US" sz="2400" dirty="0">
-                        <a:solidFill>
-                          <a:schemeClr val="tx1"/>
-                        </a:solidFill>
-                        <a:latin typeface="Cambria Math" panose="02040503050406030204" pitchFamily="18" charset="0"/>
-                      </a:rPr>
-                      <m:t>Ai</m:t>
-                    </m:r>
-                    <m:r>
-                      <a:rPr lang="en-US" sz="2400" dirty="0">
+                      <a:rPr lang="en-US" sz="2400" b="0" i="1" dirty="0" smtClean="0">
                         <a:solidFill>
                           <a:schemeClr val="tx1"/>
                         </a:solidFill>
@@ -14084,6 +13792,7 @@
                         <a:solidFill>
                           <a:schemeClr val="tx1"/>
                         </a:solidFill>
+                        <a:latin typeface="Cambria Math" panose="02040503050406030204" pitchFamily="18" charset="0"/>
                       </a:rPr>
                       <m:t>×</m:t>
                     </m:r>
@@ -14106,15 +13815,24 @@
                       <a:schemeClr val="tx1"/>
                     </a:solidFill>
                   </a:rPr>
-                  <a:t> (c) Predicted Z(s) (d) Simulated  Z(s) versus Y(s) and </a:t>
+                  <a:t> (c) Predicted Z(s) (d) Simulated Z(s) versus Y(s) and</a:t>
                 </a:r>
                 <a14:m>
                   <m:oMath xmlns:m="http://schemas.openxmlformats.org/officeDocument/2006/math">
                     <m:r>
+                      <a:rPr lang="en-US" sz="2400" b="0" i="0" dirty="0" smtClean="0">
+                        <a:solidFill>
+                          <a:schemeClr val="tx1"/>
+                        </a:solidFill>
+                        <a:latin typeface="Cambria Math" panose="02040503050406030204" pitchFamily="18" charset="0"/>
+                      </a:rPr>
+                      <m:t> </m:t>
+                    </m:r>
+                    <m:r>
                       <m:rPr>
                         <m:sty m:val="p"/>
                       </m:rPr>
-                      <a:rPr lang="en-US" sz="2400" b="0" i="0" dirty="0" smtClean="0">
+                      <a:rPr lang="en-US" sz="2400" dirty="0">
                         <a:solidFill>
                           <a:schemeClr val="tx1"/>
                         </a:solidFill>
@@ -14122,29 +13840,54 @@
                       </a:rPr>
                       <m:t>X</m:t>
                     </m:r>
+                  </m:oMath>
+                </a14:m>
+                <a:r>
+                  <a:rPr lang="en-US" sz="2400" dirty="0">
+                    <a:solidFill>
+                      <a:schemeClr val="tx1"/>
+                    </a:solidFill>
+                  </a:rPr>
+                  <a:t>(</a:t>
+                </a:r>
+                <a14:m>
+                  <m:oMath xmlns:m="http://schemas.openxmlformats.org/officeDocument/2006/math">
+                    <m:sSub>
+                      <m:sSubPr>
+                        <m:ctrlPr>
+                          <a:rPr lang="en-US" sz="2400" i="1" dirty="0">
+                            <a:solidFill>
+                              <a:schemeClr val="tx1"/>
+                            </a:solidFill>
+                            <a:latin typeface="Cambria Math" panose="02040503050406030204" pitchFamily="18" charset="0"/>
+                          </a:rPr>
+                        </m:ctrlPr>
+                      </m:sSubPr>
+                      <m:e>
+                        <m:r>
+                          <a:rPr lang="en-US" sz="2400" i="1" dirty="0">
+                            <a:solidFill>
+                              <a:schemeClr val="tx1"/>
+                            </a:solidFill>
+                            <a:latin typeface="Cambria Math" panose="02040503050406030204" pitchFamily="18" charset="0"/>
+                          </a:rPr>
+                          <m:t>𝐴</m:t>
+                        </m:r>
+                      </m:e>
+                      <m:sub>
+                        <m:r>
+                          <a:rPr lang="en-US" sz="2400" i="1" dirty="0">
+                            <a:solidFill>
+                              <a:schemeClr val="tx1"/>
+                            </a:solidFill>
+                            <a:latin typeface="Cambria Math" panose="02040503050406030204" pitchFamily="18" charset="0"/>
+                          </a:rPr>
+                          <m:t>𝑖</m:t>
+                        </m:r>
+                      </m:sub>
+                    </m:sSub>
                     <m:r>
-                      <a:rPr lang="en-US" sz="2400" b="0" i="0" dirty="0" smtClean="0">
-                        <a:solidFill>
-                          <a:schemeClr val="tx1"/>
-                        </a:solidFill>
-                        <a:latin typeface="Cambria Math" panose="02040503050406030204" pitchFamily="18" charset="0"/>
-                      </a:rPr>
-                      <m:t>(</m:t>
-                    </m:r>
-                    <m:r>
-                      <m:rPr>
-                        <m:sty m:val="p"/>
-                      </m:rPr>
-                      <a:rPr lang="en-US" sz="2400" b="0" i="0" dirty="0" smtClean="0">
-                        <a:solidFill>
-                          <a:schemeClr val="tx1"/>
-                        </a:solidFill>
-                        <a:latin typeface="Cambria Math" panose="02040503050406030204" pitchFamily="18" charset="0"/>
-                      </a:rPr>
-                      <m:t>Ai</m:t>
-                    </m:r>
-                    <m:r>
-                      <a:rPr lang="en-US" sz="2400" b="0" i="0" dirty="0" smtClean="0">
+                      <a:rPr lang="en-US" sz="2400" i="1" dirty="0">
                         <a:solidFill>
                           <a:schemeClr val="tx1"/>
                         </a:solidFill>
@@ -14180,7 +13923,7 @@
             </p:nvSpPr>
             <p:spPr>
               <a:xfrm>
-                <a:off x="358411" y="39257360"/>
+                <a:off x="324382" y="39286138"/>
                 <a:ext cx="15705024" cy="1264657"/>
               </a:xfrm>
               <a:prstGeom prst="rect">
@@ -14208,6 +13951,1149 @@
           </p:sp>
         </mc:Fallback>
       </mc:AlternateContent>
+      <p:sp>
+        <p:nvSpPr>
+          <p:cNvPr id="42" name="Text Placeholder 382">
+            <a:extLst>
+              <a:ext uri="{FF2B5EF4-FFF2-40B4-BE49-F238E27FC236}">
+                <a16:creationId xmlns:a16="http://schemas.microsoft.com/office/drawing/2014/main" id="{1A4378FA-8BFF-F645-8BDE-168004C813ED}"/>
+              </a:ext>
+            </a:extLst>
+          </p:cNvPr>
+          <p:cNvSpPr txBox="1">
+            <a:spLocks/>
+          </p:cNvSpPr>
+          <p:nvPr/>
+        </p:nvSpPr>
+        <p:spPr>
+          <a:xfrm>
+            <a:off x="16772877" y="33727471"/>
+            <a:ext cx="14889169" cy="3673565"/>
+          </a:xfrm>
+          <a:prstGeom prst="rect">
+            <a:avLst/>
+          </a:prstGeom>
+        </p:spPr>
+        <p:txBody>
+          <a:bodyPr>
+            <a:noAutofit/>
+          </a:bodyPr>
+          <a:lstStyle>
+            <a:lvl1pPr marL="1611903" indent="-1611903" algn="l" defTabSz="4298410" rtl="0" eaLnBrk="1" latinLnBrk="0" hangingPunct="1">
+              <a:spcBef>
+                <a:spcPct val="20000"/>
+              </a:spcBef>
+              <a:buFont typeface="Arial" pitchFamily="34" charset="0"/>
+              <a:buChar char="•"/>
+              <a:defRPr sz="15100" kern="1200">
+                <a:solidFill>
+                  <a:schemeClr val="tx1"/>
+                </a:solidFill>
+                <a:latin typeface="+mn-lt"/>
+                <a:ea typeface="+mn-ea"/>
+                <a:cs typeface="+mn-cs"/>
+              </a:defRPr>
+            </a:lvl1pPr>
+            <a:lvl2pPr marL="3492457" indent="-1343252" algn="l" defTabSz="4298410" rtl="0" eaLnBrk="1" latinLnBrk="0" hangingPunct="1">
+              <a:spcBef>
+                <a:spcPct val="20000"/>
+              </a:spcBef>
+              <a:buFont typeface="Arial" pitchFamily="34" charset="0"/>
+              <a:buChar char="–"/>
+              <a:defRPr sz="13300" kern="1200">
+                <a:solidFill>
+                  <a:schemeClr val="tx1"/>
+                </a:solidFill>
+                <a:latin typeface="+mn-lt"/>
+                <a:ea typeface="+mn-ea"/>
+                <a:cs typeface="+mn-cs"/>
+              </a:defRPr>
+            </a:lvl2pPr>
+            <a:lvl3pPr marL="5373012" indent="-1074603" algn="l" defTabSz="4298410" rtl="0" eaLnBrk="1" latinLnBrk="0" hangingPunct="1">
+              <a:spcBef>
+                <a:spcPct val="20000"/>
+              </a:spcBef>
+              <a:buFont typeface="Arial" pitchFamily="34" charset="0"/>
+              <a:buChar char="•"/>
+              <a:defRPr sz="11300" kern="1200">
+                <a:solidFill>
+                  <a:schemeClr val="tx1"/>
+                </a:solidFill>
+                <a:latin typeface="+mn-lt"/>
+                <a:ea typeface="+mn-ea"/>
+                <a:cs typeface="+mn-cs"/>
+              </a:defRPr>
+            </a:lvl3pPr>
+            <a:lvl4pPr marL="7522217" indent="-1074603" algn="l" defTabSz="4298410" rtl="0" eaLnBrk="1" latinLnBrk="0" hangingPunct="1">
+              <a:spcBef>
+                <a:spcPct val="20000"/>
+              </a:spcBef>
+              <a:buFont typeface="Arial" pitchFamily="34" charset="0"/>
+              <a:buChar char="–"/>
+              <a:defRPr sz="9500" kern="1200">
+                <a:solidFill>
+                  <a:schemeClr val="tx1"/>
+                </a:solidFill>
+                <a:latin typeface="+mn-lt"/>
+                <a:ea typeface="+mn-ea"/>
+                <a:cs typeface="+mn-cs"/>
+              </a:defRPr>
+            </a:lvl4pPr>
+            <a:lvl5pPr marL="9671420" indent="-1074603" algn="l" defTabSz="4298410" rtl="0" eaLnBrk="1" latinLnBrk="0" hangingPunct="1">
+              <a:spcBef>
+                <a:spcPct val="20000"/>
+              </a:spcBef>
+              <a:buFont typeface="Arial" pitchFamily="34" charset="0"/>
+              <a:buChar char="»"/>
+              <a:defRPr sz="9500" kern="1200">
+                <a:solidFill>
+                  <a:schemeClr val="tx1"/>
+                </a:solidFill>
+                <a:latin typeface="+mn-lt"/>
+                <a:ea typeface="+mn-ea"/>
+                <a:cs typeface="+mn-cs"/>
+              </a:defRPr>
+            </a:lvl5pPr>
+            <a:lvl6pPr marL="11820625" indent="-1074603" algn="l" defTabSz="4298410" rtl="0" eaLnBrk="1" latinLnBrk="0" hangingPunct="1">
+              <a:spcBef>
+                <a:spcPct val="20000"/>
+              </a:spcBef>
+              <a:buFont typeface="Arial" pitchFamily="34" charset="0"/>
+              <a:buChar char="•"/>
+              <a:defRPr sz="9500" kern="1200">
+                <a:solidFill>
+                  <a:schemeClr val="tx1"/>
+                </a:solidFill>
+                <a:latin typeface="+mn-lt"/>
+                <a:ea typeface="+mn-ea"/>
+                <a:cs typeface="+mn-cs"/>
+              </a:defRPr>
+            </a:lvl6pPr>
+            <a:lvl7pPr marL="13969828" indent="-1074603" algn="l" defTabSz="4298410" rtl="0" eaLnBrk="1" latinLnBrk="0" hangingPunct="1">
+              <a:spcBef>
+                <a:spcPct val="20000"/>
+              </a:spcBef>
+              <a:buFont typeface="Arial" pitchFamily="34" charset="0"/>
+              <a:buChar char="•"/>
+              <a:defRPr sz="9500" kern="1200">
+                <a:solidFill>
+                  <a:schemeClr val="tx1"/>
+                </a:solidFill>
+                <a:latin typeface="+mn-lt"/>
+                <a:ea typeface="+mn-ea"/>
+                <a:cs typeface="+mn-cs"/>
+              </a:defRPr>
+            </a:lvl7pPr>
+            <a:lvl8pPr marL="16119034" indent="-1074603" algn="l" defTabSz="4298410" rtl="0" eaLnBrk="1" latinLnBrk="0" hangingPunct="1">
+              <a:spcBef>
+                <a:spcPct val="20000"/>
+              </a:spcBef>
+              <a:buFont typeface="Arial" pitchFamily="34" charset="0"/>
+              <a:buChar char="•"/>
+              <a:defRPr sz="9500" kern="1200">
+                <a:solidFill>
+                  <a:schemeClr val="tx1"/>
+                </a:solidFill>
+                <a:latin typeface="+mn-lt"/>
+                <a:ea typeface="+mn-ea"/>
+                <a:cs typeface="+mn-cs"/>
+              </a:defRPr>
+            </a:lvl8pPr>
+            <a:lvl9pPr marL="18268238" indent="-1074603" algn="l" defTabSz="4298410" rtl="0" eaLnBrk="1" latinLnBrk="0" hangingPunct="1">
+              <a:spcBef>
+                <a:spcPct val="20000"/>
+              </a:spcBef>
+              <a:buFont typeface="Arial" pitchFamily="34" charset="0"/>
+              <a:buChar char="•"/>
+              <a:defRPr sz="9500" kern="1200">
+                <a:solidFill>
+                  <a:schemeClr val="tx1"/>
+                </a:solidFill>
+                <a:latin typeface="+mn-lt"/>
+                <a:ea typeface="+mn-ea"/>
+                <a:cs typeface="+mn-cs"/>
+              </a:defRPr>
+            </a:lvl9pPr>
+          </a:lstStyle>
+          <a:p>
+            <a:pPr marL="0" indent="423903">
+              <a:spcBef>
+                <a:spcPts val="0"/>
+              </a:spcBef>
+              <a:buFont typeface="Wingdings" pitchFamily="2" charset="2"/>
+              <a:buChar char="Ø"/>
+            </a:pPr>
+            <a:r>
+              <a:rPr lang="en-GB" sz="2400" dirty="0">
+                <a:solidFill>
+                  <a:schemeClr val="accent5">
+                    <a:lumMod val="50000"/>
+                  </a:schemeClr>
+                </a:solidFill>
+                <a:latin typeface="Trebuchet MS" panose="020B0603020202020204" pitchFamily="34" charset="0"/>
+              </a:rPr>
+              <a:t>We present a generic DF framework that utilises a GP to flexibly model the discrepancy structure between the observational data and the numerical model outputs</a:t>
+            </a:r>
+          </a:p>
+          <a:p>
+            <a:pPr marL="0" indent="423903">
+              <a:lnSpc>
+                <a:spcPct val="150000"/>
+              </a:lnSpc>
+              <a:buFont typeface="Wingdings" pitchFamily="2" charset="2"/>
+              <a:buChar char="Ø"/>
+            </a:pPr>
+            <a:r>
+              <a:rPr lang="en-GB" sz="2400" dirty="0">
+                <a:solidFill>
+                  <a:schemeClr val="accent5">
+                    <a:lumMod val="50000"/>
+                  </a:schemeClr>
+                </a:solidFill>
+                <a:latin typeface="Trebuchet MS" panose="020B0603020202020204" pitchFamily="34" charset="0"/>
+              </a:rPr>
+              <a:t>The effectiveness of the DF framework has been demonstrated in the simulation study as well as in the application to European windstorm data by providing reliable out-of-sample estimates at high spatial resolution</a:t>
+            </a:r>
+          </a:p>
+          <a:p>
+            <a:pPr marL="0" indent="423903">
+              <a:lnSpc>
+                <a:spcPct val="150000"/>
+              </a:lnSpc>
+              <a:buFont typeface="Wingdings" pitchFamily="2" charset="2"/>
+              <a:buChar char="Ø"/>
+            </a:pPr>
+            <a:r>
+              <a:rPr lang="en-GB" sz="2400" dirty="0">
+                <a:solidFill>
+                  <a:schemeClr val="accent5">
+                    <a:lumMod val="50000"/>
+                  </a:schemeClr>
+                </a:solidFill>
+                <a:latin typeface="Trebuchet MS" panose="020B0603020202020204" pitchFamily="34" charset="0"/>
+              </a:rPr>
+              <a:t>The DF framework is in principle able to generalise to other data sources</a:t>
+            </a:r>
+          </a:p>
+          <a:p>
+            <a:pPr marL="0" indent="423903">
+              <a:lnSpc>
+                <a:spcPct val="150000"/>
+              </a:lnSpc>
+              <a:buFont typeface="Wingdings" pitchFamily="2" charset="2"/>
+              <a:buChar char="Ø"/>
+            </a:pPr>
+            <a:r>
+              <a:rPr lang="en-GB" sz="2400" dirty="0">
+                <a:solidFill>
+                  <a:schemeClr val="accent5">
+                    <a:lumMod val="50000"/>
+                  </a:schemeClr>
+                </a:solidFill>
+                <a:latin typeface="Trebuchet MS" panose="020B0603020202020204" pitchFamily="34" charset="0"/>
+              </a:rPr>
+              <a:t>Current work attempts to exploit sparse GPs to deal with millions of data points</a:t>
+            </a:r>
+          </a:p>
+        </p:txBody>
+      </p:sp>
+      <mc:AlternateContent xmlns:mc="http://schemas.openxmlformats.org/markup-compatibility/2006" xmlns:a14="http://schemas.microsoft.com/office/drawing/2010/main">
+        <mc:Choice Requires="a14">
+          <p:sp>
+            <p:nvSpPr>
+              <p:cNvPr id="2" name="Rectangle 1">
+                <a:extLst>
+                  <a:ext uri="{FF2B5EF4-FFF2-40B4-BE49-F238E27FC236}">
+                    <a16:creationId xmlns:a16="http://schemas.microsoft.com/office/drawing/2014/main" id="{6F8880C9-9E15-6547-9A17-ACE3D280FCFE}"/>
+                  </a:ext>
+                </a:extLst>
+              </p:cNvPr>
+              <p:cNvSpPr/>
+              <p:nvPr/>
+            </p:nvSpPr>
+            <p:spPr>
+              <a:xfrm>
+                <a:off x="17923464" y="14196394"/>
+                <a:ext cx="12612620" cy="461665"/>
+              </a:xfrm>
+              <a:prstGeom prst="rect">
+                <a:avLst/>
+              </a:prstGeom>
+            </p:spPr>
+            <p:txBody>
+              <a:bodyPr wrap="square">
+                <a:spAutoFit/>
+              </a:bodyPr>
+              <a:lstStyle/>
+              <a:p>
+                <a:pPr algn="ctr"/>
+                <a:r>
+                  <a:rPr lang="en-US" sz="2400" dirty="0">
+                    <a:latin typeface="Trebuchet MS" pitchFamily="34" charset="0"/>
+                  </a:rPr>
+                  <a:t>Out-of-sample RMSE, AWCI and CP for Kriging and the DF approach at the </a:t>
+                </a:r>
+                <a14:m>
+                  <m:oMath xmlns:m="http://schemas.openxmlformats.org/officeDocument/2006/math">
+                    <m:sSup>
+                      <m:sSupPr>
+                        <m:ctrlPr>
+                          <a:rPr lang="en-US" sz="2400" i="1" smtClean="0">
+                            <a:latin typeface="Cambria Math" panose="02040503050406030204" pitchFamily="18" charset="0"/>
+                          </a:rPr>
+                        </m:ctrlPr>
+                      </m:sSupPr>
+                      <m:e>
+                        <m:r>
+                          <a:rPr lang="en-US" sz="2400" b="0" i="1" smtClean="0">
+                            <a:latin typeface="Cambria Math" panose="02040503050406030204" pitchFamily="18" charset="0"/>
+                          </a:rPr>
+                          <m:t>10</m:t>
+                        </m:r>
+                      </m:e>
+                      <m:sup>
+                        <m:r>
+                          <a:rPr lang="en-US" sz="2400" b="0" i="1" smtClean="0">
+                            <a:latin typeface="Cambria Math" panose="02040503050406030204" pitchFamily="18" charset="0"/>
+                          </a:rPr>
+                          <m:t>6</m:t>
+                        </m:r>
+                      </m:sup>
+                    </m:sSup>
+                  </m:oMath>
+                </a14:m>
+                <a:r>
+                  <a:rPr lang="en-US" sz="2400" dirty="0">
+                    <a:latin typeface="Trebuchet MS" pitchFamily="34" charset="0"/>
+                  </a:rPr>
+                  <a:t> grid cells</a:t>
+                </a:r>
+              </a:p>
+            </p:txBody>
+          </p:sp>
+        </mc:Choice>
+        <mc:Fallback xmlns="">
+          <p:sp>
+            <p:nvSpPr>
+              <p:cNvPr id="2" name="Rectangle 1">
+                <a:extLst>
+                  <a:ext uri="{FF2B5EF4-FFF2-40B4-BE49-F238E27FC236}">
+                    <a16:creationId xmlns:a16="http://schemas.microsoft.com/office/drawing/2014/main" id="{6F8880C9-9E15-6547-9A17-ACE3D280FCFE}"/>
+                  </a:ext>
+                </a:extLst>
+              </p:cNvPr>
+              <p:cNvSpPr>
+                <a:spLocks noRot="1" noChangeAspect="1" noMove="1" noResize="1" noEditPoints="1" noAdjustHandles="1" noChangeArrowheads="1" noChangeShapeType="1" noTextEdit="1"/>
+              </p:cNvSpPr>
+              <p:nvPr/>
+            </p:nvSpPr>
+            <p:spPr>
+              <a:xfrm>
+                <a:off x="17923464" y="14196394"/>
+                <a:ext cx="12612620" cy="461665"/>
+              </a:xfrm>
+              <a:prstGeom prst="rect">
+                <a:avLst/>
+              </a:prstGeom>
+              <a:blipFill>
+                <a:blip r:embed="rId21"/>
+                <a:stretch>
+                  <a:fillRect t="-8108" b="-27027"/>
+                </a:stretch>
+              </a:blipFill>
+            </p:spPr>
+            <p:txBody>
+              <a:bodyPr/>
+              <a:lstStyle/>
+              <a:p>
+                <a:r>
+                  <a:rPr lang="en-US">
+                    <a:noFill/>
+                  </a:rPr>
+                  <a:t> </a:t>
+                </a:r>
+              </a:p>
+            </p:txBody>
+          </p:sp>
+        </mc:Fallback>
+      </mc:AlternateContent>
+      <p:sp>
+        <p:nvSpPr>
+          <p:cNvPr id="44" name="Text Placeholder 382">
+            <a:extLst>
+              <a:ext uri="{FF2B5EF4-FFF2-40B4-BE49-F238E27FC236}">
+                <a16:creationId xmlns:a16="http://schemas.microsoft.com/office/drawing/2014/main" id="{10D8FAD5-D65D-6C44-8D34-D117E4E50271}"/>
+              </a:ext>
+            </a:extLst>
+          </p:cNvPr>
+          <p:cNvSpPr txBox="1">
+            <a:spLocks/>
+          </p:cNvSpPr>
+          <p:nvPr/>
+        </p:nvSpPr>
+        <p:spPr>
+          <a:xfrm>
+            <a:off x="16766881" y="18368461"/>
+            <a:ext cx="15296781" cy="1897503"/>
+          </a:xfrm>
+          <a:prstGeom prst="rect">
+            <a:avLst/>
+          </a:prstGeom>
+        </p:spPr>
+        <p:txBody>
+          <a:bodyPr>
+            <a:noAutofit/>
+          </a:bodyPr>
+          <a:lstStyle>
+            <a:lvl1pPr marL="1611903" indent="-1611903" algn="l" defTabSz="4298410" rtl="0" eaLnBrk="1" latinLnBrk="0" hangingPunct="1">
+              <a:spcBef>
+                <a:spcPct val="20000"/>
+              </a:spcBef>
+              <a:buFont typeface="Arial" pitchFamily="34" charset="0"/>
+              <a:buChar char="•"/>
+              <a:defRPr sz="15100" kern="1200">
+                <a:solidFill>
+                  <a:schemeClr val="tx1"/>
+                </a:solidFill>
+                <a:latin typeface="+mn-lt"/>
+                <a:ea typeface="+mn-ea"/>
+                <a:cs typeface="+mn-cs"/>
+              </a:defRPr>
+            </a:lvl1pPr>
+            <a:lvl2pPr marL="3492457" indent="-1343252" algn="l" defTabSz="4298410" rtl="0" eaLnBrk="1" latinLnBrk="0" hangingPunct="1">
+              <a:spcBef>
+                <a:spcPct val="20000"/>
+              </a:spcBef>
+              <a:buFont typeface="Arial" pitchFamily="34" charset="0"/>
+              <a:buChar char="–"/>
+              <a:defRPr sz="13300" kern="1200">
+                <a:solidFill>
+                  <a:schemeClr val="tx1"/>
+                </a:solidFill>
+                <a:latin typeface="+mn-lt"/>
+                <a:ea typeface="+mn-ea"/>
+                <a:cs typeface="+mn-cs"/>
+              </a:defRPr>
+            </a:lvl2pPr>
+            <a:lvl3pPr marL="5373012" indent="-1074603" algn="l" defTabSz="4298410" rtl="0" eaLnBrk="1" latinLnBrk="0" hangingPunct="1">
+              <a:spcBef>
+                <a:spcPct val="20000"/>
+              </a:spcBef>
+              <a:buFont typeface="Arial" pitchFamily="34" charset="0"/>
+              <a:buChar char="•"/>
+              <a:defRPr sz="11300" kern="1200">
+                <a:solidFill>
+                  <a:schemeClr val="tx1"/>
+                </a:solidFill>
+                <a:latin typeface="+mn-lt"/>
+                <a:ea typeface="+mn-ea"/>
+                <a:cs typeface="+mn-cs"/>
+              </a:defRPr>
+            </a:lvl3pPr>
+            <a:lvl4pPr marL="7522217" indent="-1074603" algn="l" defTabSz="4298410" rtl="0" eaLnBrk="1" latinLnBrk="0" hangingPunct="1">
+              <a:spcBef>
+                <a:spcPct val="20000"/>
+              </a:spcBef>
+              <a:buFont typeface="Arial" pitchFamily="34" charset="0"/>
+              <a:buChar char="–"/>
+              <a:defRPr sz="9500" kern="1200">
+                <a:solidFill>
+                  <a:schemeClr val="tx1"/>
+                </a:solidFill>
+                <a:latin typeface="+mn-lt"/>
+                <a:ea typeface="+mn-ea"/>
+                <a:cs typeface="+mn-cs"/>
+              </a:defRPr>
+            </a:lvl4pPr>
+            <a:lvl5pPr marL="9671420" indent="-1074603" algn="l" defTabSz="4298410" rtl="0" eaLnBrk="1" latinLnBrk="0" hangingPunct="1">
+              <a:spcBef>
+                <a:spcPct val="20000"/>
+              </a:spcBef>
+              <a:buFont typeface="Arial" pitchFamily="34" charset="0"/>
+              <a:buChar char="»"/>
+              <a:defRPr sz="9500" kern="1200">
+                <a:solidFill>
+                  <a:schemeClr val="tx1"/>
+                </a:solidFill>
+                <a:latin typeface="+mn-lt"/>
+                <a:ea typeface="+mn-ea"/>
+                <a:cs typeface="+mn-cs"/>
+              </a:defRPr>
+            </a:lvl5pPr>
+            <a:lvl6pPr marL="11820625" indent="-1074603" algn="l" defTabSz="4298410" rtl="0" eaLnBrk="1" latinLnBrk="0" hangingPunct="1">
+              <a:spcBef>
+                <a:spcPct val="20000"/>
+              </a:spcBef>
+              <a:buFont typeface="Arial" pitchFamily="34" charset="0"/>
+              <a:buChar char="•"/>
+              <a:defRPr sz="9500" kern="1200">
+                <a:solidFill>
+                  <a:schemeClr val="tx1"/>
+                </a:solidFill>
+                <a:latin typeface="+mn-lt"/>
+                <a:ea typeface="+mn-ea"/>
+                <a:cs typeface="+mn-cs"/>
+              </a:defRPr>
+            </a:lvl6pPr>
+            <a:lvl7pPr marL="13969828" indent="-1074603" algn="l" defTabSz="4298410" rtl="0" eaLnBrk="1" latinLnBrk="0" hangingPunct="1">
+              <a:spcBef>
+                <a:spcPct val="20000"/>
+              </a:spcBef>
+              <a:buFont typeface="Arial" pitchFamily="34" charset="0"/>
+              <a:buChar char="•"/>
+              <a:defRPr sz="9500" kern="1200">
+                <a:solidFill>
+                  <a:schemeClr val="tx1"/>
+                </a:solidFill>
+                <a:latin typeface="+mn-lt"/>
+                <a:ea typeface="+mn-ea"/>
+                <a:cs typeface="+mn-cs"/>
+              </a:defRPr>
+            </a:lvl7pPr>
+            <a:lvl8pPr marL="16119034" indent="-1074603" algn="l" defTabSz="4298410" rtl="0" eaLnBrk="1" latinLnBrk="0" hangingPunct="1">
+              <a:spcBef>
+                <a:spcPct val="20000"/>
+              </a:spcBef>
+              <a:buFont typeface="Arial" pitchFamily="34" charset="0"/>
+              <a:buChar char="•"/>
+              <a:defRPr sz="9500" kern="1200">
+                <a:solidFill>
+                  <a:schemeClr val="tx1"/>
+                </a:solidFill>
+                <a:latin typeface="+mn-lt"/>
+                <a:ea typeface="+mn-ea"/>
+                <a:cs typeface="+mn-cs"/>
+              </a:defRPr>
+            </a:lvl8pPr>
+            <a:lvl9pPr marL="18268238" indent="-1074603" algn="l" defTabSz="4298410" rtl="0" eaLnBrk="1" latinLnBrk="0" hangingPunct="1">
+              <a:spcBef>
+                <a:spcPct val="20000"/>
+              </a:spcBef>
+              <a:buFont typeface="Arial" pitchFamily="34" charset="0"/>
+              <a:buChar char="•"/>
+              <a:defRPr sz="9500" kern="1200">
+                <a:solidFill>
+                  <a:schemeClr val="tx1"/>
+                </a:solidFill>
+                <a:latin typeface="+mn-lt"/>
+                <a:ea typeface="+mn-ea"/>
+                <a:cs typeface="+mn-cs"/>
+              </a:defRPr>
+            </a:lvl9pPr>
+          </a:lstStyle>
+          <a:p>
+            <a:pPr marL="0" indent="423903">
+              <a:lnSpc>
+                <a:spcPct val="150000"/>
+              </a:lnSpc>
+              <a:buFont typeface="Wingdings" pitchFamily="2" charset="2"/>
+              <a:buChar char="Ø"/>
+            </a:pPr>
+            <a:r>
+              <a:rPr lang="en-GB" sz="2400" dirty="0">
+                <a:solidFill>
+                  <a:schemeClr val="accent5">
+                    <a:lumMod val="50000"/>
+                  </a:schemeClr>
+                </a:solidFill>
+                <a:latin typeface="Trebuchet MS" panose="020B0603020202020204" pitchFamily="34" charset="0"/>
+              </a:rPr>
+              <a:t>RMSE, AWCI of the DF model is much lower than those of the Kriging model whereas the coverage probability of the former is similar to that of the latter</a:t>
+            </a:r>
+          </a:p>
+          <a:p>
+            <a:pPr marL="0" indent="423903">
+              <a:lnSpc>
+                <a:spcPct val="150000"/>
+              </a:lnSpc>
+              <a:buFont typeface="Wingdings" pitchFamily="2" charset="2"/>
+              <a:buChar char="Ø"/>
+            </a:pPr>
+            <a:r>
+              <a:rPr lang="en-GB" sz="2400" dirty="0">
+                <a:solidFill>
+                  <a:schemeClr val="accent5">
+                    <a:lumMod val="50000"/>
+                  </a:schemeClr>
+                </a:solidFill>
+                <a:latin typeface="Trebuchet MS" panose="020B0603020202020204" pitchFamily="34" charset="0"/>
+              </a:rPr>
+              <a:t>DF model is able to more accurately quantify the uncertainty at high spatial resolution</a:t>
+            </a:r>
+          </a:p>
+        </p:txBody>
+      </p:sp>
+      <p:sp>
+        <p:nvSpPr>
+          <p:cNvPr id="45" name="Text Placeholder 382">
+            <a:extLst>
+              <a:ext uri="{FF2B5EF4-FFF2-40B4-BE49-F238E27FC236}">
+                <a16:creationId xmlns:a16="http://schemas.microsoft.com/office/drawing/2014/main" id="{5FFCC18F-BD4C-1B42-ACE1-49E54DB2799C}"/>
+              </a:ext>
+            </a:extLst>
+          </p:cNvPr>
+          <p:cNvSpPr txBox="1">
+            <a:spLocks/>
+          </p:cNvSpPr>
+          <p:nvPr/>
+        </p:nvSpPr>
+        <p:spPr>
+          <a:xfrm>
+            <a:off x="16744504" y="11590862"/>
+            <a:ext cx="15296781" cy="1790757"/>
+          </a:xfrm>
+          <a:prstGeom prst="rect">
+            <a:avLst/>
+          </a:prstGeom>
+        </p:spPr>
+        <p:txBody>
+          <a:bodyPr>
+            <a:noAutofit/>
+          </a:bodyPr>
+          <a:lstStyle>
+            <a:lvl1pPr marL="1611903" indent="-1611903" algn="l" defTabSz="4298410" rtl="0" eaLnBrk="1" latinLnBrk="0" hangingPunct="1">
+              <a:spcBef>
+                <a:spcPct val="20000"/>
+              </a:spcBef>
+              <a:buFont typeface="Arial" pitchFamily="34" charset="0"/>
+              <a:buChar char="•"/>
+              <a:defRPr sz="15100" kern="1200">
+                <a:solidFill>
+                  <a:schemeClr val="tx1"/>
+                </a:solidFill>
+                <a:latin typeface="+mn-lt"/>
+                <a:ea typeface="+mn-ea"/>
+                <a:cs typeface="+mn-cs"/>
+              </a:defRPr>
+            </a:lvl1pPr>
+            <a:lvl2pPr marL="3492457" indent="-1343252" algn="l" defTabSz="4298410" rtl="0" eaLnBrk="1" latinLnBrk="0" hangingPunct="1">
+              <a:spcBef>
+                <a:spcPct val="20000"/>
+              </a:spcBef>
+              <a:buFont typeface="Arial" pitchFamily="34" charset="0"/>
+              <a:buChar char="–"/>
+              <a:defRPr sz="13300" kern="1200">
+                <a:solidFill>
+                  <a:schemeClr val="tx1"/>
+                </a:solidFill>
+                <a:latin typeface="+mn-lt"/>
+                <a:ea typeface="+mn-ea"/>
+                <a:cs typeface="+mn-cs"/>
+              </a:defRPr>
+            </a:lvl2pPr>
+            <a:lvl3pPr marL="5373012" indent="-1074603" algn="l" defTabSz="4298410" rtl="0" eaLnBrk="1" latinLnBrk="0" hangingPunct="1">
+              <a:spcBef>
+                <a:spcPct val="20000"/>
+              </a:spcBef>
+              <a:buFont typeface="Arial" pitchFamily="34" charset="0"/>
+              <a:buChar char="•"/>
+              <a:defRPr sz="11300" kern="1200">
+                <a:solidFill>
+                  <a:schemeClr val="tx1"/>
+                </a:solidFill>
+                <a:latin typeface="+mn-lt"/>
+                <a:ea typeface="+mn-ea"/>
+                <a:cs typeface="+mn-cs"/>
+              </a:defRPr>
+            </a:lvl3pPr>
+            <a:lvl4pPr marL="7522217" indent="-1074603" algn="l" defTabSz="4298410" rtl="0" eaLnBrk="1" latinLnBrk="0" hangingPunct="1">
+              <a:spcBef>
+                <a:spcPct val="20000"/>
+              </a:spcBef>
+              <a:buFont typeface="Arial" pitchFamily="34" charset="0"/>
+              <a:buChar char="–"/>
+              <a:defRPr sz="9500" kern="1200">
+                <a:solidFill>
+                  <a:schemeClr val="tx1"/>
+                </a:solidFill>
+                <a:latin typeface="+mn-lt"/>
+                <a:ea typeface="+mn-ea"/>
+                <a:cs typeface="+mn-cs"/>
+              </a:defRPr>
+            </a:lvl4pPr>
+            <a:lvl5pPr marL="9671420" indent="-1074603" algn="l" defTabSz="4298410" rtl="0" eaLnBrk="1" latinLnBrk="0" hangingPunct="1">
+              <a:spcBef>
+                <a:spcPct val="20000"/>
+              </a:spcBef>
+              <a:buFont typeface="Arial" pitchFamily="34" charset="0"/>
+              <a:buChar char="»"/>
+              <a:defRPr sz="9500" kern="1200">
+                <a:solidFill>
+                  <a:schemeClr val="tx1"/>
+                </a:solidFill>
+                <a:latin typeface="+mn-lt"/>
+                <a:ea typeface="+mn-ea"/>
+                <a:cs typeface="+mn-cs"/>
+              </a:defRPr>
+            </a:lvl5pPr>
+            <a:lvl6pPr marL="11820625" indent="-1074603" algn="l" defTabSz="4298410" rtl="0" eaLnBrk="1" latinLnBrk="0" hangingPunct="1">
+              <a:spcBef>
+                <a:spcPct val="20000"/>
+              </a:spcBef>
+              <a:buFont typeface="Arial" pitchFamily="34" charset="0"/>
+              <a:buChar char="•"/>
+              <a:defRPr sz="9500" kern="1200">
+                <a:solidFill>
+                  <a:schemeClr val="tx1"/>
+                </a:solidFill>
+                <a:latin typeface="+mn-lt"/>
+                <a:ea typeface="+mn-ea"/>
+                <a:cs typeface="+mn-cs"/>
+              </a:defRPr>
+            </a:lvl6pPr>
+            <a:lvl7pPr marL="13969828" indent="-1074603" algn="l" defTabSz="4298410" rtl="0" eaLnBrk="1" latinLnBrk="0" hangingPunct="1">
+              <a:spcBef>
+                <a:spcPct val="20000"/>
+              </a:spcBef>
+              <a:buFont typeface="Arial" pitchFamily="34" charset="0"/>
+              <a:buChar char="•"/>
+              <a:defRPr sz="9500" kern="1200">
+                <a:solidFill>
+                  <a:schemeClr val="tx1"/>
+                </a:solidFill>
+                <a:latin typeface="+mn-lt"/>
+                <a:ea typeface="+mn-ea"/>
+                <a:cs typeface="+mn-cs"/>
+              </a:defRPr>
+            </a:lvl7pPr>
+            <a:lvl8pPr marL="16119034" indent="-1074603" algn="l" defTabSz="4298410" rtl="0" eaLnBrk="1" latinLnBrk="0" hangingPunct="1">
+              <a:spcBef>
+                <a:spcPct val="20000"/>
+              </a:spcBef>
+              <a:buFont typeface="Arial" pitchFamily="34" charset="0"/>
+              <a:buChar char="•"/>
+              <a:defRPr sz="9500" kern="1200">
+                <a:solidFill>
+                  <a:schemeClr val="tx1"/>
+                </a:solidFill>
+                <a:latin typeface="+mn-lt"/>
+                <a:ea typeface="+mn-ea"/>
+                <a:cs typeface="+mn-cs"/>
+              </a:defRPr>
+            </a:lvl8pPr>
+            <a:lvl9pPr marL="18268238" indent="-1074603" algn="l" defTabSz="4298410" rtl="0" eaLnBrk="1" latinLnBrk="0" hangingPunct="1">
+              <a:spcBef>
+                <a:spcPct val="20000"/>
+              </a:spcBef>
+              <a:buFont typeface="Arial" pitchFamily="34" charset="0"/>
+              <a:buChar char="•"/>
+              <a:defRPr sz="9500" kern="1200">
+                <a:solidFill>
+                  <a:schemeClr val="tx1"/>
+                </a:solidFill>
+                <a:latin typeface="+mn-lt"/>
+                <a:ea typeface="+mn-ea"/>
+                <a:cs typeface="+mn-cs"/>
+              </a:defRPr>
+            </a:lvl9pPr>
+          </a:lstStyle>
+          <a:p>
+            <a:pPr marL="0" indent="423903">
+              <a:lnSpc>
+                <a:spcPct val="150000"/>
+              </a:lnSpc>
+              <a:buFont typeface="Wingdings" pitchFamily="2" charset="2"/>
+              <a:buChar char="Ø"/>
+            </a:pPr>
+            <a:r>
+              <a:rPr lang="en-GB" sz="2400" dirty="0">
+                <a:solidFill>
+                  <a:schemeClr val="accent5">
+                    <a:lumMod val="50000"/>
+                  </a:schemeClr>
+                </a:solidFill>
+                <a:latin typeface="Trebuchet MS" panose="020B0603020202020204" pitchFamily="34" charset="0"/>
+              </a:rPr>
+              <a:t>Metrics: RMSE (root mean square error), average width of 95% confidence interval (AWCI), coverage probability (CP); the Kriging  model is described by equations (1) and (2)</a:t>
+            </a:r>
+          </a:p>
+          <a:p>
+            <a:pPr marL="0" indent="423903">
+              <a:lnSpc>
+                <a:spcPct val="150000"/>
+              </a:lnSpc>
+              <a:buFont typeface="Wingdings" pitchFamily="2" charset="2"/>
+              <a:buChar char="Ø"/>
+            </a:pPr>
+            <a:r>
+              <a:rPr lang="en-GB" sz="2400" dirty="0">
+                <a:solidFill>
+                  <a:schemeClr val="accent5">
+                    <a:lumMod val="50000"/>
+                  </a:schemeClr>
+                </a:solidFill>
+                <a:latin typeface="Trebuchet MS" panose="020B0603020202020204" pitchFamily="34" charset="0"/>
+              </a:rPr>
+              <a:t>DF model achieves a lower RMSE and AWCI while maintaining a similar CP</a:t>
+            </a:r>
+          </a:p>
+          <a:p>
+            <a:pPr marL="0" indent="423903">
+              <a:lnSpc>
+                <a:spcPct val="150000"/>
+              </a:lnSpc>
+              <a:buFont typeface="Wingdings" pitchFamily="2" charset="2"/>
+              <a:buChar char="Ø"/>
+            </a:pPr>
+            <a:r>
+              <a:rPr lang="en-GB" sz="2400" dirty="0">
+                <a:solidFill>
+                  <a:schemeClr val="accent5">
+                    <a:lumMod val="50000"/>
+                  </a:schemeClr>
+                </a:solidFill>
+                <a:latin typeface="Trebuchet MS" panose="020B0603020202020204" pitchFamily="34" charset="0"/>
+              </a:rPr>
+              <a:t>The higher the number of model outputs, the lower the RMSE and AWCI</a:t>
+            </a:r>
+          </a:p>
+        </p:txBody>
+      </p:sp>
+      <p:sp>
+        <p:nvSpPr>
+          <p:cNvPr id="47" name="Text Placeholder 382">
+            <a:extLst>
+              <a:ext uri="{FF2B5EF4-FFF2-40B4-BE49-F238E27FC236}">
+                <a16:creationId xmlns:a16="http://schemas.microsoft.com/office/drawing/2014/main" id="{59A19D2A-A100-A848-B9DA-1E1058A4E2D4}"/>
+              </a:ext>
+            </a:extLst>
+          </p:cNvPr>
+          <p:cNvSpPr txBox="1">
+            <a:spLocks/>
+          </p:cNvSpPr>
+          <p:nvPr/>
+        </p:nvSpPr>
+        <p:spPr>
+          <a:xfrm>
+            <a:off x="16766881" y="31808884"/>
+            <a:ext cx="15637169" cy="1206916"/>
+          </a:xfrm>
+          <a:prstGeom prst="rect">
+            <a:avLst/>
+          </a:prstGeom>
+        </p:spPr>
+        <p:txBody>
+          <a:bodyPr>
+            <a:noAutofit/>
+          </a:bodyPr>
+          <a:lstStyle>
+            <a:lvl1pPr marL="1611903" indent="-1611903" algn="l" defTabSz="4298410" rtl="0" eaLnBrk="1" latinLnBrk="0" hangingPunct="1">
+              <a:spcBef>
+                <a:spcPct val="20000"/>
+              </a:spcBef>
+              <a:buFont typeface="Arial" pitchFamily="34" charset="0"/>
+              <a:buChar char="•"/>
+              <a:defRPr sz="15100" kern="1200">
+                <a:solidFill>
+                  <a:schemeClr val="tx1"/>
+                </a:solidFill>
+                <a:latin typeface="+mn-lt"/>
+                <a:ea typeface="+mn-ea"/>
+                <a:cs typeface="+mn-cs"/>
+              </a:defRPr>
+            </a:lvl1pPr>
+            <a:lvl2pPr marL="3492457" indent="-1343252" algn="l" defTabSz="4298410" rtl="0" eaLnBrk="1" latinLnBrk="0" hangingPunct="1">
+              <a:spcBef>
+                <a:spcPct val="20000"/>
+              </a:spcBef>
+              <a:buFont typeface="Arial" pitchFamily="34" charset="0"/>
+              <a:buChar char="–"/>
+              <a:defRPr sz="13300" kern="1200">
+                <a:solidFill>
+                  <a:schemeClr val="tx1"/>
+                </a:solidFill>
+                <a:latin typeface="+mn-lt"/>
+                <a:ea typeface="+mn-ea"/>
+                <a:cs typeface="+mn-cs"/>
+              </a:defRPr>
+            </a:lvl2pPr>
+            <a:lvl3pPr marL="5373012" indent="-1074603" algn="l" defTabSz="4298410" rtl="0" eaLnBrk="1" latinLnBrk="0" hangingPunct="1">
+              <a:spcBef>
+                <a:spcPct val="20000"/>
+              </a:spcBef>
+              <a:buFont typeface="Arial" pitchFamily="34" charset="0"/>
+              <a:buChar char="•"/>
+              <a:defRPr sz="11300" kern="1200">
+                <a:solidFill>
+                  <a:schemeClr val="tx1"/>
+                </a:solidFill>
+                <a:latin typeface="+mn-lt"/>
+                <a:ea typeface="+mn-ea"/>
+                <a:cs typeface="+mn-cs"/>
+              </a:defRPr>
+            </a:lvl3pPr>
+            <a:lvl4pPr marL="7522217" indent="-1074603" algn="l" defTabSz="4298410" rtl="0" eaLnBrk="1" latinLnBrk="0" hangingPunct="1">
+              <a:spcBef>
+                <a:spcPct val="20000"/>
+              </a:spcBef>
+              <a:buFont typeface="Arial" pitchFamily="34" charset="0"/>
+              <a:buChar char="–"/>
+              <a:defRPr sz="9500" kern="1200">
+                <a:solidFill>
+                  <a:schemeClr val="tx1"/>
+                </a:solidFill>
+                <a:latin typeface="+mn-lt"/>
+                <a:ea typeface="+mn-ea"/>
+                <a:cs typeface="+mn-cs"/>
+              </a:defRPr>
+            </a:lvl4pPr>
+            <a:lvl5pPr marL="9671420" indent="-1074603" algn="l" defTabSz="4298410" rtl="0" eaLnBrk="1" latinLnBrk="0" hangingPunct="1">
+              <a:spcBef>
+                <a:spcPct val="20000"/>
+              </a:spcBef>
+              <a:buFont typeface="Arial" pitchFamily="34" charset="0"/>
+              <a:buChar char="»"/>
+              <a:defRPr sz="9500" kern="1200">
+                <a:solidFill>
+                  <a:schemeClr val="tx1"/>
+                </a:solidFill>
+                <a:latin typeface="+mn-lt"/>
+                <a:ea typeface="+mn-ea"/>
+                <a:cs typeface="+mn-cs"/>
+              </a:defRPr>
+            </a:lvl5pPr>
+            <a:lvl6pPr marL="11820625" indent="-1074603" algn="l" defTabSz="4298410" rtl="0" eaLnBrk="1" latinLnBrk="0" hangingPunct="1">
+              <a:spcBef>
+                <a:spcPct val="20000"/>
+              </a:spcBef>
+              <a:buFont typeface="Arial" pitchFamily="34" charset="0"/>
+              <a:buChar char="•"/>
+              <a:defRPr sz="9500" kern="1200">
+                <a:solidFill>
+                  <a:schemeClr val="tx1"/>
+                </a:solidFill>
+                <a:latin typeface="+mn-lt"/>
+                <a:ea typeface="+mn-ea"/>
+                <a:cs typeface="+mn-cs"/>
+              </a:defRPr>
+            </a:lvl6pPr>
+            <a:lvl7pPr marL="13969828" indent="-1074603" algn="l" defTabSz="4298410" rtl="0" eaLnBrk="1" latinLnBrk="0" hangingPunct="1">
+              <a:spcBef>
+                <a:spcPct val="20000"/>
+              </a:spcBef>
+              <a:buFont typeface="Arial" pitchFamily="34" charset="0"/>
+              <a:buChar char="•"/>
+              <a:defRPr sz="9500" kern="1200">
+                <a:solidFill>
+                  <a:schemeClr val="tx1"/>
+                </a:solidFill>
+                <a:latin typeface="+mn-lt"/>
+                <a:ea typeface="+mn-ea"/>
+                <a:cs typeface="+mn-cs"/>
+              </a:defRPr>
+            </a:lvl7pPr>
+            <a:lvl8pPr marL="16119034" indent="-1074603" algn="l" defTabSz="4298410" rtl="0" eaLnBrk="1" latinLnBrk="0" hangingPunct="1">
+              <a:spcBef>
+                <a:spcPct val="20000"/>
+              </a:spcBef>
+              <a:buFont typeface="Arial" pitchFamily="34" charset="0"/>
+              <a:buChar char="•"/>
+              <a:defRPr sz="9500" kern="1200">
+                <a:solidFill>
+                  <a:schemeClr val="tx1"/>
+                </a:solidFill>
+                <a:latin typeface="+mn-lt"/>
+                <a:ea typeface="+mn-ea"/>
+                <a:cs typeface="+mn-cs"/>
+              </a:defRPr>
+            </a:lvl8pPr>
+            <a:lvl9pPr marL="18268238" indent="-1074603" algn="l" defTabSz="4298410" rtl="0" eaLnBrk="1" latinLnBrk="0" hangingPunct="1">
+              <a:spcBef>
+                <a:spcPct val="20000"/>
+              </a:spcBef>
+              <a:buFont typeface="Arial" pitchFamily="34" charset="0"/>
+              <a:buChar char="•"/>
+              <a:defRPr sz="9500" kern="1200">
+                <a:solidFill>
+                  <a:schemeClr val="tx1"/>
+                </a:solidFill>
+                <a:latin typeface="+mn-lt"/>
+                <a:ea typeface="+mn-ea"/>
+                <a:cs typeface="+mn-cs"/>
+              </a:defRPr>
+            </a:lvl9pPr>
+          </a:lstStyle>
+          <a:p>
+            <a:pPr marL="0" indent="423903">
+              <a:spcBef>
+                <a:spcPts val="0"/>
+              </a:spcBef>
+              <a:buFont typeface="Wingdings" pitchFamily="2" charset="2"/>
+              <a:buChar char="Ø"/>
+            </a:pPr>
+            <a:r>
+              <a:rPr lang="en-GB" sz="2400" dirty="0">
+                <a:solidFill>
+                  <a:schemeClr val="accent5">
+                    <a:lumMod val="50000"/>
+                  </a:schemeClr>
+                </a:solidFill>
+                <a:latin typeface="Trebuchet MS" panose="020B0603020202020204" pitchFamily="34" charset="0"/>
+              </a:rPr>
+              <a:t>High prediction accuracy of 93%</a:t>
+            </a:r>
+          </a:p>
+          <a:p>
+            <a:pPr marL="0" indent="423903">
+              <a:lnSpc>
+                <a:spcPct val="150000"/>
+              </a:lnSpc>
+              <a:buFont typeface="Wingdings" pitchFamily="2" charset="2"/>
+              <a:buChar char="Ø"/>
+            </a:pPr>
+            <a:r>
+              <a:rPr lang="en-GB" sz="2400" dirty="0">
+                <a:solidFill>
+                  <a:schemeClr val="accent5">
+                    <a:lumMod val="50000"/>
+                  </a:schemeClr>
+                </a:solidFill>
+                <a:latin typeface="Trebuchet MS" panose="020B0603020202020204" pitchFamily="34" charset="0"/>
+              </a:rPr>
+              <a:t>Two abnormal ones locates at the boundary where higher uncertainty is expected</a:t>
+            </a:r>
+          </a:p>
+          <a:p>
+            <a:pPr marL="0" indent="0">
+              <a:lnSpc>
+                <a:spcPct val="150000"/>
+              </a:lnSpc>
+              <a:buNone/>
+            </a:pPr>
+            <a:endParaRPr lang="en-GB" sz="2400" dirty="0">
+              <a:solidFill>
+                <a:schemeClr val="accent5">
+                  <a:lumMod val="50000"/>
+                </a:schemeClr>
+              </a:solidFill>
+              <a:latin typeface="Trebuchet MS" panose="020B0603020202020204" pitchFamily="34" charset="0"/>
+            </a:endParaRPr>
+          </a:p>
+        </p:txBody>
+      </p:sp>
+      <p:sp>
+        <p:nvSpPr>
+          <p:cNvPr id="46" name="Rectangle 45">
+            <a:extLst>
+              <a:ext uri="{FF2B5EF4-FFF2-40B4-BE49-F238E27FC236}">
+                <a16:creationId xmlns:a16="http://schemas.microsoft.com/office/drawing/2014/main" id="{39998CAC-CE8C-B84D-8622-712771A31138}"/>
+              </a:ext>
+            </a:extLst>
+          </p:cNvPr>
+          <p:cNvSpPr/>
+          <p:nvPr/>
+        </p:nvSpPr>
+        <p:spPr>
+          <a:xfrm>
+            <a:off x="17150072" y="26822040"/>
+            <a:ext cx="7435393" cy="461665"/>
+          </a:xfrm>
+          <a:prstGeom prst="rect">
+            <a:avLst/>
+          </a:prstGeom>
+        </p:spPr>
+        <p:txBody>
+          <a:bodyPr wrap="square">
+            <a:spAutoFit/>
+          </a:bodyPr>
+          <a:lstStyle/>
+          <a:p>
+            <a:pPr algn="ctr"/>
+            <a:r>
+              <a:rPr lang="en-US" sz="2400" dirty="0">
+                <a:latin typeface="Trebuchet MS" pitchFamily="34" charset="0"/>
+              </a:rPr>
+              <a:t>(c) Out-of-sample predictions versus observations</a:t>
+            </a:r>
+          </a:p>
+        </p:txBody>
+      </p:sp>
+      <p:sp>
+        <p:nvSpPr>
+          <p:cNvPr id="48" name="Rectangle 47">
+            <a:extLst>
+              <a:ext uri="{FF2B5EF4-FFF2-40B4-BE49-F238E27FC236}">
+                <a16:creationId xmlns:a16="http://schemas.microsoft.com/office/drawing/2014/main" id="{03EBAB95-6521-CF4E-96AC-A9D4760F59E4}"/>
+              </a:ext>
+            </a:extLst>
+          </p:cNvPr>
+          <p:cNvSpPr/>
+          <p:nvPr/>
+        </p:nvSpPr>
+        <p:spPr>
+          <a:xfrm>
+            <a:off x="25359424" y="26847669"/>
+            <a:ext cx="4817767" cy="461665"/>
+          </a:xfrm>
+          <a:prstGeom prst="rect">
+            <a:avLst/>
+          </a:prstGeom>
+        </p:spPr>
+        <p:txBody>
+          <a:bodyPr wrap="square">
+            <a:spAutoFit/>
+          </a:bodyPr>
+          <a:lstStyle/>
+          <a:p>
+            <a:pPr algn="ctr"/>
+            <a:r>
+              <a:rPr lang="en-US" sz="2400" dirty="0">
+                <a:latin typeface="Trebuchet MS" pitchFamily="34" charset="0"/>
+              </a:rPr>
+              <a:t>(d) </a:t>
+            </a:r>
+            <a:r>
+              <a:rPr lang="en-US" sz="2400" dirty="0" err="1">
+                <a:latin typeface="Trebuchet MS" pitchFamily="34" charset="0"/>
+              </a:rPr>
+              <a:t>Standardised</a:t>
+            </a:r>
+            <a:r>
+              <a:rPr lang="en-US" sz="2400" dirty="0">
+                <a:latin typeface="Trebuchet MS" pitchFamily="34" charset="0"/>
+              </a:rPr>
+              <a:t> residuals</a:t>
+            </a:r>
+          </a:p>
+        </p:txBody>
+      </p:sp>
+      <p:sp>
+        <p:nvSpPr>
+          <p:cNvPr id="50" name="Rectangle 49">
+            <a:extLst>
+              <a:ext uri="{FF2B5EF4-FFF2-40B4-BE49-F238E27FC236}">
+                <a16:creationId xmlns:a16="http://schemas.microsoft.com/office/drawing/2014/main" id="{D52E3873-0A88-D44B-B236-1782C21E3AC9}"/>
+              </a:ext>
+            </a:extLst>
+          </p:cNvPr>
+          <p:cNvSpPr/>
+          <p:nvPr/>
+        </p:nvSpPr>
+        <p:spPr>
+          <a:xfrm>
+            <a:off x="1300919" y="11493680"/>
+            <a:ext cx="12612620" cy="461665"/>
+          </a:xfrm>
+          <a:prstGeom prst="rect">
+            <a:avLst/>
+          </a:prstGeom>
+        </p:spPr>
+        <p:txBody>
+          <a:bodyPr wrap="square">
+            <a:spAutoFit/>
+          </a:bodyPr>
+          <a:lstStyle/>
+          <a:p>
+            <a:pPr algn="ctr"/>
+            <a:r>
+              <a:rPr lang="en-US" sz="2400" dirty="0">
+                <a:latin typeface="Trebuchet MS" pitchFamily="34" charset="0"/>
+              </a:rPr>
+              <a:t>Windstorm Imogen footprint over France</a:t>
+            </a:r>
+          </a:p>
+        </p:txBody>
+      </p:sp>
     </p:spTree>
     <p:extLst>
       <p:ext uri="{BB962C8B-B14F-4D97-AF65-F5344CB8AC3E}">

--- a/Poster/DF_GPs_v1.0.pptx
+++ b/Poster/DF_GPs_v1.0.pptx
@@ -2374,7 +2374,7 @@
               <a:graphicData uri="http://schemas.openxmlformats.org/presentationml/2006/ole">
                 <mc:AlternateContent xmlns:mc="http://schemas.openxmlformats.org/markup-compatibility/2006">
                   <mc:Choice xmlns:v="urn:schemas-microsoft-com:vml" Requires="v">
-                    <p:oleObj spid="_x0000_s7210" name="Image" r:id="rId8" imgW="1828440" imgH="1117440" progId="Photoshop.Image.13">
+                    <p:oleObj spid="_x0000_s7262" name="Image" r:id="rId8" imgW="1828440" imgH="1117440" progId="Photoshop.Image.13">
                       <p:embed/>
                     </p:oleObj>
                   </mc:Choice>
@@ -2431,7 +2431,7 @@
               <a:graphicData uri="http://schemas.openxmlformats.org/presentationml/2006/ole">
                 <mc:AlternateContent xmlns:mc="http://schemas.openxmlformats.org/markup-compatibility/2006">
                   <mc:Choice xmlns:v="urn:schemas-microsoft-com:vml" Requires="v">
-                    <p:oleObj spid="_x0000_s7211" name="Image" r:id="rId10" imgW="1828440" imgH="1117440" progId="Photoshop.Image.13">
+                    <p:oleObj spid="_x0000_s7263" name="Image" r:id="rId10" imgW="1828440" imgH="1117440" progId="Photoshop.Image.13">
                       <p:embed/>
                     </p:oleObj>
                   </mc:Choice>
@@ -3566,7 +3566,7 @@
             <a:graphicData uri="http://schemas.openxmlformats.org/presentationml/2006/ole">
               <mc:AlternateContent xmlns:mc="http://schemas.openxmlformats.org/markup-compatibility/2006">
                 <mc:Choice xmlns:v="urn:schemas-microsoft-com:vml" Requires="v">
-                  <p:oleObj spid="_x0000_s7212" name="Image" r:id="rId12" imgW="4571280" imgH="1688760" progId="Photoshop.Image.13">
+                  <p:oleObj spid="_x0000_s7264" name="Image" r:id="rId12" imgW="4571280" imgH="1688760" progId="Photoshop.Image.13">
                     <p:embed/>
                   </p:oleObj>
                 </mc:Choice>
@@ -3650,7 +3650,7 @@
             <a:graphicData uri="http://schemas.openxmlformats.org/presentationml/2006/ole">
               <mc:AlternateContent xmlns:mc="http://schemas.openxmlformats.org/markup-compatibility/2006">
                 <mc:Choice xmlns:v="urn:schemas-microsoft-com:vml" Requires="v">
-                  <p:oleObj spid="_x0000_s7213" name="Image" r:id="rId15" imgW="1574280" imgH="1053720" progId="Photoshop.Image.13">
+                  <p:oleObj spid="_x0000_s7265" name="Image" r:id="rId15" imgW="1574280" imgH="1053720" progId="Photoshop.Image.13">
                     <p:embed/>
                   </p:oleObj>
                 </mc:Choice>
@@ -5713,7 +5713,7 @@
               <a:graphicData uri="http://schemas.openxmlformats.org/presentationml/2006/ole">
                 <mc:AlternateContent xmlns:mc="http://schemas.openxmlformats.org/markup-compatibility/2006">
                   <mc:Choice xmlns:v="urn:schemas-microsoft-com:vml" Requires="v">
-                    <p:oleObj spid="_x0000_s8214" name="Image" r:id="rId7" imgW="1828440" imgH="1117440" progId="Photoshop.Image.13">
+                    <p:oleObj spid="_x0000_s8266" name="Image" r:id="rId7" imgW="1828440" imgH="1117440" progId="Photoshop.Image.13">
                       <p:embed/>
                     </p:oleObj>
                   </mc:Choice>
@@ -5770,7 +5770,7 @@
               <a:graphicData uri="http://schemas.openxmlformats.org/presentationml/2006/ole">
                 <mc:AlternateContent xmlns:mc="http://schemas.openxmlformats.org/markup-compatibility/2006">
                   <mc:Choice xmlns:v="urn:schemas-microsoft-com:vml" Requires="v">
-                    <p:oleObj spid="_x0000_s8215" name="Image" r:id="rId9" imgW="1828440" imgH="1117440" progId="Photoshop.Image.13">
+                    <p:oleObj spid="_x0000_s8267" name="Image" r:id="rId9" imgW="1828440" imgH="1117440" progId="Photoshop.Image.13">
                       <p:embed/>
                     </p:oleObj>
                   </mc:Choice>
@@ -6905,7 +6905,7 @@
             <a:graphicData uri="http://schemas.openxmlformats.org/presentationml/2006/ole">
               <mc:AlternateContent xmlns:mc="http://schemas.openxmlformats.org/markup-compatibility/2006">
                 <mc:Choice xmlns:v="urn:schemas-microsoft-com:vml" Requires="v">
-                  <p:oleObj spid="_x0000_s8216" name="Image" r:id="rId11" imgW="4571280" imgH="1688760" progId="Photoshop.Image.13">
+                  <p:oleObj spid="_x0000_s8268" name="Image" r:id="rId11" imgW="4571280" imgH="1688760" progId="Photoshop.Image.13">
                     <p:embed/>
                   </p:oleObj>
                 </mc:Choice>
@@ -6989,7 +6989,7 @@
             <a:graphicData uri="http://schemas.openxmlformats.org/presentationml/2006/ole">
               <mc:AlternateContent xmlns:mc="http://schemas.openxmlformats.org/markup-compatibility/2006">
                 <mc:Choice xmlns:v="urn:schemas-microsoft-com:vml" Requires="v">
-                  <p:oleObj spid="_x0000_s8217" name="Image" r:id="rId14" imgW="1574280" imgH="1053720" progId="Photoshop.Image.13">
+                  <p:oleObj spid="_x0000_s8269" name="Image" r:id="rId14" imgW="1574280" imgH="1053720" progId="Photoshop.Image.13">
                     <p:embed/>
                   </p:oleObj>
                 </mc:Choice>
@@ -7643,7 +7643,7 @@
         </p:nvSpPr>
         <p:spPr>
           <a:xfrm>
-            <a:off x="16744504" y="33024753"/>
+            <a:off x="16744052" y="33371721"/>
             <a:ext cx="15264000" cy="547200"/>
           </a:xfrm>
           <a:prstGeom prst="rect">
@@ -7683,7 +7683,7 @@
         </p:nvSpPr>
         <p:spPr>
           <a:xfrm>
-            <a:off x="16747205" y="37617462"/>
+            <a:off x="16725455" y="37914335"/>
             <a:ext cx="15264000" cy="547200"/>
           </a:xfrm>
           <a:solidFill>
@@ -7718,8 +7718,8 @@
         </p:nvSpPr>
         <p:spPr>
           <a:xfrm>
-            <a:off x="16728156" y="38092033"/>
-            <a:ext cx="15584055" cy="5072750"/>
+            <a:off x="16672341" y="38246827"/>
+            <a:ext cx="15584055" cy="4273557"/>
           </a:xfrm>
         </p:spPr>
         <p:txBody>
@@ -7796,17 +7796,6 @@
               <a:rPr lang="en-GB" sz="2000" dirty="0"/>
               <a:t>, M. (2017). Adaptive multiple importance sampling for Gaussian processes. Journal of Statistical Computation and Simulation, 87(8), 1644-1665.</a:t>
             </a:r>
-            <a:br>
-              <a:rPr lang="en-GB" dirty="0"/>
-            </a:br>
-            <a:endParaRPr lang="en-GB" sz="1600" dirty="0"/>
-          </a:p>
-          <a:p>
-            <a:pPr>
-              <a:lnSpc>
-                <a:spcPct val="150000"/>
-              </a:lnSpc>
-            </a:pPr>
             <a:endParaRPr lang="en-GB" sz="1600" dirty="0"/>
           </a:p>
         </p:txBody>
@@ -8049,8 +8038,8 @@
         </p:nvSpPr>
         <p:spPr>
           <a:xfrm>
-            <a:off x="16440344" y="6611108"/>
-            <a:ext cx="15872319" cy="2224920"/>
+            <a:off x="16453846" y="6484314"/>
+            <a:ext cx="15872319" cy="1264657"/>
           </a:xfrm>
           <a:prstGeom prst="rect">
             <a:avLst/>
@@ -8218,37 +8207,13 @@
                   <a:schemeClr val="tx1"/>
                 </a:solidFill>
               </a:rPr>
-              <a:t>  over 100 simulations for Kriging and the DF approach </a:t>
+              <a:t>  over 100 simulations for Kriging and the DF approach</a:t>
             </a:r>
-          </a:p>
-          <a:p>
-            <a:pPr algn="ctr"/>
-            <a:endParaRPr lang="en-GB" sz="2400" dirty="0">
-              <a:solidFill>
-                <a:schemeClr val="tx1"/>
-              </a:solidFill>
-            </a:endParaRPr>
-          </a:p>
-          <a:p>
-            <a:pPr algn="ctr"/>
-            <a:r>
-              <a:rPr lang="en-GB" sz="2400" dirty="0">
-                <a:solidFill>
-                  <a:schemeClr val="tx1"/>
-                </a:solidFill>
-              </a:rPr>
-              <a:t> for Kriging and the DF approach</a:t>
-            </a:r>
-            <a:endParaRPr lang="en-US" sz="2400" dirty="0">
-              <a:solidFill>
-                <a:schemeClr val="tx1"/>
-              </a:solidFill>
-            </a:endParaRPr>
           </a:p>
         </p:txBody>
       </p:sp>
-      <mc:AlternateContent xmlns:mc="http://schemas.openxmlformats.org/markup-compatibility/2006">
-        <mc:Choice xmlns:a14="http://schemas.microsoft.com/office/drawing/2010/main" Requires="a14">
+      <mc:AlternateContent xmlns:mc="http://schemas.openxmlformats.org/markup-compatibility/2006" xmlns:a14="http://schemas.microsoft.com/office/drawing/2010/main">
+        <mc:Choice Requires="a14">
           <p:sp>
             <p:nvSpPr>
               <p:cNvPr id="55" name="Text Placeholder 345"/>
@@ -8737,7 +8702,7 @@
             </p:txBody>
           </p:sp>
         </mc:Choice>
-        <mc:Fallback>
+        <mc:Fallback xmlns="">
           <p:sp>
             <p:nvSpPr>
               <p:cNvPr id="55" name="Text Placeholder 345"/>
@@ -9723,7 +9688,7 @@
         </p:nvSpPr>
         <p:spPr>
           <a:xfrm>
-            <a:off x="16728156" y="20340699"/>
+            <a:off x="16761159" y="20109167"/>
             <a:ext cx="15264000" cy="547200"/>
           </a:xfrm>
           <a:prstGeom prst="rect">
@@ -11347,7 +11312,7 @@
             </p:nvSpPr>
             <p:spPr>
               <a:xfrm>
-                <a:off x="485498" y="40759484"/>
+                <a:off x="492240" y="40563627"/>
                 <a:ext cx="15637169" cy="868058"/>
               </a:xfrm>
               <a:prstGeom prst="rect">
@@ -11521,14 +11486,26 @@
                         <m:sty m:val="p"/>
                       </m:rPr>
                       <a:rPr lang="en-US" sz="2400" dirty="0">
-                        <a:latin typeface="Cambria Math" panose="02040503050406030204" pitchFamily="18" charset="0"/>
+                        <a:solidFill>
+                          <a:schemeClr val="accent5">
+                            <a:lumMod val="50000"/>
+                          </a:schemeClr>
+                        </a:solidFill>
+                        <a:latin typeface="Trebuchet MS" panose="020B0603020202020204" pitchFamily="34" charset="0"/>
                       </a:rPr>
                       <m:t>X</m:t>
                     </m:r>
                   </m:oMath>
                 </a14:m>
                 <a:r>
-                  <a:rPr lang="en-US" sz="2400" dirty="0"/>
+                  <a:rPr lang="en-US" sz="2400" dirty="0">
+                    <a:solidFill>
+                      <a:schemeClr val="accent5">
+                        <a:lumMod val="50000"/>
+                      </a:schemeClr>
+                    </a:solidFill>
+                    <a:latin typeface="Trebuchet MS" panose="020B0603020202020204" pitchFamily="34" charset="0"/>
+                  </a:rPr>
                   <a:t>(</a:t>
                 </a:r>
                 <a14:m>
@@ -11536,31 +11513,51 @@
                     <m:sSub>
                       <m:sSubPr>
                         <m:ctrlPr>
-                          <a:rPr lang="en-US" sz="2400" i="1" dirty="0">
-                            <a:latin typeface="Cambria Math" panose="02040503050406030204" pitchFamily="18" charset="0"/>
+                          <a:rPr lang="en-US" sz="2400" dirty="0">
+                            <a:solidFill>
+                              <a:schemeClr val="accent5">
+                                <a:lumMod val="50000"/>
+                              </a:schemeClr>
+                            </a:solidFill>
+                            <a:latin typeface="Trebuchet MS" panose="020B0603020202020204" pitchFamily="34" charset="0"/>
                           </a:rPr>
                         </m:ctrlPr>
                       </m:sSubPr>
                       <m:e>
                         <m:r>
-                          <a:rPr lang="en-US" sz="2400" i="1" dirty="0">
-                            <a:latin typeface="Cambria Math" panose="02040503050406030204" pitchFamily="18" charset="0"/>
+                          <a:rPr lang="en-US" sz="2400" dirty="0">
+                            <a:solidFill>
+                              <a:schemeClr val="accent5">
+                                <a:lumMod val="50000"/>
+                              </a:schemeClr>
+                            </a:solidFill>
+                            <a:latin typeface="Trebuchet MS" panose="020B0603020202020204" pitchFamily="34" charset="0"/>
                           </a:rPr>
                           <m:t>𝐴</m:t>
                         </m:r>
                       </m:e>
                       <m:sub>
                         <m:r>
-                          <a:rPr lang="en-US" sz="2400" i="1" dirty="0">
-                            <a:latin typeface="Cambria Math" panose="02040503050406030204" pitchFamily="18" charset="0"/>
+                          <a:rPr lang="en-US" sz="2400" dirty="0">
+                            <a:solidFill>
+                              <a:schemeClr val="accent5">
+                                <a:lumMod val="50000"/>
+                              </a:schemeClr>
+                            </a:solidFill>
+                            <a:latin typeface="Trebuchet MS" panose="020B0603020202020204" pitchFamily="34" charset="0"/>
                           </a:rPr>
                           <m:t>𝑖</m:t>
                         </m:r>
                       </m:sub>
                     </m:sSub>
                     <m:r>
-                      <a:rPr lang="en-US" sz="2400" i="1" dirty="0">
-                        <a:latin typeface="Cambria Math" panose="02040503050406030204" pitchFamily="18" charset="0"/>
+                      <a:rPr lang="en-US" sz="2400" dirty="0">
+                        <a:solidFill>
+                          <a:schemeClr val="accent5">
+                            <a:lumMod val="50000"/>
+                          </a:schemeClr>
+                        </a:solidFill>
+                        <a:latin typeface="Trebuchet MS" panose="020B0603020202020204" pitchFamily="34" charset="0"/>
                       </a:rPr>
                       <m:t>) </m:t>
                     </m:r>
@@ -11618,7 +11615,7 @@
             </p:nvSpPr>
             <p:spPr>
               <a:xfrm>
-                <a:off x="485498" y="40759484"/>
+                <a:off x="492240" y="40563627"/>
                 <a:ext cx="15637169" cy="868058"/>
               </a:xfrm>
               <a:prstGeom prst="rect">
@@ -11627,7 +11624,7 @@
               <a:blipFill>
                 <a:blip r:embed="rId8"/>
                 <a:stretch>
-                  <a:fillRect l="-487" b="-51429"/>
+                  <a:fillRect l="-487" b="-53623"/>
                 </a:stretch>
               </a:blipFill>
             </p:spPr>
@@ -11676,8 +11673,8 @@
           </a:prstGeom>
         </p:spPr>
       </p:pic>
-      <mc:AlternateContent xmlns:mc="http://schemas.openxmlformats.org/markup-compatibility/2006">
-        <mc:Choice xmlns:a14="http://schemas.microsoft.com/office/drawing/2010/main" Requires="a14">
+      <mc:AlternateContent xmlns:mc="http://schemas.openxmlformats.org/markup-compatibility/2006" xmlns:a14="http://schemas.microsoft.com/office/drawing/2010/main">
+        <mc:Choice Requires="a14">
           <p:sp>
             <p:nvSpPr>
               <p:cNvPr id="86" name="Text Placeholder 345">
@@ -12920,7 +12917,7 @@
             </p:txBody>
           </p:sp>
         </mc:Choice>
-        <mc:Fallback>
+        <mc:Fallback xmlns="">
           <p:sp>
             <p:nvSpPr>
               <p:cNvPr id="86" name="Text Placeholder 345">
@@ -12993,7 +12990,7 @@
         </p:blipFill>
         <p:spPr>
           <a:xfrm>
-            <a:off x="16772877" y="7721563"/>
+            <a:off x="16777780" y="7594616"/>
             <a:ext cx="4966157" cy="3894221"/>
           </a:xfrm>
           <a:prstGeom prst="rect">
@@ -13029,7 +13026,7 @@
         </p:blipFill>
         <p:spPr>
           <a:xfrm>
-            <a:off x="26962974" y="7717870"/>
+            <a:off x="26967877" y="7590923"/>
             <a:ext cx="4907939" cy="3879982"/>
           </a:xfrm>
           <a:prstGeom prst="rect">
@@ -13065,7 +13062,7 @@
         </p:blipFill>
         <p:spPr>
           <a:xfrm>
-            <a:off x="21739034" y="7733776"/>
+            <a:off x="21743937" y="7606829"/>
             <a:ext cx="5269578" cy="3882008"/>
           </a:xfrm>
           <a:prstGeom prst="rect">
@@ -13101,7 +13098,7 @@
         </p:blipFill>
         <p:spPr>
           <a:xfrm>
-            <a:off x="21767344" y="14658060"/>
+            <a:off x="21744515" y="14536858"/>
             <a:ext cx="4924860" cy="3785360"/>
           </a:xfrm>
           <a:prstGeom prst="rect">
@@ -13137,7 +13134,7 @@
         </p:blipFill>
         <p:spPr>
           <a:xfrm>
-            <a:off x="26692204" y="14643593"/>
+            <a:off x="26669375" y="14522391"/>
             <a:ext cx="4944020" cy="3800087"/>
           </a:xfrm>
           <a:prstGeom prst="rect">
@@ -13173,7 +13170,7 @@
         </p:blipFill>
         <p:spPr>
           <a:xfrm>
-            <a:off x="16842483" y="14658061"/>
+            <a:off x="16819654" y="14536859"/>
             <a:ext cx="4924861" cy="3785360"/>
           </a:xfrm>
           <a:prstGeom prst="rect">
@@ -13209,7 +13206,7 @@
         </p:blipFill>
         <p:spPr>
           <a:xfrm>
-            <a:off x="18284450" y="20890402"/>
+            <a:off x="18228071" y="21239380"/>
             <a:ext cx="10972800" cy="4572000"/>
           </a:xfrm>
           <a:prstGeom prst="rect">
@@ -13245,7 +13242,7 @@
         </p:blipFill>
         <p:spPr>
           <a:xfrm>
-            <a:off x="18113345" y="27358894"/>
+            <a:off x="18150269" y="27689771"/>
             <a:ext cx="5854700" cy="4381500"/>
           </a:xfrm>
           <a:prstGeom prst="rect">
@@ -13281,7 +13278,7 @@
         </p:blipFill>
         <p:spPr>
           <a:xfrm>
-            <a:off x="24958379" y="27355545"/>
+            <a:off x="24995303" y="27686422"/>
             <a:ext cx="5854700" cy="4381500"/>
           </a:xfrm>
           <a:prstGeom prst="rect">
@@ -13305,7 +13302,7 @@
         </p:nvSpPr>
         <p:spPr>
           <a:xfrm>
-            <a:off x="16675042" y="25670591"/>
+            <a:off x="16688996" y="26016689"/>
             <a:ext cx="15637169" cy="1327600"/>
           </a:xfrm>
           <a:prstGeom prst="rect">
@@ -13495,8 +13492,8 @@
           </a:p>
         </p:txBody>
       </p:sp>
-      <mc:AlternateContent xmlns:mc="http://schemas.openxmlformats.org/markup-compatibility/2006">
-        <mc:Choice xmlns:a14="http://schemas.microsoft.com/office/drawing/2010/main" Requires="a14">
+      <mc:AlternateContent xmlns:mc="http://schemas.openxmlformats.org/markup-compatibility/2006" xmlns:a14="http://schemas.microsoft.com/office/drawing/2010/main">
+        <mc:Choice Requires="a14">
           <p:sp>
             <p:nvSpPr>
               <p:cNvPr id="41" name="Text Placeholder 345">
@@ -13906,7 +13903,7 @@
             </p:txBody>
           </p:sp>
         </mc:Choice>
-        <mc:Fallback>
+        <mc:Fallback xmlns="">
           <p:sp>
             <p:nvSpPr>
               <p:cNvPr id="41" name="Text Placeholder 345">
@@ -13967,7 +13964,7 @@
         </p:nvSpPr>
         <p:spPr>
           <a:xfrm>
-            <a:off x="16772877" y="33727471"/>
+            <a:off x="16746686" y="34074524"/>
             <a:ext cx="14889169" cy="3673565"/>
           </a:xfrm>
           <a:prstGeom prst="rect">
@@ -14197,8 +14194,8 @@
           </a:p>
         </p:txBody>
       </p:sp>
-      <mc:AlternateContent xmlns:mc="http://schemas.openxmlformats.org/markup-compatibility/2006" xmlns:a14="http://schemas.microsoft.com/office/drawing/2010/main">
-        <mc:Choice Requires="a14">
+      <mc:AlternateContent xmlns:mc="http://schemas.openxmlformats.org/markup-compatibility/2006">
+        <mc:Choice xmlns:a14="http://schemas.microsoft.com/office/drawing/2010/main" Requires="a14">
           <p:sp>
             <p:nvSpPr>
               <p:cNvPr id="2" name="Rectangle 1">
@@ -14213,7 +14210,7 @@
             </p:nvSpPr>
             <p:spPr>
               <a:xfrm>
-                <a:off x="17923464" y="14196394"/>
+                <a:off x="17900635" y="14075192"/>
                 <a:ext cx="12612620" cy="461665"/>
               </a:xfrm>
               <a:prstGeom prst="rect">
@@ -14272,7 +14269,7 @@
             </p:txBody>
           </p:sp>
         </mc:Choice>
-        <mc:Fallback xmlns="">
+        <mc:Fallback>
           <p:sp>
             <p:nvSpPr>
               <p:cNvPr id="2" name="Rectangle 1">
@@ -14289,7 +14286,7 @@
             </p:nvSpPr>
             <p:spPr>
               <a:xfrm>
-                <a:off x="17923464" y="14196394"/>
+                <a:off x="17900635" y="14075192"/>
                 <a:ext cx="12612620" cy="461665"/>
               </a:xfrm>
               <a:prstGeom prst="rect">
@@ -14298,7 +14295,7 @@
               <a:blipFill>
                 <a:blip r:embed="rId21"/>
                 <a:stretch>
-                  <a:fillRect t="-8108" b="-27027"/>
+                  <a:fillRect t="-7895" b="-26316"/>
                 </a:stretch>
               </a:blipFill>
             </p:spPr>
@@ -14333,7 +14330,7 @@
         </p:nvSpPr>
         <p:spPr>
           <a:xfrm>
-            <a:off x="16766881" y="18368461"/>
+            <a:off x="16744052" y="18247259"/>
             <a:ext cx="15296781" cy="1897503"/>
           </a:xfrm>
           <a:prstGeom prst="rect">
@@ -14539,8 +14536,8 @@
         </p:nvSpPr>
         <p:spPr>
           <a:xfrm>
-            <a:off x="16744504" y="11590862"/>
-            <a:ext cx="15296781" cy="1790757"/>
+            <a:off x="16749407" y="11463915"/>
+            <a:ext cx="15296781" cy="2329606"/>
           </a:xfrm>
           <a:prstGeom prst="rect">
             <a:avLst/>
@@ -14765,7 +14762,7 @@
         </p:nvSpPr>
         <p:spPr>
           <a:xfrm>
-            <a:off x="16766881" y="31808884"/>
+            <a:off x="16772026" y="32278812"/>
             <a:ext cx="15637169" cy="1206916"/>
           </a:xfrm>
           <a:prstGeom prst="rect">
@@ -14985,7 +14982,7 @@
         </p:nvSpPr>
         <p:spPr>
           <a:xfrm>
-            <a:off x="17150072" y="26822040"/>
+            <a:off x="17186996" y="27152917"/>
             <a:ext cx="7435393" cy="461665"/>
           </a:xfrm>
           <a:prstGeom prst="rect">
@@ -15022,7 +15019,7 @@
         </p:nvSpPr>
         <p:spPr>
           <a:xfrm>
-            <a:off x="25359424" y="26847669"/>
+            <a:off x="25396348" y="27178546"/>
             <a:ext cx="4817767" cy="461665"/>
           </a:xfrm>
           <a:prstGeom prst="rect">
@@ -15090,6 +15087,42 @@
                 <a:latin typeface="Trebuchet MS" pitchFamily="34" charset="0"/>
               </a:rPr>
               <a:t>Windstorm Imogen footprint over France</a:t>
+            </a:r>
+          </a:p>
+        </p:txBody>
+      </p:sp>
+      <p:sp>
+        <p:nvSpPr>
+          <p:cNvPr id="52" name="Rectangle 51">
+            <a:extLst>
+              <a:ext uri="{FF2B5EF4-FFF2-40B4-BE49-F238E27FC236}">
+                <a16:creationId xmlns:a16="http://schemas.microsoft.com/office/drawing/2014/main" id="{9538E286-3426-BD41-AB94-529A65F174B0}"/>
+              </a:ext>
+            </a:extLst>
+          </p:cNvPr>
+          <p:cNvSpPr/>
+          <p:nvPr/>
+        </p:nvSpPr>
+        <p:spPr>
+          <a:xfrm>
+            <a:off x="17058107" y="20714452"/>
+            <a:ext cx="14983707" cy="461665"/>
+          </a:xfrm>
+          <a:prstGeom prst="rect">
+            <a:avLst/>
+          </a:prstGeom>
+        </p:spPr>
+        <p:txBody>
+          <a:bodyPr wrap="square">
+            <a:spAutoFit/>
+          </a:bodyPr>
+          <a:lstStyle/>
+          <a:p>
+            <a:r>
+              <a:rPr lang="en-US" sz="2400" dirty="0">
+                <a:latin typeface="Trebuchet MS" pitchFamily="34" charset="0"/>
+              </a:rPr>
+              <a:t>(a) Observations and model outputs to fit the DF model  (b) Observations and predicted model outputs</a:t>
             </a:r>
           </a:p>
         </p:txBody>

--- a/Poster/DF_GPs_v1.0.pptx
+++ b/Poster/DF_GPs_v1.0.pptx
@@ -266,7 +266,7 @@
             <a:fld id="{0158C5BC-9A70-462C-B28D-9600239EAC64}" type="datetimeFigureOut">
               <a:rPr lang="en-US" smtClean="0"/>
               <a:pPr/>
-              <a:t>10/15/19</a:t>
+              <a:t>10/16/19</a:t>
             </a:fld>
             <a:endParaRPr lang="en-US"/>
           </a:p>
@@ -433,7 +433,7 @@
             <a:fld id="{E6CC2317-6751-4CD4-9995-8782DD78E936}" type="datetimeFigureOut">
               <a:rPr lang="en-US" smtClean="0"/>
               <a:pPr/>
-              <a:t>10/15/19</a:t>
+              <a:t>10/16/19</a:t>
             </a:fld>
             <a:endParaRPr lang="en-US" dirty="0"/>
           </a:p>
@@ -2374,7 +2374,7 @@
               <a:graphicData uri="http://schemas.openxmlformats.org/presentationml/2006/ole">
                 <mc:AlternateContent xmlns:mc="http://schemas.openxmlformats.org/markup-compatibility/2006">
                   <mc:Choice xmlns:v="urn:schemas-microsoft-com:vml" Requires="v">
-                    <p:oleObj spid="_x0000_s7262" name="Image" r:id="rId8" imgW="1828440" imgH="1117440" progId="Photoshop.Image.13">
+                    <p:oleObj spid="_x0000_s7278" name="Image" r:id="rId8" imgW="1828440" imgH="1117440" progId="Photoshop.Image.13">
                       <p:embed/>
                     </p:oleObj>
                   </mc:Choice>
@@ -2431,7 +2431,7 @@
               <a:graphicData uri="http://schemas.openxmlformats.org/presentationml/2006/ole">
                 <mc:AlternateContent xmlns:mc="http://schemas.openxmlformats.org/markup-compatibility/2006">
                   <mc:Choice xmlns:v="urn:schemas-microsoft-com:vml" Requires="v">
-                    <p:oleObj spid="_x0000_s7263" name="Image" r:id="rId10" imgW="1828440" imgH="1117440" progId="Photoshop.Image.13">
+                    <p:oleObj spid="_x0000_s7279" name="Image" r:id="rId10" imgW="1828440" imgH="1117440" progId="Photoshop.Image.13">
                       <p:embed/>
                     </p:oleObj>
                   </mc:Choice>
@@ -3566,7 +3566,7 @@
             <a:graphicData uri="http://schemas.openxmlformats.org/presentationml/2006/ole">
               <mc:AlternateContent xmlns:mc="http://schemas.openxmlformats.org/markup-compatibility/2006">
                 <mc:Choice xmlns:v="urn:schemas-microsoft-com:vml" Requires="v">
-                  <p:oleObj spid="_x0000_s7264" name="Image" r:id="rId12" imgW="4571280" imgH="1688760" progId="Photoshop.Image.13">
+                  <p:oleObj spid="_x0000_s7280" name="Image" r:id="rId12" imgW="4571280" imgH="1688760" progId="Photoshop.Image.13">
                     <p:embed/>
                   </p:oleObj>
                 </mc:Choice>
@@ -3650,7 +3650,7 @@
             <a:graphicData uri="http://schemas.openxmlformats.org/presentationml/2006/ole">
               <mc:AlternateContent xmlns:mc="http://schemas.openxmlformats.org/markup-compatibility/2006">
                 <mc:Choice xmlns:v="urn:schemas-microsoft-com:vml" Requires="v">
-                  <p:oleObj spid="_x0000_s7265" name="Image" r:id="rId15" imgW="1574280" imgH="1053720" progId="Photoshop.Image.13">
+                  <p:oleObj spid="_x0000_s7281" name="Image" r:id="rId15" imgW="1574280" imgH="1053720" progId="Photoshop.Image.13">
                     <p:embed/>
                   </p:oleObj>
                 </mc:Choice>
@@ -5713,7 +5713,7 @@
               <a:graphicData uri="http://schemas.openxmlformats.org/presentationml/2006/ole">
                 <mc:AlternateContent xmlns:mc="http://schemas.openxmlformats.org/markup-compatibility/2006">
                   <mc:Choice xmlns:v="urn:schemas-microsoft-com:vml" Requires="v">
-                    <p:oleObj spid="_x0000_s8266" name="Image" r:id="rId7" imgW="1828440" imgH="1117440" progId="Photoshop.Image.13">
+                    <p:oleObj spid="_x0000_s8282" name="Image" r:id="rId7" imgW="1828440" imgH="1117440" progId="Photoshop.Image.13">
                       <p:embed/>
                     </p:oleObj>
                   </mc:Choice>
@@ -5770,7 +5770,7 @@
               <a:graphicData uri="http://schemas.openxmlformats.org/presentationml/2006/ole">
                 <mc:AlternateContent xmlns:mc="http://schemas.openxmlformats.org/markup-compatibility/2006">
                   <mc:Choice xmlns:v="urn:schemas-microsoft-com:vml" Requires="v">
-                    <p:oleObj spid="_x0000_s8267" name="Image" r:id="rId9" imgW="1828440" imgH="1117440" progId="Photoshop.Image.13">
+                    <p:oleObj spid="_x0000_s8283" name="Image" r:id="rId9" imgW="1828440" imgH="1117440" progId="Photoshop.Image.13">
                       <p:embed/>
                     </p:oleObj>
                   </mc:Choice>
@@ -6905,7 +6905,7 @@
             <a:graphicData uri="http://schemas.openxmlformats.org/presentationml/2006/ole">
               <mc:AlternateContent xmlns:mc="http://schemas.openxmlformats.org/markup-compatibility/2006">
                 <mc:Choice xmlns:v="urn:schemas-microsoft-com:vml" Requires="v">
-                  <p:oleObj spid="_x0000_s8268" name="Image" r:id="rId11" imgW="4571280" imgH="1688760" progId="Photoshop.Image.13">
+                  <p:oleObj spid="_x0000_s8284" name="Image" r:id="rId11" imgW="4571280" imgH="1688760" progId="Photoshop.Image.13">
                     <p:embed/>
                   </p:oleObj>
                 </mc:Choice>
@@ -6989,7 +6989,7 @@
             <a:graphicData uri="http://schemas.openxmlformats.org/presentationml/2006/ole">
               <mc:AlternateContent xmlns:mc="http://schemas.openxmlformats.org/markup-compatibility/2006">
                 <mc:Choice xmlns:v="urn:schemas-microsoft-com:vml" Requires="v">
-                  <p:oleObj spid="_x0000_s8269" name="Image" r:id="rId14" imgW="1574280" imgH="1053720" progId="Photoshop.Image.13">
+                  <p:oleObj spid="_x0000_s8285" name="Image" r:id="rId14" imgW="1574280" imgH="1053720" progId="Photoshop.Image.13">
                     <p:embed/>
                   </p:oleObj>
                 </mc:Choice>
@@ -7763,7 +7763,7 @@
             </a:r>
             <a:r>
               <a:rPr lang="en-GB" sz="2000" dirty="0" err="1"/>
-              <a:t>Brynjarsdóttir</a:t>
+              <a:t>Brynjarsdóttir</a:t>
             </a:r>
             <a:r>
               <a:rPr lang="en-GB" sz="2000" dirty="0"/>
@@ -7782,7 +7782,7 @@
             </a:r>
             <a:r>
               <a:rPr lang="en-GB" sz="2000" dirty="0" err="1"/>
-              <a:t>Šmídl</a:t>
+              <a:t>Šmídl</a:t>
             </a:r>
             <a:r>
               <a:rPr lang="en-GB" sz="2000" dirty="0"/>
@@ -11294,8 +11294,8 @@
           </a:prstGeom>
         </p:spPr>
       </p:pic>
-      <mc:AlternateContent xmlns:mc="http://schemas.openxmlformats.org/markup-compatibility/2006">
-        <mc:Choice xmlns:a14="http://schemas.microsoft.com/office/drawing/2010/main" Requires="a14">
+      <mc:AlternateContent xmlns:mc="http://schemas.openxmlformats.org/markup-compatibility/2006" xmlns:a14="http://schemas.microsoft.com/office/drawing/2010/main">
+        <mc:Choice Requires="a14">
           <p:sp>
             <p:nvSpPr>
               <p:cNvPr id="80" name="Text Placeholder 382">
@@ -11491,7 +11491,7 @@
                             <a:lumMod val="50000"/>
                           </a:schemeClr>
                         </a:solidFill>
-                        <a:latin typeface="Trebuchet MS" panose="020B0603020202020204" pitchFamily="34" charset="0"/>
+                        <a:latin typeface="Cambria Math" panose="02040503050406030204" pitchFamily="18" charset="0"/>
                       </a:rPr>
                       <m:t>X</m:t>
                     </m:r>
@@ -11513,13 +11513,13 @@
                     <m:sSub>
                       <m:sSubPr>
                         <m:ctrlPr>
-                          <a:rPr lang="en-US" sz="2400" dirty="0">
+                          <a:rPr lang="en-US" sz="2400" i="1" dirty="0">
                             <a:solidFill>
                               <a:schemeClr val="accent5">
                                 <a:lumMod val="50000"/>
                               </a:schemeClr>
                             </a:solidFill>
-                            <a:latin typeface="Trebuchet MS" panose="020B0603020202020204" pitchFamily="34" charset="0"/>
+                            <a:latin typeface="Cambria Math" panose="02040503050406030204" pitchFamily="18" charset="0"/>
                           </a:rPr>
                         </m:ctrlPr>
                       </m:sSubPr>
@@ -11531,7 +11531,7 @@
                                 <a:lumMod val="50000"/>
                               </a:schemeClr>
                             </a:solidFill>
-                            <a:latin typeface="Trebuchet MS" panose="020B0603020202020204" pitchFamily="34" charset="0"/>
+                            <a:latin typeface="Cambria Math" panose="02040503050406030204" pitchFamily="18" charset="0"/>
                           </a:rPr>
                           <m:t>𝐴</m:t>
                         </m:r>
@@ -11544,7 +11544,7 @@
                                 <a:lumMod val="50000"/>
                               </a:schemeClr>
                             </a:solidFill>
-                            <a:latin typeface="Trebuchet MS" panose="020B0603020202020204" pitchFamily="34" charset="0"/>
+                            <a:latin typeface="Cambria Math" panose="02040503050406030204" pitchFamily="18" charset="0"/>
                           </a:rPr>
                           <m:t>𝑖</m:t>
                         </m:r>
@@ -11557,7 +11557,7 @@
                             <a:lumMod val="50000"/>
                           </a:schemeClr>
                         </a:solidFill>
-                        <a:latin typeface="Trebuchet MS" panose="020B0603020202020204" pitchFamily="34" charset="0"/>
+                        <a:latin typeface="Cambria Math" panose="02040503050406030204" pitchFamily="18" charset="0"/>
                       </a:rPr>
                       <m:t>) </m:t>
                     </m:r>
@@ -11598,7 +11598,7 @@
             </p:txBody>
           </p:sp>
         </mc:Choice>
-        <mc:Fallback>
+        <mc:Fallback xmlns="">
           <p:sp>
             <p:nvSpPr>
               <p:cNvPr id="80" name="Text Placeholder 382">
@@ -14194,8 +14194,8 @@
           </a:p>
         </p:txBody>
       </p:sp>
-      <mc:AlternateContent xmlns:mc="http://schemas.openxmlformats.org/markup-compatibility/2006">
-        <mc:Choice xmlns:a14="http://schemas.microsoft.com/office/drawing/2010/main" Requires="a14">
+      <mc:AlternateContent xmlns:mc="http://schemas.openxmlformats.org/markup-compatibility/2006" xmlns:a14="http://schemas.microsoft.com/office/drawing/2010/main">
+        <mc:Choice Requires="a14">
           <p:sp>
             <p:nvSpPr>
               <p:cNvPr id="2" name="Rectangle 1">
@@ -14269,7 +14269,7 @@
             </p:txBody>
           </p:sp>
         </mc:Choice>
-        <mc:Fallback>
+        <mc:Fallback xmlns="">
           <p:sp>
             <p:nvSpPr>
               <p:cNvPr id="2" name="Rectangle 1">
